--- a/genekor.pptx
+++ b/genekor.pptx
@@ -7,12 +7,14 @@
   <p:sldIdLst>
     <p:sldId id="256" r:id="rId2"/>
     <p:sldId id="257" r:id="rId3"/>
-    <p:sldId id="258" r:id="rId4"/>
-    <p:sldId id="259" r:id="rId5"/>
-    <p:sldId id="260" r:id="rId6"/>
-    <p:sldId id="261" r:id="rId7"/>
-    <p:sldId id="262" r:id="rId8"/>
-    <p:sldId id="263" r:id="rId9"/>
+    <p:sldId id="264" r:id="rId4"/>
+    <p:sldId id="265" r:id="rId5"/>
+    <p:sldId id="258" r:id="rId6"/>
+    <p:sldId id="259" r:id="rId7"/>
+    <p:sldId id="260" r:id="rId8"/>
+    <p:sldId id="261" r:id="rId9"/>
+    <p:sldId id="262" r:id="rId10"/>
+    <p:sldId id="263" r:id="rId11"/>
   </p:sldIdLst>
   <p:sldSz cx="12192000" cy="6858000"/>
   <p:notesSz cx="6858000" cy="9144000"/>
@@ -257,6 +259,3509 @@
 </pc:chgInfo>
 </file>
 
+<file path=ppt/diagrams/colors1.xml><?xml version="1.0" encoding="utf-8"?>
+<dgm:colorsDef xmlns:dgm="http://schemas.openxmlformats.org/drawingml/2006/diagram" xmlns:a="http://schemas.openxmlformats.org/drawingml/2006/main" uniqueId="urn:microsoft.com/office/officeart/2005/8/colors/colorful1">
+  <dgm:title val=""/>
+  <dgm:desc val=""/>
+  <dgm:catLst>
+    <dgm:cat type="colorful" pri="10100"/>
+  </dgm:catLst>
+  <dgm:styleLbl name="node0">
+    <dgm:fillClrLst meth="repeat">
+      <a:schemeClr val="accent1"/>
+    </dgm:fillClrLst>
+    <dgm:linClrLst meth="repeat">
+      <a:schemeClr val="lt1"/>
+    </dgm:linClrLst>
+    <dgm:effectClrLst/>
+    <dgm:txLinClrLst/>
+    <dgm:txFillClrLst/>
+    <dgm:txEffectClrLst/>
+  </dgm:styleLbl>
+  <dgm:styleLbl name="node1">
+    <dgm:fillClrLst meth="repeat">
+      <a:schemeClr val="accent2"/>
+      <a:schemeClr val="accent3"/>
+      <a:schemeClr val="accent4"/>
+      <a:schemeClr val="accent5"/>
+      <a:schemeClr val="accent6"/>
+    </dgm:fillClrLst>
+    <dgm:linClrLst meth="repeat">
+      <a:schemeClr val="lt1"/>
+    </dgm:linClrLst>
+    <dgm:effectClrLst/>
+    <dgm:txLinClrLst/>
+    <dgm:txFillClrLst/>
+    <dgm:txEffectClrLst/>
+  </dgm:styleLbl>
+  <dgm:styleLbl name="alignNode1">
+    <dgm:fillClrLst meth="repeat">
+      <a:schemeClr val="accent2"/>
+      <a:schemeClr val="accent3"/>
+      <a:schemeClr val="accent4"/>
+      <a:schemeClr val="accent5"/>
+      <a:schemeClr val="accent6"/>
+    </dgm:fillClrLst>
+    <dgm:linClrLst meth="repeat">
+      <a:schemeClr val="accent2"/>
+      <a:schemeClr val="accent3"/>
+      <a:schemeClr val="accent4"/>
+      <a:schemeClr val="accent5"/>
+      <a:schemeClr val="accent6"/>
+    </dgm:linClrLst>
+    <dgm:effectClrLst/>
+    <dgm:txLinClrLst/>
+    <dgm:txFillClrLst/>
+    <dgm:txEffectClrLst/>
+  </dgm:styleLbl>
+  <dgm:styleLbl name="lnNode1">
+    <dgm:fillClrLst meth="repeat">
+      <a:schemeClr val="accent2"/>
+      <a:schemeClr val="accent3"/>
+      <a:schemeClr val="accent4"/>
+      <a:schemeClr val="accent5"/>
+      <a:schemeClr val="accent6"/>
+    </dgm:fillClrLst>
+    <dgm:linClrLst meth="repeat">
+      <a:schemeClr val="lt1"/>
+    </dgm:linClrLst>
+    <dgm:effectClrLst/>
+    <dgm:txLinClrLst/>
+    <dgm:txFillClrLst/>
+    <dgm:txEffectClrLst/>
+  </dgm:styleLbl>
+  <dgm:styleLbl name="vennNode1">
+    <dgm:fillClrLst meth="repeat">
+      <a:schemeClr val="accent2">
+        <a:alpha val="50000"/>
+      </a:schemeClr>
+      <a:schemeClr val="accent3">
+        <a:alpha val="50000"/>
+      </a:schemeClr>
+      <a:schemeClr val="accent4">
+        <a:alpha val="50000"/>
+      </a:schemeClr>
+      <a:schemeClr val="accent5">
+        <a:alpha val="50000"/>
+      </a:schemeClr>
+      <a:schemeClr val="accent6">
+        <a:alpha val="50000"/>
+      </a:schemeClr>
+    </dgm:fillClrLst>
+    <dgm:linClrLst meth="repeat">
+      <a:schemeClr val="lt1"/>
+    </dgm:linClrLst>
+    <dgm:effectClrLst/>
+    <dgm:txLinClrLst/>
+    <dgm:txFillClrLst/>
+    <dgm:txEffectClrLst/>
+  </dgm:styleLbl>
+  <dgm:styleLbl name="node2">
+    <dgm:fillClrLst>
+      <a:schemeClr val="accent2"/>
+    </dgm:fillClrLst>
+    <dgm:linClrLst meth="repeat">
+      <a:schemeClr val="lt1"/>
+    </dgm:linClrLst>
+    <dgm:effectClrLst/>
+    <dgm:txLinClrLst/>
+    <dgm:txFillClrLst/>
+    <dgm:txEffectClrLst/>
+  </dgm:styleLbl>
+  <dgm:styleLbl name="node3">
+    <dgm:fillClrLst>
+      <a:schemeClr val="accent3"/>
+    </dgm:fillClrLst>
+    <dgm:linClrLst meth="repeat">
+      <a:schemeClr val="lt1"/>
+    </dgm:linClrLst>
+    <dgm:effectClrLst/>
+    <dgm:txLinClrLst/>
+    <dgm:txFillClrLst/>
+    <dgm:txEffectClrLst/>
+  </dgm:styleLbl>
+  <dgm:styleLbl name="node4">
+    <dgm:fillClrLst>
+      <a:schemeClr val="accent4"/>
+    </dgm:fillClrLst>
+    <dgm:linClrLst meth="repeat">
+      <a:schemeClr val="lt1"/>
+    </dgm:linClrLst>
+    <dgm:effectClrLst/>
+    <dgm:txLinClrLst/>
+    <dgm:txFillClrLst/>
+    <dgm:txEffectClrLst/>
+  </dgm:styleLbl>
+  <dgm:styleLbl name="fgImgPlace1">
+    <dgm:fillClrLst meth="repeat">
+      <a:schemeClr val="accent2">
+        <a:tint val="50000"/>
+      </a:schemeClr>
+      <a:schemeClr val="accent3">
+        <a:tint val="50000"/>
+      </a:schemeClr>
+      <a:schemeClr val="accent4">
+        <a:tint val="50000"/>
+      </a:schemeClr>
+      <a:schemeClr val="accent5">
+        <a:tint val="50000"/>
+      </a:schemeClr>
+      <a:schemeClr val="accent6">
+        <a:tint val="50000"/>
+      </a:schemeClr>
+    </dgm:fillClrLst>
+    <dgm:linClrLst meth="repeat">
+      <a:schemeClr val="lt1"/>
+    </dgm:linClrLst>
+    <dgm:effectClrLst/>
+    <dgm:txLinClrLst/>
+    <dgm:txFillClrLst meth="repeat">
+      <a:schemeClr val="lt1"/>
+    </dgm:txFillClrLst>
+    <dgm:txEffectClrLst/>
+  </dgm:styleLbl>
+  <dgm:styleLbl name="alignImgPlace1">
+    <dgm:fillClrLst>
+      <a:schemeClr val="accent1">
+        <a:tint val="50000"/>
+      </a:schemeClr>
+      <a:schemeClr val="accent2">
+        <a:tint val="20000"/>
+      </a:schemeClr>
+    </dgm:fillClrLst>
+    <dgm:linClrLst meth="repeat">
+      <a:schemeClr val="lt1"/>
+    </dgm:linClrLst>
+    <dgm:effectClrLst/>
+    <dgm:txLinClrLst/>
+    <dgm:txFillClrLst meth="repeat">
+      <a:schemeClr val="lt1"/>
+    </dgm:txFillClrLst>
+    <dgm:txEffectClrLst/>
+  </dgm:styleLbl>
+  <dgm:styleLbl name="bgImgPlace1">
+    <dgm:fillClrLst>
+      <a:schemeClr val="accent1">
+        <a:tint val="50000"/>
+      </a:schemeClr>
+      <a:schemeClr val="accent2">
+        <a:tint val="20000"/>
+      </a:schemeClr>
+    </dgm:fillClrLst>
+    <dgm:linClrLst meth="repeat">
+      <a:schemeClr val="lt1"/>
+    </dgm:linClrLst>
+    <dgm:effectClrLst/>
+    <dgm:txLinClrLst/>
+    <dgm:txFillClrLst meth="repeat">
+      <a:schemeClr val="lt1"/>
+    </dgm:txFillClrLst>
+    <dgm:txEffectClrLst/>
+  </dgm:styleLbl>
+  <dgm:styleLbl name="sibTrans2D1">
+    <dgm:fillClrLst meth="repeat">
+      <a:schemeClr val="accent2"/>
+      <a:schemeClr val="accent3"/>
+      <a:schemeClr val="accent4"/>
+      <a:schemeClr val="accent5"/>
+      <a:schemeClr val="accent6"/>
+    </dgm:fillClrLst>
+    <dgm:linClrLst meth="cycle">
+      <a:schemeClr val="lt1"/>
+    </dgm:linClrLst>
+    <dgm:effectClrLst/>
+    <dgm:txLinClrLst/>
+    <dgm:txFillClrLst/>
+    <dgm:txEffectClrLst/>
+  </dgm:styleLbl>
+  <dgm:styleLbl name="fgSibTrans2D1">
+    <dgm:fillClrLst meth="repeat">
+      <a:schemeClr val="accent2"/>
+      <a:schemeClr val="accent3"/>
+      <a:schemeClr val="accent4"/>
+      <a:schemeClr val="accent5"/>
+      <a:schemeClr val="accent6"/>
+    </dgm:fillClrLst>
+    <dgm:linClrLst meth="cycle">
+      <a:schemeClr val="lt1"/>
+    </dgm:linClrLst>
+    <dgm:effectClrLst/>
+    <dgm:txLinClrLst/>
+    <dgm:txFillClrLst meth="repeat">
+      <a:schemeClr val="lt1"/>
+    </dgm:txFillClrLst>
+    <dgm:txEffectClrLst/>
+  </dgm:styleLbl>
+  <dgm:styleLbl name="bgSibTrans2D1">
+    <dgm:fillClrLst meth="repeat">
+      <a:schemeClr val="accent2"/>
+      <a:schemeClr val="accent3"/>
+      <a:schemeClr val="accent4"/>
+      <a:schemeClr val="accent5"/>
+      <a:schemeClr val="accent6"/>
+    </dgm:fillClrLst>
+    <dgm:linClrLst meth="cycle">
+      <a:schemeClr val="lt1"/>
+    </dgm:linClrLst>
+    <dgm:effectClrLst/>
+    <dgm:txLinClrLst/>
+    <dgm:txFillClrLst meth="repeat">
+      <a:schemeClr val="lt1"/>
+    </dgm:txFillClrLst>
+    <dgm:txEffectClrLst/>
+  </dgm:styleLbl>
+  <dgm:styleLbl name="sibTrans1D1">
+    <dgm:fillClrLst meth="repeat">
+      <a:schemeClr val="accent2"/>
+      <a:schemeClr val="accent3"/>
+      <a:schemeClr val="accent4"/>
+      <a:schemeClr val="accent5"/>
+      <a:schemeClr val="accent6"/>
+    </dgm:fillClrLst>
+    <dgm:linClrLst meth="repeat">
+      <a:schemeClr val="accent2"/>
+      <a:schemeClr val="accent3"/>
+      <a:schemeClr val="accent4"/>
+      <a:schemeClr val="accent5"/>
+      <a:schemeClr val="accent6"/>
+    </dgm:linClrLst>
+    <dgm:effectClrLst/>
+    <dgm:txLinClrLst/>
+    <dgm:txFillClrLst meth="repeat">
+      <a:schemeClr val="tx1"/>
+    </dgm:txFillClrLst>
+    <dgm:txEffectClrLst/>
+  </dgm:styleLbl>
+  <dgm:styleLbl name="callout">
+    <dgm:fillClrLst meth="repeat">
+      <a:schemeClr val="accent2"/>
+    </dgm:fillClrLst>
+    <dgm:linClrLst meth="repeat">
+      <a:schemeClr val="accent2">
+        <a:tint val="50000"/>
+      </a:schemeClr>
+    </dgm:linClrLst>
+    <dgm:effectClrLst/>
+    <dgm:txLinClrLst/>
+    <dgm:txFillClrLst meth="repeat">
+      <a:schemeClr val="tx1"/>
+    </dgm:txFillClrLst>
+    <dgm:txEffectClrLst/>
+  </dgm:styleLbl>
+  <dgm:styleLbl name="asst0">
+    <dgm:fillClrLst meth="repeat">
+      <a:schemeClr val="accent1"/>
+    </dgm:fillClrLst>
+    <dgm:linClrLst meth="repeat">
+      <a:schemeClr val="lt1"/>
+    </dgm:linClrLst>
+    <dgm:effectClrLst/>
+    <dgm:txLinClrLst/>
+    <dgm:txFillClrLst/>
+    <dgm:txEffectClrLst/>
+  </dgm:styleLbl>
+  <dgm:styleLbl name="asst1">
+    <dgm:fillClrLst meth="repeat">
+      <a:schemeClr val="accent2"/>
+    </dgm:fillClrLst>
+    <dgm:linClrLst meth="repeat">
+      <a:schemeClr val="lt1"/>
+    </dgm:linClrLst>
+    <dgm:effectClrLst/>
+    <dgm:txLinClrLst/>
+    <dgm:txFillClrLst/>
+    <dgm:txEffectClrLst/>
+  </dgm:styleLbl>
+  <dgm:styleLbl name="asst2">
+    <dgm:fillClrLst>
+      <a:schemeClr val="accent3"/>
+    </dgm:fillClrLst>
+    <dgm:linClrLst meth="repeat">
+      <a:schemeClr val="lt1"/>
+    </dgm:linClrLst>
+    <dgm:effectClrLst/>
+    <dgm:txLinClrLst/>
+    <dgm:txFillClrLst/>
+    <dgm:txEffectClrLst/>
+  </dgm:styleLbl>
+  <dgm:styleLbl name="asst3">
+    <dgm:fillClrLst>
+      <a:schemeClr val="accent4"/>
+    </dgm:fillClrLst>
+    <dgm:linClrLst meth="repeat">
+      <a:schemeClr val="lt1"/>
+    </dgm:linClrLst>
+    <dgm:effectClrLst/>
+    <dgm:txLinClrLst/>
+    <dgm:txFillClrLst/>
+    <dgm:txEffectClrLst/>
+  </dgm:styleLbl>
+  <dgm:styleLbl name="asst4">
+    <dgm:fillClrLst>
+      <a:schemeClr val="accent5"/>
+    </dgm:fillClrLst>
+    <dgm:linClrLst meth="repeat">
+      <a:schemeClr val="lt1"/>
+    </dgm:linClrLst>
+    <dgm:effectClrLst/>
+    <dgm:txLinClrLst/>
+    <dgm:txFillClrLst/>
+    <dgm:txEffectClrLst/>
+  </dgm:styleLbl>
+  <dgm:styleLbl name="parChTrans2D1">
+    <dgm:fillClrLst meth="repeat">
+      <a:schemeClr val="accent2"/>
+    </dgm:fillClrLst>
+    <dgm:linClrLst meth="repeat">
+      <a:schemeClr val="lt1"/>
+    </dgm:linClrLst>
+    <dgm:effectClrLst/>
+    <dgm:txLinClrLst/>
+    <dgm:txFillClrLst meth="repeat">
+      <a:schemeClr val="lt1"/>
+    </dgm:txFillClrLst>
+    <dgm:txEffectClrLst/>
+  </dgm:styleLbl>
+  <dgm:styleLbl name="parChTrans2D2">
+    <dgm:fillClrLst meth="repeat">
+      <a:schemeClr val="accent3"/>
+    </dgm:fillClrLst>
+    <dgm:linClrLst meth="repeat">
+      <a:schemeClr val="lt1"/>
+    </dgm:linClrLst>
+    <dgm:effectClrLst/>
+    <dgm:txLinClrLst/>
+    <dgm:txFillClrLst/>
+    <dgm:txEffectClrLst/>
+  </dgm:styleLbl>
+  <dgm:styleLbl name="parChTrans2D3">
+    <dgm:fillClrLst meth="repeat">
+      <a:schemeClr val="accent4"/>
+    </dgm:fillClrLst>
+    <dgm:linClrLst meth="repeat">
+      <a:schemeClr val="lt1"/>
+    </dgm:linClrLst>
+    <dgm:effectClrLst/>
+    <dgm:txLinClrLst/>
+    <dgm:txFillClrLst/>
+    <dgm:txEffectClrLst/>
+  </dgm:styleLbl>
+  <dgm:styleLbl name="parChTrans2D4">
+    <dgm:fillClrLst meth="repeat">
+      <a:schemeClr val="accent5"/>
+    </dgm:fillClrLst>
+    <dgm:linClrLst meth="repeat">
+      <a:schemeClr val="lt1"/>
+    </dgm:linClrLst>
+    <dgm:effectClrLst/>
+    <dgm:txLinClrLst/>
+    <dgm:txFillClrLst meth="repeat">
+      <a:schemeClr val="lt1"/>
+    </dgm:txFillClrLst>
+    <dgm:txEffectClrLst/>
+  </dgm:styleLbl>
+  <dgm:styleLbl name="parChTrans1D1">
+    <dgm:fillClrLst meth="repeat">
+      <a:schemeClr val="accent2"/>
+    </dgm:fillClrLst>
+    <dgm:linClrLst meth="repeat">
+      <a:schemeClr val="accent1"/>
+    </dgm:linClrLst>
+    <dgm:effectClrLst/>
+    <dgm:txLinClrLst/>
+    <dgm:txFillClrLst meth="repeat">
+      <a:schemeClr val="tx1"/>
+    </dgm:txFillClrLst>
+    <dgm:txEffectClrLst/>
+  </dgm:styleLbl>
+  <dgm:styleLbl name="parChTrans1D2">
+    <dgm:fillClrLst meth="repeat">
+      <a:schemeClr val="accent3">
+        <a:tint val="90000"/>
+      </a:schemeClr>
+    </dgm:fillClrLst>
+    <dgm:linClrLst meth="repeat">
+      <a:schemeClr val="accent2"/>
+    </dgm:linClrLst>
+    <dgm:effectClrLst/>
+    <dgm:txLinClrLst/>
+    <dgm:txFillClrLst meth="repeat">
+      <a:schemeClr val="tx1"/>
+    </dgm:txFillClrLst>
+    <dgm:txEffectClrLst/>
+  </dgm:styleLbl>
+  <dgm:styleLbl name="parChTrans1D3">
+    <dgm:fillClrLst meth="repeat">
+      <a:schemeClr val="accent4">
+        <a:tint val="70000"/>
+      </a:schemeClr>
+    </dgm:fillClrLst>
+    <dgm:linClrLst meth="repeat">
+      <a:schemeClr val="accent3"/>
+    </dgm:linClrLst>
+    <dgm:effectClrLst/>
+    <dgm:txLinClrLst/>
+    <dgm:txFillClrLst meth="repeat">
+      <a:schemeClr val="tx1"/>
+    </dgm:txFillClrLst>
+    <dgm:txEffectClrLst/>
+  </dgm:styleLbl>
+  <dgm:styleLbl name="parChTrans1D4">
+    <dgm:fillClrLst meth="repeat">
+      <a:schemeClr val="accent5">
+        <a:tint val="50000"/>
+      </a:schemeClr>
+    </dgm:fillClrLst>
+    <dgm:linClrLst meth="repeat">
+      <a:schemeClr val="accent4"/>
+    </dgm:linClrLst>
+    <dgm:effectClrLst/>
+    <dgm:txLinClrLst/>
+    <dgm:txFillClrLst meth="repeat">
+      <a:schemeClr val="tx1"/>
+    </dgm:txFillClrLst>
+    <dgm:txEffectClrLst/>
+  </dgm:styleLbl>
+  <dgm:styleLbl name="fgAcc1">
+    <dgm:fillClrLst meth="repeat">
+      <a:schemeClr val="lt1">
+        <a:alpha val="90000"/>
+      </a:schemeClr>
+    </dgm:fillClrLst>
+    <dgm:linClrLst meth="repeat">
+      <a:schemeClr val="accent2"/>
+      <a:schemeClr val="accent3"/>
+      <a:schemeClr val="accent4"/>
+      <a:schemeClr val="accent5"/>
+      <a:schemeClr val="accent6"/>
+    </dgm:linClrLst>
+    <dgm:effectClrLst/>
+    <dgm:txLinClrLst/>
+    <dgm:txFillClrLst meth="repeat">
+      <a:schemeClr val="dk1"/>
+    </dgm:txFillClrLst>
+    <dgm:txEffectClrLst/>
+  </dgm:styleLbl>
+  <dgm:styleLbl name="conFgAcc1">
+    <dgm:fillClrLst meth="repeat">
+      <a:schemeClr val="lt1">
+        <a:alpha val="90000"/>
+      </a:schemeClr>
+    </dgm:fillClrLst>
+    <dgm:linClrLst meth="repeat">
+      <a:schemeClr val="accent2"/>
+      <a:schemeClr val="accent3"/>
+      <a:schemeClr val="accent4"/>
+      <a:schemeClr val="accent5"/>
+      <a:schemeClr val="accent6"/>
+    </dgm:linClrLst>
+    <dgm:effectClrLst/>
+    <dgm:txLinClrLst/>
+    <dgm:txFillClrLst meth="repeat">
+      <a:schemeClr val="dk1"/>
+    </dgm:txFillClrLst>
+    <dgm:txEffectClrLst/>
+  </dgm:styleLbl>
+  <dgm:styleLbl name="alignAcc1">
+    <dgm:fillClrLst meth="repeat">
+      <a:schemeClr val="lt1">
+        <a:alpha val="90000"/>
+      </a:schemeClr>
+    </dgm:fillClrLst>
+    <dgm:linClrLst meth="repeat">
+      <a:schemeClr val="accent2"/>
+      <a:schemeClr val="accent3"/>
+      <a:schemeClr val="accent4"/>
+      <a:schemeClr val="accent5"/>
+      <a:schemeClr val="accent6"/>
+    </dgm:linClrLst>
+    <dgm:effectClrLst/>
+    <dgm:txLinClrLst/>
+    <dgm:txFillClrLst meth="repeat">
+      <a:schemeClr val="dk1"/>
+    </dgm:txFillClrLst>
+    <dgm:txEffectClrLst/>
+  </dgm:styleLbl>
+  <dgm:styleLbl name="trAlignAcc1">
+    <dgm:fillClrLst meth="repeat">
+      <a:schemeClr val="lt1">
+        <a:alpha val="40000"/>
+      </a:schemeClr>
+    </dgm:fillClrLst>
+    <dgm:linClrLst meth="repeat">
+      <a:schemeClr val="accent1"/>
+    </dgm:linClrLst>
+    <dgm:effectClrLst/>
+    <dgm:txLinClrLst/>
+    <dgm:txFillClrLst meth="repeat">
+      <a:schemeClr val="dk1"/>
+    </dgm:txFillClrLst>
+    <dgm:txEffectClrLst/>
+  </dgm:styleLbl>
+  <dgm:styleLbl name="bgAcc1">
+    <dgm:fillClrLst meth="repeat">
+      <a:schemeClr val="lt1">
+        <a:alpha val="90000"/>
+      </a:schemeClr>
+    </dgm:fillClrLst>
+    <dgm:linClrLst meth="repeat">
+      <a:schemeClr val="accent2"/>
+      <a:schemeClr val="accent3"/>
+      <a:schemeClr val="accent4"/>
+      <a:schemeClr val="accent5"/>
+      <a:schemeClr val="accent6"/>
+    </dgm:linClrLst>
+    <dgm:effectClrLst/>
+    <dgm:txLinClrLst/>
+    <dgm:txFillClrLst meth="repeat">
+      <a:schemeClr val="dk1"/>
+    </dgm:txFillClrLst>
+    <dgm:txEffectClrLst/>
+  </dgm:styleLbl>
+  <dgm:styleLbl name="solidFgAcc1">
+    <dgm:fillClrLst meth="repeat">
+      <a:schemeClr val="lt1"/>
+    </dgm:fillClrLst>
+    <dgm:linClrLst meth="repeat">
+      <a:schemeClr val="accent2"/>
+      <a:schemeClr val="accent3"/>
+      <a:schemeClr val="accent4"/>
+      <a:schemeClr val="accent5"/>
+      <a:schemeClr val="accent6"/>
+    </dgm:linClrLst>
+    <dgm:effectClrLst/>
+    <dgm:txLinClrLst/>
+    <dgm:txFillClrLst meth="repeat">
+      <a:schemeClr val="dk1"/>
+    </dgm:txFillClrLst>
+    <dgm:txEffectClrLst/>
+  </dgm:styleLbl>
+  <dgm:styleLbl name="solidAlignAcc1">
+    <dgm:fillClrLst meth="repeat">
+      <a:schemeClr val="lt1"/>
+    </dgm:fillClrLst>
+    <dgm:linClrLst meth="repeat">
+      <a:schemeClr val="accent2"/>
+      <a:schemeClr val="accent3"/>
+      <a:schemeClr val="accent4"/>
+      <a:schemeClr val="accent5"/>
+      <a:schemeClr val="accent6"/>
+    </dgm:linClrLst>
+    <dgm:effectClrLst/>
+    <dgm:txLinClrLst/>
+    <dgm:txFillClrLst meth="repeat">
+      <a:schemeClr val="dk1"/>
+    </dgm:txFillClrLst>
+    <dgm:txEffectClrLst/>
+  </dgm:styleLbl>
+  <dgm:styleLbl name="solidBgAcc1">
+    <dgm:fillClrLst meth="repeat">
+      <a:schemeClr val="lt1"/>
+    </dgm:fillClrLst>
+    <dgm:linClrLst meth="repeat">
+      <a:schemeClr val="accent2"/>
+      <a:schemeClr val="accent3"/>
+      <a:schemeClr val="accent4"/>
+      <a:schemeClr val="accent5"/>
+      <a:schemeClr val="accent6"/>
+    </dgm:linClrLst>
+    <dgm:effectClrLst/>
+    <dgm:txLinClrLst/>
+    <dgm:txFillClrLst meth="repeat">
+      <a:schemeClr val="dk1"/>
+    </dgm:txFillClrLst>
+    <dgm:txEffectClrLst/>
+  </dgm:styleLbl>
+  <dgm:styleLbl name="fgAccFollowNode1">
+    <dgm:fillClrLst meth="repeat">
+      <a:schemeClr val="accent2">
+        <a:tint val="40000"/>
+        <a:alpha val="90000"/>
+      </a:schemeClr>
+      <a:schemeClr val="accent3">
+        <a:tint val="40000"/>
+        <a:alpha val="90000"/>
+      </a:schemeClr>
+      <a:schemeClr val="accent4">
+        <a:tint val="40000"/>
+        <a:alpha val="90000"/>
+      </a:schemeClr>
+      <a:schemeClr val="accent5">
+        <a:tint val="40000"/>
+        <a:alpha val="90000"/>
+      </a:schemeClr>
+      <a:schemeClr val="accent6">
+        <a:tint val="40000"/>
+        <a:alpha val="90000"/>
+      </a:schemeClr>
+    </dgm:fillClrLst>
+    <dgm:linClrLst meth="repeat">
+      <a:schemeClr val="accent2">
+        <a:tint val="40000"/>
+        <a:alpha val="90000"/>
+      </a:schemeClr>
+      <a:schemeClr val="accent3">
+        <a:tint val="40000"/>
+        <a:alpha val="90000"/>
+      </a:schemeClr>
+      <a:schemeClr val="accent4">
+        <a:tint val="40000"/>
+        <a:alpha val="90000"/>
+      </a:schemeClr>
+      <a:schemeClr val="accent5">
+        <a:tint val="40000"/>
+        <a:alpha val="90000"/>
+      </a:schemeClr>
+      <a:schemeClr val="accent6">
+        <a:tint val="40000"/>
+        <a:alpha val="90000"/>
+      </a:schemeClr>
+    </dgm:linClrLst>
+    <dgm:effectClrLst/>
+    <dgm:txLinClrLst/>
+    <dgm:txFillClrLst meth="repeat">
+      <a:schemeClr val="dk1"/>
+    </dgm:txFillClrLst>
+    <dgm:txEffectClrLst/>
+  </dgm:styleLbl>
+  <dgm:styleLbl name="alignAccFollowNode1">
+    <dgm:fillClrLst meth="repeat">
+      <a:schemeClr val="accent2">
+        <a:tint val="40000"/>
+        <a:alpha val="90000"/>
+      </a:schemeClr>
+      <a:schemeClr val="accent3">
+        <a:tint val="40000"/>
+        <a:alpha val="90000"/>
+      </a:schemeClr>
+      <a:schemeClr val="accent4">
+        <a:tint val="40000"/>
+        <a:alpha val="90000"/>
+      </a:schemeClr>
+      <a:schemeClr val="accent5">
+        <a:tint val="40000"/>
+        <a:alpha val="90000"/>
+      </a:schemeClr>
+      <a:schemeClr val="accent6">
+        <a:tint val="40000"/>
+        <a:alpha val="90000"/>
+      </a:schemeClr>
+    </dgm:fillClrLst>
+    <dgm:linClrLst meth="repeat">
+      <a:schemeClr val="accent2">
+        <a:tint val="40000"/>
+        <a:alpha val="90000"/>
+      </a:schemeClr>
+      <a:schemeClr val="accent3">
+        <a:tint val="40000"/>
+        <a:alpha val="90000"/>
+      </a:schemeClr>
+      <a:schemeClr val="accent4">
+        <a:tint val="40000"/>
+        <a:alpha val="90000"/>
+      </a:schemeClr>
+      <a:schemeClr val="accent5">
+        <a:tint val="40000"/>
+        <a:alpha val="90000"/>
+      </a:schemeClr>
+      <a:schemeClr val="accent6">
+        <a:tint val="40000"/>
+        <a:alpha val="90000"/>
+      </a:schemeClr>
+    </dgm:linClrLst>
+    <dgm:effectClrLst/>
+    <dgm:txLinClrLst/>
+    <dgm:txFillClrLst meth="repeat">
+      <a:schemeClr val="dk1"/>
+    </dgm:txFillClrLst>
+    <dgm:txEffectClrLst/>
+  </dgm:styleLbl>
+  <dgm:styleLbl name="bgAccFollowNode1">
+    <dgm:fillClrLst meth="repeat">
+      <a:schemeClr val="accent2">
+        <a:tint val="40000"/>
+        <a:alpha val="90000"/>
+      </a:schemeClr>
+      <a:schemeClr val="accent3">
+        <a:tint val="40000"/>
+        <a:alpha val="90000"/>
+      </a:schemeClr>
+      <a:schemeClr val="accent4">
+        <a:tint val="40000"/>
+        <a:alpha val="90000"/>
+      </a:schemeClr>
+      <a:schemeClr val="accent5">
+        <a:tint val="40000"/>
+        <a:alpha val="90000"/>
+      </a:schemeClr>
+      <a:schemeClr val="accent6">
+        <a:tint val="40000"/>
+        <a:alpha val="90000"/>
+      </a:schemeClr>
+    </dgm:fillClrLst>
+    <dgm:linClrLst meth="repeat">
+      <a:schemeClr val="accent2">
+        <a:tint val="40000"/>
+        <a:alpha val="90000"/>
+      </a:schemeClr>
+      <a:schemeClr val="accent3">
+        <a:tint val="40000"/>
+        <a:alpha val="90000"/>
+      </a:schemeClr>
+      <a:schemeClr val="accent4">
+        <a:tint val="40000"/>
+        <a:alpha val="90000"/>
+      </a:schemeClr>
+      <a:schemeClr val="accent5">
+        <a:tint val="40000"/>
+        <a:alpha val="90000"/>
+      </a:schemeClr>
+      <a:schemeClr val="accent6">
+        <a:tint val="40000"/>
+        <a:alpha val="90000"/>
+      </a:schemeClr>
+    </dgm:linClrLst>
+    <dgm:effectClrLst/>
+    <dgm:txLinClrLst/>
+    <dgm:txFillClrLst meth="repeat">
+      <a:schemeClr val="dk1"/>
+    </dgm:txFillClrLst>
+    <dgm:txEffectClrLst/>
+  </dgm:styleLbl>
+  <dgm:styleLbl name="fgAcc0">
+    <dgm:fillClrLst meth="repeat">
+      <a:schemeClr val="lt1">
+        <a:alpha val="90000"/>
+      </a:schemeClr>
+    </dgm:fillClrLst>
+    <dgm:linClrLst>
+      <a:schemeClr val="accent1"/>
+    </dgm:linClrLst>
+    <dgm:effectClrLst/>
+    <dgm:txLinClrLst/>
+    <dgm:txFillClrLst meth="repeat">
+      <a:schemeClr val="dk1"/>
+    </dgm:txFillClrLst>
+    <dgm:txEffectClrLst/>
+  </dgm:styleLbl>
+  <dgm:styleLbl name="fgAcc2">
+    <dgm:fillClrLst meth="repeat">
+      <a:schemeClr val="lt1">
+        <a:alpha val="90000"/>
+      </a:schemeClr>
+    </dgm:fillClrLst>
+    <dgm:linClrLst>
+      <a:schemeClr val="accent2"/>
+    </dgm:linClrLst>
+    <dgm:effectClrLst/>
+    <dgm:txLinClrLst/>
+    <dgm:txFillClrLst meth="repeat">
+      <a:schemeClr val="dk1"/>
+    </dgm:txFillClrLst>
+    <dgm:txEffectClrLst/>
+  </dgm:styleLbl>
+  <dgm:styleLbl name="fgAcc3">
+    <dgm:fillClrLst meth="repeat">
+      <a:schemeClr val="lt1">
+        <a:alpha val="90000"/>
+      </a:schemeClr>
+    </dgm:fillClrLst>
+    <dgm:linClrLst>
+      <a:schemeClr val="accent3"/>
+    </dgm:linClrLst>
+    <dgm:effectClrLst/>
+    <dgm:txLinClrLst/>
+    <dgm:txFillClrLst meth="repeat">
+      <a:schemeClr val="dk1"/>
+    </dgm:txFillClrLst>
+    <dgm:txEffectClrLst/>
+  </dgm:styleLbl>
+  <dgm:styleLbl name="fgAcc4">
+    <dgm:fillClrLst meth="repeat">
+      <a:schemeClr val="lt1">
+        <a:alpha val="90000"/>
+      </a:schemeClr>
+    </dgm:fillClrLst>
+    <dgm:linClrLst>
+      <a:schemeClr val="accent4"/>
+    </dgm:linClrLst>
+    <dgm:effectClrLst/>
+    <dgm:txLinClrLst/>
+    <dgm:txFillClrLst meth="repeat">
+      <a:schemeClr val="dk1"/>
+    </dgm:txFillClrLst>
+    <dgm:txEffectClrLst/>
+  </dgm:styleLbl>
+  <dgm:styleLbl name="bgShp">
+    <dgm:fillClrLst meth="repeat">
+      <a:schemeClr val="accent2">
+        <a:tint val="40000"/>
+      </a:schemeClr>
+    </dgm:fillClrLst>
+    <dgm:linClrLst meth="repeat">
+      <a:schemeClr val="dk1"/>
+    </dgm:linClrLst>
+    <dgm:effectClrLst/>
+    <dgm:txLinClrLst/>
+    <dgm:txFillClrLst meth="repeat">
+      <a:schemeClr val="dk1"/>
+    </dgm:txFillClrLst>
+    <dgm:txEffectClrLst/>
+  </dgm:styleLbl>
+  <dgm:styleLbl name="dkBgShp">
+    <dgm:fillClrLst meth="repeat">
+      <a:schemeClr val="accent2">
+        <a:shade val="90000"/>
+      </a:schemeClr>
+    </dgm:fillClrLst>
+    <dgm:linClrLst meth="repeat">
+      <a:schemeClr val="dk1"/>
+    </dgm:linClrLst>
+    <dgm:effectClrLst/>
+    <dgm:txLinClrLst/>
+    <dgm:txFillClrLst meth="repeat">
+      <a:schemeClr val="lt1"/>
+    </dgm:txFillClrLst>
+    <dgm:txEffectClrLst/>
+  </dgm:styleLbl>
+  <dgm:styleLbl name="trBgShp">
+    <dgm:fillClrLst meth="repeat">
+      <a:schemeClr val="accent1">
+        <a:tint val="50000"/>
+        <a:alpha val="40000"/>
+      </a:schemeClr>
+    </dgm:fillClrLst>
+    <dgm:linClrLst meth="repeat">
+      <a:schemeClr val="accent2"/>
+    </dgm:linClrLst>
+    <dgm:effectClrLst/>
+    <dgm:txLinClrLst/>
+    <dgm:txFillClrLst meth="repeat">
+      <a:schemeClr val="lt1"/>
+    </dgm:txFillClrLst>
+    <dgm:txEffectClrLst/>
+  </dgm:styleLbl>
+  <dgm:styleLbl name="fgShp">
+    <dgm:fillClrLst meth="repeat">
+      <a:schemeClr val="accent2">
+        <a:tint val="40000"/>
+      </a:schemeClr>
+    </dgm:fillClrLst>
+    <dgm:linClrLst meth="repeat">
+      <a:schemeClr val="lt1"/>
+    </dgm:linClrLst>
+    <dgm:effectClrLst/>
+    <dgm:txLinClrLst/>
+    <dgm:txFillClrLst meth="repeat">
+      <a:schemeClr val="dk1"/>
+    </dgm:txFillClrLst>
+    <dgm:txEffectClrLst/>
+  </dgm:styleLbl>
+  <dgm:styleLbl name="revTx">
+    <dgm:fillClrLst meth="repeat">
+      <a:schemeClr val="lt1">
+        <a:alpha val="0"/>
+      </a:schemeClr>
+    </dgm:fillClrLst>
+    <dgm:linClrLst meth="repeat">
+      <a:schemeClr val="dk1">
+        <a:alpha val="0"/>
+      </a:schemeClr>
+    </dgm:linClrLst>
+    <dgm:effectClrLst/>
+    <dgm:txLinClrLst/>
+    <dgm:txFillClrLst meth="repeat">
+      <a:schemeClr val="tx1"/>
+    </dgm:txFillClrLst>
+    <dgm:txEffectClrLst/>
+  </dgm:styleLbl>
+</dgm:colorsDef>
+</file>
+
+<file path=ppt/diagrams/data1.xml><?xml version="1.0" encoding="utf-8"?>
+<dgm:dataModel xmlns:dgm="http://schemas.openxmlformats.org/drawingml/2006/diagram" xmlns:a="http://schemas.openxmlformats.org/drawingml/2006/main">
+  <dgm:ptLst>
+    <dgm:pt modelId="{9D422B6D-111E-4E27-9636-433C99344472}" type="doc">
+      <dgm:prSet loTypeId="urn:microsoft.com/office/officeart/2005/8/layout/default" loCatId="list" qsTypeId="urn:microsoft.com/office/officeart/2005/8/quickstyle/simple4" qsCatId="simple" csTypeId="urn:microsoft.com/office/officeart/2005/8/colors/colorful1" csCatId="colorful"/>
+      <dgm:spPr/>
+      <dgm:t>
+        <a:bodyPr/>
+        <a:lstStyle/>
+        <a:p>
+          <a:endParaRPr lang="en-US"/>
+        </a:p>
+      </dgm:t>
+    </dgm:pt>
+    <dgm:pt modelId="{19EC0262-60CC-4844-B535-8A8EA905D515}">
+      <dgm:prSet/>
+      <dgm:spPr/>
+      <dgm:t>
+        <a:bodyPr/>
+        <a:lstStyle/>
+        <a:p>
+          <a:r>
+            <a:rPr lang="en-US"/>
+            <a:t>Psycopg2</a:t>
+          </a:r>
+        </a:p>
+      </dgm:t>
+    </dgm:pt>
+    <dgm:pt modelId="{A41627CE-EA3E-42C1-90DD-E4FA49CD7771}" type="parTrans" cxnId="{27A116FA-7A81-4919-BA29-3C01D7EC079E}">
+      <dgm:prSet/>
+      <dgm:spPr/>
+      <dgm:t>
+        <a:bodyPr/>
+        <a:lstStyle/>
+        <a:p>
+          <a:endParaRPr lang="en-US"/>
+        </a:p>
+      </dgm:t>
+    </dgm:pt>
+    <dgm:pt modelId="{702A1C50-06F9-450A-9F07-7A7BC3C6B104}" type="sibTrans" cxnId="{27A116FA-7A81-4919-BA29-3C01D7EC079E}">
+      <dgm:prSet/>
+      <dgm:spPr/>
+      <dgm:t>
+        <a:bodyPr/>
+        <a:lstStyle/>
+        <a:p>
+          <a:endParaRPr lang="en-US"/>
+        </a:p>
+      </dgm:t>
+    </dgm:pt>
+    <dgm:pt modelId="{42C40ADC-57AB-4AA9-93AD-C035968EBA72}">
+      <dgm:prSet/>
+      <dgm:spPr/>
+      <dgm:t>
+        <a:bodyPr/>
+        <a:lstStyle/>
+        <a:p>
+          <a:r>
+            <a:rPr lang="en-US"/>
+            <a:t>Pandas</a:t>
+          </a:r>
+        </a:p>
+      </dgm:t>
+    </dgm:pt>
+    <dgm:pt modelId="{A202122F-380C-40AC-ABBC-2536E370CDB1}" type="parTrans" cxnId="{F9AE9D05-4EC9-4E20-8EB0-9890E572C641}">
+      <dgm:prSet/>
+      <dgm:spPr/>
+      <dgm:t>
+        <a:bodyPr/>
+        <a:lstStyle/>
+        <a:p>
+          <a:endParaRPr lang="en-US"/>
+        </a:p>
+      </dgm:t>
+    </dgm:pt>
+    <dgm:pt modelId="{17B9473E-C09C-4B11-B3DD-164EA8A9F5AC}" type="sibTrans" cxnId="{F9AE9D05-4EC9-4E20-8EB0-9890E572C641}">
+      <dgm:prSet/>
+      <dgm:spPr/>
+      <dgm:t>
+        <a:bodyPr/>
+        <a:lstStyle/>
+        <a:p>
+          <a:endParaRPr lang="en-US"/>
+        </a:p>
+      </dgm:t>
+    </dgm:pt>
+    <dgm:pt modelId="{48E13AD3-1EC6-456D-BCD2-8557C31D4D7A}">
+      <dgm:prSet/>
+      <dgm:spPr/>
+      <dgm:t>
+        <a:bodyPr/>
+        <a:lstStyle/>
+        <a:p>
+          <a:r>
+            <a:rPr lang="en-US"/>
+            <a:t>url lib</a:t>
+          </a:r>
+        </a:p>
+      </dgm:t>
+    </dgm:pt>
+    <dgm:pt modelId="{1B10BBEB-61AC-4559-9A13-1FDD7F15B8E5}" type="parTrans" cxnId="{A14E9198-1F99-4FE5-8FED-1A26B71ACFCF}">
+      <dgm:prSet/>
+      <dgm:spPr/>
+      <dgm:t>
+        <a:bodyPr/>
+        <a:lstStyle/>
+        <a:p>
+          <a:endParaRPr lang="en-US"/>
+        </a:p>
+      </dgm:t>
+    </dgm:pt>
+    <dgm:pt modelId="{A41C9048-E692-4B05-A86F-197831957E8F}" type="sibTrans" cxnId="{A14E9198-1F99-4FE5-8FED-1A26B71ACFCF}">
+      <dgm:prSet/>
+      <dgm:spPr/>
+      <dgm:t>
+        <a:bodyPr/>
+        <a:lstStyle/>
+        <a:p>
+          <a:endParaRPr lang="en-US"/>
+        </a:p>
+      </dgm:t>
+    </dgm:pt>
+    <dgm:pt modelId="{20A11340-EA12-4B0E-ABFD-BC4348CA043B}">
+      <dgm:prSet/>
+      <dgm:spPr/>
+      <dgm:t>
+        <a:bodyPr/>
+        <a:lstStyle/>
+        <a:p>
+          <a:r>
+            <a:rPr lang="en-US"/>
+            <a:t>Re</a:t>
+          </a:r>
+        </a:p>
+      </dgm:t>
+    </dgm:pt>
+    <dgm:pt modelId="{A504064D-158C-465A-9FCA-BDBE4B34DA6A}" type="parTrans" cxnId="{7AA66E81-B79D-4817-89F8-932DEC93DC80}">
+      <dgm:prSet/>
+      <dgm:spPr/>
+      <dgm:t>
+        <a:bodyPr/>
+        <a:lstStyle/>
+        <a:p>
+          <a:endParaRPr lang="en-US"/>
+        </a:p>
+      </dgm:t>
+    </dgm:pt>
+    <dgm:pt modelId="{6BCEC98B-96B8-4E7B-8F8E-388426624835}" type="sibTrans" cxnId="{7AA66E81-B79D-4817-89F8-932DEC93DC80}">
+      <dgm:prSet/>
+      <dgm:spPr/>
+      <dgm:t>
+        <a:bodyPr/>
+        <a:lstStyle/>
+        <a:p>
+          <a:endParaRPr lang="en-US"/>
+        </a:p>
+      </dgm:t>
+    </dgm:pt>
+    <dgm:pt modelId="{11239ED7-AC47-4412-8D0B-A74F63AE672E}">
+      <dgm:prSet/>
+      <dgm:spPr/>
+      <dgm:t>
+        <a:bodyPr/>
+        <a:lstStyle/>
+        <a:p>
+          <a:r>
+            <a:rPr lang="en-US"/>
+            <a:t>Traceback</a:t>
+          </a:r>
+        </a:p>
+      </dgm:t>
+    </dgm:pt>
+    <dgm:pt modelId="{6F496BE4-8CF0-45C2-A66A-E6CE8FF23E99}" type="parTrans" cxnId="{A5D61CDB-B313-42C7-93FF-5D2C827F1DA4}">
+      <dgm:prSet/>
+      <dgm:spPr/>
+      <dgm:t>
+        <a:bodyPr/>
+        <a:lstStyle/>
+        <a:p>
+          <a:endParaRPr lang="en-US"/>
+        </a:p>
+      </dgm:t>
+    </dgm:pt>
+    <dgm:pt modelId="{7AB9FC7D-FF13-4D79-8D23-A6A99C5547BC}" type="sibTrans" cxnId="{A5D61CDB-B313-42C7-93FF-5D2C827F1DA4}">
+      <dgm:prSet/>
+      <dgm:spPr/>
+      <dgm:t>
+        <a:bodyPr/>
+        <a:lstStyle/>
+        <a:p>
+          <a:endParaRPr lang="en-US"/>
+        </a:p>
+      </dgm:t>
+    </dgm:pt>
+    <dgm:pt modelId="{922BBA69-EA9F-422C-96F7-54DDC6643F8E}">
+      <dgm:prSet/>
+      <dgm:spPr/>
+      <dgm:t>
+        <a:bodyPr/>
+        <a:lstStyle/>
+        <a:p>
+          <a:r>
+            <a:rPr lang="en-US"/>
+            <a:t>Os</a:t>
+          </a:r>
+        </a:p>
+      </dgm:t>
+    </dgm:pt>
+    <dgm:pt modelId="{5B2EE520-47F5-4949-90D7-CFCAD838EEC6}" type="parTrans" cxnId="{A972EF0C-EDF2-4B3F-B814-4BA282BBA203}">
+      <dgm:prSet/>
+      <dgm:spPr/>
+      <dgm:t>
+        <a:bodyPr/>
+        <a:lstStyle/>
+        <a:p>
+          <a:endParaRPr lang="en-US"/>
+        </a:p>
+      </dgm:t>
+    </dgm:pt>
+    <dgm:pt modelId="{80CC4D26-619B-47DD-910F-9E9A3EB47AEA}" type="sibTrans" cxnId="{A972EF0C-EDF2-4B3F-B814-4BA282BBA203}">
+      <dgm:prSet/>
+      <dgm:spPr/>
+      <dgm:t>
+        <a:bodyPr/>
+        <a:lstStyle/>
+        <a:p>
+          <a:endParaRPr lang="en-US"/>
+        </a:p>
+      </dgm:t>
+    </dgm:pt>
+    <dgm:pt modelId="{2BA610DC-8518-495D-B6AA-5E41E1EC15BB}">
+      <dgm:prSet/>
+      <dgm:spPr/>
+      <dgm:t>
+        <a:bodyPr/>
+        <a:lstStyle/>
+        <a:p>
+          <a:r>
+            <a:rPr lang="en-US"/>
+            <a:t>Typing</a:t>
+          </a:r>
+        </a:p>
+      </dgm:t>
+    </dgm:pt>
+    <dgm:pt modelId="{A39D7272-1ABC-4863-BF7A-3A447F753600}" type="parTrans" cxnId="{59030FCB-A9EF-4444-B3A6-F8CE0A530FC7}">
+      <dgm:prSet/>
+      <dgm:spPr/>
+      <dgm:t>
+        <a:bodyPr/>
+        <a:lstStyle/>
+        <a:p>
+          <a:endParaRPr lang="en-US"/>
+        </a:p>
+      </dgm:t>
+    </dgm:pt>
+    <dgm:pt modelId="{8294B104-9283-4F57-AAF5-CB2417205BF4}" type="sibTrans" cxnId="{59030FCB-A9EF-4444-B3A6-F8CE0A530FC7}">
+      <dgm:prSet/>
+      <dgm:spPr/>
+      <dgm:t>
+        <a:bodyPr/>
+        <a:lstStyle/>
+        <a:p>
+          <a:endParaRPr lang="en-US"/>
+        </a:p>
+      </dgm:t>
+    </dgm:pt>
+    <dgm:pt modelId="{FAF7E5A7-25F8-4B60-A41C-C1C486B90B6E}">
+      <dgm:prSet/>
+      <dgm:spPr/>
+      <dgm:t>
+        <a:bodyPr/>
+        <a:lstStyle/>
+        <a:p>
+          <a:r>
+            <a:rPr lang="en-US"/>
+            <a:t>Subprocess</a:t>
+          </a:r>
+        </a:p>
+      </dgm:t>
+    </dgm:pt>
+    <dgm:pt modelId="{8909EA76-4C2F-42B8-A177-727ABB2514BD}" type="parTrans" cxnId="{C71B40B9-1CEF-4012-954A-D74DC4AD3863}">
+      <dgm:prSet/>
+      <dgm:spPr/>
+      <dgm:t>
+        <a:bodyPr/>
+        <a:lstStyle/>
+        <a:p>
+          <a:endParaRPr lang="en-US"/>
+        </a:p>
+      </dgm:t>
+    </dgm:pt>
+    <dgm:pt modelId="{9A4A14C9-742E-4D78-B72B-0762F5C1BA3E}" type="sibTrans" cxnId="{C71B40B9-1CEF-4012-954A-D74DC4AD3863}">
+      <dgm:prSet/>
+      <dgm:spPr/>
+      <dgm:t>
+        <a:bodyPr/>
+        <a:lstStyle/>
+        <a:p>
+          <a:endParaRPr lang="en-US"/>
+        </a:p>
+      </dgm:t>
+    </dgm:pt>
+    <dgm:pt modelId="{39ECC02D-500A-4B34-9EAB-DDF7DEBD3880}">
+      <dgm:prSet/>
+      <dgm:spPr/>
+      <dgm:t>
+        <a:bodyPr/>
+        <a:lstStyle/>
+        <a:p>
+          <a:r>
+            <a:rPr lang="en-US"/>
+            <a:t>collections</a:t>
+          </a:r>
+        </a:p>
+      </dgm:t>
+    </dgm:pt>
+    <dgm:pt modelId="{BAA9D908-B367-4CCC-931B-E1F5E8FAF899}" type="parTrans" cxnId="{1228B1AF-B524-4436-82ED-EDC549545CE4}">
+      <dgm:prSet/>
+      <dgm:spPr/>
+      <dgm:t>
+        <a:bodyPr/>
+        <a:lstStyle/>
+        <a:p>
+          <a:endParaRPr lang="en-US"/>
+        </a:p>
+      </dgm:t>
+    </dgm:pt>
+    <dgm:pt modelId="{AA03C223-D31F-4A40-B50C-C2FB93ACC4C2}" type="sibTrans" cxnId="{1228B1AF-B524-4436-82ED-EDC549545CE4}">
+      <dgm:prSet/>
+      <dgm:spPr/>
+      <dgm:t>
+        <a:bodyPr/>
+        <a:lstStyle/>
+        <a:p>
+          <a:endParaRPr lang="en-US"/>
+        </a:p>
+      </dgm:t>
+    </dgm:pt>
+    <dgm:pt modelId="{D42D8FBB-4B8A-437B-A4B2-7985E6D724CC}" type="pres">
+      <dgm:prSet presAssocID="{9D422B6D-111E-4E27-9636-433C99344472}" presName="diagram" presStyleCnt="0">
+        <dgm:presLayoutVars>
+          <dgm:dir/>
+          <dgm:resizeHandles val="exact"/>
+        </dgm:presLayoutVars>
+      </dgm:prSet>
+      <dgm:spPr/>
+    </dgm:pt>
+    <dgm:pt modelId="{F018219E-778B-4DE2-8746-AC6B6033C602}" type="pres">
+      <dgm:prSet presAssocID="{19EC0262-60CC-4844-B535-8A8EA905D515}" presName="node" presStyleLbl="node1" presStyleIdx="0" presStyleCnt="9">
+        <dgm:presLayoutVars>
+          <dgm:bulletEnabled val="1"/>
+        </dgm:presLayoutVars>
+      </dgm:prSet>
+      <dgm:spPr/>
+    </dgm:pt>
+    <dgm:pt modelId="{7D06655B-44C2-4183-9A4E-472C40203DB3}" type="pres">
+      <dgm:prSet presAssocID="{702A1C50-06F9-450A-9F07-7A7BC3C6B104}" presName="sibTrans" presStyleCnt="0"/>
+      <dgm:spPr/>
+    </dgm:pt>
+    <dgm:pt modelId="{49E91701-CAC4-454E-9038-125F7B3AB7E0}" type="pres">
+      <dgm:prSet presAssocID="{42C40ADC-57AB-4AA9-93AD-C035968EBA72}" presName="node" presStyleLbl="node1" presStyleIdx="1" presStyleCnt="9">
+        <dgm:presLayoutVars>
+          <dgm:bulletEnabled val="1"/>
+        </dgm:presLayoutVars>
+      </dgm:prSet>
+      <dgm:spPr/>
+    </dgm:pt>
+    <dgm:pt modelId="{9E6018B7-1812-48D3-8AEC-10AECDD7B4C2}" type="pres">
+      <dgm:prSet presAssocID="{17B9473E-C09C-4B11-B3DD-164EA8A9F5AC}" presName="sibTrans" presStyleCnt="0"/>
+      <dgm:spPr/>
+    </dgm:pt>
+    <dgm:pt modelId="{7D6CD5FC-4441-477A-AC64-8A27774F5F73}" type="pres">
+      <dgm:prSet presAssocID="{48E13AD3-1EC6-456D-BCD2-8557C31D4D7A}" presName="node" presStyleLbl="node1" presStyleIdx="2" presStyleCnt="9">
+        <dgm:presLayoutVars>
+          <dgm:bulletEnabled val="1"/>
+        </dgm:presLayoutVars>
+      </dgm:prSet>
+      <dgm:spPr/>
+    </dgm:pt>
+    <dgm:pt modelId="{B52AB6A9-3C31-4D90-8F56-D7C90D66C99D}" type="pres">
+      <dgm:prSet presAssocID="{A41C9048-E692-4B05-A86F-197831957E8F}" presName="sibTrans" presStyleCnt="0"/>
+      <dgm:spPr/>
+    </dgm:pt>
+    <dgm:pt modelId="{1B4713F4-58FE-4175-B282-20E9D3AAE977}" type="pres">
+      <dgm:prSet presAssocID="{20A11340-EA12-4B0E-ABFD-BC4348CA043B}" presName="node" presStyleLbl="node1" presStyleIdx="3" presStyleCnt="9">
+        <dgm:presLayoutVars>
+          <dgm:bulletEnabled val="1"/>
+        </dgm:presLayoutVars>
+      </dgm:prSet>
+      <dgm:spPr/>
+    </dgm:pt>
+    <dgm:pt modelId="{19AA9BBA-5705-4F48-932C-1136595948AC}" type="pres">
+      <dgm:prSet presAssocID="{6BCEC98B-96B8-4E7B-8F8E-388426624835}" presName="sibTrans" presStyleCnt="0"/>
+      <dgm:spPr/>
+    </dgm:pt>
+    <dgm:pt modelId="{01854BAD-1E05-4DF9-811B-969306A88E4B}" type="pres">
+      <dgm:prSet presAssocID="{11239ED7-AC47-4412-8D0B-A74F63AE672E}" presName="node" presStyleLbl="node1" presStyleIdx="4" presStyleCnt="9">
+        <dgm:presLayoutVars>
+          <dgm:bulletEnabled val="1"/>
+        </dgm:presLayoutVars>
+      </dgm:prSet>
+      <dgm:spPr/>
+    </dgm:pt>
+    <dgm:pt modelId="{E2F72B8B-3618-4170-AD08-CE7E6E8CB23D}" type="pres">
+      <dgm:prSet presAssocID="{7AB9FC7D-FF13-4D79-8D23-A6A99C5547BC}" presName="sibTrans" presStyleCnt="0"/>
+      <dgm:spPr/>
+    </dgm:pt>
+    <dgm:pt modelId="{E3921A31-223D-45E1-8073-D235EAEDBEDE}" type="pres">
+      <dgm:prSet presAssocID="{922BBA69-EA9F-422C-96F7-54DDC6643F8E}" presName="node" presStyleLbl="node1" presStyleIdx="5" presStyleCnt="9">
+        <dgm:presLayoutVars>
+          <dgm:bulletEnabled val="1"/>
+        </dgm:presLayoutVars>
+      </dgm:prSet>
+      <dgm:spPr/>
+    </dgm:pt>
+    <dgm:pt modelId="{5255D614-E943-422D-B473-16452A23062C}" type="pres">
+      <dgm:prSet presAssocID="{80CC4D26-619B-47DD-910F-9E9A3EB47AEA}" presName="sibTrans" presStyleCnt="0"/>
+      <dgm:spPr/>
+    </dgm:pt>
+    <dgm:pt modelId="{F835F08B-43E1-4F25-9166-6CBBED69FF7A}" type="pres">
+      <dgm:prSet presAssocID="{2BA610DC-8518-495D-B6AA-5E41E1EC15BB}" presName="node" presStyleLbl="node1" presStyleIdx="6" presStyleCnt="9">
+        <dgm:presLayoutVars>
+          <dgm:bulletEnabled val="1"/>
+        </dgm:presLayoutVars>
+      </dgm:prSet>
+      <dgm:spPr/>
+    </dgm:pt>
+    <dgm:pt modelId="{FDDE0926-8614-48C8-92AD-9C009A8C5FE0}" type="pres">
+      <dgm:prSet presAssocID="{8294B104-9283-4F57-AAF5-CB2417205BF4}" presName="sibTrans" presStyleCnt="0"/>
+      <dgm:spPr/>
+    </dgm:pt>
+    <dgm:pt modelId="{9DAB8E31-0106-45A9-AD2D-15D2DA9825EB}" type="pres">
+      <dgm:prSet presAssocID="{FAF7E5A7-25F8-4B60-A41C-C1C486B90B6E}" presName="node" presStyleLbl="node1" presStyleIdx="7" presStyleCnt="9">
+        <dgm:presLayoutVars>
+          <dgm:bulletEnabled val="1"/>
+        </dgm:presLayoutVars>
+      </dgm:prSet>
+      <dgm:spPr/>
+    </dgm:pt>
+    <dgm:pt modelId="{6C86DE4C-A3EB-4B55-ADF4-01AC45FAAF64}" type="pres">
+      <dgm:prSet presAssocID="{9A4A14C9-742E-4D78-B72B-0762F5C1BA3E}" presName="sibTrans" presStyleCnt="0"/>
+      <dgm:spPr/>
+    </dgm:pt>
+    <dgm:pt modelId="{706DAF57-CBCD-4CE9-AD2A-28F7582062F5}" type="pres">
+      <dgm:prSet presAssocID="{39ECC02D-500A-4B34-9EAB-DDF7DEBD3880}" presName="node" presStyleLbl="node1" presStyleIdx="8" presStyleCnt="9">
+        <dgm:presLayoutVars>
+          <dgm:bulletEnabled val="1"/>
+        </dgm:presLayoutVars>
+      </dgm:prSet>
+      <dgm:spPr/>
+    </dgm:pt>
+  </dgm:ptLst>
+  <dgm:cxnLst>
+    <dgm:cxn modelId="{F9AE9D05-4EC9-4E20-8EB0-9890E572C641}" srcId="{9D422B6D-111E-4E27-9636-433C99344472}" destId="{42C40ADC-57AB-4AA9-93AD-C035968EBA72}" srcOrd="1" destOrd="0" parTransId="{A202122F-380C-40AC-ABBC-2536E370CDB1}" sibTransId="{17B9473E-C09C-4B11-B3DD-164EA8A9F5AC}"/>
+    <dgm:cxn modelId="{A92CBD0C-A6B6-47AD-B655-041F557740D5}" type="presOf" srcId="{48E13AD3-1EC6-456D-BCD2-8557C31D4D7A}" destId="{7D6CD5FC-4441-477A-AC64-8A27774F5F73}" srcOrd="0" destOrd="0" presId="urn:microsoft.com/office/officeart/2005/8/layout/default"/>
+    <dgm:cxn modelId="{A972EF0C-EDF2-4B3F-B814-4BA282BBA203}" srcId="{9D422B6D-111E-4E27-9636-433C99344472}" destId="{922BBA69-EA9F-422C-96F7-54DDC6643F8E}" srcOrd="5" destOrd="0" parTransId="{5B2EE520-47F5-4949-90D7-CFCAD838EEC6}" sibTransId="{80CC4D26-619B-47DD-910F-9E9A3EB47AEA}"/>
+    <dgm:cxn modelId="{3611B538-69D8-4D3E-A552-A279AC5A4A6A}" type="presOf" srcId="{11239ED7-AC47-4412-8D0B-A74F63AE672E}" destId="{01854BAD-1E05-4DF9-811B-969306A88E4B}" srcOrd="0" destOrd="0" presId="urn:microsoft.com/office/officeart/2005/8/layout/default"/>
+    <dgm:cxn modelId="{B92C3B3C-D502-4949-9DFF-152E32F67C51}" type="presOf" srcId="{9D422B6D-111E-4E27-9636-433C99344472}" destId="{D42D8FBB-4B8A-437B-A4B2-7985E6D724CC}" srcOrd="0" destOrd="0" presId="urn:microsoft.com/office/officeart/2005/8/layout/default"/>
+    <dgm:cxn modelId="{14FD0763-30E2-435A-B492-CD4F08C72BC3}" type="presOf" srcId="{2BA610DC-8518-495D-B6AA-5E41E1EC15BB}" destId="{F835F08B-43E1-4F25-9166-6CBBED69FF7A}" srcOrd="0" destOrd="0" presId="urn:microsoft.com/office/officeart/2005/8/layout/default"/>
+    <dgm:cxn modelId="{4E13EE6C-B57A-4CE2-A886-B7B24B9FE014}" type="presOf" srcId="{FAF7E5A7-25F8-4B60-A41C-C1C486B90B6E}" destId="{9DAB8E31-0106-45A9-AD2D-15D2DA9825EB}" srcOrd="0" destOrd="0" presId="urn:microsoft.com/office/officeart/2005/8/layout/default"/>
+    <dgm:cxn modelId="{A9BE9575-37F2-4D1A-B123-8F504268293C}" type="presOf" srcId="{19EC0262-60CC-4844-B535-8A8EA905D515}" destId="{F018219E-778B-4DE2-8746-AC6B6033C602}" srcOrd="0" destOrd="0" presId="urn:microsoft.com/office/officeart/2005/8/layout/default"/>
+    <dgm:cxn modelId="{7AA66E81-B79D-4817-89F8-932DEC93DC80}" srcId="{9D422B6D-111E-4E27-9636-433C99344472}" destId="{20A11340-EA12-4B0E-ABFD-BC4348CA043B}" srcOrd="3" destOrd="0" parTransId="{A504064D-158C-465A-9FCA-BDBE4B34DA6A}" sibTransId="{6BCEC98B-96B8-4E7B-8F8E-388426624835}"/>
+    <dgm:cxn modelId="{79B24F89-2C94-4982-9765-5395145616E1}" type="presOf" srcId="{39ECC02D-500A-4B34-9EAB-DDF7DEBD3880}" destId="{706DAF57-CBCD-4CE9-AD2A-28F7582062F5}" srcOrd="0" destOrd="0" presId="urn:microsoft.com/office/officeart/2005/8/layout/default"/>
+    <dgm:cxn modelId="{A14E9198-1F99-4FE5-8FED-1A26B71ACFCF}" srcId="{9D422B6D-111E-4E27-9636-433C99344472}" destId="{48E13AD3-1EC6-456D-BCD2-8557C31D4D7A}" srcOrd="2" destOrd="0" parTransId="{1B10BBEB-61AC-4559-9A13-1FDD7F15B8E5}" sibTransId="{A41C9048-E692-4B05-A86F-197831957E8F}"/>
+    <dgm:cxn modelId="{1228B1AF-B524-4436-82ED-EDC549545CE4}" srcId="{9D422B6D-111E-4E27-9636-433C99344472}" destId="{39ECC02D-500A-4B34-9EAB-DDF7DEBD3880}" srcOrd="8" destOrd="0" parTransId="{BAA9D908-B367-4CCC-931B-E1F5E8FAF899}" sibTransId="{AA03C223-D31F-4A40-B50C-C2FB93ACC4C2}"/>
+    <dgm:cxn modelId="{C71B40B9-1CEF-4012-954A-D74DC4AD3863}" srcId="{9D422B6D-111E-4E27-9636-433C99344472}" destId="{FAF7E5A7-25F8-4B60-A41C-C1C486B90B6E}" srcOrd="7" destOrd="0" parTransId="{8909EA76-4C2F-42B8-A177-727ABB2514BD}" sibTransId="{9A4A14C9-742E-4D78-B72B-0762F5C1BA3E}"/>
+    <dgm:cxn modelId="{6F1964B9-C377-40EE-A08E-896AAA189344}" type="presOf" srcId="{922BBA69-EA9F-422C-96F7-54DDC6643F8E}" destId="{E3921A31-223D-45E1-8073-D235EAEDBEDE}" srcOrd="0" destOrd="0" presId="urn:microsoft.com/office/officeart/2005/8/layout/default"/>
+    <dgm:cxn modelId="{59030FCB-A9EF-4444-B3A6-F8CE0A530FC7}" srcId="{9D422B6D-111E-4E27-9636-433C99344472}" destId="{2BA610DC-8518-495D-B6AA-5E41E1EC15BB}" srcOrd="6" destOrd="0" parTransId="{A39D7272-1ABC-4863-BF7A-3A447F753600}" sibTransId="{8294B104-9283-4F57-AAF5-CB2417205BF4}"/>
+    <dgm:cxn modelId="{F35EAAD9-4D0C-4124-93AA-F2A28A80AE6A}" type="presOf" srcId="{42C40ADC-57AB-4AA9-93AD-C035968EBA72}" destId="{49E91701-CAC4-454E-9038-125F7B3AB7E0}" srcOrd="0" destOrd="0" presId="urn:microsoft.com/office/officeart/2005/8/layout/default"/>
+    <dgm:cxn modelId="{A5D61CDB-B313-42C7-93FF-5D2C827F1DA4}" srcId="{9D422B6D-111E-4E27-9636-433C99344472}" destId="{11239ED7-AC47-4412-8D0B-A74F63AE672E}" srcOrd="4" destOrd="0" parTransId="{6F496BE4-8CF0-45C2-A66A-E6CE8FF23E99}" sibTransId="{7AB9FC7D-FF13-4D79-8D23-A6A99C5547BC}"/>
+    <dgm:cxn modelId="{C940BFDF-D7E9-4834-A991-15031002A7BD}" type="presOf" srcId="{20A11340-EA12-4B0E-ABFD-BC4348CA043B}" destId="{1B4713F4-58FE-4175-B282-20E9D3AAE977}" srcOrd="0" destOrd="0" presId="urn:microsoft.com/office/officeart/2005/8/layout/default"/>
+    <dgm:cxn modelId="{27A116FA-7A81-4919-BA29-3C01D7EC079E}" srcId="{9D422B6D-111E-4E27-9636-433C99344472}" destId="{19EC0262-60CC-4844-B535-8A8EA905D515}" srcOrd="0" destOrd="0" parTransId="{A41627CE-EA3E-42C1-90DD-E4FA49CD7771}" sibTransId="{702A1C50-06F9-450A-9F07-7A7BC3C6B104}"/>
+    <dgm:cxn modelId="{9AD53608-5369-4831-949B-87B8BD30E244}" type="presParOf" srcId="{D42D8FBB-4B8A-437B-A4B2-7985E6D724CC}" destId="{F018219E-778B-4DE2-8746-AC6B6033C602}" srcOrd="0" destOrd="0" presId="urn:microsoft.com/office/officeart/2005/8/layout/default"/>
+    <dgm:cxn modelId="{59B67636-B7B0-4CE6-BFE1-0413FD851A45}" type="presParOf" srcId="{D42D8FBB-4B8A-437B-A4B2-7985E6D724CC}" destId="{7D06655B-44C2-4183-9A4E-472C40203DB3}" srcOrd="1" destOrd="0" presId="urn:microsoft.com/office/officeart/2005/8/layout/default"/>
+    <dgm:cxn modelId="{F02F3B35-3CD4-4F1D-883A-CB482468F005}" type="presParOf" srcId="{D42D8FBB-4B8A-437B-A4B2-7985E6D724CC}" destId="{49E91701-CAC4-454E-9038-125F7B3AB7E0}" srcOrd="2" destOrd="0" presId="urn:microsoft.com/office/officeart/2005/8/layout/default"/>
+    <dgm:cxn modelId="{FAB8E1C0-76D5-4119-8769-C18F19BB6063}" type="presParOf" srcId="{D42D8FBB-4B8A-437B-A4B2-7985E6D724CC}" destId="{9E6018B7-1812-48D3-8AEC-10AECDD7B4C2}" srcOrd="3" destOrd="0" presId="urn:microsoft.com/office/officeart/2005/8/layout/default"/>
+    <dgm:cxn modelId="{C0EDA70F-340A-4B3B-8E17-4530F45B4092}" type="presParOf" srcId="{D42D8FBB-4B8A-437B-A4B2-7985E6D724CC}" destId="{7D6CD5FC-4441-477A-AC64-8A27774F5F73}" srcOrd="4" destOrd="0" presId="urn:microsoft.com/office/officeart/2005/8/layout/default"/>
+    <dgm:cxn modelId="{38AADA67-9CB2-443B-9C88-E190B1660BE5}" type="presParOf" srcId="{D42D8FBB-4B8A-437B-A4B2-7985E6D724CC}" destId="{B52AB6A9-3C31-4D90-8F56-D7C90D66C99D}" srcOrd="5" destOrd="0" presId="urn:microsoft.com/office/officeart/2005/8/layout/default"/>
+    <dgm:cxn modelId="{2DC3C879-EF6B-46EA-AD4D-CA53A1570CE9}" type="presParOf" srcId="{D42D8FBB-4B8A-437B-A4B2-7985E6D724CC}" destId="{1B4713F4-58FE-4175-B282-20E9D3AAE977}" srcOrd="6" destOrd="0" presId="urn:microsoft.com/office/officeart/2005/8/layout/default"/>
+    <dgm:cxn modelId="{CC93CC65-81FB-4746-82B2-C79D62FAD41B}" type="presParOf" srcId="{D42D8FBB-4B8A-437B-A4B2-7985E6D724CC}" destId="{19AA9BBA-5705-4F48-932C-1136595948AC}" srcOrd="7" destOrd="0" presId="urn:microsoft.com/office/officeart/2005/8/layout/default"/>
+    <dgm:cxn modelId="{4589253F-3638-4F3E-9164-B949BC22F3F7}" type="presParOf" srcId="{D42D8FBB-4B8A-437B-A4B2-7985E6D724CC}" destId="{01854BAD-1E05-4DF9-811B-969306A88E4B}" srcOrd="8" destOrd="0" presId="urn:microsoft.com/office/officeart/2005/8/layout/default"/>
+    <dgm:cxn modelId="{0B29C60B-9E86-4E8C-AE46-60A0BB866960}" type="presParOf" srcId="{D42D8FBB-4B8A-437B-A4B2-7985E6D724CC}" destId="{E2F72B8B-3618-4170-AD08-CE7E6E8CB23D}" srcOrd="9" destOrd="0" presId="urn:microsoft.com/office/officeart/2005/8/layout/default"/>
+    <dgm:cxn modelId="{82419D99-5CEF-4CB3-97D0-D71BC2217CB9}" type="presParOf" srcId="{D42D8FBB-4B8A-437B-A4B2-7985E6D724CC}" destId="{E3921A31-223D-45E1-8073-D235EAEDBEDE}" srcOrd="10" destOrd="0" presId="urn:microsoft.com/office/officeart/2005/8/layout/default"/>
+    <dgm:cxn modelId="{7E77F8D7-512C-45F2-B432-366711B67EC6}" type="presParOf" srcId="{D42D8FBB-4B8A-437B-A4B2-7985E6D724CC}" destId="{5255D614-E943-422D-B473-16452A23062C}" srcOrd="11" destOrd="0" presId="urn:microsoft.com/office/officeart/2005/8/layout/default"/>
+    <dgm:cxn modelId="{9C0EA8CF-0252-4C98-8F31-84864F55C51E}" type="presParOf" srcId="{D42D8FBB-4B8A-437B-A4B2-7985E6D724CC}" destId="{F835F08B-43E1-4F25-9166-6CBBED69FF7A}" srcOrd="12" destOrd="0" presId="urn:microsoft.com/office/officeart/2005/8/layout/default"/>
+    <dgm:cxn modelId="{937AC7F5-2ED4-4E7D-AA46-AF5275AE2686}" type="presParOf" srcId="{D42D8FBB-4B8A-437B-A4B2-7985E6D724CC}" destId="{FDDE0926-8614-48C8-92AD-9C009A8C5FE0}" srcOrd="13" destOrd="0" presId="urn:microsoft.com/office/officeart/2005/8/layout/default"/>
+    <dgm:cxn modelId="{84ED1C49-1BF0-492C-BD22-CA3E97D22B03}" type="presParOf" srcId="{D42D8FBB-4B8A-437B-A4B2-7985E6D724CC}" destId="{9DAB8E31-0106-45A9-AD2D-15D2DA9825EB}" srcOrd="14" destOrd="0" presId="urn:microsoft.com/office/officeart/2005/8/layout/default"/>
+    <dgm:cxn modelId="{D9F6558E-CAF6-4164-87B3-45B22F2E75B0}" type="presParOf" srcId="{D42D8FBB-4B8A-437B-A4B2-7985E6D724CC}" destId="{6C86DE4C-A3EB-4B55-ADF4-01AC45FAAF64}" srcOrd="15" destOrd="0" presId="urn:microsoft.com/office/officeart/2005/8/layout/default"/>
+    <dgm:cxn modelId="{8C5021AC-91E2-4D61-B827-CD2E16BFC6FD}" type="presParOf" srcId="{D42D8FBB-4B8A-437B-A4B2-7985E6D724CC}" destId="{706DAF57-CBCD-4CE9-AD2A-28F7582062F5}" srcOrd="16" destOrd="0" presId="urn:microsoft.com/office/officeart/2005/8/layout/default"/>
+  </dgm:cxnLst>
+  <dgm:bg/>
+  <dgm:whole/>
+  <dgm:extLst>
+    <a:ext uri="http://schemas.microsoft.com/office/drawing/2008/diagram">
+      <dsp:dataModelExt xmlns:dsp="http://schemas.microsoft.com/office/drawing/2008/diagram" relId="rId7" minVer="http://schemas.openxmlformats.org/drawingml/2006/diagram"/>
+    </a:ext>
+  </dgm:extLst>
+</dgm:dataModel>
+</file>
+
+<file path=ppt/diagrams/drawing1.xml><?xml version="1.0" encoding="utf-8"?>
+<dsp:drawing xmlns:dgm="http://schemas.openxmlformats.org/drawingml/2006/diagram" xmlns:dsp="http://schemas.microsoft.com/office/drawing/2008/diagram" xmlns:a="http://schemas.openxmlformats.org/drawingml/2006/main">
+  <dsp:spTree>
+    <dsp:nvGrpSpPr>
+      <dsp:cNvPr id="0" name=""/>
+      <dsp:cNvGrpSpPr/>
+    </dsp:nvGrpSpPr>
+    <dsp:grpSpPr/>
+    <dsp:sp modelId="{F018219E-778B-4DE2-8746-AC6B6033C602}">
+      <dsp:nvSpPr>
+        <dsp:cNvPr id="0" name=""/>
+        <dsp:cNvSpPr/>
+      </dsp:nvSpPr>
+      <dsp:spPr>
+        <a:xfrm>
+          <a:off x="582645" y="1178"/>
+          <a:ext cx="2174490" cy="1304694"/>
+        </a:xfrm>
+        <a:prstGeom prst="rect">
+          <a:avLst/>
+        </a:prstGeom>
+        <a:gradFill rotWithShape="0">
+          <a:gsLst>
+            <a:gs pos="0">
+              <a:schemeClr val="accent2">
+                <a:hueOff val="0"/>
+                <a:satOff val="0"/>
+                <a:lumOff val="0"/>
+                <a:alphaOff val="0"/>
+                <a:satMod val="103000"/>
+                <a:lumMod val="102000"/>
+                <a:tint val="94000"/>
+              </a:schemeClr>
+            </a:gs>
+            <a:gs pos="50000">
+              <a:schemeClr val="accent2">
+                <a:hueOff val="0"/>
+                <a:satOff val="0"/>
+                <a:lumOff val="0"/>
+                <a:alphaOff val="0"/>
+                <a:satMod val="110000"/>
+                <a:lumMod val="100000"/>
+                <a:shade val="100000"/>
+              </a:schemeClr>
+            </a:gs>
+            <a:gs pos="100000">
+              <a:schemeClr val="accent2">
+                <a:hueOff val="0"/>
+                <a:satOff val="0"/>
+                <a:lumOff val="0"/>
+                <a:alphaOff val="0"/>
+                <a:lumMod val="99000"/>
+                <a:satMod val="120000"/>
+                <a:shade val="78000"/>
+              </a:schemeClr>
+            </a:gs>
+          </a:gsLst>
+          <a:lin ang="5400000" scaled="0"/>
+        </a:gradFill>
+        <a:ln>
+          <a:noFill/>
+        </a:ln>
+        <a:effectLst/>
+      </dsp:spPr>
+      <dsp:style>
+        <a:lnRef idx="0">
+          <a:scrgbClr r="0" g="0" b="0"/>
+        </a:lnRef>
+        <a:fillRef idx="3">
+          <a:scrgbClr r="0" g="0" b="0"/>
+        </a:fillRef>
+        <a:effectRef idx="2">
+          <a:scrgbClr r="0" g="0" b="0"/>
+        </a:effectRef>
+        <a:fontRef idx="minor">
+          <a:schemeClr val="lt1"/>
+        </a:fontRef>
+      </dsp:style>
+      <dsp:txBody>
+        <a:bodyPr spcFirstLastPara="0" vert="horz" wrap="square" lIns="121920" tIns="121920" rIns="121920" bIns="121920" numCol="1" spcCol="1270" anchor="ctr" anchorCtr="0">
+          <a:noAutofit/>
+        </a:bodyPr>
+        <a:lstStyle/>
+        <a:p>
+          <a:pPr marL="0" lvl="0" indent="0" algn="ctr" defTabSz="1422400">
+            <a:lnSpc>
+              <a:spcPct val="90000"/>
+            </a:lnSpc>
+            <a:spcBef>
+              <a:spcPct val="0"/>
+            </a:spcBef>
+            <a:spcAft>
+              <a:spcPct val="35000"/>
+            </a:spcAft>
+            <a:buNone/>
+          </a:pPr>
+          <a:r>
+            <a:rPr lang="en-US" sz="3200" kern="1200"/>
+            <a:t>Psycopg2</a:t>
+          </a:r>
+        </a:p>
+      </dsp:txBody>
+      <dsp:txXfrm>
+        <a:off x="582645" y="1178"/>
+        <a:ext cx="2174490" cy="1304694"/>
+      </dsp:txXfrm>
+    </dsp:sp>
+    <dsp:sp modelId="{49E91701-CAC4-454E-9038-125F7B3AB7E0}">
+      <dsp:nvSpPr>
+        <dsp:cNvPr id="0" name=""/>
+        <dsp:cNvSpPr/>
+      </dsp:nvSpPr>
+      <dsp:spPr>
+        <a:xfrm>
+          <a:off x="2974584" y="1178"/>
+          <a:ext cx="2174490" cy="1304694"/>
+        </a:xfrm>
+        <a:prstGeom prst="rect">
+          <a:avLst/>
+        </a:prstGeom>
+        <a:gradFill rotWithShape="0">
+          <a:gsLst>
+            <a:gs pos="0">
+              <a:schemeClr val="accent3">
+                <a:hueOff val="0"/>
+                <a:satOff val="0"/>
+                <a:lumOff val="0"/>
+                <a:alphaOff val="0"/>
+                <a:satMod val="103000"/>
+                <a:lumMod val="102000"/>
+                <a:tint val="94000"/>
+              </a:schemeClr>
+            </a:gs>
+            <a:gs pos="50000">
+              <a:schemeClr val="accent3">
+                <a:hueOff val="0"/>
+                <a:satOff val="0"/>
+                <a:lumOff val="0"/>
+                <a:alphaOff val="0"/>
+                <a:satMod val="110000"/>
+                <a:lumMod val="100000"/>
+                <a:shade val="100000"/>
+              </a:schemeClr>
+            </a:gs>
+            <a:gs pos="100000">
+              <a:schemeClr val="accent3">
+                <a:hueOff val="0"/>
+                <a:satOff val="0"/>
+                <a:lumOff val="0"/>
+                <a:alphaOff val="0"/>
+                <a:lumMod val="99000"/>
+                <a:satMod val="120000"/>
+                <a:shade val="78000"/>
+              </a:schemeClr>
+            </a:gs>
+          </a:gsLst>
+          <a:lin ang="5400000" scaled="0"/>
+        </a:gradFill>
+        <a:ln>
+          <a:noFill/>
+        </a:ln>
+        <a:effectLst/>
+      </dsp:spPr>
+      <dsp:style>
+        <a:lnRef idx="0">
+          <a:scrgbClr r="0" g="0" b="0"/>
+        </a:lnRef>
+        <a:fillRef idx="3">
+          <a:scrgbClr r="0" g="0" b="0"/>
+        </a:fillRef>
+        <a:effectRef idx="2">
+          <a:scrgbClr r="0" g="0" b="0"/>
+        </a:effectRef>
+        <a:fontRef idx="minor">
+          <a:schemeClr val="lt1"/>
+        </a:fontRef>
+      </dsp:style>
+      <dsp:txBody>
+        <a:bodyPr spcFirstLastPara="0" vert="horz" wrap="square" lIns="121920" tIns="121920" rIns="121920" bIns="121920" numCol="1" spcCol="1270" anchor="ctr" anchorCtr="0">
+          <a:noAutofit/>
+        </a:bodyPr>
+        <a:lstStyle/>
+        <a:p>
+          <a:pPr marL="0" lvl="0" indent="0" algn="ctr" defTabSz="1422400">
+            <a:lnSpc>
+              <a:spcPct val="90000"/>
+            </a:lnSpc>
+            <a:spcBef>
+              <a:spcPct val="0"/>
+            </a:spcBef>
+            <a:spcAft>
+              <a:spcPct val="35000"/>
+            </a:spcAft>
+            <a:buNone/>
+          </a:pPr>
+          <a:r>
+            <a:rPr lang="en-US" sz="3200" kern="1200"/>
+            <a:t>Pandas</a:t>
+          </a:r>
+        </a:p>
+      </dsp:txBody>
+      <dsp:txXfrm>
+        <a:off x="2974584" y="1178"/>
+        <a:ext cx="2174490" cy="1304694"/>
+      </dsp:txXfrm>
+    </dsp:sp>
+    <dsp:sp modelId="{7D6CD5FC-4441-477A-AC64-8A27774F5F73}">
+      <dsp:nvSpPr>
+        <dsp:cNvPr id="0" name=""/>
+        <dsp:cNvSpPr/>
+      </dsp:nvSpPr>
+      <dsp:spPr>
+        <a:xfrm>
+          <a:off x="5366524" y="1178"/>
+          <a:ext cx="2174490" cy="1304694"/>
+        </a:xfrm>
+        <a:prstGeom prst="rect">
+          <a:avLst/>
+        </a:prstGeom>
+        <a:gradFill rotWithShape="0">
+          <a:gsLst>
+            <a:gs pos="0">
+              <a:schemeClr val="accent4">
+                <a:hueOff val="0"/>
+                <a:satOff val="0"/>
+                <a:lumOff val="0"/>
+                <a:alphaOff val="0"/>
+                <a:satMod val="103000"/>
+                <a:lumMod val="102000"/>
+                <a:tint val="94000"/>
+              </a:schemeClr>
+            </a:gs>
+            <a:gs pos="50000">
+              <a:schemeClr val="accent4">
+                <a:hueOff val="0"/>
+                <a:satOff val="0"/>
+                <a:lumOff val="0"/>
+                <a:alphaOff val="0"/>
+                <a:satMod val="110000"/>
+                <a:lumMod val="100000"/>
+                <a:shade val="100000"/>
+              </a:schemeClr>
+            </a:gs>
+            <a:gs pos="100000">
+              <a:schemeClr val="accent4">
+                <a:hueOff val="0"/>
+                <a:satOff val="0"/>
+                <a:lumOff val="0"/>
+                <a:alphaOff val="0"/>
+                <a:lumMod val="99000"/>
+                <a:satMod val="120000"/>
+                <a:shade val="78000"/>
+              </a:schemeClr>
+            </a:gs>
+          </a:gsLst>
+          <a:lin ang="5400000" scaled="0"/>
+        </a:gradFill>
+        <a:ln>
+          <a:noFill/>
+        </a:ln>
+        <a:effectLst/>
+      </dsp:spPr>
+      <dsp:style>
+        <a:lnRef idx="0">
+          <a:scrgbClr r="0" g="0" b="0"/>
+        </a:lnRef>
+        <a:fillRef idx="3">
+          <a:scrgbClr r="0" g="0" b="0"/>
+        </a:fillRef>
+        <a:effectRef idx="2">
+          <a:scrgbClr r="0" g="0" b="0"/>
+        </a:effectRef>
+        <a:fontRef idx="minor">
+          <a:schemeClr val="lt1"/>
+        </a:fontRef>
+      </dsp:style>
+      <dsp:txBody>
+        <a:bodyPr spcFirstLastPara="0" vert="horz" wrap="square" lIns="121920" tIns="121920" rIns="121920" bIns="121920" numCol="1" spcCol="1270" anchor="ctr" anchorCtr="0">
+          <a:noAutofit/>
+        </a:bodyPr>
+        <a:lstStyle/>
+        <a:p>
+          <a:pPr marL="0" lvl="0" indent="0" algn="ctr" defTabSz="1422400">
+            <a:lnSpc>
+              <a:spcPct val="90000"/>
+            </a:lnSpc>
+            <a:spcBef>
+              <a:spcPct val="0"/>
+            </a:spcBef>
+            <a:spcAft>
+              <a:spcPct val="35000"/>
+            </a:spcAft>
+            <a:buNone/>
+          </a:pPr>
+          <a:r>
+            <a:rPr lang="en-US" sz="3200" kern="1200"/>
+            <a:t>url lib</a:t>
+          </a:r>
+        </a:p>
+      </dsp:txBody>
+      <dsp:txXfrm>
+        <a:off x="5366524" y="1178"/>
+        <a:ext cx="2174490" cy="1304694"/>
+      </dsp:txXfrm>
+    </dsp:sp>
+    <dsp:sp modelId="{1B4713F4-58FE-4175-B282-20E9D3AAE977}">
+      <dsp:nvSpPr>
+        <dsp:cNvPr id="0" name=""/>
+        <dsp:cNvSpPr/>
+      </dsp:nvSpPr>
+      <dsp:spPr>
+        <a:xfrm>
+          <a:off x="7758464" y="1178"/>
+          <a:ext cx="2174490" cy="1304694"/>
+        </a:xfrm>
+        <a:prstGeom prst="rect">
+          <a:avLst/>
+        </a:prstGeom>
+        <a:gradFill rotWithShape="0">
+          <a:gsLst>
+            <a:gs pos="0">
+              <a:schemeClr val="accent5">
+                <a:hueOff val="0"/>
+                <a:satOff val="0"/>
+                <a:lumOff val="0"/>
+                <a:alphaOff val="0"/>
+                <a:satMod val="103000"/>
+                <a:lumMod val="102000"/>
+                <a:tint val="94000"/>
+              </a:schemeClr>
+            </a:gs>
+            <a:gs pos="50000">
+              <a:schemeClr val="accent5">
+                <a:hueOff val="0"/>
+                <a:satOff val="0"/>
+                <a:lumOff val="0"/>
+                <a:alphaOff val="0"/>
+                <a:satMod val="110000"/>
+                <a:lumMod val="100000"/>
+                <a:shade val="100000"/>
+              </a:schemeClr>
+            </a:gs>
+            <a:gs pos="100000">
+              <a:schemeClr val="accent5">
+                <a:hueOff val="0"/>
+                <a:satOff val="0"/>
+                <a:lumOff val="0"/>
+                <a:alphaOff val="0"/>
+                <a:lumMod val="99000"/>
+                <a:satMod val="120000"/>
+                <a:shade val="78000"/>
+              </a:schemeClr>
+            </a:gs>
+          </a:gsLst>
+          <a:lin ang="5400000" scaled="0"/>
+        </a:gradFill>
+        <a:ln>
+          <a:noFill/>
+        </a:ln>
+        <a:effectLst/>
+      </dsp:spPr>
+      <dsp:style>
+        <a:lnRef idx="0">
+          <a:scrgbClr r="0" g="0" b="0"/>
+        </a:lnRef>
+        <a:fillRef idx="3">
+          <a:scrgbClr r="0" g="0" b="0"/>
+        </a:fillRef>
+        <a:effectRef idx="2">
+          <a:scrgbClr r="0" g="0" b="0"/>
+        </a:effectRef>
+        <a:fontRef idx="minor">
+          <a:schemeClr val="lt1"/>
+        </a:fontRef>
+      </dsp:style>
+      <dsp:txBody>
+        <a:bodyPr spcFirstLastPara="0" vert="horz" wrap="square" lIns="121920" tIns="121920" rIns="121920" bIns="121920" numCol="1" spcCol="1270" anchor="ctr" anchorCtr="0">
+          <a:noAutofit/>
+        </a:bodyPr>
+        <a:lstStyle/>
+        <a:p>
+          <a:pPr marL="0" lvl="0" indent="0" algn="ctr" defTabSz="1422400">
+            <a:lnSpc>
+              <a:spcPct val="90000"/>
+            </a:lnSpc>
+            <a:spcBef>
+              <a:spcPct val="0"/>
+            </a:spcBef>
+            <a:spcAft>
+              <a:spcPct val="35000"/>
+            </a:spcAft>
+            <a:buNone/>
+          </a:pPr>
+          <a:r>
+            <a:rPr lang="en-US" sz="3200" kern="1200"/>
+            <a:t>Re</a:t>
+          </a:r>
+        </a:p>
+      </dsp:txBody>
+      <dsp:txXfrm>
+        <a:off x="7758464" y="1178"/>
+        <a:ext cx="2174490" cy="1304694"/>
+      </dsp:txXfrm>
+    </dsp:sp>
+    <dsp:sp modelId="{01854BAD-1E05-4DF9-811B-969306A88E4B}">
+      <dsp:nvSpPr>
+        <dsp:cNvPr id="0" name=""/>
+        <dsp:cNvSpPr/>
+      </dsp:nvSpPr>
+      <dsp:spPr>
+        <a:xfrm>
+          <a:off x="582645" y="1523321"/>
+          <a:ext cx="2174490" cy="1304694"/>
+        </a:xfrm>
+        <a:prstGeom prst="rect">
+          <a:avLst/>
+        </a:prstGeom>
+        <a:gradFill rotWithShape="0">
+          <a:gsLst>
+            <a:gs pos="0">
+              <a:schemeClr val="accent6">
+                <a:hueOff val="0"/>
+                <a:satOff val="0"/>
+                <a:lumOff val="0"/>
+                <a:alphaOff val="0"/>
+                <a:satMod val="103000"/>
+                <a:lumMod val="102000"/>
+                <a:tint val="94000"/>
+              </a:schemeClr>
+            </a:gs>
+            <a:gs pos="50000">
+              <a:schemeClr val="accent6">
+                <a:hueOff val="0"/>
+                <a:satOff val="0"/>
+                <a:lumOff val="0"/>
+                <a:alphaOff val="0"/>
+                <a:satMod val="110000"/>
+                <a:lumMod val="100000"/>
+                <a:shade val="100000"/>
+              </a:schemeClr>
+            </a:gs>
+            <a:gs pos="100000">
+              <a:schemeClr val="accent6">
+                <a:hueOff val="0"/>
+                <a:satOff val="0"/>
+                <a:lumOff val="0"/>
+                <a:alphaOff val="0"/>
+                <a:lumMod val="99000"/>
+                <a:satMod val="120000"/>
+                <a:shade val="78000"/>
+              </a:schemeClr>
+            </a:gs>
+          </a:gsLst>
+          <a:lin ang="5400000" scaled="0"/>
+        </a:gradFill>
+        <a:ln>
+          <a:noFill/>
+        </a:ln>
+        <a:effectLst/>
+      </dsp:spPr>
+      <dsp:style>
+        <a:lnRef idx="0">
+          <a:scrgbClr r="0" g="0" b="0"/>
+        </a:lnRef>
+        <a:fillRef idx="3">
+          <a:scrgbClr r="0" g="0" b="0"/>
+        </a:fillRef>
+        <a:effectRef idx="2">
+          <a:scrgbClr r="0" g="0" b="0"/>
+        </a:effectRef>
+        <a:fontRef idx="minor">
+          <a:schemeClr val="lt1"/>
+        </a:fontRef>
+      </dsp:style>
+      <dsp:txBody>
+        <a:bodyPr spcFirstLastPara="0" vert="horz" wrap="square" lIns="121920" tIns="121920" rIns="121920" bIns="121920" numCol="1" spcCol="1270" anchor="ctr" anchorCtr="0">
+          <a:noAutofit/>
+        </a:bodyPr>
+        <a:lstStyle/>
+        <a:p>
+          <a:pPr marL="0" lvl="0" indent="0" algn="ctr" defTabSz="1422400">
+            <a:lnSpc>
+              <a:spcPct val="90000"/>
+            </a:lnSpc>
+            <a:spcBef>
+              <a:spcPct val="0"/>
+            </a:spcBef>
+            <a:spcAft>
+              <a:spcPct val="35000"/>
+            </a:spcAft>
+            <a:buNone/>
+          </a:pPr>
+          <a:r>
+            <a:rPr lang="en-US" sz="3200" kern="1200"/>
+            <a:t>Traceback</a:t>
+          </a:r>
+        </a:p>
+      </dsp:txBody>
+      <dsp:txXfrm>
+        <a:off x="582645" y="1523321"/>
+        <a:ext cx="2174490" cy="1304694"/>
+      </dsp:txXfrm>
+    </dsp:sp>
+    <dsp:sp modelId="{E3921A31-223D-45E1-8073-D235EAEDBEDE}">
+      <dsp:nvSpPr>
+        <dsp:cNvPr id="0" name=""/>
+        <dsp:cNvSpPr/>
+      </dsp:nvSpPr>
+      <dsp:spPr>
+        <a:xfrm>
+          <a:off x="2974584" y="1523321"/>
+          <a:ext cx="2174490" cy="1304694"/>
+        </a:xfrm>
+        <a:prstGeom prst="rect">
+          <a:avLst/>
+        </a:prstGeom>
+        <a:gradFill rotWithShape="0">
+          <a:gsLst>
+            <a:gs pos="0">
+              <a:schemeClr val="accent2">
+                <a:hueOff val="0"/>
+                <a:satOff val="0"/>
+                <a:lumOff val="0"/>
+                <a:alphaOff val="0"/>
+                <a:satMod val="103000"/>
+                <a:lumMod val="102000"/>
+                <a:tint val="94000"/>
+              </a:schemeClr>
+            </a:gs>
+            <a:gs pos="50000">
+              <a:schemeClr val="accent2">
+                <a:hueOff val="0"/>
+                <a:satOff val="0"/>
+                <a:lumOff val="0"/>
+                <a:alphaOff val="0"/>
+                <a:satMod val="110000"/>
+                <a:lumMod val="100000"/>
+                <a:shade val="100000"/>
+              </a:schemeClr>
+            </a:gs>
+            <a:gs pos="100000">
+              <a:schemeClr val="accent2">
+                <a:hueOff val="0"/>
+                <a:satOff val="0"/>
+                <a:lumOff val="0"/>
+                <a:alphaOff val="0"/>
+                <a:lumMod val="99000"/>
+                <a:satMod val="120000"/>
+                <a:shade val="78000"/>
+              </a:schemeClr>
+            </a:gs>
+          </a:gsLst>
+          <a:lin ang="5400000" scaled="0"/>
+        </a:gradFill>
+        <a:ln>
+          <a:noFill/>
+        </a:ln>
+        <a:effectLst/>
+      </dsp:spPr>
+      <dsp:style>
+        <a:lnRef idx="0">
+          <a:scrgbClr r="0" g="0" b="0"/>
+        </a:lnRef>
+        <a:fillRef idx="3">
+          <a:scrgbClr r="0" g="0" b="0"/>
+        </a:fillRef>
+        <a:effectRef idx="2">
+          <a:scrgbClr r="0" g="0" b="0"/>
+        </a:effectRef>
+        <a:fontRef idx="minor">
+          <a:schemeClr val="lt1"/>
+        </a:fontRef>
+      </dsp:style>
+      <dsp:txBody>
+        <a:bodyPr spcFirstLastPara="0" vert="horz" wrap="square" lIns="121920" tIns="121920" rIns="121920" bIns="121920" numCol="1" spcCol="1270" anchor="ctr" anchorCtr="0">
+          <a:noAutofit/>
+        </a:bodyPr>
+        <a:lstStyle/>
+        <a:p>
+          <a:pPr marL="0" lvl="0" indent="0" algn="ctr" defTabSz="1422400">
+            <a:lnSpc>
+              <a:spcPct val="90000"/>
+            </a:lnSpc>
+            <a:spcBef>
+              <a:spcPct val="0"/>
+            </a:spcBef>
+            <a:spcAft>
+              <a:spcPct val="35000"/>
+            </a:spcAft>
+            <a:buNone/>
+          </a:pPr>
+          <a:r>
+            <a:rPr lang="en-US" sz="3200" kern="1200"/>
+            <a:t>Os</a:t>
+          </a:r>
+        </a:p>
+      </dsp:txBody>
+      <dsp:txXfrm>
+        <a:off x="2974584" y="1523321"/>
+        <a:ext cx="2174490" cy="1304694"/>
+      </dsp:txXfrm>
+    </dsp:sp>
+    <dsp:sp modelId="{F835F08B-43E1-4F25-9166-6CBBED69FF7A}">
+      <dsp:nvSpPr>
+        <dsp:cNvPr id="0" name=""/>
+        <dsp:cNvSpPr/>
+      </dsp:nvSpPr>
+      <dsp:spPr>
+        <a:xfrm>
+          <a:off x="5366524" y="1523321"/>
+          <a:ext cx="2174490" cy="1304694"/>
+        </a:xfrm>
+        <a:prstGeom prst="rect">
+          <a:avLst/>
+        </a:prstGeom>
+        <a:gradFill rotWithShape="0">
+          <a:gsLst>
+            <a:gs pos="0">
+              <a:schemeClr val="accent3">
+                <a:hueOff val="0"/>
+                <a:satOff val="0"/>
+                <a:lumOff val="0"/>
+                <a:alphaOff val="0"/>
+                <a:satMod val="103000"/>
+                <a:lumMod val="102000"/>
+                <a:tint val="94000"/>
+              </a:schemeClr>
+            </a:gs>
+            <a:gs pos="50000">
+              <a:schemeClr val="accent3">
+                <a:hueOff val="0"/>
+                <a:satOff val="0"/>
+                <a:lumOff val="0"/>
+                <a:alphaOff val="0"/>
+                <a:satMod val="110000"/>
+                <a:lumMod val="100000"/>
+                <a:shade val="100000"/>
+              </a:schemeClr>
+            </a:gs>
+            <a:gs pos="100000">
+              <a:schemeClr val="accent3">
+                <a:hueOff val="0"/>
+                <a:satOff val="0"/>
+                <a:lumOff val="0"/>
+                <a:alphaOff val="0"/>
+                <a:lumMod val="99000"/>
+                <a:satMod val="120000"/>
+                <a:shade val="78000"/>
+              </a:schemeClr>
+            </a:gs>
+          </a:gsLst>
+          <a:lin ang="5400000" scaled="0"/>
+        </a:gradFill>
+        <a:ln>
+          <a:noFill/>
+        </a:ln>
+        <a:effectLst/>
+      </dsp:spPr>
+      <dsp:style>
+        <a:lnRef idx="0">
+          <a:scrgbClr r="0" g="0" b="0"/>
+        </a:lnRef>
+        <a:fillRef idx="3">
+          <a:scrgbClr r="0" g="0" b="0"/>
+        </a:fillRef>
+        <a:effectRef idx="2">
+          <a:scrgbClr r="0" g="0" b="0"/>
+        </a:effectRef>
+        <a:fontRef idx="minor">
+          <a:schemeClr val="lt1"/>
+        </a:fontRef>
+      </dsp:style>
+      <dsp:txBody>
+        <a:bodyPr spcFirstLastPara="0" vert="horz" wrap="square" lIns="121920" tIns="121920" rIns="121920" bIns="121920" numCol="1" spcCol="1270" anchor="ctr" anchorCtr="0">
+          <a:noAutofit/>
+        </a:bodyPr>
+        <a:lstStyle/>
+        <a:p>
+          <a:pPr marL="0" lvl="0" indent="0" algn="ctr" defTabSz="1422400">
+            <a:lnSpc>
+              <a:spcPct val="90000"/>
+            </a:lnSpc>
+            <a:spcBef>
+              <a:spcPct val="0"/>
+            </a:spcBef>
+            <a:spcAft>
+              <a:spcPct val="35000"/>
+            </a:spcAft>
+            <a:buNone/>
+          </a:pPr>
+          <a:r>
+            <a:rPr lang="en-US" sz="3200" kern="1200"/>
+            <a:t>Typing</a:t>
+          </a:r>
+        </a:p>
+      </dsp:txBody>
+      <dsp:txXfrm>
+        <a:off x="5366524" y="1523321"/>
+        <a:ext cx="2174490" cy="1304694"/>
+      </dsp:txXfrm>
+    </dsp:sp>
+    <dsp:sp modelId="{9DAB8E31-0106-45A9-AD2D-15D2DA9825EB}">
+      <dsp:nvSpPr>
+        <dsp:cNvPr id="0" name=""/>
+        <dsp:cNvSpPr/>
+      </dsp:nvSpPr>
+      <dsp:spPr>
+        <a:xfrm>
+          <a:off x="7758464" y="1523321"/>
+          <a:ext cx="2174490" cy="1304694"/>
+        </a:xfrm>
+        <a:prstGeom prst="rect">
+          <a:avLst/>
+        </a:prstGeom>
+        <a:gradFill rotWithShape="0">
+          <a:gsLst>
+            <a:gs pos="0">
+              <a:schemeClr val="accent4">
+                <a:hueOff val="0"/>
+                <a:satOff val="0"/>
+                <a:lumOff val="0"/>
+                <a:alphaOff val="0"/>
+                <a:satMod val="103000"/>
+                <a:lumMod val="102000"/>
+                <a:tint val="94000"/>
+              </a:schemeClr>
+            </a:gs>
+            <a:gs pos="50000">
+              <a:schemeClr val="accent4">
+                <a:hueOff val="0"/>
+                <a:satOff val="0"/>
+                <a:lumOff val="0"/>
+                <a:alphaOff val="0"/>
+                <a:satMod val="110000"/>
+                <a:lumMod val="100000"/>
+                <a:shade val="100000"/>
+              </a:schemeClr>
+            </a:gs>
+            <a:gs pos="100000">
+              <a:schemeClr val="accent4">
+                <a:hueOff val="0"/>
+                <a:satOff val="0"/>
+                <a:lumOff val="0"/>
+                <a:alphaOff val="0"/>
+                <a:lumMod val="99000"/>
+                <a:satMod val="120000"/>
+                <a:shade val="78000"/>
+              </a:schemeClr>
+            </a:gs>
+          </a:gsLst>
+          <a:lin ang="5400000" scaled="0"/>
+        </a:gradFill>
+        <a:ln>
+          <a:noFill/>
+        </a:ln>
+        <a:effectLst/>
+      </dsp:spPr>
+      <dsp:style>
+        <a:lnRef idx="0">
+          <a:scrgbClr r="0" g="0" b="0"/>
+        </a:lnRef>
+        <a:fillRef idx="3">
+          <a:scrgbClr r="0" g="0" b="0"/>
+        </a:fillRef>
+        <a:effectRef idx="2">
+          <a:scrgbClr r="0" g="0" b="0"/>
+        </a:effectRef>
+        <a:fontRef idx="minor">
+          <a:schemeClr val="lt1"/>
+        </a:fontRef>
+      </dsp:style>
+      <dsp:txBody>
+        <a:bodyPr spcFirstLastPara="0" vert="horz" wrap="square" lIns="121920" tIns="121920" rIns="121920" bIns="121920" numCol="1" spcCol="1270" anchor="ctr" anchorCtr="0">
+          <a:noAutofit/>
+        </a:bodyPr>
+        <a:lstStyle/>
+        <a:p>
+          <a:pPr marL="0" lvl="0" indent="0" algn="ctr" defTabSz="1422400">
+            <a:lnSpc>
+              <a:spcPct val="90000"/>
+            </a:lnSpc>
+            <a:spcBef>
+              <a:spcPct val="0"/>
+            </a:spcBef>
+            <a:spcAft>
+              <a:spcPct val="35000"/>
+            </a:spcAft>
+            <a:buNone/>
+          </a:pPr>
+          <a:r>
+            <a:rPr lang="en-US" sz="3200" kern="1200"/>
+            <a:t>Subprocess</a:t>
+          </a:r>
+        </a:p>
+      </dsp:txBody>
+      <dsp:txXfrm>
+        <a:off x="7758464" y="1523321"/>
+        <a:ext cx="2174490" cy="1304694"/>
+      </dsp:txXfrm>
+    </dsp:sp>
+    <dsp:sp modelId="{706DAF57-CBCD-4CE9-AD2A-28F7582062F5}">
+      <dsp:nvSpPr>
+        <dsp:cNvPr id="0" name=""/>
+        <dsp:cNvSpPr/>
+      </dsp:nvSpPr>
+      <dsp:spPr>
+        <a:xfrm>
+          <a:off x="4170554" y="3045465"/>
+          <a:ext cx="2174490" cy="1304694"/>
+        </a:xfrm>
+        <a:prstGeom prst="rect">
+          <a:avLst/>
+        </a:prstGeom>
+        <a:gradFill rotWithShape="0">
+          <a:gsLst>
+            <a:gs pos="0">
+              <a:schemeClr val="accent5">
+                <a:hueOff val="0"/>
+                <a:satOff val="0"/>
+                <a:lumOff val="0"/>
+                <a:alphaOff val="0"/>
+                <a:satMod val="103000"/>
+                <a:lumMod val="102000"/>
+                <a:tint val="94000"/>
+              </a:schemeClr>
+            </a:gs>
+            <a:gs pos="50000">
+              <a:schemeClr val="accent5">
+                <a:hueOff val="0"/>
+                <a:satOff val="0"/>
+                <a:lumOff val="0"/>
+                <a:alphaOff val="0"/>
+                <a:satMod val="110000"/>
+                <a:lumMod val="100000"/>
+                <a:shade val="100000"/>
+              </a:schemeClr>
+            </a:gs>
+            <a:gs pos="100000">
+              <a:schemeClr val="accent5">
+                <a:hueOff val="0"/>
+                <a:satOff val="0"/>
+                <a:lumOff val="0"/>
+                <a:alphaOff val="0"/>
+                <a:lumMod val="99000"/>
+                <a:satMod val="120000"/>
+                <a:shade val="78000"/>
+              </a:schemeClr>
+            </a:gs>
+          </a:gsLst>
+          <a:lin ang="5400000" scaled="0"/>
+        </a:gradFill>
+        <a:ln>
+          <a:noFill/>
+        </a:ln>
+        <a:effectLst/>
+      </dsp:spPr>
+      <dsp:style>
+        <a:lnRef idx="0">
+          <a:scrgbClr r="0" g="0" b="0"/>
+        </a:lnRef>
+        <a:fillRef idx="3">
+          <a:scrgbClr r="0" g="0" b="0"/>
+        </a:fillRef>
+        <a:effectRef idx="2">
+          <a:scrgbClr r="0" g="0" b="0"/>
+        </a:effectRef>
+        <a:fontRef idx="minor">
+          <a:schemeClr val="lt1"/>
+        </a:fontRef>
+      </dsp:style>
+      <dsp:txBody>
+        <a:bodyPr spcFirstLastPara="0" vert="horz" wrap="square" lIns="121920" tIns="121920" rIns="121920" bIns="121920" numCol="1" spcCol="1270" anchor="ctr" anchorCtr="0">
+          <a:noAutofit/>
+        </a:bodyPr>
+        <a:lstStyle/>
+        <a:p>
+          <a:pPr marL="0" lvl="0" indent="0" algn="ctr" defTabSz="1422400">
+            <a:lnSpc>
+              <a:spcPct val="90000"/>
+            </a:lnSpc>
+            <a:spcBef>
+              <a:spcPct val="0"/>
+            </a:spcBef>
+            <a:spcAft>
+              <a:spcPct val="35000"/>
+            </a:spcAft>
+            <a:buNone/>
+          </a:pPr>
+          <a:r>
+            <a:rPr lang="en-US" sz="3200" kern="1200"/>
+            <a:t>collections</a:t>
+          </a:r>
+        </a:p>
+      </dsp:txBody>
+      <dsp:txXfrm>
+        <a:off x="4170554" y="3045465"/>
+        <a:ext cx="2174490" cy="1304694"/>
+      </dsp:txXfrm>
+    </dsp:sp>
+  </dsp:spTree>
+</dsp:drawing>
+</file>
+
+<file path=ppt/diagrams/layout1.xml><?xml version="1.0" encoding="utf-8"?>
+<dgm:layoutDef xmlns:dgm="http://schemas.openxmlformats.org/drawingml/2006/diagram" xmlns:a="http://schemas.openxmlformats.org/drawingml/2006/main" uniqueId="urn:microsoft.com/office/officeart/2005/8/layout/default">
+  <dgm:title val=""/>
+  <dgm:desc val=""/>
+  <dgm:catLst>
+    <dgm:cat type="list" pri="400"/>
+  </dgm:catLst>
+  <dgm:sampData>
+    <dgm:dataModel>
+      <dgm:ptLst>
+        <dgm:pt modelId="0" type="doc"/>
+        <dgm:pt modelId="1">
+          <dgm:prSet phldr="1"/>
+        </dgm:pt>
+        <dgm:pt modelId="2">
+          <dgm:prSet phldr="1"/>
+        </dgm:pt>
+        <dgm:pt modelId="3">
+          <dgm:prSet phldr="1"/>
+        </dgm:pt>
+        <dgm:pt modelId="4">
+          <dgm:prSet phldr="1"/>
+        </dgm:pt>
+        <dgm:pt modelId="5">
+          <dgm:prSet phldr="1"/>
+        </dgm:pt>
+      </dgm:ptLst>
+      <dgm:cxnLst>
+        <dgm:cxn modelId="6" srcId="0" destId="1" srcOrd="0" destOrd="0"/>
+        <dgm:cxn modelId="7" srcId="0" destId="2" srcOrd="1" destOrd="0"/>
+        <dgm:cxn modelId="8" srcId="0" destId="3" srcOrd="2" destOrd="0"/>
+        <dgm:cxn modelId="9" srcId="0" destId="4" srcOrd="3" destOrd="0"/>
+        <dgm:cxn modelId="10" srcId="0" destId="5" srcOrd="4" destOrd="0"/>
+      </dgm:cxnLst>
+      <dgm:bg/>
+      <dgm:whole/>
+    </dgm:dataModel>
+  </dgm:sampData>
+  <dgm:styleData>
+    <dgm:dataModel>
+      <dgm:ptLst>
+        <dgm:pt modelId="0" type="doc"/>
+        <dgm:pt modelId="1"/>
+        <dgm:pt modelId="2"/>
+      </dgm:ptLst>
+      <dgm:cxnLst>
+        <dgm:cxn modelId="3" srcId="0" destId="1" srcOrd="0" destOrd="0"/>
+        <dgm:cxn modelId="4" srcId="0" destId="2" srcOrd="1" destOrd="0"/>
+      </dgm:cxnLst>
+      <dgm:bg/>
+      <dgm:whole/>
+    </dgm:dataModel>
+  </dgm:styleData>
+  <dgm:clrData>
+    <dgm:dataModel>
+      <dgm:ptLst>
+        <dgm:pt modelId="0" type="doc"/>
+        <dgm:pt modelId="1"/>
+        <dgm:pt modelId="2"/>
+        <dgm:pt modelId="3"/>
+        <dgm:pt modelId="4"/>
+        <dgm:pt modelId="5"/>
+        <dgm:pt modelId="6"/>
+      </dgm:ptLst>
+      <dgm:cxnLst>
+        <dgm:cxn modelId="7" srcId="0" destId="1" srcOrd="0" destOrd="0"/>
+        <dgm:cxn modelId="8" srcId="0" destId="2" srcOrd="1" destOrd="0"/>
+        <dgm:cxn modelId="9" srcId="0" destId="3" srcOrd="2" destOrd="0"/>
+        <dgm:cxn modelId="10" srcId="0" destId="4" srcOrd="3" destOrd="0"/>
+        <dgm:cxn modelId="11" srcId="0" destId="5" srcOrd="4" destOrd="0"/>
+        <dgm:cxn modelId="12" srcId="0" destId="6" srcOrd="5" destOrd="0"/>
+      </dgm:cxnLst>
+      <dgm:bg/>
+      <dgm:whole/>
+    </dgm:dataModel>
+  </dgm:clrData>
+  <dgm:layoutNode name="diagram">
+    <dgm:varLst>
+      <dgm:dir/>
+      <dgm:resizeHandles val="exact"/>
+    </dgm:varLst>
+    <dgm:choose name="Name0">
+      <dgm:if name="Name1" func="var" arg="dir" op="equ" val="norm">
+        <dgm:alg type="snake">
+          <dgm:param type="grDir" val="tL"/>
+          <dgm:param type="flowDir" val="row"/>
+          <dgm:param type="contDir" val="sameDir"/>
+          <dgm:param type="off" val="ctr"/>
+        </dgm:alg>
+      </dgm:if>
+      <dgm:else name="Name2">
+        <dgm:alg type="snake">
+          <dgm:param type="grDir" val="tR"/>
+          <dgm:param type="flowDir" val="row"/>
+          <dgm:param type="contDir" val="sameDir"/>
+          <dgm:param type="off" val="ctr"/>
+        </dgm:alg>
+      </dgm:else>
+    </dgm:choose>
+    <dgm:shape xmlns:r="http://schemas.openxmlformats.org/officeDocument/2006/relationships" r:blip="">
+      <dgm:adjLst/>
+    </dgm:shape>
+    <dgm:presOf/>
+    <dgm:constrLst>
+      <dgm:constr type="w" for="ch" forName="node" refType="w"/>
+      <dgm:constr type="h" for="ch" forName="node" refType="w" refFor="ch" refForName="node" fact="0.6"/>
+      <dgm:constr type="w" for="ch" forName="sibTrans" refType="w" refFor="ch" refForName="node" fact="0.1"/>
+      <dgm:constr type="sp" refType="w" refFor="ch" refForName="sibTrans"/>
+      <dgm:constr type="primFontSz" for="ch" forName="node" op="equ" val="65"/>
+    </dgm:constrLst>
+    <dgm:ruleLst/>
+    <dgm:forEach name="Name3" axis="ch" ptType="node">
+      <dgm:layoutNode name="node">
+        <dgm:varLst>
+          <dgm:bulletEnabled val="1"/>
+        </dgm:varLst>
+        <dgm:alg type="tx"/>
+        <dgm:shape xmlns:r="http://schemas.openxmlformats.org/officeDocument/2006/relationships" type="rect" r:blip="">
+          <dgm:adjLst/>
+        </dgm:shape>
+        <dgm:presOf axis="desOrSelf" ptType="node"/>
+        <dgm:constrLst>
+          <dgm:constr type="lMarg" refType="primFontSz" fact="0.3"/>
+          <dgm:constr type="rMarg" refType="primFontSz" fact="0.3"/>
+          <dgm:constr type="tMarg" refType="primFontSz" fact="0.3"/>
+          <dgm:constr type="bMarg" refType="primFontSz" fact="0.3"/>
+        </dgm:constrLst>
+        <dgm:ruleLst>
+          <dgm:rule type="primFontSz" val="5" fact="NaN" max="NaN"/>
+        </dgm:ruleLst>
+      </dgm:layoutNode>
+      <dgm:forEach name="Name4" axis="followSib" ptType="sibTrans" cnt="1">
+        <dgm:layoutNode name="sibTrans">
+          <dgm:alg type="sp"/>
+          <dgm:shape xmlns:r="http://schemas.openxmlformats.org/officeDocument/2006/relationships" r:blip="">
+            <dgm:adjLst/>
+          </dgm:shape>
+          <dgm:presOf/>
+          <dgm:constrLst/>
+          <dgm:ruleLst/>
+        </dgm:layoutNode>
+      </dgm:forEach>
+    </dgm:forEach>
+  </dgm:layoutNode>
+</dgm:layoutDef>
+</file>
+
+<file path=ppt/diagrams/quickStyle1.xml><?xml version="1.0" encoding="utf-8"?>
+<dgm:styleDef xmlns:dgm="http://schemas.openxmlformats.org/drawingml/2006/diagram" xmlns:a="http://schemas.openxmlformats.org/drawingml/2006/main" uniqueId="urn:microsoft.com/office/officeart/2005/8/quickstyle/simple4">
+  <dgm:title val=""/>
+  <dgm:desc val=""/>
+  <dgm:catLst>
+    <dgm:cat type="simple" pri="10400"/>
+  </dgm:catLst>
+  <dgm:scene3d>
+    <a:camera prst="orthographicFront"/>
+    <a:lightRig rig="threePt" dir="t"/>
+  </dgm:scene3d>
+  <dgm:styleLbl name="node0">
+    <dgm:scene3d>
+      <a:camera prst="orthographicFront"/>
+      <a:lightRig rig="threePt" dir="t"/>
+    </dgm:scene3d>
+    <dgm:sp3d/>
+    <dgm:txPr/>
+    <dgm:style>
+      <a:lnRef idx="0">
+        <a:scrgbClr r="0" g="0" b="0"/>
+      </a:lnRef>
+      <a:fillRef idx="3">
+        <a:scrgbClr r="0" g="0" b="0"/>
+      </a:fillRef>
+      <a:effectRef idx="2">
+        <a:scrgbClr r="0" g="0" b="0"/>
+      </a:effectRef>
+      <a:fontRef idx="minor">
+        <a:schemeClr val="lt1"/>
+      </a:fontRef>
+    </dgm:style>
+  </dgm:styleLbl>
+  <dgm:styleLbl name="lnNode1">
+    <dgm:scene3d>
+      <a:camera prst="orthographicFront"/>
+      <a:lightRig rig="threePt" dir="t"/>
+    </dgm:scene3d>
+    <dgm:sp3d/>
+    <dgm:txPr/>
+    <dgm:style>
+      <a:lnRef idx="1">
+        <a:scrgbClr r="0" g="0" b="0"/>
+      </a:lnRef>
+      <a:fillRef idx="3">
+        <a:scrgbClr r="0" g="0" b="0"/>
+      </a:fillRef>
+      <a:effectRef idx="2">
+        <a:scrgbClr r="0" g="0" b="0"/>
+      </a:effectRef>
+      <a:fontRef idx="minor">
+        <a:schemeClr val="lt1"/>
+      </a:fontRef>
+    </dgm:style>
+  </dgm:styleLbl>
+  <dgm:styleLbl name="vennNode1">
+    <dgm:scene3d>
+      <a:camera prst="orthographicFront"/>
+      <a:lightRig rig="threePt" dir="t"/>
+    </dgm:scene3d>
+    <dgm:sp3d/>
+    <dgm:txPr/>
+    <dgm:style>
+      <a:lnRef idx="0">
+        <a:scrgbClr r="0" g="0" b="0"/>
+      </a:lnRef>
+      <a:fillRef idx="3">
+        <a:scrgbClr r="0" g="0" b="0"/>
+      </a:fillRef>
+      <a:effectRef idx="0">
+        <a:scrgbClr r="0" g="0" b="0"/>
+      </a:effectRef>
+      <a:fontRef idx="minor">
+        <a:schemeClr val="tx1"/>
+      </a:fontRef>
+    </dgm:style>
+  </dgm:styleLbl>
+  <dgm:styleLbl name="alignNode1">
+    <dgm:scene3d>
+      <a:camera prst="orthographicFront"/>
+      <a:lightRig rig="threePt" dir="t"/>
+    </dgm:scene3d>
+    <dgm:sp3d/>
+    <dgm:txPr/>
+    <dgm:style>
+      <a:lnRef idx="1">
+        <a:scrgbClr r="0" g="0" b="0"/>
+      </a:lnRef>
+      <a:fillRef idx="3">
+        <a:scrgbClr r="0" g="0" b="0"/>
+      </a:fillRef>
+      <a:effectRef idx="2">
+        <a:scrgbClr r="0" g="0" b="0"/>
+      </a:effectRef>
+      <a:fontRef idx="minor">
+        <a:schemeClr val="lt1"/>
+      </a:fontRef>
+    </dgm:style>
+  </dgm:styleLbl>
+  <dgm:styleLbl name="node1">
+    <dgm:scene3d>
+      <a:camera prst="orthographicFront"/>
+      <a:lightRig rig="threePt" dir="t"/>
+    </dgm:scene3d>
+    <dgm:sp3d/>
+    <dgm:txPr/>
+    <dgm:style>
+      <a:lnRef idx="0">
+        <a:scrgbClr r="0" g="0" b="0"/>
+      </a:lnRef>
+      <a:fillRef idx="3">
+        <a:scrgbClr r="0" g="0" b="0"/>
+      </a:fillRef>
+      <a:effectRef idx="2">
+        <a:scrgbClr r="0" g="0" b="0"/>
+      </a:effectRef>
+      <a:fontRef idx="minor">
+        <a:schemeClr val="lt1"/>
+      </a:fontRef>
+    </dgm:style>
+  </dgm:styleLbl>
+  <dgm:styleLbl name="node2">
+    <dgm:scene3d>
+      <a:camera prst="orthographicFront"/>
+      <a:lightRig rig="threePt" dir="t"/>
+    </dgm:scene3d>
+    <dgm:sp3d/>
+    <dgm:txPr/>
+    <dgm:style>
+      <a:lnRef idx="0">
+        <a:scrgbClr r="0" g="0" b="0"/>
+      </a:lnRef>
+      <a:fillRef idx="3">
+        <a:scrgbClr r="0" g="0" b="0"/>
+      </a:fillRef>
+      <a:effectRef idx="2">
+        <a:scrgbClr r="0" g="0" b="0"/>
+      </a:effectRef>
+      <a:fontRef idx="minor">
+        <a:schemeClr val="lt1"/>
+      </a:fontRef>
+    </dgm:style>
+  </dgm:styleLbl>
+  <dgm:styleLbl name="node3">
+    <dgm:scene3d>
+      <a:camera prst="orthographicFront"/>
+      <a:lightRig rig="threePt" dir="t"/>
+    </dgm:scene3d>
+    <dgm:sp3d/>
+    <dgm:txPr/>
+    <dgm:style>
+      <a:lnRef idx="0">
+        <a:scrgbClr r="0" g="0" b="0"/>
+      </a:lnRef>
+      <a:fillRef idx="3">
+        <a:scrgbClr r="0" g="0" b="0"/>
+      </a:fillRef>
+      <a:effectRef idx="2">
+        <a:scrgbClr r="0" g="0" b="0"/>
+      </a:effectRef>
+      <a:fontRef idx="minor">
+        <a:schemeClr val="lt1"/>
+      </a:fontRef>
+    </dgm:style>
+  </dgm:styleLbl>
+  <dgm:styleLbl name="node4">
+    <dgm:scene3d>
+      <a:camera prst="orthographicFront"/>
+      <a:lightRig rig="threePt" dir="t"/>
+    </dgm:scene3d>
+    <dgm:sp3d/>
+    <dgm:txPr/>
+    <dgm:style>
+      <a:lnRef idx="0">
+        <a:scrgbClr r="0" g="0" b="0"/>
+      </a:lnRef>
+      <a:fillRef idx="3">
+        <a:scrgbClr r="0" g="0" b="0"/>
+      </a:fillRef>
+      <a:effectRef idx="2">
+        <a:scrgbClr r="0" g="0" b="0"/>
+      </a:effectRef>
+      <a:fontRef idx="minor">
+        <a:schemeClr val="lt1"/>
+      </a:fontRef>
+    </dgm:style>
+  </dgm:styleLbl>
+  <dgm:styleLbl name="fgImgPlace1">
+    <dgm:scene3d>
+      <a:camera prst="orthographicFront"/>
+      <a:lightRig rig="threePt" dir="t"/>
+    </dgm:scene3d>
+    <dgm:sp3d/>
+    <dgm:txPr/>
+    <dgm:style>
+      <a:lnRef idx="0">
+        <a:scrgbClr r="0" g="0" b="0"/>
+      </a:lnRef>
+      <a:fillRef idx="1">
+        <a:scrgbClr r="0" g="0" b="0"/>
+      </a:fillRef>
+      <a:effectRef idx="2">
+        <a:scrgbClr r="0" g="0" b="0"/>
+      </a:effectRef>
+      <a:fontRef idx="minor"/>
+    </dgm:style>
+  </dgm:styleLbl>
+  <dgm:styleLbl name="alignImgPlace1">
+    <dgm:scene3d>
+      <a:camera prst="orthographicFront"/>
+      <a:lightRig rig="threePt" dir="t"/>
+    </dgm:scene3d>
+    <dgm:sp3d/>
+    <dgm:txPr/>
+    <dgm:style>
+      <a:lnRef idx="0">
+        <a:scrgbClr r="0" g="0" b="0"/>
+      </a:lnRef>
+      <a:fillRef idx="1">
+        <a:scrgbClr r="0" g="0" b="0"/>
+      </a:fillRef>
+      <a:effectRef idx="2">
+        <a:scrgbClr r="0" g="0" b="0"/>
+      </a:effectRef>
+      <a:fontRef idx="minor"/>
+    </dgm:style>
+  </dgm:styleLbl>
+  <dgm:styleLbl name="bgImgPlace1">
+    <dgm:scene3d>
+      <a:camera prst="orthographicFront"/>
+      <a:lightRig rig="threePt" dir="t"/>
+    </dgm:scene3d>
+    <dgm:sp3d/>
+    <dgm:txPr/>
+    <dgm:style>
+      <a:lnRef idx="0">
+        <a:scrgbClr r="0" g="0" b="0"/>
+      </a:lnRef>
+      <a:fillRef idx="1">
+        <a:scrgbClr r="0" g="0" b="0"/>
+      </a:fillRef>
+      <a:effectRef idx="2">
+        <a:scrgbClr r="0" g="0" b="0"/>
+      </a:effectRef>
+      <a:fontRef idx="minor"/>
+    </dgm:style>
+  </dgm:styleLbl>
+  <dgm:styleLbl name="sibTrans2D1">
+    <dgm:scene3d>
+      <a:camera prst="orthographicFront"/>
+      <a:lightRig rig="threePt" dir="t"/>
+    </dgm:scene3d>
+    <dgm:sp3d/>
+    <dgm:txPr/>
+    <dgm:style>
+      <a:lnRef idx="0">
+        <a:scrgbClr r="0" g="0" b="0"/>
+      </a:lnRef>
+      <a:fillRef idx="3">
+        <a:scrgbClr r="0" g="0" b="0"/>
+      </a:fillRef>
+      <a:effectRef idx="2">
+        <a:scrgbClr r="0" g="0" b="0"/>
+      </a:effectRef>
+      <a:fontRef idx="minor">
+        <a:schemeClr val="lt1"/>
+      </a:fontRef>
+    </dgm:style>
+  </dgm:styleLbl>
+  <dgm:styleLbl name="fgSibTrans2D1">
+    <dgm:scene3d>
+      <a:camera prst="orthographicFront"/>
+      <a:lightRig rig="threePt" dir="t"/>
+    </dgm:scene3d>
+    <dgm:sp3d/>
+    <dgm:txPr/>
+    <dgm:style>
+      <a:lnRef idx="0">
+        <a:scrgbClr r="0" g="0" b="0"/>
+      </a:lnRef>
+      <a:fillRef idx="3">
+        <a:scrgbClr r="0" g="0" b="0"/>
+      </a:fillRef>
+      <a:effectRef idx="2">
+        <a:scrgbClr r="0" g="0" b="0"/>
+      </a:effectRef>
+      <a:fontRef idx="minor">
+        <a:schemeClr val="lt1"/>
+      </a:fontRef>
+    </dgm:style>
+  </dgm:styleLbl>
+  <dgm:styleLbl name="bgSibTrans2D1">
+    <dgm:scene3d>
+      <a:camera prst="orthographicFront"/>
+      <a:lightRig rig="threePt" dir="t"/>
+    </dgm:scene3d>
+    <dgm:sp3d/>
+    <dgm:txPr/>
+    <dgm:style>
+      <a:lnRef idx="0">
+        <a:scrgbClr r="0" g="0" b="0"/>
+      </a:lnRef>
+      <a:fillRef idx="3">
+        <a:scrgbClr r="0" g="0" b="0"/>
+      </a:fillRef>
+      <a:effectRef idx="2">
+        <a:scrgbClr r="0" g="0" b="0"/>
+      </a:effectRef>
+      <a:fontRef idx="minor">
+        <a:schemeClr val="lt1"/>
+      </a:fontRef>
+    </dgm:style>
+  </dgm:styleLbl>
+  <dgm:styleLbl name="sibTrans1D1">
+    <dgm:scene3d>
+      <a:camera prst="orthographicFront"/>
+      <a:lightRig rig="threePt" dir="t"/>
+    </dgm:scene3d>
+    <dgm:sp3d/>
+    <dgm:txPr/>
+    <dgm:style>
+      <a:lnRef idx="1">
+        <a:scrgbClr r="0" g="0" b="0"/>
+      </a:lnRef>
+      <a:fillRef idx="0">
+        <a:scrgbClr r="0" g="0" b="0"/>
+      </a:fillRef>
+      <a:effectRef idx="0">
+        <a:scrgbClr r="0" g="0" b="0"/>
+      </a:effectRef>
+      <a:fontRef idx="minor"/>
+    </dgm:style>
+  </dgm:styleLbl>
+  <dgm:styleLbl name="callout">
+    <dgm:scene3d>
+      <a:camera prst="orthographicFront"/>
+      <a:lightRig rig="threePt" dir="t"/>
+    </dgm:scene3d>
+    <dgm:sp3d/>
+    <dgm:txPr/>
+    <dgm:style>
+      <a:lnRef idx="2">
+        <a:scrgbClr r="0" g="0" b="0"/>
+      </a:lnRef>
+      <a:fillRef idx="1">
+        <a:scrgbClr r="0" g="0" b="0"/>
+      </a:fillRef>
+      <a:effectRef idx="1">
+        <a:scrgbClr r="0" g="0" b="0"/>
+      </a:effectRef>
+      <a:fontRef idx="minor"/>
+    </dgm:style>
+  </dgm:styleLbl>
+  <dgm:styleLbl name="asst0">
+    <dgm:scene3d>
+      <a:camera prst="orthographicFront"/>
+      <a:lightRig rig="threePt" dir="t"/>
+    </dgm:scene3d>
+    <dgm:sp3d/>
+    <dgm:txPr/>
+    <dgm:style>
+      <a:lnRef idx="0">
+        <a:scrgbClr r="0" g="0" b="0"/>
+      </a:lnRef>
+      <a:fillRef idx="3">
+        <a:scrgbClr r="0" g="0" b="0"/>
+      </a:fillRef>
+      <a:effectRef idx="2">
+        <a:scrgbClr r="0" g="0" b="0"/>
+      </a:effectRef>
+      <a:fontRef idx="minor">
+        <a:schemeClr val="lt1"/>
+      </a:fontRef>
+    </dgm:style>
+  </dgm:styleLbl>
+  <dgm:styleLbl name="asst1">
+    <dgm:scene3d>
+      <a:camera prst="orthographicFront"/>
+      <a:lightRig rig="threePt" dir="t"/>
+    </dgm:scene3d>
+    <dgm:sp3d/>
+    <dgm:txPr/>
+    <dgm:style>
+      <a:lnRef idx="0">
+        <a:scrgbClr r="0" g="0" b="0"/>
+      </a:lnRef>
+      <a:fillRef idx="3">
+        <a:scrgbClr r="0" g="0" b="0"/>
+      </a:fillRef>
+      <a:effectRef idx="2">
+        <a:scrgbClr r="0" g="0" b="0"/>
+      </a:effectRef>
+      <a:fontRef idx="minor">
+        <a:schemeClr val="lt1"/>
+      </a:fontRef>
+    </dgm:style>
+  </dgm:styleLbl>
+  <dgm:styleLbl name="asst2">
+    <dgm:scene3d>
+      <a:camera prst="orthographicFront"/>
+      <a:lightRig rig="threePt" dir="t"/>
+    </dgm:scene3d>
+    <dgm:sp3d/>
+    <dgm:txPr/>
+    <dgm:style>
+      <a:lnRef idx="0">
+        <a:scrgbClr r="0" g="0" b="0"/>
+      </a:lnRef>
+      <a:fillRef idx="3">
+        <a:scrgbClr r="0" g="0" b="0"/>
+      </a:fillRef>
+      <a:effectRef idx="2">
+        <a:scrgbClr r="0" g="0" b="0"/>
+      </a:effectRef>
+      <a:fontRef idx="minor">
+        <a:schemeClr val="lt1"/>
+      </a:fontRef>
+    </dgm:style>
+  </dgm:styleLbl>
+  <dgm:styleLbl name="asst3">
+    <dgm:scene3d>
+      <a:camera prst="orthographicFront"/>
+      <a:lightRig rig="threePt" dir="t"/>
+    </dgm:scene3d>
+    <dgm:sp3d/>
+    <dgm:txPr/>
+    <dgm:style>
+      <a:lnRef idx="0">
+        <a:scrgbClr r="0" g="0" b="0"/>
+      </a:lnRef>
+      <a:fillRef idx="3">
+        <a:scrgbClr r="0" g="0" b="0"/>
+      </a:fillRef>
+      <a:effectRef idx="2">
+        <a:scrgbClr r="0" g="0" b="0"/>
+      </a:effectRef>
+      <a:fontRef idx="minor">
+        <a:schemeClr val="lt1"/>
+      </a:fontRef>
+    </dgm:style>
+  </dgm:styleLbl>
+  <dgm:styleLbl name="asst4">
+    <dgm:scene3d>
+      <a:camera prst="orthographicFront"/>
+      <a:lightRig rig="threePt" dir="t"/>
+    </dgm:scene3d>
+    <dgm:sp3d/>
+    <dgm:txPr/>
+    <dgm:style>
+      <a:lnRef idx="0">
+        <a:scrgbClr r="0" g="0" b="0"/>
+      </a:lnRef>
+      <a:fillRef idx="3">
+        <a:scrgbClr r="0" g="0" b="0"/>
+      </a:fillRef>
+      <a:effectRef idx="2">
+        <a:scrgbClr r="0" g="0" b="0"/>
+      </a:effectRef>
+      <a:fontRef idx="minor">
+        <a:schemeClr val="lt1"/>
+      </a:fontRef>
+    </dgm:style>
+  </dgm:styleLbl>
+  <dgm:styleLbl name="parChTrans2D1">
+    <dgm:scene3d>
+      <a:camera prst="orthographicFront"/>
+      <a:lightRig rig="threePt" dir="t"/>
+    </dgm:scene3d>
+    <dgm:sp3d/>
+    <dgm:txPr/>
+    <dgm:style>
+      <a:lnRef idx="0">
+        <a:scrgbClr r="0" g="0" b="0"/>
+      </a:lnRef>
+      <a:fillRef idx="3">
+        <a:scrgbClr r="0" g="0" b="0"/>
+      </a:fillRef>
+      <a:effectRef idx="2">
+        <a:scrgbClr r="0" g="0" b="0"/>
+      </a:effectRef>
+      <a:fontRef idx="minor">
+        <a:schemeClr val="lt1"/>
+      </a:fontRef>
+    </dgm:style>
+  </dgm:styleLbl>
+  <dgm:styleLbl name="parChTrans2D2">
+    <dgm:scene3d>
+      <a:camera prst="orthographicFront"/>
+      <a:lightRig rig="threePt" dir="t"/>
+    </dgm:scene3d>
+    <dgm:sp3d/>
+    <dgm:txPr/>
+    <dgm:style>
+      <a:lnRef idx="0">
+        <a:scrgbClr r="0" g="0" b="0"/>
+      </a:lnRef>
+      <a:fillRef idx="3">
+        <a:scrgbClr r="0" g="0" b="0"/>
+      </a:fillRef>
+      <a:effectRef idx="2">
+        <a:scrgbClr r="0" g="0" b="0"/>
+      </a:effectRef>
+      <a:fontRef idx="minor">
+        <a:schemeClr val="lt1"/>
+      </a:fontRef>
+    </dgm:style>
+  </dgm:styleLbl>
+  <dgm:styleLbl name="parChTrans2D3">
+    <dgm:scene3d>
+      <a:camera prst="orthographicFront"/>
+      <a:lightRig rig="threePt" dir="t"/>
+    </dgm:scene3d>
+    <dgm:sp3d/>
+    <dgm:txPr/>
+    <dgm:style>
+      <a:lnRef idx="1">
+        <a:scrgbClr r="0" g="0" b="0"/>
+      </a:lnRef>
+      <a:fillRef idx="3">
+        <a:scrgbClr r="0" g="0" b="0"/>
+      </a:fillRef>
+      <a:effectRef idx="2">
+        <a:scrgbClr r="0" g="0" b="0"/>
+      </a:effectRef>
+      <a:fontRef idx="minor">
+        <a:schemeClr val="lt1"/>
+      </a:fontRef>
+    </dgm:style>
+  </dgm:styleLbl>
+  <dgm:styleLbl name="parChTrans2D4">
+    <dgm:scene3d>
+      <a:camera prst="orthographicFront"/>
+      <a:lightRig rig="threePt" dir="t"/>
+    </dgm:scene3d>
+    <dgm:sp3d/>
+    <dgm:txPr/>
+    <dgm:style>
+      <a:lnRef idx="1">
+        <a:scrgbClr r="0" g="0" b="0"/>
+      </a:lnRef>
+      <a:fillRef idx="3">
+        <a:scrgbClr r="0" g="0" b="0"/>
+      </a:fillRef>
+      <a:effectRef idx="2">
+        <a:scrgbClr r="0" g="0" b="0"/>
+      </a:effectRef>
+      <a:fontRef idx="minor">
+        <a:schemeClr val="lt1"/>
+      </a:fontRef>
+    </dgm:style>
+  </dgm:styleLbl>
+  <dgm:styleLbl name="parChTrans1D1">
+    <dgm:scene3d>
+      <a:camera prst="orthographicFront"/>
+      <a:lightRig rig="threePt" dir="t"/>
+    </dgm:scene3d>
+    <dgm:sp3d/>
+    <dgm:txPr/>
+    <dgm:style>
+      <a:lnRef idx="1">
+        <a:scrgbClr r="0" g="0" b="0"/>
+      </a:lnRef>
+      <a:fillRef idx="0">
+        <a:scrgbClr r="0" g="0" b="0"/>
+      </a:fillRef>
+      <a:effectRef idx="0">
+        <a:scrgbClr r="0" g="0" b="0"/>
+      </a:effectRef>
+      <a:fontRef idx="minor"/>
+    </dgm:style>
+  </dgm:styleLbl>
+  <dgm:styleLbl name="parChTrans1D2">
+    <dgm:scene3d>
+      <a:camera prst="orthographicFront"/>
+      <a:lightRig rig="threePt" dir="t"/>
+    </dgm:scene3d>
+    <dgm:sp3d/>
+    <dgm:txPr/>
+    <dgm:style>
+      <a:lnRef idx="1">
+        <a:scrgbClr r="0" g="0" b="0"/>
+      </a:lnRef>
+      <a:fillRef idx="0">
+        <a:scrgbClr r="0" g="0" b="0"/>
+      </a:fillRef>
+      <a:effectRef idx="0">
+        <a:scrgbClr r="0" g="0" b="0"/>
+      </a:effectRef>
+      <a:fontRef idx="minor"/>
+    </dgm:style>
+  </dgm:styleLbl>
+  <dgm:styleLbl name="parChTrans1D3">
+    <dgm:scene3d>
+      <a:camera prst="orthographicFront"/>
+      <a:lightRig rig="threePt" dir="t"/>
+    </dgm:scene3d>
+    <dgm:sp3d/>
+    <dgm:txPr/>
+    <dgm:style>
+      <a:lnRef idx="1">
+        <a:scrgbClr r="0" g="0" b="0"/>
+      </a:lnRef>
+      <a:fillRef idx="0">
+        <a:scrgbClr r="0" g="0" b="0"/>
+      </a:fillRef>
+      <a:effectRef idx="0">
+        <a:scrgbClr r="0" g="0" b="0"/>
+      </a:effectRef>
+      <a:fontRef idx="minor"/>
+    </dgm:style>
+  </dgm:styleLbl>
+  <dgm:styleLbl name="parChTrans1D4">
+    <dgm:scene3d>
+      <a:camera prst="orthographicFront"/>
+      <a:lightRig rig="threePt" dir="t"/>
+    </dgm:scene3d>
+    <dgm:sp3d/>
+    <dgm:txPr/>
+    <dgm:style>
+      <a:lnRef idx="1">
+        <a:scrgbClr r="0" g="0" b="0"/>
+      </a:lnRef>
+      <a:fillRef idx="0">
+        <a:scrgbClr r="0" g="0" b="0"/>
+      </a:fillRef>
+      <a:effectRef idx="0">
+        <a:scrgbClr r="0" g="0" b="0"/>
+      </a:effectRef>
+      <a:fontRef idx="minor"/>
+    </dgm:style>
+  </dgm:styleLbl>
+  <dgm:styleLbl name="fgAcc1">
+    <dgm:scene3d>
+      <a:camera prst="orthographicFront"/>
+      <a:lightRig rig="threePt" dir="t"/>
+    </dgm:scene3d>
+    <dgm:sp3d/>
+    <dgm:txPr/>
+    <dgm:style>
+      <a:lnRef idx="1">
+        <a:scrgbClr r="0" g="0" b="0"/>
+      </a:lnRef>
+      <a:fillRef idx="1">
+        <a:scrgbClr r="0" g="0" b="0"/>
+      </a:fillRef>
+      <a:effectRef idx="0">
+        <a:scrgbClr r="0" g="0" b="0"/>
+      </a:effectRef>
+      <a:fontRef idx="minor"/>
+    </dgm:style>
+  </dgm:styleLbl>
+  <dgm:styleLbl name="conFgAcc1">
+    <dgm:scene3d>
+      <a:camera prst="orthographicFront"/>
+      <a:lightRig rig="threePt" dir="t"/>
+    </dgm:scene3d>
+    <dgm:sp3d/>
+    <dgm:txPr/>
+    <dgm:style>
+      <a:lnRef idx="1">
+        <a:scrgbClr r="0" g="0" b="0"/>
+      </a:lnRef>
+      <a:fillRef idx="1">
+        <a:scrgbClr r="0" g="0" b="0"/>
+      </a:fillRef>
+      <a:effectRef idx="0">
+        <a:scrgbClr r="0" g="0" b="0"/>
+      </a:effectRef>
+      <a:fontRef idx="minor"/>
+    </dgm:style>
+  </dgm:styleLbl>
+  <dgm:styleLbl name="alignAcc1">
+    <dgm:scene3d>
+      <a:camera prst="orthographicFront"/>
+      <a:lightRig rig="threePt" dir="t"/>
+    </dgm:scene3d>
+    <dgm:sp3d/>
+    <dgm:txPr/>
+    <dgm:style>
+      <a:lnRef idx="1">
+        <a:scrgbClr r="0" g="0" b="0"/>
+      </a:lnRef>
+      <a:fillRef idx="1">
+        <a:scrgbClr r="0" g="0" b="0"/>
+      </a:fillRef>
+      <a:effectRef idx="0">
+        <a:scrgbClr r="0" g="0" b="0"/>
+      </a:effectRef>
+      <a:fontRef idx="minor"/>
+    </dgm:style>
+  </dgm:styleLbl>
+  <dgm:styleLbl name="trAlignAcc1">
+    <dgm:scene3d>
+      <a:camera prst="orthographicFront"/>
+      <a:lightRig rig="threePt" dir="t"/>
+    </dgm:scene3d>
+    <dgm:sp3d/>
+    <dgm:txPr/>
+    <dgm:style>
+      <a:lnRef idx="1">
+        <a:scrgbClr r="0" g="0" b="0"/>
+      </a:lnRef>
+      <a:fillRef idx="1">
+        <a:scrgbClr r="0" g="0" b="0"/>
+      </a:fillRef>
+      <a:effectRef idx="0">
+        <a:scrgbClr r="0" g="0" b="0"/>
+      </a:effectRef>
+      <a:fontRef idx="minor"/>
+    </dgm:style>
+  </dgm:styleLbl>
+  <dgm:styleLbl name="bgAcc1">
+    <dgm:scene3d>
+      <a:camera prst="orthographicFront"/>
+      <a:lightRig rig="threePt" dir="t"/>
+    </dgm:scene3d>
+    <dgm:sp3d/>
+    <dgm:txPr/>
+    <dgm:style>
+      <a:lnRef idx="1">
+        <a:scrgbClr r="0" g="0" b="0"/>
+      </a:lnRef>
+      <a:fillRef idx="1">
+        <a:scrgbClr r="0" g="0" b="0"/>
+      </a:fillRef>
+      <a:effectRef idx="0">
+        <a:scrgbClr r="0" g="0" b="0"/>
+      </a:effectRef>
+      <a:fontRef idx="minor"/>
+    </dgm:style>
+  </dgm:styleLbl>
+  <dgm:styleLbl name="solidFgAcc1">
+    <dgm:scene3d>
+      <a:camera prst="orthographicFront"/>
+      <a:lightRig rig="threePt" dir="t"/>
+    </dgm:scene3d>
+    <dgm:sp3d/>
+    <dgm:txPr/>
+    <dgm:style>
+      <a:lnRef idx="1">
+        <a:scrgbClr r="0" g="0" b="0"/>
+      </a:lnRef>
+      <a:fillRef idx="1">
+        <a:scrgbClr r="0" g="0" b="0"/>
+      </a:fillRef>
+      <a:effectRef idx="0">
+        <a:scrgbClr r="0" g="0" b="0"/>
+      </a:effectRef>
+      <a:fontRef idx="minor"/>
+    </dgm:style>
+  </dgm:styleLbl>
+  <dgm:styleLbl name="solidAlignAcc1">
+    <dgm:scene3d>
+      <a:camera prst="orthographicFront"/>
+      <a:lightRig rig="threePt" dir="t"/>
+    </dgm:scene3d>
+    <dgm:sp3d/>
+    <dgm:txPr/>
+    <dgm:style>
+      <a:lnRef idx="1">
+        <a:scrgbClr r="0" g="0" b="0"/>
+      </a:lnRef>
+      <a:fillRef idx="1">
+        <a:scrgbClr r="0" g="0" b="0"/>
+      </a:fillRef>
+      <a:effectRef idx="0">
+        <a:scrgbClr r="0" g="0" b="0"/>
+      </a:effectRef>
+      <a:fontRef idx="minor"/>
+    </dgm:style>
+  </dgm:styleLbl>
+  <dgm:styleLbl name="solidBgAcc1">
+    <dgm:scene3d>
+      <a:camera prst="orthographicFront"/>
+      <a:lightRig rig="threePt" dir="t"/>
+    </dgm:scene3d>
+    <dgm:sp3d/>
+    <dgm:txPr/>
+    <dgm:style>
+      <a:lnRef idx="1">
+        <a:scrgbClr r="0" g="0" b="0"/>
+      </a:lnRef>
+      <a:fillRef idx="1">
+        <a:scrgbClr r="0" g="0" b="0"/>
+      </a:fillRef>
+      <a:effectRef idx="0">
+        <a:scrgbClr r="0" g="0" b="0"/>
+      </a:effectRef>
+      <a:fontRef idx="minor"/>
+    </dgm:style>
+  </dgm:styleLbl>
+  <dgm:styleLbl name="fgAccFollowNode1">
+    <dgm:scene3d>
+      <a:camera prst="orthographicFront"/>
+      <a:lightRig rig="threePt" dir="t"/>
+    </dgm:scene3d>
+    <dgm:sp3d/>
+    <dgm:txPr/>
+    <dgm:style>
+      <a:lnRef idx="1">
+        <a:scrgbClr r="0" g="0" b="0"/>
+      </a:lnRef>
+      <a:fillRef idx="1">
+        <a:scrgbClr r="0" g="0" b="0"/>
+      </a:fillRef>
+      <a:effectRef idx="0">
+        <a:scrgbClr r="0" g="0" b="0"/>
+      </a:effectRef>
+      <a:fontRef idx="minor"/>
+    </dgm:style>
+  </dgm:styleLbl>
+  <dgm:styleLbl name="alignAccFollowNode1">
+    <dgm:scene3d>
+      <a:camera prst="orthographicFront"/>
+      <a:lightRig rig="threePt" dir="t"/>
+    </dgm:scene3d>
+    <dgm:sp3d/>
+    <dgm:txPr/>
+    <dgm:style>
+      <a:lnRef idx="1">
+        <a:scrgbClr r="0" g="0" b="0"/>
+      </a:lnRef>
+      <a:fillRef idx="1">
+        <a:scrgbClr r="0" g="0" b="0"/>
+      </a:fillRef>
+      <a:effectRef idx="0">
+        <a:scrgbClr r="0" g="0" b="0"/>
+      </a:effectRef>
+      <a:fontRef idx="minor"/>
+    </dgm:style>
+  </dgm:styleLbl>
+  <dgm:styleLbl name="bgAccFollowNode1">
+    <dgm:scene3d>
+      <a:camera prst="orthographicFront"/>
+      <a:lightRig rig="threePt" dir="t"/>
+    </dgm:scene3d>
+    <dgm:sp3d/>
+    <dgm:txPr/>
+    <dgm:style>
+      <a:lnRef idx="1">
+        <a:scrgbClr r="0" g="0" b="0"/>
+      </a:lnRef>
+      <a:fillRef idx="1">
+        <a:scrgbClr r="0" g="0" b="0"/>
+      </a:fillRef>
+      <a:effectRef idx="0">
+        <a:scrgbClr r="0" g="0" b="0"/>
+      </a:effectRef>
+      <a:fontRef idx="minor"/>
+    </dgm:style>
+  </dgm:styleLbl>
+  <dgm:styleLbl name="fgAcc0">
+    <dgm:scene3d>
+      <a:camera prst="orthographicFront"/>
+      <a:lightRig rig="threePt" dir="t"/>
+    </dgm:scene3d>
+    <dgm:sp3d/>
+    <dgm:txPr/>
+    <dgm:style>
+      <a:lnRef idx="1">
+        <a:scrgbClr r="0" g="0" b="0"/>
+      </a:lnRef>
+      <a:fillRef idx="1">
+        <a:scrgbClr r="0" g="0" b="0"/>
+      </a:fillRef>
+      <a:effectRef idx="0">
+        <a:scrgbClr r="0" g="0" b="0"/>
+      </a:effectRef>
+      <a:fontRef idx="minor"/>
+    </dgm:style>
+  </dgm:styleLbl>
+  <dgm:styleLbl name="fgAcc2">
+    <dgm:scene3d>
+      <a:camera prst="orthographicFront"/>
+      <a:lightRig rig="threePt" dir="t"/>
+    </dgm:scene3d>
+    <dgm:sp3d/>
+    <dgm:txPr/>
+    <dgm:style>
+      <a:lnRef idx="1">
+        <a:scrgbClr r="0" g="0" b="0"/>
+      </a:lnRef>
+      <a:fillRef idx="1">
+        <a:scrgbClr r="0" g="0" b="0"/>
+      </a:fillRef>
+      <a:effectRef idx="0">
+        <a:scrgbClr r="0" g="0" b="0"/>
+      </a:effectRef>
+      <a:fontRef idx="minor"/>
+    </dgm:style>
+  </dgm:styleLbl>
+  <dgm:styleLbl name="fgAcc3">
+    <dgm:scene3d>
+      <a:camera prst="orthographicFront"/>
+      <a:lightRig rig="threePt" dir="t"/>
+    </dgm:scene3d>
+    <dgm:sp3d/>
+    <dgm:txPr/>
+    <dgm:style>
+      <a:lnRef idx="1">
+        <a:scrgbClr r="0" g="0" b="0"/>
+      </a:lnRef>
+      <a:fillRef idx="1">
+        <a:scrgbClr r="0" g="0" b="0"/>
+      </a:fillRef>
+      <a:effectRef idx="0">
+        <a:scrgbClr r="0" g="0" b="0"/>
+      </a:effectRef>
+      <a:fontRef idx="minor"/>
+    </dgm:style>
+  </dgm:styleLbl>
+  <dgm:styleLbl name="fgAcc4">
+    <dgm:scene3d>
+      <a:camera prst="orthographicFront"/>
+      <a:lightRig rig="threePt" dir="t"/>
+    </dgm:scene3d>
+    <dgm:sp3d/>
+    <dgm:txPr/>
+    <dgm:style>
+      <a:lnRef idx="1">
+        <a:scrgbClr r="0" g="0" b="0"/>
+      </a:lnRef>
+      <a:fillRef idx="1">
+        <a:scrgbClr r="0" g="0" b="0"/>
+      </a:fillRef>
+      <a:effectRef idx="0">
+        <a:scrgbClr r="0" g="0" b="0"/>
+      </a:effectRef>
+      <a:fontRef idx="minor"/>
+    </dgm:style>
+  </dgm:styleLbl>
+  <dgm:styleLbl name="bgShp">
+    <dgm:scene3d>
+      <a:camera prst="orthographicFront"/>
+      <a:lightRig rig="threePt" dir="t"/>
+    </dgm:scene3d>
+    <dgm:sp3d/>
+    <dgm:txPr/>
+    <dgm:style>
+      <a:lnRef idx="0">
+        <a:scrgbClr r="0" g="0" b="0"/>
+      </a:lnRef>
+      <a:fillRef idx="1">
+        <a:scrgbClr r="0" g="0" b="0"/>
+      </a:fillRef>
+      <a:effectRef idx="2">
+        <a:scrgbClr r="0" g="0" b="0"/>
+      </a:effectRef>
+      <a:fontRef idx="minor"/>
+    </dgm:style>
+  </dgm:styleLbl>
+  <dgm:styleLbl name="dkBgShp">
+    <dgm:scene3d>
+      <a:camera prst="orthographicFront"/>
+      <a:lightRig rig="threePt" dir="t"/>
+    </dgm:scene3d>
+    <dgm:sp3d/>
+    <dgm:txPr/>
+    <dgm:style>
+      <a:lnRef idx="0">
+        <a:scrgbClr r="0" g="0" b="0"/>
+      </a:lnRef>
+      <a:fillRef idx="1">
+        <a:scrgbClr r="0" g="0" b="0"/>
+      </a:fillRef>
+      <a:effectRef idx="2">
+        <a:scrgbClr r="0" g="0" b="0"/>
+      </a:effectRef>
+      <a:fontRef idx="minor"/>
+    </dgm:style>
+  </dgm:styleLbl>
+  <dgm:styleLbl name="trBgShp">
+    <dgm:scene3d>
+      <a:camera prst="orthographicFront"/>
+      <a:lightRig rig="threePt" dir="t"/>
+    </dgm:scene3d>
+    <dgm:sp3d/>
+    <dgm:txPr/>
+    <dgm:style>
+      <a:lnRef idx="0">
+        <a:scrgbClr r="0" g="0" b="0"/>
+      </a:lnRef>
+      <a:fillRef idx="1">
+        <a:scrgbClr r="0" g="0" b="0"/>
+      </a:fillRef>
+      <a:effectRef idx="0">
+        <a:scrgbClr r="0" g="0" b="0"/>
+      </a:effectRef>
+      <a:fontRef idx="minor"/>
+    </dgm:style>
+  </dgm:styleLbl>
+  <dgm:styleLbl name="fgShp">
+    <dgm:scene3d>
+      <a:camera prst="orthographicFront"/>
+      <a:lightRig rig="threePt" dir="t"/>
+    </dgm:scene3d>
+    <dgm:sp3d/>
+    <dgm:txPr/>
+    <dgm:style>
+      <a:lnRef idx="0">
+        <a:scrgbClr r="0" g="0" b="0"/>
+      </a:lnRef>
+      <a:fillRef idx="3">
+        <a:scrgbClr r="0" g="0" b="0"/>
+      </a:fillRef>
+      <a:effectRef idx="2">
+        <a:scrgbClr r="0" g="0" b="0"/>
+      </a:effectRef>
+      <a:fontRef idx="minor"/>
+    </dgm:style>
+  </dgm:styleLbl>
+  <dgm:styleLbl name="revTx">
+    <dgm:scene3d>
+      <a:camera prst="orthographicFront"/>
+      <a:lightRig rig="threePt" dir="t"/>
+    </dgm:scene3d>
+    <dgm:sp3d/>
+    <dgm:txPr/>
+    <dgm:style>
+      <a:lnRef idx="0">
+        <a:scrgbClr r="0" g="0" b="0"/>
+      </a:lnRef>
+      <a:fillRef idx="0">
+        <a:scrgbClr r="0" g="0" b="0"/>
+      </a:fillRef>
+      <a:effectRef idx="0">
+        <a:scrgbClr r="0" g="0" b="0"/>
+      </a:effectRef>
+      <a:fontRef idx="minor"/>
+    </dgm:style>
+  </dgm:styleLbl>
+</dgm:styleDef>
+</file>
+
 <file path=ppt/slideLayouts/slideLayout1.xml><?xml version="1.0" encoding="utf-8"?>
 <p:sldLayout xmlns:a="http://schemas.openxmlformats.org/drawingml/2006/main" xmlns:r="http://schemas.openxmlformats.org/officeDocument/2006/relationships" xmlns:p="http://schemas.openxmlformats.org/presentationml/2006/main" type="title" preserve="1">
   <p:cSld name="Διαφάνεια τίτλου">
@@ -404,7 +3909,7 @@
           <a:p>
             <a:fld id="{296A8592-3634-414B-8ED0-2D974779906C}" type="datetimeFigureOut">
               <a:rPr lang="el-GR" smtClean="0"/>
-              <a:t>12/8/2025</a:t>
+              <a:t>13/8/2025</a:t>
             </a:fld>
             <a:endParaRPr lang="el-GR"/>
           </a:p>
@@ -602,7 +4107,7 @@
           <a:p>
             <a:fld id="{296A8592-3634-414B-8ED0-2D974779906C}" type="datetimeFigureOut">
               <a:rPr lang="el-GR" smtClean="0"/>
-              <a:t>12/8/2025</a:t>
+              <a:t>13/8/2025</a:t>
             </a:fld>
             <a:endParaRPr lang="el-GR"/>
           </a:p>
@@ -810,7 +4315,7 @@
           <a:p>
             <a:fld id="{296A8592-3634-414B-8ED0-2D974779906C}" type="datetimeFigureOut">
               <a:rPr lang="el-GR" smtClean="0"/>
-              <a:t>12/8/2025</a:t>
+              <a:t>13/8/2025</a:t>
             </a:fld>
             <a:endParaRPr lang="el-GR"/>
           </a:p>
@@ -1008,7 +4513,7 @@
           <a:p>
             <a:fld id="{296A8592-3634-414B-8ED0-2D974779906C}" type="datetimeFigureOut">
               <a:rPr lang="el-GR" smtClean="0"/>
-              <a:t>12/8/2025</a:t>
+              <a:t>13/8/2025</a:t>
             </a:fld>
             <a:endParaRPr lang="el-GR"/>
           </a:p>
@@ -1283,7 +4788,7 @@
           <a:p>
             <a:fld id="{296A8592-3634-414B-8ED0-2D974779906C}" type="datetimeFigureOut">
               <a:rPr lang="el-GR" smtClean="0"/>
-              <a:t>12/8/2025</a:t>
+              <a:t>13/8/2025</a:t>
             </a:fld>
             <a:endParaRPr lang="el-GR"/>
           </a:p>
@@ -1548,7 +5053,7 @@
           <a:p>
             <a:fld id="{296A8592-3634-414B-8ED0-2D974779906C}" type="datetimeFigureOut">
               <a:rPr lang="el-GR" smtClean="0"/>
-              <a:t>12/8/2025</a:t>
+              <a:t>13/8/2025</a:t>
             </a:fld>
             <a:endParaRPr lang="el-GR"/>
           </a:p>
@@ -1960,7 +5465,7 @@
           <a:p>
             <a:fld id="{296A8592-3634-414B-8ED0-2D974779906C}" type="datetimeFigureOut">
               <a:rPr lang="el-GR" smtClean="0"/>
-              <a:t>12/8/2025</a:t>
+              <a:t>13/8/2025</a:t>
             </a:fld>
             <a:endParaRPr lang="el-GR"/>
           </a:p>
@@ -2101,7 +5606,7 @@
           <a:p>
             <a:fld id="{296A8592-3634-414B-8ED0-2D974779906C}" type="datetimeFigureOut">
               <a:rPr lang="el-GR" smtClean="0"/>
-              <a:t>12/8/2025</a:t>
+              <a:t>13/8/2025</a:t>
             </a:fld>
             <a:endParaRPr lang="el-GR"/>
           </a:p>
@@ -2214,7 +5719,7 @@
           <a:p>
             <a:fld id="{296A8592-3634-414B-8ED0-2D974779906C}" type="datetimeFigureOut">
               <a:rPr lang="el-GR" smtClean="0"/>
-              <a:t>12/8/2025</a:t>
+              <a:t>13/8/2025</a:t>
             </a:fld>
             <a:endParaRPr lang="el-GR"/>
           </a:p>
@@ -2525,7 +6030,7 @@
           <a:p>
             <a:fld id="{296A8592-3634-414B-8ED0-2D974779906C}" type="datetimeFigureOut">
               <a:rPr lang="el-GR" smtClean="0"/>
-              <a:t>12/8/2025</a:t>
+              <a:t>13/8/2025</a:t>
             </a:fld>
             <a:endParaRPr lang="el-GR"/>
           </a:p>
@@ -2813,7 +6318,7 @@
           <a:p>
             <a:fld id="{296A8592-3634-414B-8ED0-2D974779906C}" type="datetimeFigureOut">
               <a:rPr lang="el-GR" smtClean="0"/>
-              <a:t>12/8/2025</a:t>
+              <a:t>13/8/2025</a:t>
             </a:fld>
             <a:endParaRPr lang="el-GR"/>
           </a:p>
@@ -3054,7 +6559,7 @@
           <a:p>
             <a:fld id="{296A8592-3634-414B-8ED0-2D974779906C}" type="datetimeFigureOut">
               <a:rPr lang="el-GR" smtClean="0"/>
-              <a:t>12/8/2025</a:t>
+              <a:t>13/8/2025</a:t>
             </a:fld>
             <a:endParaRPr lang="el-GR"/>
           </a:p>
@@ -3534,6 +7039,86 @@
 </p:sld>
 </file>
 
+<file path=ppt/slides/slide10.xml><?xml version="1.0" encoding="utf-8"?>
+<p:sld xmlns:a="http://schemas.openxmlformats.org/drawingml/2006/main" xmlns:r="http://schemas.openxmlformats.org/officeDocument/2006/relationships" xmlns:p="http://schemas.openxmlformats.org/presentationml/2006/main">
+  <p:cSld>
+    <p:spTree>
+      <p:nvGrpSpPr>
+        <p:cNvPr id="1" name=""/>
+        <p:cNvGrpSpPr/>
+        <p:nvPr/>
+      </p:nvGrpSpPr>
+      <p:grpSpPr>
+        <a:xfrm>
+          <a:off x="0" y="0"/>
+          <a:ext cx="0" cy="0"/>
+          <a:chOff x="0" y="0"/>
+          <a:chExt cx="0" cy="0"/>
+        </a:xfrm>
+      </p:grpSpPr>
+      <p:sp>
+        <p:nvSpPr>
+          <p:cNvPr id="2" name="Τίτλος 1">
+            <a:extLst>
+              <a:ext uri="{FF2B5EF4-FFF2-40B4-BE49-F238E27FC236}">
+                <a16:creationId xmlns:a16="http://schemas.microsoft.com/office/drawing/2014/main" id="{7D80AF85-52A7-70CF-BDB5-E422D2BDAFDE}"/>
+              </a:ext>
+            </a:extLst>
+          </p:cNvPr>
+          <p:cNvSpPr>
+            <a:spLocks noGrp="1"/>
+          </p:cNvSpPr>
+          <p:nvPr>
+            <p:ph type="title"/>
+          </p:nvPr>
+        </p:nvSpPr>
+        <p:spPr/>
+        <p:txBody>
+          <a:bodyPr/>
+          <a:lstStyle/>
+          <a:p>
+            <a:endParaRPr lang="el-GR"/>
+          </a:p>
+        </p:txBody>
+      </p:sp>
+      <p:sp>
+        <p:nvSpPr>
+          <p:cNvPr id="3" name="Θέση περιεχομένου 2">
+            <a:extLst>
+              <a:ext uri="{FF2B5EF4-FFF2-40B4-BE49-F238E27FC236}">
+                <a16:creationId xmlns:a16="http://schemas.microsoft.com/office/drawing/2014/main" id="{8516D692-2DD6-6F1D-6232-A44CB65190DA}"/>
+              </a:ext>
+            </a:extLst>
+          </p:cNvPr>
+          <p:cNvSpPr>
+            <a:spLocks noGrp="1"/>
+          </p:cNvSpPr>
+          <p:nvPr>
+            <p:ph idx="1"/>
+          </p:nvPr>
+        </p:nvSpPr>
+        <p:spPr/>
+        <p:txBody>
+          <a:bodyPr/>
+          <a:lstStyle/>
+          <a:p>
+            <a:endParaRPr lang="el-GR"/>
+          </a:p>
+        </p:txBody>
+      </p:sp>
+    </p:spTree>
+    <p:extLst>
+      <p:ext uri="{BB962C8B-B14F-4D97-AF65-F5344CB8AC3E}">
+        <p14:creationId xmlns:p14="http://schemas.microsoft.com/office/powerpoint/2010/main" val="1640741622"/>
+      </p:ext>
+    </p:extLst>
+  </p:cSld>
+  <p:clrMapOvr>
+    <a:masterClrMapping/>
+  </p:clrMapOvr>
+</p:sld>
+</file>
+
 <file path=ppt/slides/slide2.xml><?xml version="1.0" encoding="utf-8"?>
 <p:sld xmlns:a="http://schemas.openxmlformats.org/drawingml/2006/main" xmlns:r="http://schemas.openxmlformats.org/officeDocument/2006/relationships" xmlns:p="http://schemas.openxmlformats.org/presentationml/2006/main">
   <p:cSld>
@@ -3603,7 +7188,9 @@
           </a:xfrm>
         </p:spPr>
         <p:txBody>
-          <a:bodyPr/>
+          <a:bodyPr>
+            <a:normAutofit fontScale="77500" lnSpcReduction="20000"/>
+          </a:bodyPr>
           <a:lstStyle/>
           <a:p>
             <a:pPr marL="0" indent="0">
@@ -3611,7 +7198,15 @@
             </a:pPr>
             <a:r>
               <a:rPr lang="en-US" dirty="0"/>
-              <a:t>ACMG 2015 criteria</a:t>
+              <a:t>The </a:t>
+            </a:r>
+            <a:r>
+              <a:rPr lang="en-US" b="1" dirty="0"/>
+              <a:t>ACMG 2015 </a:t>
+            </a:r>
+            <a:r>
+              <a:rPr lang="en-US" dirty="0"/>
+              <a:t>criteria refer to the standards and guidelines established by the American College of Medical Genetics and Genomics (ACMG) and the Association for Molecular Pathology (AMP) in 2015 for the interpretation of sequence variants.</a:t>
             </a:r>
           </a:p>
           <a:p>
@@ -3619,36 +7214,58 @@
               <a:buNone/>
             </a:pPr>
             <a:r>
-              <a:rPr lang="en-US" dirty="0" err="1"/>
-              <a:t>Ποιο</a:t>
-            </a:r>
-            <a:r>
               <a:rPr lang="en-US" dirty="0"/>
-              <a:t> </a:t>
-            </a:r>
-            <a:r>
-              <a:rPr lang="en-US" dirty="0" err="1"/>
-              <a:t>είν</a:t>
-            </a:r>
+              <a:t>These guidelines provide a structured framework to classify genetic variants based on evidence into 5 tiers: </a:t>
+            </a:r>
+          </a:p>
+          <a:p>
+            <a:pPr marL="514350" indent="-514350">
+              <a:buFont typeface="+mj-lt"/>
+              <a:buAutoNum type="arabicPeriod"/>
+            </a:pPr>
             <a:r>
               <a:rPr lang="en-US" dirty="0"/>
-              <a:t>αι το π</a:t>
-            </a:r>
-            <a:r>
-              <a:rPr lang="en-US" dirty="0" err="1"/>
-              <a:t>ρό</a:t>
-            </a:r>
+              <a:t>Pathogenic, </a:t>
+            </a:r>
+          </a:p>
+          <a:p>
+            <a:pPr marL="514350" indent="-514350">
+              <a:buFont typeface="+mj-lt"/>
+              <a:buAutoNum type="arabicPeriod"/>
+            </a:pPr>
             <a:r>
               <a:rPr lang="en-US" dirty="0"/>
-              <a:t>β</a:t>
-            </a:r>
-            <a:r>
-              <a:rPr lang="en-US" dirty="0" err="1"/>
-              <a:t>λημ</a:t>
-            </a:r>
+              <a:t>Likely pathogenic, </a:t>
+            </a:r>
+          </a:p>
+          <a:p>
+            <a:pPr marL="514350" indent="-514350">
+              <a:buFont typeface="+mj-lt"/>
+              <a:buAutoNum type="arabicPeriod"/>
+            </a:pPr>
             <a:r>
               <a:rPr lang="en-US" dirty="0"/>
-              <a:t>α;</a:t>
+              <a:t>Uncertain significance, </a:t>
+            </a:r>
+          </a:p>
+          <a:p>
+            <a:pPr marL="514350" indent="-514350">
+              <a:buFont typeface="+mj-lt"/>
+              <a:buAutoNum type="arabicPeriod"/>
+            </a:pPr>
+            <a:r>
+              <a:rPr lang="en-US" dirty="0"/>
+              <a:t>Likely benign and </a:t>
+            </a:r>
+          </a:p>
+          <a:p>
+            <a:pPr marL="514350" indent="-514350">
+              <a:buFont typeface="+mj-lt"/>
+              <a:buAutoNum type="arabicPeriod"/>
+            </a:pPr>
+            <a:r>
+              <a:rPr lang="en-US" dirty="0"/>
+              <a:t>Benign</a:t>
             </a:r>
           </a:p>
           <a:p>
@@ -3656,29 +7273,77 @@
               <a:buNone/>
             </a:pPr>
             <a:r>
-              <a:rPr lang="en-US" dirty="0" err="1"/>
-              <a:t>Γι</a:t>
-            </a:r>
-            <a:r>
               <a:rPr lang="en-US" dirty="0"/>
-              <a:t>α</a:t>
-            </a:r>
-            <a:r>
-              <a:rPr lang="en-US" dirty="0" err="1"/>
-              <a:t>τί</a:t>
-            </a:r>
-            <a:r>
-              <a:rPr lang="en-US" dirty="0"/>
-              <a:t> </a:t>
-            </a:r>
-            <a:r>
-              <a:rPr lang="en-US" dirty="0" err="1"/>
-              <a:t>κάνουμε</a:t>
-            </a:r>
-            <a:r>
-              <a:rPr lang="en-US" dirty="0"/>
-              <a:t> classification?</a:t>
-            </a:r>
+              <a:t>16 pathogenic criteria and 12 benign criteria (28 criteria in total)</a:t>
+            </a:r>
+          </a:p>
+        </p:txBody>
+      </p:sp>
+      <p:sp>
+        <p:nvSpPr>
+          <p:cNvPr id="4" name="TextBox 3">
+            <a:extLst>
+              <a:ext uri="{FF2B5EF4-FFF2-40B4-BE49-F238E27FC236}">
+                <a16:creationId xmlns:a16="http://schemas.microsoft.com/office/drawing/2014/main" id="{A0C38745-35A3-4CFA-89D3-B3182A0A30E9}"/>
+              </a:ext>
+            </a:extLst>
+          </p:cNvPr>
+          <p:cNvSpPr txBox="1"/>
+          <p:nvPr/>
+        </p:nvSpPr>
+        <p:spPr>
+          <a:xfrm>
+            <a:off x="465481" y="6082748"/>
+            <a:ext cx="11261036" cy="600164"/>
+          </a:xfrm>
+          <a:prstGeom prst="rect">
+            <a:avLst/>
+          </a:prstGeom>
+          <a:noFill/>
+        </p:spPr>
+        <p:txBody>
+          <a:bodyPr wrap="square" rtlCol="0">
+            <a:spAutoFit/>
+          </a:bodyPr>
+          <a:lstStyle/>
+          <a:p>
+            <a:r>
+              <a:rPr lang="en-US" sz="1100" dirty="0"/>
+              <a:t>Richards, S., Aziz, N., Bale, S., Bick, D., Das, S., </a:t>
+            </a:r>
+            <a:r>
+              <a:rPr lang="en-US" sz="1100" dirty="0" err="1"/>
+              <a:t>Gastier</a:t>
+            </a:r>
+            <a:r>
+              <a:rPr lang="en-US" sz="1100" dirty="0"/>
+              <a:t>-Foster, J., Grody, W. W., Hegde, M., Lyon, E., Spector, E., </a:t>
+            </a:r>
+            <a:r>
+              <a:rPr lang="en-US" sz="1100" dirty="0" err="1"/>
+              <a:t>Voelkerding</a:t>
+            </a:r>
+            <a:r>
+              <a:rPr lang="en-US" sz="1100" dirty="0"/>
+              <a:t>, K., Rehm, H. L., &amp; ACMG Laboratory Quality Assurance Committee (2015). Standards and guidelines for the interpretation of sequence variants: a joint consensus recommendation of the American College of Medical Genetics and Genomics and the Association for Molecular Pathology. </a:t>
+            </a:r>
+            <a:r>
+              <a:rPr lang="en-US" sz="1100" i="1" dirty="0"/>
+              <a:t>Genetics in medicine : official journal of the American College of Medical Genetics</a:t>
+            </a:r>
+            <a:r>
+              <a:rPr lang="en-US" sz="1100" dirty="0"/>
+              <a:t>, </a:t>
+            </a:r>
+            <a:r>
+              <a:rPr lang="en-US" sz="1100" i="1" dirty="0"/>
+              <a:t>17</a:t>
+            </a:r>
+            <a:r>
+              <a:rPr lang="en-US" sz="1100" dirty="0"/>
+              <a:t>(5), 405–424. https://doi.org/10.1038/gim.2015.30</a:t>
+            </a:r>
+            <a:endParaRPr lang="el-GR" sz="1100" dirty="0"/>
           </a:p>
         </p:txBody>
       </p:sp>
@@ -3717,7 +7382,7 @@
           <p:cNvPr id="2" name="Τίτλος 1">
             <a:extLst>
               <a:ext uri="{FF2B5EF4-FFF2-40B4-BE49-F238E27FC236}">
-                <a16:creationId xmlns:a16="http://schemas.microsoft.com/office/drawing/2014/main" id="{18A531E6-83EC-839F-FFF0-C694C2590D59}"/>
+                <a16:creationId xmlns:a16="http://schemas.microsoft.com/office/drawing/2014/main" id="{6AA69930-D79B-43DA-BF6B-12AE9D6693D0}"/>
               </a:ext>
             </a:extLst>
           </p:cNvPr>
@@ -3735,7 +7400,7 @@
           <a:p>
             <a:r>
               <a:rPr lang="en-US" dirty="0"/>
-              <a:t>Workflow</a:t>
+              <a:t>ACMG 2015 criteria used</a:t>
             </a:r>
             <a:endParaRPr lang="el-GR" dirty="0"/>
           </a:p>
@@ -3746,7 +7411,7 @@
           <p:cNvPr id="3" name="Θέση περιεχομένου 2">
             <a:extLst>
               <a:ext uri="{FF2B5EF4-FFF2-40B4-BE49-F238E27FC236}">
-                <a16:creationId xmlns:a16="http://schemas.microsoft.com/office/drawing/2014/main" id="{D44B5B9D-F575-C25E-3DA3-93854290EC53}"/>
+                <a16:creationId xmlns:a16="http://schemas.microsoft.com/office/drawing/2014/main" id="{FD8D42E0-A65D-4314-ADA5-3F8B2C0F7894}"/>
               </a:ext>
             </a:extLst>
           </p:cNvPr>
@@ -3760,109 +7425,1415 @@
         <p:spPr/>
         <p:txBody>
           <a:bodyPr>
-            <a:normAutofit lnSpcReduction="10000"/>
+            <a:normAutofit fontScale="92500" lnSpcReduction="20000"/>
           </a:bodyPr>
           <a:lstStyle/>
-          <a:p>
-            <a:r>
-              <a:rPr lang="en-US" dirty="0"/>
-              <a:t>Python script</a:t>
-            </a:r>
-          </a:p>
           <a:p>
             <a:pPr marL="0" indent="0">
               <a:buNone/>
             </a:pPr>
             <a:r>
+              <a:rPr lang="en-US" b="1" dirty="0"/>
+              <a:t>PS1: </a:t>
+            </a:r>
+            <a:r>
               <a:rPr lang="en-US" dirty="0"/>
-              <a:t>Unzips/filters variant-</a:t>
-            </a:r>
-            <a:r>
-              <a:rPr lang="en-US" dirty="0" err="1"/>
-              <a:t>summary.txt</a:t>
-            </a:r>
-            <a:endParaRPr lang="en-US" dirty="0"/>
+              <a:t>Same amino acid change as a previously established pathogenic variant regardless of nucleotide change</a:t>
+            </a:r>
           </a:p>
           <a:p>
             <a:pPr marL="0" indent="0">
               <a:buNone/>
             </a:pPr>
-            <a:r>
-              <a:rPr lang="en-US" dirty="0"/>
-              <a:t>Preprocess the data</a:t>
-            </a:r>
+            <a:endParaRPr lang="en-US" dirty="0"/>
           </a:p>
           <a:p>
             <a:pPr marL="0" indent="0">
               <a:buNone/>
             </a:pPr>
             <a:r>
+              <a:rPr lang="en-US" b="1" dirty="0"/>
+              <a:t>PM5: </a:t>
+            </a:r>
+            <a:r>
               <a:rPr lang="en-US" dirty="0"/>
-              <a:t>Adds ACMG logic</a:t>
+              <a:t>Novel missense change at an amino acid residue where a different missense change determined to be pathogenic has been seen before</a:t>
             </a:r>
           </a:p>
           <a:p>
             <a:pPr marL="0" indent="0">
               <a:buNone/>
             </a:pPr>
-            <a:r>
-              <a:rPr lang="en-US" dirty="0"/>
-              <a:t>• PostgreSQL Database (</a:t>
-            </a:r>
-            <a:r>
-              <a:rPr lang="en-US" dirty="0" err="1"/>
-              <a:t>clinvar_db</a:t>
-            </a:r>
-            <a:r>
-              <a:rPr lang="en-US" dirty="0"/>
-              <a:t>)</a:t>
-            </a:r>
+            <a:endParaRPr lang="en-US" b="1" dirty="0"/>
           </a:p>
           <a:p>
             <a:pPr marL="0" indent="0">
               <a:buNone/>
             </a:pPr>
             <a:r>
+              <a:rPr lang="en-US" b="1" dirty="0"/>
+              <a:t>PP5: </a:t>
+            </a:r>
+            <a:r>
               <a:rPr lang="en-US" dirty="0"/>
-              <a:t>Table: gene-variants</a:t>
+              <a:t>Reputable source recently reports variant as pathogenic, but the evidence is not available to the laboratory to perform an independent evaluation</a:t>
             </a:r>
           </a:p>
           <a:p>
             <a:pPr marL="0" indent="0">
               <a:buNone/>
             </a:pPr>
-            <a:r>
-              <a:rPr lang="en-US" dirty="0"/>
-              <a:t>• API – Fast API</a:t>
-            </a:r>
+            <a:endParaRPr lang="en-US" b="1" dirty="0"/>
           </a:p>
           <a:p>
             <a:pPr marL="0" indent="0">
               <a:buNone/>
             </a:pPr>
             <a:r>
+              <a:rPr lang="en-US" b="1" dirty="0"/>
+              <a:t>BP6: </a:t>
+            </a:r>
+            <a:r>
               <a:rPr lang="en-US" dirty="0"/>
-              <a:t>Reads </a:t>
-            </a:r>
-            <a:r>
-              <a:rPr lang="en-US" dirty="0" err="1"/>
-              <a:t>gene.variants</a:t>
-            </a:r>
+              <a:t>Reputable source recently reports variant as benign, but the evidence is not available to the laboratory to perform an independent evaluation </a:t>
+            </a:r>
+            <a:endParaRPr lang="en-US" b="1" dirty="0"/>
+          </a:p>
+          <a:p>
+            <a:endParaRPr lang="el-GR" dirty="0"/>
+          </a:p>
+        </p:txBody>
+      </p:sp>
+      <p:sp>
+        <p:nvSpPr>
+          <p:cNvPr id="4" name="TextBox 3">
+            <a:extLst>
+              <a:ext uri="{FF2B5EF4-FFF2-40B4-BE49-F238E27FC236}">
+                <a16:creationId xmlns:a16="http://schemas.microsoft.com/office/drawing/2014/main" id="{E22B3411-5870-4379-BBFE-EFBEF6A5D57E}"/>
+              </a:ext>
+            </a:extLst>
+          </p:cNvPr>
+          <p:cNvSpPr txBox="1"/>
+          <p:nvPr/>
+        </p:nvSpPr>
+        <p:spPr>
+          <a:xfrm>
+            <a:off x="465481" y="6082748"/>
+            <a:ext cx="11261036" cy="600164"/>
+          </a:xfrm>
+          <a:prstGeom prst="rect">
+            <a:avLst/>
+          </a:prstGeom>
+          <a:noFill/>
+        </p:spPr>
+        <p:txBody>
+          <a:bodyPr wrap="square" rtlCol="0">
+            <a:spAutoFit/>
+          </a:bodyPr>
+          <a:lstStyle/>
+          <a:p>
+            <a:r>
+              <a:rPr lang="en-US" sz="1100" dirty="0"/>
+              <a:t>Richards, S., Aziz, N., Bale, S., Bick, D., Das, S., </a:t>
+            </a:r>
+            <a:r>
+              <a:rPr lang="en-US" sz="1100" dirty="0" err="1"/>
+              <a:t>Gastier</a:t>
+            </a:r>
+            <a:r>
+              <a:rPr lang="en-US" sz="1100" dirty="0"/>
+              <a:t>-Foster, J., Grody, W. W., Hegde, M., Lyon, E., Spector, E., </a:t>
+            </a:r>
+            <a:r>
+              <a:rPr lang="en-US" sz="1100" dirty="0" err="1"/>
+              <a:t>Voelkerding</a:t>
+            </a:r>
+            <a:r>
+              <a:rPr lang="en-US" sz="1100" dirty="0"/>
+              <a:t>, K., Rehm, H. L., &amp; ACMG Laboratory Quality Assurance Committee (2015). Standards and guidelines for the interpretation of sequence variants: a joint consensus recommendation of the American College of Medical Genetics and Genomics and the Association for Molecular Pathology. </a:t>
+            </a:r>
+            <a:r>
+              <a:rPr lang="en-US" sz="1100" i="1" dirty="0"/>
+              <a:t>Genetics in medicine : official journal of the American College of Medical Genetics</a:t>
+            </a:r>
+            <a:r>
+              <a:rPr lang="en-US" sz="1100" dirty="0"/>
+              <a:t>, </a:t>
+            </a:r>
+            <a:r>
+              <a:rPr lang="en-US" sz="1100" i="1" dirty="0"/>
+              <a:t>17</a:t>
+            </a:r>
+            <a:r>
+              <a:rPr lang="en-US" sz="1100" dirty="0"/>
+              <a:t>(5), 405–424. https://doi.org/10.1038/gim.2015.30</a:t>
+            </a:r>
+            <a:endParaRPr lang="el-GR" sz="1100" dirty="0"/>
+          </a:p>
+        </p:txBody>
+      </p:sp>
+    </p:spTree>
+    <p:extLst>
+      <p:ext uri="{BB962C8B-B14F-4D97-AF65-F5344CB8AC3E}">
+        <p14:creationId xmlns:p14="http://schemas.microsoft.com/office/powerpoint/2010/main" val="3995837821"/>
+      </p:ext>
+    </p:extLst>
+  </p:cSld>
+  <p:clrMapOvr>
+    <a:masterClrMapping/>
+  </p:clrMapOvr>
+</p:sld>
+</file>
+
+<file path=ppt/slides/slide4.xml><?xml version="1.0" encoding="utf-8"?>
+<p:sld xmlns:a="http://schemas.openxmlformats.org/drawingml/2006/main" xmlns:r="http://schemas.openxmlformats.org/officeDocument/2006/relationships" xmlns:p="http://schemas.openxmlformats.org/presentationml/2006/main">
+  <p:cSld>
+    <p:bg>
+      <p:bgPr>
+        <a:solidFill>
+          <a:schemeClr val="bg1"/>
+        </a:solidFill>
+        <a:effectLst/>
+      </p:bgPr>
+    </p:bg>
+    <p:spTree>
+      <p:nvGrpSpPr>
+        <p:cNvPr id="1" name=""/>
+        <p:cNvGrpSpPr/>
+        <p:nvPr/>
+      </p:nvGrpSpPr>
+      <p:grpSpPr>
+        <a:xfrm>
+          <a:off x="0" y="0"/>
+          <a:ext cx="0" cy="0"/>
+          <a:chOff x="0" y="0"/>
+          <a:chExt cx="0" cy="0"/>
+        </a:xfrm>
+      </p:grpSpPr>
+      <p:sp useBgFill="1">
+        <p:nvSpPr>
+          <p:cNvPr id="8" name="Rectangle 7">
+            <a:extLst>
+              <a:ext uri="{FF2B5EF4-FFF2-40B4-BE49-F238E27FC236}">
+                <a16:creationId xmlns:a16="http://schemas.microsoft.com/office/drawing/2014/main" id="{907EF6B7-1338-4443-8C46-6A318D952DFD}"/>
+              </a:ext>
+              <a:ext uri="{C183D7F6-B498-43B3-948B-1728B52AA6E4}">
+                <adec:decorative xmlns:adec="http://schemas.microsoft.com/office/drawing/2017/decorative" val="1"/>
+              </a:ext>
+            </a:extLst>
+          </p:cNvPr>
+          <p:cNvSpPr>
+            <a:spLocks noGrp="1" noRot="1" noChangeAspect="1" noMove="1" noResize="1" noEditPoints="1" noAdjustHandles="1" noChangeArrowheads="1" noChangeShapeType="1" noTextEdit="1"/>
+          </p:cNvSpPr>
+          <p:nvPr>
+            <p:extLst>
+              <p:ext uri="{386F3935-93C4-4BCD-93E2-E3B085C9AB24}">
+                <p16:designElem xmlns:p16="http://schemas.microsoft.com/office/powerpoint/2015/main" val="1"/>
+              </p:ext>
+            </p:extLst>
+          </p:nvPr>
+        </p:nvSpPr>
+        <p:spPr>
+          <a:xfrm>
+            <a:off x="3048" y="0"/>
+            <a:ext cx="12188952" cy="6858000"/>
+          </a:xfrm>
+          <a:prstGeom prst="rect">
+            <a:avLst/>
+          </a:prstGeom>
+          <a:ln>
+            <a:noFill/>
+          </a:ln>
+        </p:spPr>
+        <p:style>
+          <a:lnRef idx="2">
+            <a:schemeClr val="accent1">
+              <a:shade val="50000"/>
+            </a:schemeClr>
+          </a:lnRef>
+          <a:fillRef idx="1">
+            <a:schemeClr val="accent1"/>
+          </a:fillRef>
+          <a:effectRef idx="0">
+            <a:schemeClr val="accent1"/>
+          </a:effectRef>
+          <a:fontRef idx="minor">
+            <a:schemeClr val="lt1"/>
+          </a:fontRef>
+        </p:style>
+        <p:txBody>
+          <a:bodyPr rtlCol="0" anchor="ctr"/>
+          <a:lstStyle/>
+          <a:p>
+            <a:pPr algn="ctr"/>
+            <a:endParaRPr lang="en-US"/>
+          </a:p>
+        </p:txBody>
+      </p:sp>
+      <p:sp>
+        <p:nvSpPr>
+          <p:cNvPr id="10" name="Freeform: Shape 9">
+            <a:extLst>
+              <a:ext uri="{FF2B5EF4-FFF2-40B4-BE49-F238E27FC236}">
+                <a16:creationId xmlns:a16="http://schemas.microsoft.com/office/drawing/2014/main" id="{DAAE4CDD-124C-4DCF-9584-B6033B545DD5}"/>
+              </a:ext>
+              <a:ext uri="{C183D7F6-B498-43B3-948B-1728B52AA6E4}">
+                <adec:decorative xmlns:adec="http://schemas.microsoft.com/office/drawing/2017/decorative" val="1"/>
+              </a:ext>
+            </a:extLst>
+          </p:cNvPr>
+          <p:cNvSpPr>
+            <a:spLocks noGrp="1" noRot="1" noChangeAspect="1" noMove="1" noResize="1" noEditPoints="1" noAdjustHandles="1" noChangeArrowheads="1" noChangeShapeType="1" noTextEdit="1"/>
+          </p:cNvSpPr>
+          <p:nvPr>
+            <p:extLst>
+              <p:ext uri="{386F3935-93C4-4BCD-93E2-E3B085C9AB24}">
+                <p16:designElem xmlns:p16="http://schemas.microsoft.com/office/powerpoint/2015/main" val="1"/>
+              </p:ext>
+            </p:extLst>
+          </p:nvPr>
+        </p:nvSpPr>
+        <p:spPr>
+          <a:xfrm>
+            <a:off x="1" y="0"/>
+            <a:ext cx="4167271" cy="6858000"/>
+          </a:xfrm>
+          <a:custGeom>
+            <a:avLst/>
+            <a:gdLst>
+              <a:gd name="connsiteX0" fmla="*/ 0 w 4167271"/>
+              <a:gd name="connsiteY0" fmla="*/ 0 h 6858000"/>
+              <a:gd name="connsiteX1" fmla="*/ 2259550 w 4167271"/>
+              <a:gd name="connsiteY1" fmla="*/ 0 h 6858000"/>
+              <a:gd name="connsiteX2" fmla="*/ 2387803 w 4167271"/>
+              <a:gd name="connsiteY2" fmla="*/ 82222 h 6858000"/>
+              <a:gd name="connsiteX3" fmla="*/ 4167271 w 4167271"/>
+              <a:gd name="connsiteY3" fmla="*/ 3429000 h 6858000"/>
+              <a:gd name="connsiteX4" fmla="*/ 2387803 w 4167271"/>
+              <a:gd name="connsiteY4" fmla="*/ 6775779 h 6858000"/>
+              <a:gd name="connsiteX5" fmla="*/ 2259550 w 4167271"/>
+              <a:gd name="connsiteY5" fmla="*/ 6858000 h 6858000"/>
+              <a:gd name="connsiteX6" fmla="*/ 0 w 4167271"/>
+              <a:gd name="connsiteY6" fmla="*/ 6858000 h 6858000"/>
+            </a:gdLst>
+            <a:ahLst/>
+            <a:cxnLst>
+              <a:cxn ang="0">
+                <a:pos x="connsiteX0" y="connsiteY0"/>
+              </a:cxn>
+              <a:cxn ang="0">
+                <a:pos x="connsiteX1" y="connsiteY1"/>
+              </a:cxn>
+              <a:cxn ang="0">
+                <a:pos x="connsiteX2" y="connsiteY2"/>
+              </a:cxn>
+              <a:cxn ang="0">
+                <a:pos x="connsiteX3" y="connsiteY3"/>
+              </a:cxn>
+              <a:cxn ang="0">
+                <a:pos x="connsiteX4" y="connsiteY4"/>
+              </a:cxn>
+              <a:cxn ang="0">
+                <a:pos x="connsiteX5" y="connsiteY5"/>
+              </a:cxn>
+              <a:cxn ang="0">
+                <a:pos x="connsiteX6" y="connsiteY6"/>
+              </a:cxn>
+            </a:cxnLst>
+            <a:rect l="l" t="t" r="r" b="b"/>
+            <a:pathLst>
+              <a:path w="4167271" h="6858000">
+                <a:moveTo>
+                  <a:pt x="0" y="0"/>
+                </a:moveTo>
+                <a:lnTo>
+                  <a:pt x="2259550" y="0"/>
+                </a:lnTo>
+                <a:lnTo>
+                  <a:pt x="2387803" y="82222"/>
+                </a:lnTo>
+                <a:cubicBezTo>
+                  <a:pt x="3461407" y="807534"/>
+                  <a:pt x="4167271" y="2035835"/>
+                  <a:pt x="4167271" y="3429000"/>
+                </a:cubicBezTo>
+                <a:cubicBezTo>
+                  <a:pt x="4167271" y="4822165"/>
+                  <a:pt x="3461407" y="6050467"/>
+                  <a:pt x="2387803" y="6775779"/>
+                </a:cubicBezTo>
+                <a:lnTo>
+                  <a:pt x="2259550" y="6858000"/>
+                </a:lnTo>
+                <a:lnTo>
+                  <a:pt x="0" y="6858000"/>
+                </a:lnTo>
+                <a:close/>
+              </a:path>
+            </a:pathLst>
+          </a:custGeom>
+          <a:solidFill>
+            <a:schemeClr val="accent2"/>
+          </a:solidFill>
+          <a:ln>
+            <a:noFill/>
+          </a:ln>
+        </p:spPr>
+        <p:style>
+          <a:lnRef idx="2">
+            <a:schemeClr val="accent1">
+              <a:shade val="50000"/>
+            </a:schemeClr>
+          </a:lnRef>
+          <a:fillRef idx="1">
+            <a:schemeClr val="accent1"/>
+          </a:fillRef>
+          <a:effectRef idx="0">
+            <a:schemeClr val="accent1"/>
+          </a:effectRef>
+          <a:fontRef idx="minor">
+            <a:schemeClr val="lt1"/>
+          </a:fontRef>
+        </p:style>
+        <p:txBody>
+          <a:bodyPr rtlCol="0" anchor="ctr"/>
+          <a:lstStyle/>
+          <a:p>
+            <a:pPr algn="ctr"/>
+            <a:endParaRPr lang="en-US"/>
+          </a:p>
+        </p:txBody>
+      </p:sp>
+      <p:sp>
+        <p:nvSpPr>
+          <p:cNvPr id="2" name="Τίτλος 1">
+            <a:extLst>
+              <a:ext uri="{FF2B5EF4-FFF2-40B4-BE49-F238E27FC236}">
+                <a16:creationId xmlns:a16="http://schemas.microsoft.com/office/drawing/2014/main" id="{20FF709E-19B0-46D4-BDD7-2082CF0CBBA9}"/>
+              </a:ext>
+            </a:extLst>
+          </p:cNvPr>
+          <p:cNvSpPr>
+            <a:spLocks noGrp="1"/>
+          </p:cNvSpPr>
+          <p:nvPr>
+            <p:ph type="title"/>
+          </p:nvPr>
+        </p:nvSpPr>
+        <p:spPr>
+          <a:xfrm>
+            <a:off x="686834" y="1153572"/>
+            <a:ext cx="3200400" cy="4461163"/>
+          </a:xfrm>
+        </p:spPr>
+        <p:txBody>
+          <a:bodyPr>
+            <a:normAutofit/>
+          </a:bodyPr>
+          <a:lstStyle/>
+          <a:p>
+            <a:r>
+              <a:rPr lang="en-US" dirty="0">
+                <a:solidFill>
+                  <a:srgbClr val="FFFFFF"/>
+                </a:solidFill>
+              </a:rPr>
+              <a:t>Purpose</a:t>
+            </a:r>
+            <a:endParaRPr lang="el-GR" dirty="0">
+              <a:solidFill>
+                <a:srgbClr val="FFFFFF"/>
+              </a:solidFill>
+            </a:endParaRPr>
+          </a:p>
+        </p:txBody>
+      </p:sp>
+      <p:sp>
+        <p:nvSpPr>
+          <p:cNvPr id="12" name="Arc 11">
+            <a:extLst>
+              <a:ext uri="{FF2B5EF4-FFF2-40B4-BE49-F238E27FC236}">
+                <a16:creationId xmlns:a16="http://schemas.microsoft.com/office/drawing/2014/main" id="{081E4A58-353D-44AE-B2FC-2A74E2E400F7}"/>
+              </a:ext>
+              <a:ext uri="{C183D7F6-B498-43B3-948B-1728B52AA6E4}">
+                <adec:decorative xmlns:adec="http://schemas.microsoft.com/office/drawing/2017/decorative" val="1"/>
+              </a:ext>
+            </a:extLst>
+          </p:cNvPr>
+          <p:cNvSpPr>
+            <a:spLocks noGrp="1" noRot="1" noChangeAspect="1" noMove="1" noResize="1" noEditPoints="1" noAdjustHandles="1" noChangeArrowheads="1" noChangeShapeType="1" noTextEdit="1"/>
+          </p:cNvSpPr>
+          <p:nvPr>
+            <p:extLst>
+              <p:ext uri="{386F3935-93C4-4BCD-93E2-E3B085C9AB24}">
+                <p16:designElem xmlns:p16="http://schemas.microsoft.com/office/powerpoint/2015/main" val="1"/>
+              </p:ext>
+            </p:extLst>
+          </p:nvPr>
+        </p:nvSpPr>
+        <p:spPr>
+          <a:xfrm flipV="1">
+            <a:off x="7550402" y="2455479"/>
+            <a:ext cx="4083433" cy="4083433"/>
+          </a:xfrm>
+          <a:prstGeom prst="arc">
+            <a:avLst/>
+          </a:prstGeom>
+          <a:ln w="127000" cap="rnd">
+            <a:solidFill>
+              <a:schemeClr val="accent4"/>
+            </a:solidFill>
+            <a:prstDash val="dash"/>
+          </a:ln>
+        </p:spPr>
+        <p:style>
+          <a:lnRef idx="1">
+            <a:schemeClr val="accent1"/>
+          </a:lnRef>
+          <a:fillRef idx="0">
+            <a:schemeClr val="accent1"/>
+          </a:fillRef>
+          <a:effectRef idx="0">
+            <a:schemeClr val="accent1"/>
+          </a:effectRef>
+          <a:fontRef idx="minor">
+            <a:schemeClr val="tx1"/>
+          </a:fontRef>
+        </p:style>
+        <p:txBody>
+          <a:bodyPr rtlCol="0" anchor="ctr"/>
+          <a:lstStyle/>
+          <a:p>
+            <a:pPr algn="ctr"/>
             <a:endParaRPr lang="en-US" dirty="0"/>
           </a:p>
+        </p:txBody>
+      </p:sp>
+      <p:sp>
+        <p:nvSpPr>
+          <p:cNvPr id="3" name="Θέση περιεχομένου 2">
+            <a:extLst>
+              <a:ext uri="{FF2B5EF4-FFF2-40B4-BE49-F238E27FC236}">
+                <a16:creationId xmlns:a16="http://schemas.microsoft.com/office/drawing/2014/main" id="{C4CF523F-B070-4E4B-B428-06D2792A1209}"/>
+              </a:ext>
+            </a:extLst>
+          </p:cNvPr>
+          <p:cNvSpPr>
+            <a:spLocks noGrp="1"/>
+          </p:cNvSpPr>
+          <p:nvPr>
+            <p:ph idx="1"/>
+          </p:nvPr>
+        </p:nvSpPr>
+        <p:spPr>
+          <a:xfrm>
+            <a:off x="4364666" y="29116"/>
+            <a:ext cx="6906491" cy="5585619"/>
+          </a:xfrm>
+        </p:spPr>
+        <p:txBody>
+          <a:bodyPr anchor="ctr">
+            <a:normAutofit/>
+          </a:bodyPr>
+          <a:lstStyle/>
           <a:p>
             <a:pPr marL="0" indent="0">
               <a:buNone/>
             </a:pPr>
             <a:r>
-              <a:rPr lang="en-US" dirty="0"/>
-              <a:t>Serves JSON output</a:t>
-            </a:r>
-          </a:p>
+              <a:rPr lang="en-US" sz="2000" dirty="0"/>
+              <a:t>The script:</a:t>
+            </a:r>
+          </a:p>
+          <a:p>
+            <a:pPr marL="514350" indent="-514350">
+              <a:buAutoNum type="arabicPeriod"/>
+            </a:pPr>
+            <a:r>
+              <a:rPr lang="en-US" sz="2000" dirty="0"/>
+              <a:t>Downloads the </a:t>
+            </a:r>
+            <a:r>
+              <a:rPr lang="en-US" sz="2000" dirty="0" err="1"/>
+              <a:t>ClinVar</a:t>
+            </a:r>
+            <a:r>
+              <a:rPr lang="en-US" sz="2000" dirty="0"/>
+              <a:t> </a:t>
+            </a:r>
+            <a:r>
+              <a:rPr lang="en-US" sz="2000" i="1" dirty="0"/>
+              <a:t>variant_summary.txt </a:t>
+            </a:r>
+            <a:r>
+              <a:rPr lang="en-US" sz="2000" dirty="0"/>
+              <a:t>file from NCBI</a:t>
+            </a:r>
+          </a:p>
+          <a:p>
+            <a:pPr marL="514350" indent="-514350">
+              <a:buAutoNum type="arabicPeriod"/>
+            </a:pPr>
+            <a:r>
+              <a:rPr lang="en-US" sz="2000" dirty="0"/>
+              <a:t>Filters it for TP53 variants (GRCh38)</a:t>
+            </a:r>
+          </a:p>
+          <a:p>
+            <a:pPr marL="514350" indent="-514350">
+              <a:buAutoNum type="arabicPeriod"/>
+            </a:pPr>
+            <a:r>
+              <a:rPr lang="en-US" sz="2000" dirty="0"/>
+              <a:t>Process it to extract relevant genomic/protein change information</a:t>
+            </a:r>
+          </a:p>
+          <a:p>
+            <a:pPr marL="514350" indent="-514350">
+              <a:buAutoNum type="arabicPeriod"/>
+            </a:pPr>
+            <a:r>
+              <a:rPr lang="en-US" sz="2000" dirty="0"/>
+              <a:t>Applies ACMG classification support rules (PS1, PM5, PP5 and BP6)</a:t>
+            </a:r>
+          </a:p>
+          <a:p>
+            <a:pPr marL="514350" indent="-514350">
+              <a:buAutoNum type="arabicPeriod"/>
+            </a:pPr>
+            <a:r>
+              <a:rPr lang="en-US" sz="2000" dirty="0"/>
+              <a:t>Stores the results into a PostgreSQL database (</a:t>
+            </a:r>
+            <a:r>
+              <a:rPr lang="en-US" sz="2000" dirty="0" err="1"/>
+              <a:t>clinvar_db</a:t>
+            </a:r>
+            <a:r>
+              <a:rPr lang="en-US" sz="2000" dirty="0"/>
+              <a:t>)</a:t>
+            </a:r>
+          </a:p>
+          <a:p>
+            <a:pPr marL="514350" indent="-514350">
+              <a:buFont typeface="+mj-lt"/>
+              <a:buAutoNum type="arabicPeriod"/>
+            </a:pPr>
+            <a:endParaRPr lang="en-US" dirty="0"/>
+          </a:p>
+          <a:p>
+            <a:endParaRPr lang="el-GR" dirty="0"/>
+          </a:p>
+        </p:txBody>
+      </p:sp>
+      <p:sp>
+        <p:nvSpPr>
+          <p:cNvPr id="4" name="TextBox 3">
+            <a:extLst>
+              <a:ext uri="{FF2B5EF4-FFF2-40B4-BE49-F238E27FC236}">
+                <a16:creationId xmlns:a16="http://schemas.microsoft.com/office/drawing/2014/main" id="{B5A92A14-A3AD-4E4A-8F5E-4DC46AE98332}"/>
+              </a:ext>
+            </a:extLst>
+          </p:cNvPr>
+          <p:cNvSpPr txBox="1"/>
+          <p:nvPr/>
+        </p:nvSpPr>
+        <p:spPr>
+          <a:xfrm>
+            <a:off x="4396777" y="4014278"/>
+            <a:ext cx="7071774" cy="2246769"/>
+          </a:xfrm>
+          <a:prstGeom prst="rect">
+            <a:avLst/>
+          </a:prstGeom>
+          <a:noFill/>
+        </p:spPr>
+        <p:txBody>
+          <a:bodyPr wrap="square" rtlCol="0">
+            <a:spAutoFit/>
+          </a:bodyPr>
+          <a:lstStyle/>
+          <a:p>
+            <a:r>
+              <a:rPr lang="en-US" sz="2800" dirty="0"/>
+              <a:t>This script automatically retrieves TP53 </a:t>
+            </a:r>
+            <a:r>
+              <a:rPr lang="en-US" sz="2800" dirty="0" err="1"/>
+              <a:t>ClinVar</a:t>
+            </a:r>
+            <a:r>
+              <a:rPr lang="en-US" sz="2800" dirty="0"/>
+              <a:t> data, processes and classifies variants with ACMG support criteria and loads the results into a structured PostgreSQL database for downstream analysis.</a:t>
+            </a:r>
+            <a:endParaRPr lang="el-GR" sz="2800" dirty="0"/>
+          </a:p>
+        </p:txBody>
+      </p:sp>
+    </p:spTree>
+    <p:extLst>
+      <p:ext uri="{BB962C8B-B14F-4D97-AF65-F5344CB8AC3E}">
+        <p14:creationId xmlns:p14="http://schemas.microsoft.com/office/powerpoint/2010/main" val="2122724413"/>
+      </p:ext>
+    </p:extLst>
+  </p:cSld>
+  <p:clrMapOvr>
+    <a:masterClrMapping/>
+  </p:clrMapOvr>
+</p:sld>
+</file>
+
+<file path=ppt/slides/slide5.xml><?xml version="1.0" encoding="utf-8"?>
+<p:sld xmlns:a="http://schemas.openxmlformats.org/drawingml/2006/main" xmlns:r="http://schemas.openxmlformats.org/officeDocument/2006/relationships" xmlns:p="http://schemas.openxmlformats.org/presentationml/2006/main">
+  <p:cSld>
+    <p:bg>
+      <p:bgPr>
+        <a:solidFill>
+          <a:schemeClr val="bg1"/>
+        </a:solidFill>
+        <a:effectLst/>
+      </p:bgPr>
+    </p:bg>
+    <p:spTree>
+      <p:nvGrpSpPr>
+        <p:cNvPr id="1" name=""/>
+        <p:cNvGrpSpPr/>
+        <p:nvPr/>
+      </p:nvGrpSpPr>
+      <p:grpSpPr>
+        <a:xfrm>
+          <a:off x="0" y="0"/>
+          <a:ext cx="0" cy="0"/>
+          <a:chOff x="0" y="0"/>
+          <a:chExt cx="0" cy="0"/>
+        </a:xfrm>
+      </p:grpSpPr>
+      <p:sp useBgFill="1">
+        <p:nvSpPr>
+          <p:cNvPr id="16" name="Rectangle 9">
+            <a:extLst>
+              <a:ext uri="{FF2B5EF4-FFF2-40B4-BE49-F238E27FC236}">
+                <a16:creationId xmlns:a16="http://schemas.microsoft.com/office/drawing/2014/main" id="{743AA782-23D1-4521-8CAD-47662984AA08}"/>
+              </a:ext>
+              <a:ext uri="{C183D7F6-B498-43B3-948B-1728B52AA6E4}">
+                <adec:decorative xmlns:adec="http://schemas.microsoft.com/office/drawing/2017/decorative" val="1"/>
+              </a:ext>
+            </a:extLst>
+          </p:cNvPr>
+          <p:cNvSpPr>
+            <a:spLocks noGrp="1" noRot="1" noChangeAspect="1" noMove="1" noResize="1" noEditPoints="1" noAdjustHandles="1" noChangeArrowheads="1" noChangeShapeType="1" noTextEdit="1"/>
+          </p:cNvSpPr>
+          <p:nvPr>
+            <p:extLst>
+              <p:ext uri="{386F3935-93C4-4BCD-93E2-E3B085C9AB24}">
+                <p16:designElem xmlns:p16="http://schemas.microsoft.com/office/powerpoint/2015/main" val="1"/>
+              </p:ext>
+            </p:extLst>
+          </p:nvPr>
+        </p:nvSpPr>
+        <p:spPr>
+          <a:xfrm>
+            <a:off x="0" y="0"/>
+            <a:ext cx="12192000" cy="6858000"/>
+          </a:xfrm>
+          <a:prstGeom prst="rect">
+            <a:avLst/>
+          </a:prstGeom>
+          <a:ln>
+            <a:noFill/>
+          </a:ln>
+        </p:spPr>
+        <p:style>
+          <a:lnRef idx="2">
+            <a:schemeClr val="accent1">
+              <a:shade val="50000"/>
+            </a:schemeClr>
+          </a:lnRef>
+          <a:fillRef idx="1">
+            <a:schemeClr val="accent1"/>
+          </a:fillRef>
+          <a:effectRef idx="0">
+            <a:schemeClr val="accent1"/>
+          </a:effectRef>
+          <a:fontRef idx="minor">
+            <a:schemeClr val="lt1"/>
+          </a:fontRef>
+        </p:style>
+        <p:txBody>
+          <a:bodyPr rtlCol="0" anchor="ctr"/>
+          <a:lstStyle/>
+          <a:p>
+            <a:pPr algn="ctr"/>
+            <a:endParaRPr lang="en-US"/>
+          </a:p>
+        </p:txBody>
+      </p:sp>
+      <p:sp>
+        <p:nvSpPr>
+          <p:cNvPr id="2" name="Τίτλος 1">
+            <a:extLst>
+              <a:ext uri="{FF2B5EF4-FFF2-40B4-BE49-F238E27FC236}">
+                <a16:creationId xmlns:a16="http://schemas.microsoft.com/office/drawing/2014/main" id="{18A531E6-83EC-839F-FFF0-C694C2590D59}"/>
+              </a:ext>
+            </a:extLst>
+          </p:cNvPr>
+          <p:cNvSpPr>
+            <a:spLocks noGrp="1"/>
+          </p:cNvSpPr>
+          <p:nvPr>
+            <p:ph type="title"/>
+          </p:nvPr>
+        </p:nvSpPr>
+        <p:spPr>
+          <a:xfrm>
+            <a:off x="630936" y="640080"/>
+            <a:ext cx="4818888" cy="1481328"/>
+          </a:xfrm>
+        </p:spPr>
+        <p:txBody>
+          <a:bodyPr anchor="b">
+            <a:normAutofit/>
+          </a:bodyPr>
+          <a:lstStyle/>
+          <a:p>
+            <a:r>
+              <a:rPr lang="en-US" sz="5400"/>
+              <a:t>Workflow</a:t>
+            </a:r>
+            <a:endParaRPr lang="el-GR" sz="5400"/>
+          </a:p>
+        </p:txBody>
+      </p:sp>
+      <p:sp>
+        <p:nvSpPr>
+          <p:cNvPr id="17" name="sketch line">
+            <a:extLst>
+              <a:ext uri="{FF2B5EF4-FFF2-40B4-BE49-F238E27FC236}">
+                <a16:creationId xmlns:a16="http://schemas.microsoft.com/office/drawing/2014/main" id="{650D18FE-0824-4A46-B22C-A86B52E5780A}"/>
+              </a:ext>
+              <a:ext uri="{C183D7F6-B498-43B3-948B-1728B52AA6E4}">
+                <adec:decorative xmlns:adec="http://schemas.microsoft.com/office/drawing/2017/decorative" val="1"/>
+              </a:ext>
+            </a:extLst>
+          </p:cNvPr>
+          <p:cNvSpPr>
+            <a:spLocks noGrp="1" noRot="1" noChangeAspect="1" noMove="1" noResize="1" noEditPoints="1" noAdjustHandles="1" noChangeArrowheads="1" noChangeShapeType="1" noTextEdit="1"/>
+          </p:cNvSpPr>
+          <p:nvPr>
+            <p:extLst>
+              <p:ext uri="{386F3935-93C4-4BCD-93E2-E3B085C9AB24}">
+                <p16:designElem xmlns:p16="http://schemas.microsoft.com/office/powerpoint/2015/main" val="1"/>
+              </p:ext>
+            </p:extLst>
+          </p:nvPr>
+        </p:nvSpPr>
+        <p:spPr>
+          <a:xfrm>
+            <a:off x="643278" y="2372868"/>
+            <a:ext cx="3255095" cy="18288"/>
+          </a:xfrm>
+          <a:custGeom>
+            <a:avLst/>
+            <a:gdLst>
+              <a:gd name="connsiteX0" fmla="*/ 0 w 3255095"/>
+              <a:gd name="connsiteY0" fmla="*/ 0 h 18288"/>
+              <a:gd name="connsiteX1" fmla="*/ 618468 w 3255095"/>
+              <a:gd name="connsiteY1" fmla="*/ 0 h 18288"/>
+              <a:gd name="connsiteX2" fmla="*/ 1269487 w 3255095"/>
+              <a:gd name="connsiteY2" fmla="*/ 0 h 18288"/>
+              <a:gd name="connsiteX3" fmla="*/ 1953057 w 3255095"/>
+              <a:gd name="connsiteY3" fmla="*/ 0 h 18288"/>
+              <a:gd name="connsiteX4" fmla="*/ 2636627 w 3255095"/>
+              <a:gd name="connsiteY4" fmla="*/ 0 h 18288"/>
+              <a:gd name="connsiteX5" fmla="*/ 3255095 w 3255095"/>
+              <a:gd name="connsiteY5" fmla="*/ 0 h 18288"/>
+              <a:gd name="connsiteX6" fmla="*/ 3255095 w 3255095"/>
+              <a:gd name="connsiteY6" fmla="*/ 18288 h 18288"/>
+              <a:gd name="connsiteX7" fmla="*/ 2538974 w 3255095"/>
+              <a:gd name="connsiteY7" fmla="*/ 18288 h 18288"/>
+              <a:gd name="connsiteX8" fmla="*/ 1822853 w 3255095"/>
+              <a:gd name="connsiteY8" fmla="*/ 18288 h 18288"/>
+              <a:gd name="connsiteX9" fmla="*/ 1171834 w 3255095"/>
+              <a:gd name="connsiteY9" fmla="*/ 18288 h 18288"/>
+              <a:gd name="connsiteX10" fmla="*/ 0 w 3255095"/>
+              <a:gd name="connsiteY10" fmla="*/ 18288 h 18288"/>
+              <a:gd name="connsiteX11" fmla="*/ 0 w 3255095"/>
+              <a:gd name="connsiteY11" fmla="*/ 0 h 18288"/>
+            </a:gdLst>
+            <a:ahLst/>
+            <a:cxnLst>
+              <a:cxn ang="0">
+                <a:pos x="connsiteX0" y="connsiteY0"/>
+              </a:cxn>
+              <a:cxn ang="0">
+                <a:pos x="connsiteX1" y="connsiteY1"/>
+              </a:cxn>
+              <a:cxn ang="0">
+                <a:pos x="connsiteX2" y="connsiteY2"/>
+              </a:cxn>
+              <a:cxn ang="0">
+                <a:pos x="connsiteX3" y="connsiteY3"/>
+              </a:cxn>
+              <a:cxn ang="0">
+                <a:pos x="connsiteX4" y="connsiteY4"/>
+              </a:cxn>
+              <a:cxn ang="0">
+                <a:pos x="connsiteX5" y="connsiteY5"/>
+              </a:cxn>
+              <a:cxn ang="0">
+                <a:pos x="connsiteX6" y="connsiteY6"/>
+              </a:cxn>
+              <a:cxn ang="0">
+                <a:pos x="connsiteX7" y="connsiteY7"/>
+              </a:cxn>
+              <a:cxn ang="0">
+                <a:pos x="connsiteX8" y="connsiteY8"/>
+              </a:cxn>
+              <a:cxn ang="0">
+                <a:pos x="connsiteX9" y="connsiteY9"/>
+              </a:cxn>
+              <a:cxn ang="0">
+                <a:pos x="connsiteX10" y="connsiteY10"/>
+              </a:cxn>
+              <a:cxn ang="0">
+                <a:pos x="connsiteX11" y="connsiteY11"/>
+              </a:cxn>
+            </a:cxnLst>
+            <a:rect l="l" t="t" r="r" b="b"/>
+            <a:pathLst>
+              <a:path w="3255095" h="18288" fill="none" extrusionOk="0">
+                <a:moveTo>
+                  <a:pt x="0" y="0"/>
+                </a:moveTo>
+                <a:cubicBezTo>
+                  <a:pt x="240201" y="-22123"/>
+                  <a:pt x="462021" y="-19623"/>
+                  <a:pt x="618468" y="0"/>
+                </a:cubicBezTo>
+                <a:cubicBezTo>
+                  <a:pt x="774915" y="19623"/>
+                  <a:pt x="974734" y="2035"/>
+                  <a:pt x="1269487" y="0"/>
+                </a:cubicBezTo>
+                <a:cubicBezTo>
+                  <a:pt x="1564240" y="-2035"/>
+                  <a:pt x="1733579" y="10639"/>
+                  <a:pt x="1953057" y="0"/>
+                </a:cubicBezTo>
+                <a:cubicBezTo>
+                  <a:pt x="2172535" y="-10639"/>
+                  <a:pt x="2453962" y="14018"/>
+                  <a:pt x="2636627" y="0"/>
+                </a:cubicBezTo>
+                <a:cubicBezTo>
+                  <a:pt x="2819292" y="-14018"/>
+                  <a:pt x="3121375" y="5399"/>
+                  <a:pt x="3255095" y="0"/>
+                </a:cubicBezTo>
+                <a:cubicBezTo>
+                  <a:pt x="3254386" y="8157"/>
+                  <a:pt x="3254682" y="12125"/>
+                  <a:pt x="3255095" y="18288"/>
+                </a:cubicBezTo>
+                <a:cubicBezTo>
+                  <a:pt x="3088545" y="23203"/>
+                  <a:pt x="2687475" y="7419"/>
+                  <a:pt x="2538974" y="18288"/>
+                </a:cubicBezTo>
+                <a:cubicBezTo>
+                  <a:pt x="2390473" y="29157"/>
+                  <a:pt x="2137381" y="-8959"/>
+                  <a:pt x="1822853" y="18288"/>
+                </a:cubicBezTo>
+                <a:cubicBezTo>
+                  <a:pt x="1508325" y="45535"/>
+                  <a:pt x="1466437" y="20385"/>
+                  <a:pt x="1171834" y="18288"/>
+                </a:cubicBezTo>
+                <a:cubicBezTo>
+                  <a:pt x="877231" y="16191"/>
+                  <a:pt x="561097" y="37643"/>
+                  <a:pt x="0" y="18288"/>
+                </a:cubicBezTo>
+                <a:cubicBezTo>
+                  <a:pt x="-46" y="12483"/>
+                  <a:pt x="-203" y="6491"/>
+                  <a:pt x="0" y="0"/>
+                </a:cubicBezTo>
+                <a:close/>
+              </a:path>
+              <a:path w="3255095" h="18288" stroke="0" extrusionOk="0">
+                <a:moveTo>
+                  <a:pt x="0" y="0"/>
+                </a:moveTo>
+                <a:cubicBezTo>
+                  <a:pt x="291965" y="19429"/>
+                  <a:pt x="363155" y="8568"/>
+                  <a:pt x="618468" y="0"/>
+                </a:cubicBezTo>
+                <a:cubicBezTo>
+                  <a:pt x="873781" y="-8568"/>
+                  <a:pt x="904459" y="-19505"/>
+                  <a:pt x="1171834" y="0"/>
+                </a:cubicBezTo>
+                <a:cubicBezTo>
+                  <a:pt x="1439209" y="19505"/>
+                  <a:pt x="1744369" y="9790"/>
+                  <a:pt x="1887955" y="0"/>
+                </a:cubicBezTo>
+                <a:cubicBezTo>
+                  <a:pt x="2031541" y="-9790"/>
+                  <a:pt x="2346378" y="21240"/>
+                  <a:pt x="2506423" y="0"/>
+                </a:cubicBezTo>
+                <a:cubicBezTo>
+                  <a:pt x="2666468" y="-21240"/>
+                  <a:pt x="2990257" y="30414"/>
+                  <a:pt x="3255095" y="0"/>
+                </a:cubicBezTo>
+                <a:cubicBezTo>
+                  <a:pt x="3254831" y="4493"/>
+                  <a:pt x="3255479" y="9472"/>
+                  <a:pt x="3255095" y="18288"/>
+                </a:cubicBezTo>
+                <a:cubicBezTo>
+                  <a:pt x="3120743" y="16690"/>
+                  <a:pt x="2759628" y="42462"/>
+                  <a:pt x="2604076" y="18288"/>
+                </a:cubicBezTo>
+                <a:cubicBezTo>
+                  <a:pt x="2448524" y="-5886"/>
+                  <a:pt x="2184336" y="19599"/>
+                  <a:pt x="1887955" y="18288"/>
+                </a:cubicBezTo>
+                <a:cubicBezTo>
+                  <a:pt x="1591574" y="16977"/>
+                  <a:pt x="1548845" y="6870"/>
+                  <a:pt x="1334589" y="18288"/>
+                </a:cubicBezTo>
+                <a:cubicBezTo>
+                  <a:pt x="1120333" y="29706"/>
+                  <a:pt x="996014" y="9662"/>
+                  <a:pt x="683570" y="18288"/>
+                </a:cubicBezTo>
+                <a:cubicBezTo>
+                  <a:pt x="371126" y="26914"/>
+                  <a:pt x="198687" y="16167"/>
+                  <a:pt x="0" y="18288"/>
+                </a:cubicBezTo>
+                <a:cubicBezTo>
+                  <a:pt x="843" y="9577"/>
+                  <a:pt x="371" y="6900"/>
+                  <a:pt x="0" y="0"/>
+                </a:cubicBezTo>
+                <a:close/>
+              </a:path>
+            </a:pathLst>
+          </a:custGeom>
+          <a:solidFill>
+            <a:schemeClr val="accent2"/>
+          </a:solidFill>
+          <a:ln w="38100" cap="rnd">
+            <a:solidFill>
+              <a:schemeClr val="accent2"/>
+            </a:solidFill>
+            <a:round/>
+            <a:extLst>
+              <a:ext uri="{C807C97D-BFC1-408E-A445-0C87EB9F89A2}">
+                <ask:lineSketchStyleProps xmlns="" xmlns:ask="http://schemas.microsoft.com/office/drawing/2018/sketchyshapes" sd="1219033472">
+                  <a:prstGeom prst="rect">
+                    <a:avLst/>
+                  </a:prstGeom>
+                  <ask:type>
+                    <ask:lineSketchFreehand/>
+                  </ask:type>
+                </ask:lineSketchStyleProps>
+              </a:ext>
+            </a:extLst>
+          </a:ln>
+        </p:spPr>
+        <p:style>
+          <a:lnRef idx="2">
+            <a:schemeClr val="accent1">
+              <a:shade val="50000"/>
+            </a:schemeClr>
+          </a:lnRef>
+          <a:fillRef idx="1">
+            <a:schemeClr val="accent1"/>
+          </a:fillRef>
+          <a:effectRef idx="0">
+            <a:schemeClr val="accent1"/>
+          </a:effectRef>
+          <a:fontRef idx="minor">
+            <a:schemeClr val="lt1"/>
+          </a:fontRef>
+        </p:style>
+        <p:txBody>
+          <a:bodyPr rtlCol="0" anchor="ctr"/>
+          <a:lstStyle/>
+          <a:p>
+            <a:pPr algn="ctr"/>
+            <a:endParaRPr lang="en-US"/>
+          </a:p>
+        </p:txBody>
+      </p:sp>
+      <p:sp>
+        <p:nvSpPr>
+          <p:cNvPr id="3" name="Θέση περιεχομένου 2">
+            <a:extLst>
+              <a:ext uri="{FF2B5EF4-FFF2-40B4-BE49-F238E27FC236}">
+                <a16:creationId xmlns:a16="http://schemas.microsoft.com/office/drawing/2014/main" id="{D44B5B9D-F575-C25E-3DA3-93854290EC53}"/>
+              </a:ext>
+            </a:extLst>
+          </p:cNvPr>
+          <p:cNvSpPr>
+            <a:spLocks noGrp="1"/>
+          </p:cNvSpPr>
+          <p:nvPr>
+            <p:ph idx="1"/>
+          </p:nvPr>
+        </p:nvSpPr>
+        <p:spPr>
+          <a:xfrm>
+            <a:off x="630936" y="2660904"/>
+            <a:ext cx="4818888" cy="3547872"/>
+          </a:xfrm>
+        </p:spPr>
+        <p:txBody>
+          <a:bodyPr anchor="t">
+            <a:normAutofit/>
+          </a:bodyPr>
+          <a:lstStyle/>
           <a:p>
             <a:pPr marL="0" indent="0">
               <a:buNone/>
             </a:pPr>
+            <a:endParaRPr lang="en-US" sz="2200"/>
+          </a:p>
+          <a:p>
+            <a:pPr marL="0" indent="0">
+              <a:buNone/>
+            </a:pPr>
+            <a:endParaRPr lang="el-GR" sz="2200"/>
+          </a:p>
+        </p:txBody>
+      </p:sp>
+      <p:pic>
+        <p:nvPicPr>
+          <p:cNvPr id="5" name="Εικόνα 4">
+            <a:extLst>
+              <a:ext uri="{FF2B5EF4-FFF2-40B4-BE49-F238E27FC236}">
+                <a16:creationId xmlns:a16="http://schemas.microsoft.com/office/drawing/2014/main" id="{E712CD9C-073F-404B-B0C0-FAF0F27FA88F}"/>
+              </a:ext>
+            </a:extLst>
+          </p:cNvPr>
+          <p:cNvPicPr>
+            <a:picLocks noChangeAspect="1"/>
+          </p:cNvPicPr>
+          <p:nvPr/>
+        </p:nvPicPr>
+        <p:blipFill rotWithShape="1">
+          <a:blip r:embed="rId2">
+            <a:extLst>
+              <a:ext uri="{28A0092B-C50C-407E-A947-70E740481C1C}">
+                <a14:useLocalDpi xmlns:a14="http://schemas.microsoft.com/office/drawing/2010/main" val="0"/>
+              </a:ext>
+            </a:extLst>
+          </a:blip>
+          <a:srcRect b="8261"/>
+          <a:stretch/>
+        </p:blipFill>
+        <p:spPr>
+          <a:xfrm>
+            <a:off x="6966928" y="640080"/>
+            <a:ext cx="3723208" cy="5577840"/>
+          </a:xfrm>
+          <a:prstGeom prst="rect">
+            <a:avLst/>
+          </a:prstGeom>
+        </p:spPr>
+      </p:pic>
+      <p:sp>
+        <p:nvSpPr>
+          <p:cNvPr id="6" name="TextBox 5">
+            <a:extLst>
+              <a:ext uri="{FF2B5EF4-FFF2-40B4-BE49-F238E27FC236}">
+                <a16:creationId xmlns:a16="http://schemas.microsoft.com/office/drawing/2014/main" id="{12EF097D-9B80-4B47-800A-5EAFEA4B1C64}"/>
+              </a:ext>
+            </a:extLst>
+          </p:cNvPr>
+          <p:cNvSpPr txBox="1"/>
+          <p:nvPr/>
+        </p:nvSpPr>
+        <p:spPr>
+          <a:xfrm>
+            <a:off x="735496" y="2971800"/>
+            <a:ext cx="3866321" cy="2862322"/>
+          </a:xfrm>
+          <a:prstGeom prst="rect">
+            <a:avLst/>
+          </a:prstGeom>
+          <a:noFill/>
+        </p:spPr>
+        <p:txBody>
+          <a:bodyPr wrap="square" rtlCol="0">
+            <a:spAutoFit/>
+          </a:bodyPr>
+          <a:lstStyle/>
+          <a:p>
+            <a:r>
+              <a:rPr lang="en-US" dirty="0"/>
+              <a:t>Step-by-step database workflow:</a:t>
+            </a:r>
+          </a:p>
+          <a:p>
+            <a:pPr marL="342900" indent="-342900">
+              <a:buAutoNum type="arabicPeriod"/>
+            </a:pPr>
+            <a:r>
+              <a:rPr lang="en-US" dirty="0"/>
+              <a:t>Database Setup</a:t>
+            </a:r>
+          </a:p>
+          <a:p>
+            <a:pPr marL="342900" indent="-342900">
+              <a:buAutoNum type="arabicPeriod"/>
+            </a:pPr>
+            <a:r>
+              <a:rPr lang="en-US" dirty="0"/>
+              <a:t>Data Download &amp; Filtering</a:t>
+            </a:r>
+          </a:p>
+          <a:p>
+            <a:pPr marL="342900" indent="-342900">
+              <a:buAutoNum type="arabicPeriod"/>
+            </a:pPr>
+            <a:r>
+              <a:rPr lang="en-US" dirty="0"/>
+              <a:t>Data Cleaning &amp; Parsing</a:t>
+            </a:r>
+          </a:p>
+          <a:p>
+            <a:pPr marL="342900" indent="-342900">
+              <a:buAutoNum type="arabicPeriod"/>
+            </a:pPr>
+            <a:r>
+              <a:rPr lang="en-US" dirty="0"/>
+              <a:t>Clinical Significance Simplification</a:t>
+            </a:r>
+          </a:p>
+          <a:p>
+            <a:pPr marL="342900" indent="-342900">
+              <a:buAutoNum type="arabicPeriod"/>
+            </a:pPr>
+            <a:r>
+              <a:rPr lang="en-US" dirty="0"/>
+              <a:t>Variant Consequences</a:t>
+            </a:r>
+          </a:p>
+          <a:p>
+            <a:pPr marL="342900" indent="-342900">
+              <a:buAutoNum type="arabicPeriod"/>
+            </a:pPr>
+            <a:r>
+              <a:rPr lang="en-US" dirty="0"/>
+              <a:t>ACMG Support Criteria</a:t>
+            </a:r>
+          </a:p>
+          <a:p>
+            <a:pPr marL="342900" indent="-342900">
+              <a:buAutoNum type="arabicPeriod"/>
+            </a:pPr>
+            <a:r>
+              <a:rPr lang="en-US" dirty="0"/>
+              <a:t>Filtering for Reliable Variants</a:t>
+            </a:r>
+          </a:p>
+          <a:p>
+            <a:pPr marL="342900" indent="-342900">
+              <a:buAutoNum type="arabicPeriod"/>
+            </a:pPr>
+            <a:r>
+              <a:rPr lang="en-US" dirty="0"/>
+              <a:t>Database Insertion</a:t>
+            </a:r>
+          </a:p>
+          <a:p>
+            <a:pPr marL="342900" indent="-342900">
+              <a:buAutoNum type="arabicPeriod"/>
+            </a:pPr>
+            <a:r>
+              <a:rPr lang="en-US" dirty="0"/>
+              <a:t>Clean up</a:t>
+            </a:r>
+            <a:endParaRPr lang="el-GR" dirty="0"/>
+          </a:p>
+        </p:txBody>
+      </p:sp>
+      <p:sp>
+        <p:nvSpPr>
+          <p:cNvPr id="7" name="Rectangle 1">
+            <a:extLst>
+              <a:ext uri="{FF2B5EF4-FFF2-40B4-BE49-F238E27FC236}">
+                <a16:creationId xmlns:a16="http://schemas.microsoft.com/office/drawing/2014/main" id="{C8ABB8B8-FA36-49A6-9090-C6866D4A89F5}"/>
+              </a:ext>
+            </a:extLst>
+          </p:cNvPr>
+          <p:cNvSpPr>
+            <a:spLocks noChangeArrowheads="1"/>
+          </p:cNvSpPr>
+          <p:nvPr/>
+        </p:nvSpPr>
+        <p:spPr bwMode="auto">
+          <a:xfrm>
+            <a:off x="0" y="-94569"/>
+            <a:ext cx="184731" cy="646331"/>
+          </a:xfrm>
+          <a:prstGeom prst="rect">
+            <a:avLst/>
+          </a:prstGeom>
+          <a:noFill/>
+          <a:ln>
+            <a:noFill/>
+          </a:ln>
+          <a:effectLst/>
+          <a:extLst>
+            <a:ext uri="{909E8E84-426E-40DD-AFC4-6F175D3DCCD1}">
+              <a14:hiddenFill xmlns:a14="http://schemas.microsoft.com/office/drawing/2010/main">
+                <a:solidFill>
+                  <a:schemeClr val="accent1"/>
+                </a:solidFill>
+              </a14:hiddenFill>
+            </a:ext>
+            <a:ext uri="{91240B29-F687-4F45-9708-019B960494DF}">
+              <a14:hiddenLine xmlns:a14="http://schemas.microsoft.com/office/drawing/2010/main" w="9525">
+                <a:solidFill>
+                  <a:schemeClr val="tx1"/>
+                </a:solidFill>
+                <a:miter lim="800000"/>
+                <a:headEnd/>
+                <a:tailEnd/>
+              </a14:hiddenLine>
+            </a:ext>
+            <a:ext uri="{AF507438-7753-43E0-B8FC-AC1667EBCBE1}">
+              <a14:hiddenEffects xmlns:a14="http://schemas.microsoft.com/office/drawing/2010/main">
+                <a:effectLst>
+                  <a:outerShdw dist="35921" dir="2700000" algn="ctr" rotWithShape="0">
+                    <a:schemeClr val="bg2"/>
+                  </a:outerShdw>
+                </a:effectLst>
+              </a14:hiddenEffects>
+            </a:ext>
+          </a:extLst>
+        </p:spPr>
+        <p:txBody>
+          <a:bodyPr vert="horz" wrap="none" lIns="91440" tIns="45720" rIns="91440" bIns="45720" numCol="1" anchor="ctr" anchorCtr="0" compatLnSpc="1">
+            <a:prstTxWarp prst="textNoShape">
+              <a:avLst/>
+            </a:prstTxWarp>
+            <a:spAutoFit/>
+          </a:bodyPr>
+          <a:lstStyle/>
+          <a:p>
+            <a:pPr marL="0" marR="0" lvl="0" indent="0" algn="l" defTabSz="914400" rtl="0" eaLnBrk="0" fontAlgn="base" latinLnBrk="0" hangingPunct="0">
+              <a:lnSpc>
+                <a:spcPct val="100000"/>
+              </a:lnSpc>
+              <a:spcBef>
+                <a:spcPct val="0"/>
+              </a:spcBef>
+              <a:spcAft>
+                <a:spcPct val="0"/>
+              </a:spcAft>
+              <a:buClrTx/>
+              <a:buSzTx/>
+              <a:buFontTx/>
+              <a:buNone/>
+              <a:tabLst/>
+            </a:pPr>
+            <a:endParaRPr kumimoji="0" lang="el-GR" altLang="el-GR" sz="1800" b="0" i="0" u="none" strike="noStrike" cap="none" normalizeH="0" baseline="0" dirty="0">
+              <a:ln>
+                <a:noFill/>
+              </a:ln>
+              <a:solidFill>
+                <a:schemeClr val="tx1"/>
+              </a:solidFill>
+              <a:effectLst/>
+              <a:latin typeface="Arial" panose="020B0604020202020204" pitchFamily="34" charset="0"/>
+            </a:endParaRPr>
+          </a:p>
+          <a:p>
+            <a:pPr marL="0" marR="0" lvl="0" indent="0" algn="l" defTabSz="914400" rtl="0" eaLnBrk="0" fontAlgn="base" latinLnBrk="0" hangingPunct="0">
+              <a:lnSpc>
+                <a:spcPct val="100000"/>
+              </a:lnSpc>
+              <a:spcBef>
+                <a:spcPct val="0"/>
+              </a:spcBef>
+              <a:spcAft>
+                <a:spcPct val="0"/>
+              </a:spcAft>
+              <a:buClrTx/>
+              <a:buSzTx/>
+              <a:buFontTx/>
+              <a:buNone/>
+              <a:tabLst/>
+            </a:pPr>
+            <a:endParaRPr kumimoji="0" lang="el-GR" altLang="el-GR" sz="1800" b="0" i="0" u="none" strike="noStrike" cap="none" normalizeH="0" baseline="0" dirty="0">
+              <a:ln>
+                <a:noFill/>
+              </a:ln>
+              <a:solidFill>
+                <a:schemeClr val="tx1"/>
+              </a:solidFill>
+              <a:effectLst/>
+              <a:latin typeface="Arial" panose="020B0604020202020204" pitchFamily="34" charset="0"/>
+            </a:endParaRPr>
+          </a:p>
+        </p:txBody>
+      </p:sp>
+      <p:sp>
+        <p:nvSpPr>
+          <p:cNvPr id="8" name="TextBox 7">
+            <a:extLst>
+              <a:ext uri="{FF2B5EF4-FFF2-40B4-BE49-F238E27FC236}">
+                <a16:creationId xmlns:a16="http://schemas.microsoft.com/office/drawing/2014/main" id="{8BD24DE0-E9AF-43D0-A0C1-20F7382792B9}"/>
+              </a:ext>
+            </a:extLst>
+          </p:cNvPr>
+          <p:cNvSpPr txBox="1"/>
+          <p:nvPr/>
+        </p:nvSpPr>
+        <p:spPr>
+          <a:xfrm>
+            <a:off x="4969565" y="3190461"/>
+            <a:ext cx="3548814" cy="646331"/>
+          </a:xfrm>
+          <a:prstGeom prst="rect">
+            <a:avLst/>
+          </a:prstGeom>
+          <a:noFill/>
+        </p:spPr>
+        <p:txBody>
+          <a:bodyPr wrap="square" rtlCol="0">
+            <a:spAutoFit/>
+          </a:bodyPr>
+          <a:lstStyle/>
+          <a:p>
+            <a:r>
+              <a:rPr lang="en-US" dirty="0"/>
+              <a:t>Step-by-step </a:t>
+            </a:r>
+            <a:r>
+              <a:rPr lang="en-US" dirty="0" err="1"/>
+              <a:t>FastAPI</a:t>
+            </a:r>
+            <a:r>
+              <a:rPr lang="en-US" dirty="0"/>
+              <a:t> workflow:</a:t>
+            </a:r>
+          </a:p>
+          <a:p>
             <a:endParaRPr lang="el-GR" dirty="0"/>
           </a:p>
         </p:txBody>
@@ -3880,9 +8851,17 @@
 </p:sld>
 </file>
 
-<file path=ppt/slides/slide4.xml><?xml version="1.0" encoding="utf-8"?>
+<file path=ppt/slides/slide6.xml><?xml version="1.0" encoding="utf-8"?>
 <p:sld xmlns:a="http://schemas.openxmlformats.org/drawingml/2006/main" xmlns:r="http://schemas.openxmlformats.org/officeDocument/2006/relationships" xmlns:p="http://schemas.openxmlformats.org/presentationml/2006/main">
   <p:cSld>
+    <p:bg>
+      <p:bgPr>
+        <a:solidFill>
+          <a:schemeClr val="bg1"/>
+        </a:solidFill>
+        <a:effectLst/>
+      </p:bgPr>
+    </p:bg>
     <p:spTree>
       <p:nvGrpSpPr>
         <p:cNvPr id="1" name=""/>
@@ -3897,6 +8876,122 @@
           <a:chExt cx="0" cy="0"/>
         </a:xfrm>
       </p:grpSpPr>
+      <p:pic>
+        <p:nvPicPr>
+          <p:cNvPr id="6" name="Picture 5">
+            <a:extLst>
+              <a:ext uri="{FF2B5EF4-FFF2-40B4-BE49-F238E27FC236}">
+                <a16:creationId xmlns:a16="http://schemas.microsoft.com/office/drawing/2014/main" id="{CE5BC792-C980-BE53-D147-CACA00946750}"/>
+              </a:ext>
+            </a:extLst>
+          </p:cNvPr>
+          <p:cNvPicPr>
+            <a:picLocks noChangeAspect="1"/>
+          </p:cNvPicPr>
+          <p:nvPr/>
+        </p:nvPicPr>
+        <p:blipFill>
+          <a:blip r:embed="rId2">
+            <a:duotone>
+              <a:schemeClr val="bg2">
+                <a:shade val="45000"/>
+                <a:satMod val="135000"/>
+              </a:schemeClr>
+              <a:prstClr val="white"/>
+            </a:duotone>
+          </a:blip>
+          <a:srcRect t="15730"/>
+          <a:stretch>
+            <a:fillRect/>
+          </a:stretch>
+        </p:blipFill>
+        <p:spPr>
+          <a:xfrm>
+            <a:off x="20" y="10"/>
+            <a:ext cx="12191980" cy="6857990"/>
+          </a:xfrm>
+          <a:prstGeom prst="rect">
+            <a:avLst/>
+          </a:prstGeom>
+        </p:spPr>
+      </p:pic>
+      <p:sp>
+        <p:nvSpPr>
+          <p:cNvPr id="10" name="Rectangle 9">
+            <a:extLst>
+              <a:ext uri="{FF2B5EF4-FFF2-40B4-BE49-F238E27FC236}">
+                <a16:creationId xmlns:a16="http://schemas.microsoft.com/office/drawing/2014/main" id="{B50AB553-2A96-4A92-96F2-93548E096954}"/>
+              </a:ext>
+              <a:ext uri="{C183D7F6-B498-43B3-948B-1728B52AA6E4}">
+                <adec:decorative xmlns:adec="http://schemas.microsoft.com/office/drawing/2017/decorative" val="1"/>
+              </a:ext>
+            </a:extLst>
+          </p:cNvPr>
+          <p:cNvSpPr>
+            <a:spLocks noGrp="1" noRot="1" noChangeAspect="1" noMove="1" noResize="1" noEditPoints="1" noAdjustHandles="1" noChangeArrowheads="1" noChangeShapeType="1" noTextEdit="1"/>
+          </p:cNvSpPr>
+          <p:nvPr>
+            <p:extLst>
+              <p:ext uri="{386F3935-93C4-4BCD-93E2-E3B085C9AB24}">
+                <p16:designElem xmlns:p16="http://schemas.microsoft.com/office/powerpoint/2015/main" val="1"/>
+              </p:ext>
+            </p:extLst>
+          </p:nvPr>
+        </p:nvSpPr>
+        <p:spPr>
+          <a:xfrm>
+            <a:off x="0" y="0"/>
+            <a:ext cx="12192000" cy="6858000"/>
+          </a:xfrm>
+          <a:prstGeom prst="rect">
+            <a:avLst/>
+          </a:prstGeom>
+          <a:gradFill>
+            <a:gsLst>
+              <a:gs pos="10000">
+                <a:schemeClr val="bg2">
+                  <a:alpha val="68000"/>
+                </a:schemeClr>
+              </a:gs>
+              <a:gs pos="85000">
+                <a:schemeClr val="bg2">
+                  <a:alpha val="97000"/>
+                </a:schemeClr>
+              </a:gs>
+            </a:gsLst>
+            <a:path path="circle">
+              <a:fillToRect l="50000" t="50000" r="50000" b="50000"/>
+            </a:path>
+          </a:gradFill>
+          <a:ln>
+            <a:noFill/>
+          </a:ln>
+        </p:spPr>
+        <p:style>
+          <a:lnRef idx="2">
+            <a:schemeClr val="accent1">
+              <a:shade val="50000"/>
+            </a:schemeClr>
+          </a:lnRef>
+          <a:fillRef idx="1">
+            <a:schemeClr val="accent1"/>
+          </a:fillRef>
+          <a:effectRef idx="0">
+            <a:schemeClr val="accent1"/>
+          </a:effectRef>
+          <a:fontRef idx="minor">
+            <a:schemeClr val="lt1"/>
+          </a:fontRef>
+        </p:style>
+        <p:txBody>
+          <a:bodyPr rtlCol="0" anchor="ctr"/>
+          <a:lstStyle/>
+          <a:p>
+            <a:pPr algn="ctr"/>
+            <a:endParaRPr lang="en-US"/>
+          </a:p>
+        </p:txBody>
+      </p:sp>
       <p:sp>
         <p:nvSpPr>
           <p:cNvPr id="2" name="Τίτλος 1">
@@ -3913,9 +9008,16 @@
             <p:ph type="title"/>
           </p:nvPr>
         </p:nvSpPr>
-        <p:spPr/>
+        <p:spPr>
+          <a:xfrm>
+            <a:off x="838200" y="365125"/>
+            <a:ext cx="10515600" cy="1325563"/>
+          </a:xfrm>
+        </p:spPr>
         <p:txBody>
-          <a:bodyPr/>
+          <a:bodyPr>
+            <a:normAutofit/>
+          </a:bodyPr>
           <a:lstStyle/>
           <a:p>
             <a:r>
@@ -3926,264 +9028,41 @@
           </a:p>
         </p:txBody>
       </p:sp>
-      <p:sp>
-        <p:nvSpPr>
-          <p:cNvPr id="3" name="Θέση περιεχομένου 2">
+      <p:graphicFrame>
+        <p:nvGraphicFramePr>
+          <p:cNvPr id="5" name="Θέση περιεχομένου 2">
             <a:extLst>
               <a:ext uri="{FF2B5EF4-FFF2-40B4-BE49-F238E27FC236}">
-                <a16:creationId xmlns:a16="http://schemas.microsoft.com/office/drawing/2014/main" id="{B5845A18-4A09-E46D-9CD6-F4CAB9618A64}"/>
+                <a16:creationId xmlns:a16="http://schemas.microsoft.com/office/drawing/2014/main" id="{71D55880-0296-51BB-3336-159A51A90E54}"/>
               </a:ext>
             </a:extLst>
           </p:cNvPr>
-          <p:cNvSpPr>
-            <a:spLocks noGrp="1"/>
-          </p:cNvSpPr>
+          <p:cNvGraphicFramePr>
+            <a:graphicFrameLocks noGrp="1"/>
+          </p:cNvGraphicFramePr>
           <p:nvPr>
             <p:ph idx="1"/>
+            <p:extLst>
+              <p:ext uri="{D42A27DB-BD31-4B8C-83A1-F6EECF244321}">
+                <p14:modId xmlns:p14="http://schemas.microsoft.com/office/powerpoint/2010/main" val="1870262946"/>
+              </p:ext>
+            </p:extLst>
           </p:nvPr>
-        </p:nvSpPr>
-        <p:spPr/>
-        <p:txBody>
-          <a:bodyPr>
-            <a:normAutofit lnSpcReduction="10000"/>
-          </a:bodyPr>
-          <a:lstStyle/>
-          <a:p>
-            <a:r>
-              <a:rPr lang="en-US" dirty="0"/>
-              <a:t>Psycopg2</a:t>
-            </a:r>
-          </a:p>
-          <a:p>
-            <a:r>
-              <a:rPr lang="en-US" dirty="0"/>
-              <a:t>Pandas</a:t>
-            </a:r>
-          </a:p>
-          <a:p>
-            <a:r>
-              <a:rPr lang="en-US" dirty="0" err="1"/>
-              <a:t>url</a:t>
-            </a:r>
-            <a:r>
-              <a:rPr lang="en-US" dirty="0"/>
-              <a:t> lib</a:t>
-            </a:r>
-          </a:p>
-          <a:p>
-            <a:r>
-              <a:rPr lang="en-US" dirty="0"/>
-              <a:t>Re</a:t>
-            </a:r>
-          </a:p>
-          <a:p>
-            <a:r>
-              <a:rPr lang="en-US" dirty="0" err="1"/>
-              <a:t>Traceback</a:t>
-            </a:r>
-            <a:endParaRPr lang="en-US" dirty="0"/>
-          </a:p>
-          <a:p>
-            <a:r>
-              <a:rPr lang="en-US" dirty="0" err="1"/>
-              <a:t>Os</a:t>
-            </a:r>
-            <a:endParaRPr lang="en-US" dirty="0"/>
-          </a:p>
-          <a:p>
-            <a:r>
-              <a:rPr lang="en-US" dirty="0"/>
-              <a:t>Typing</a:t>
-            </a:r>
-          </a:p>
-          <a:p>
-            <a:r>
-              <a:rPr lang="en-US" dirty="0" err="1"/>
-              <a:t>Subprocess</a:t>
-            </a:r>
-            <a:endParaRPr lang="en-US" dirty="0"/>
-          </a:p>
-          <a:p>
-            <a:r>
-              <a:rPr lang="en-US" dirty="0"/>
-              <a:t>collections</a:t>
-            </a:r>
-            <a:endParaRPr lang="el-GR" dirty="0"/>
-          </a:p>
-        </p:txBody>
-      </p:sp>
+        </p:nvGraphicFramePr>
+        <p:xfrm>
+          <a:off x="838200" y="1825625"/>
+          <a:ext cx="10515600" cy="4351338"/>
+        </p:xfrm>
+        <a:graphic>
+          <a:graphicData uri="http://schemas.openxmlformats.org/drawingml/2006/diagram">
+            <dgm:relIds xmlns:dgm="http://schemas.openxmlformats.org/drawingml/2006/diagram" xmlns:r="http://schemas.openxmlformats.org/officeDocument/2006/relationships" r:dm="rId3" r:lo="rId4" r:qs="rId5" r:cs="rId6"/>
+          </a:graphicData>
+        </a:graphic>
+      </p:graphicFrame>
     </p:spTree>
     <p:extLst>
       <p:ext uri="{BB962C8B-B14F-4D97-AF65-F5344CB8AC3E}">
         <p14:creationId xmlns:p14="http://schemas.microsoft.com/office/powerpoint/2010/main" val="2348534585"/>
-      </p:ext>
-    </p:extLst>
-  </p:cSld>
-  <p:clrMapOvr>
-    <a:masterClrMapping/>
-  </p:clrMapOvr>
-</p:sld>
-</file>
-
-<file path=ppt/slides/slide5.xml><?xml version="1.0" encoding="utf-8"?>
-<p:sld xmlns:a="http://schemas.openxmlformats.org/drawingml/2006/main" xmlns:r="http://schemas.openxmlformats.org/officeDocument/2006/relationships" xmlns:p="http://schemas.openxmlformats.org/presentationml/2006/main">
-  <p:cSld>
-    <p:spTree>
-      <p:nvGrpSpPr>
-        <p:cNvPr id="1" name=""/>
-        <p:cNvGrpSpPr/>
-        <p:nvPr/>
-      </p:nvGrpSpPr>
-      <p:grpSpPr>
-        <a:xfrm>
-          <a:off x="0" y="0"/>
-          <a:ext cx="0" cy="0"/>
-          <a:chOff x="0" y="0"/>
-          <a:chExt cx="0" cy="0"/>
-        </a:xfrm>
-      </p:grpSpPr>
-      <p:sp>
-        <p:nvSpPr>
-          <p:cNvPr id="2" name="Τίτλος 1">
-            <a:extLst>
-              <a:ext uri="{FF2B5EF4-FFF2-40B4-BE49-F238E27FC236}">
-                <a16:creationId xmlns:a16="http://schemas.microsoft.com/office/drawing/2014/main" id="{FAE1F138-FDE6-AEE9-EE99-AE014B3E398A}"/>
-              </a:ext>
-            </a:extLst>
-          </p:cNvPr>
-          <p:cNvSpPr>
-            <a:spLocks noGrp="1"/>
-          </p:cNvSpPr>
-          <p:nvPr>
-            <p:ph type="title"/>
-          </p:nvPr>
-        </p:nvSpPr>
-        <p:spPr/>
-        <p:txBody>
-          <a:bodyPr/>
-          <a:lstStyle/>
-          <a:p>
-            <a:r>
-              <a:rPr lang="en-US" dirty="0"/>
-              <a:t>Script</a:t>
-            </a:r>
-            <a:endParaRPr lang="el-GR" dirty="0"/>
-          </a:p>
-        </p:txBody>
-      </p:sp>
-      <p:sp>
-        <p:nvSpPr>
-          <p:cNvPr id="3" name="Θέση περιεχομένου 2">
-            <a:extLst>
-              <a:ext uri="{FF2B5EF4-FFF2-40B4-BE49-F238E27FC236}">
-                <a16:creationId xmlns:a16="http://schemas.microsoft.com/office/drawing/2014/main" id="{22C79F25-2089-F105-521E-36D9DFB3D9F4}"/>
-              </a:ext>
-            </a:extLst>
-          </p:cNvPr>
-          <p:cNvSpPr>
-            <a:spLocks noGrp="1"/>
-          </p:cNvSpPr>
-          <p:nvPr>
-            <p:ph idx="1"/>
-          </p:nvPr>
-        </p:nvSpPr>
-        <p:spPr/>
-        <p:txBody>
-          <a:bodyPr/>
-          <a:lstStyle/>
-          <a:p>
-            <a:endParaRPr lang="el-GR" dirty="0"/>
-          </a:p>
-        </p:txBody>
-      </p:sp>
-    </p:spTree>
-    <p:extLst>
-      <p:ext uri="{BB962C8B-B14F-4D97-AF65-F5344CB8AC3E}">
-        <p14:creationId xmlns:p14="http://schemas.microsoft.com/office/powerpoint/2010/main" val="3528903239"/>
-      </p:ext>
-    </p:extLst>
-  </p:cSld>
-  <p:clrMapOvr>
-    <a:masterClrMapping/>
-  </p:clrMapOvr>
-</p:sld>
-</file>
-
-<file path=ppt/slides/slide6.xml><?xml version="1.0" encoding="utf-8"?>
-<p:sld xmlns:a="http://schemas.openxmlformats.org/drawingml/2006/main" xmlns:r="http://schemas.openxmlformats.org/officeDocument/2006/relationships" xmlns:p="http://schemas.openxmlformats.org/presentationml/2006/main">
-  <p:cSld>
-    <p:spTree>
-      <p:nvGrpSpPr>
-        <p:cNvPr id="1" name=""/>
-        <p:cNvGrpSpPr/>
-        <p:nvPr/>
-      </p:nvGrpSpPr>
-      <p:grpSpPr>
-        <a:xfrm>
-          <a:off x="0" y="0"/>
-          <a:ext cx="0" cy="0"/>
-          <a:chOff x="0" y="0"/>
-          <a:chExt cx="0" cy="0"/>
-        </a:xfrm>
-      </p:grpSpPr>
-      <p:sp>
-        <p:nvSpPr>
-          <p:cNvPr id="2" name="Τίτλος 1">
-            <a:extLst>
-              <a:ext uri="{FF2B5EF4-FFF2-40B4-BE49-F238E27FC236}">
-                <a16:creationId xmlns:a16="http://schemas.microsoft.com/office/drawing/2014/main" id="{0EA6ABA1-B023-883E-3F0B-B9F44088CF30}"/>
-              </a:ext>
-            </a:extLst>
-          </p:cNvPr>
-          <p:cNvSpPr>
-            <a:spLocks noGrp="1"/>
-          </p:cNvSpPr>
-          <p:nvPr>
-            <p:ph type="title"/>
-          </p:nvPr>
-        </p:nvSpPr>
-        <p:spPr/>
-        <p:txBody>
-          <a:bodyPr/>
-          <a:lstStyle/>
-          <a:p>
-            <a:r>
-              <a:rPr lang="en-US" dirty="0"/>
-              <a:t>Results </a:t>
-            </a:r>
-            <a:endParaRPr lang="el-GR" dirty="0"/>
-          </a:p>
-        </p:txBody>
-      </p:sp>
-      <p:sp>
-        <p:nvSpPr>
-          <p:cNvPr id="3" name="Θέση περιεχομένου 2">
-            <a:extLst>
-              <a:ext uri="{FF2B5EF4-FFF2-40B4-BE49-F238E27FC236}">
-                <a16:creationId xmlns:a16="http://schemas.microsoft.com/office/drawing/2014/main" id="{B8173782-E763-14F6-DC33-03573EAFD0C6}"/>
-              </a:ext>
-            </a:extLst>
-          </p:cNvPr>
-          <p:cNvSpPr>
-            <a:spLocks noGrp="1"/>
-          </p:cNvSpPr>
-          <p:nvPr>
-            <p:ph idx="1"/>
-          </p:nvPr>
-        </p:nvSpPr>
-        <p:spPr/>
-        <p:txBody>
-          <a:bodyPr/>
-          <a:lstStyle/>
-          <a:p>
-            <a:endParaRPr lang="el-GR"/>
-          </a:p>
-        </p:txBody>
-      </p:sp>
-    </p:spTree>
-    <p:extLst>
-      <p:ext uri="{BB962C8B-B14F-4D97-AF65-F5344CB8AC3E}">
-        <p14:creationId xmlns:p14="http://schemas.microsoft.com/office/powerpoint/2010/main" val="2763385011"/>
       </p:ext>
     </p:extLst>
   </p:cSld>
@@ -4215,7 +9094,7 @@
           <p:cNvPr id="2" name="Τίτλος 1">
             <a:extLst>
               <a:ext uri="{FF2B5EF4-FFF2-40B4-BE49-F238E27FC236}">
-                <a16:creationId xmlns:a16="http://schemas.microsoft.com/office/drawing/2014/main" id="{A68516E9-873C-651F-A1EE-54FAD83891F9}"/>
+                <a16:creationId xmlns:a16="http://schemas.microsoft.com/office/drawing/2014/main" id="{FAE1F138-FDE6-AEE9-EE99-AE014B3E398A}"/>
               </a:ext>
             </a:extLst>
           </p:cNvPr>
@@ -4233,11 +9112,7 @@
           <a:p>
             <a:r>
               <a:rPr lang="en-US" dirty="0"/>
-              <a:t>Conclusions - π</a:t>
-            </a:r>
-            <a:r>
-              <a:rPr lang="en-US" dirty="0" err="1"/>
-              <a:t>ροεκτάσεις</a:t>
+              <a:t>Script</a:t>
             </a:r>
             <a:endParaRPr lang="el-GR" dirty="0"/>
           </a:p>
@@ -4248,7 +9123,7 @@
           <p:cNvPr id="3" name="Θέση περιεχομένου 2">
             <a:extLst>
               <a:ext uri="{FF2B5EF4-FFF2-40B4-BE49-F238E27FC236}">
-                <a16:creationId xmlns:a16="http://schemas.microsoft.com/office/drawing/2014/main" id="{D61C9018-6DE6-0C8F-2275-3E0632616E9A}"/>
+                <a16:creationId xmlns:a16="http://schemas.microsoft.com/office/drawing/2014/main" id="{22C79F25-2089-F105-521E-36D9DFB3D9F4}"/>
               </a:ext>
             </a:extLst>
           </p:cNvPr>
@@ -4264,193 +9139,6 @@
           <a:bodyPr/>
           <a:lstStyle/>
           <a:p>
-            <a:r>
-              <a:rPr lang="en-US" dirty="0" err="1"/>
-              <a:t>Προέκτ</a:t>
-            </a:r>
-            <a:r>
-              <a:rPr lang="en-US" dirty="0"/>
-              <a:t>α</a:t>
-            </a:r>
-            <a:r>
-              <a:rPr lang="en-US" dirty="0" err="1"/>
-              <a:t>ση</a:t>
-            </a:r>
-            <a:r>
-              <a:rPr lang="en-US" dirty="0"/>
-              <a:t> </a:t>
-            </a:r>
-            <a:r>
-              <a:rPr lang="en-US" dirty="0" err="1"/>
-              <a:t>γι</a:t>
-            </a:r>
-            <a:r>
-              <a:rPr lang="en-US" dirty="0"/>
-              <a:t>α π</a:t>
-            </a:r>
-            <a:r>
-              <a:rPr lang="en-US" dirty="0" err="1"/>
-              <a:t>ερισσότερ</a:t>
-            </a:r>
-            <a:r>
-              <a:rPr lang="en-US" dirty="0"/>
-              <a:t>α </a:t>
-            </a:r>
-            <a:r>
-              <a:rPr lang="en-US" dirty="0" err="1"/>
-              <a:t>γονίδι</a:t>
-            </a:r>
-            <a:r>
-              <a:rPr lang="en-US" dirty="0"/>
-              <a:t>α</a:t>
-            </a:r>
-          </a:p>
-          <a:p>
-            <a:r>
-              <a:rPr lang="el-GR" dirty="0"/>
-              <a:t>Σ</a:t>
-            </a:r>
-            <a:r>
-              <a:rPr lang="en-US" dirty="0" err="1"/>
-              <a:t>ύνδεση</a:t>
-            </a:r>
-            <a:r>
-              <a:rPr lang="en-US" dirty="0"/>
-              <a:t> </a:t>
-            </a:r>
-            <a:r>
-              <a:rPr lang="en-US" dirty="0" err="1"/>
-              <a:t>με</a:t>
-            </a:r>
-            <a:r>
-              <a:rPr lang="en-US" dirty="0"/>
-              <a:t> </a:t>
-            </a:r>
-            <a:r>
-              <a:rPr lang="en-US" dirty="0" err="1"/>
-              <a:t>άλλες</a:t>
-            </a:r>
-            <a:r>
-              <a:rPr lang="en-US" dirty="0"/>
-              <a:t> β</a:t>
-            </a:r>
-            <a:r>
-              <a:rPr lang="en-US" dirty="0" err="1"/>
-              <a:t>άσεις</a:t>
-            </a:r>
-            <a:r>
-              <a:rPr lang="en-US" dirty="0"/>
-              <a:t> </a:t>
-            </a:r>
-            <a:r>
-              <a:rPr lang="en-US" dirty="0" err="1"/>
-              <a:t>δεδομένων</a:t>
-            </a:r>
-            <a:r>
-              <a:rPr lang="en-US" dirty="0"/>
-              <a:t> </a:t>
-            </a:r>
-            <a:r>
-              <a:rPr lang="en-US" dirty="0" err="1"/>
-              <a:t>γι</a:t>
-            </a:r>
-            <a:r>
-              <a:rPr lang="en-US" dirty="0"/>
-              <a:t>α επιπ</a:t>
-            </a:r>
-            <a:r>
-              <a:rPr lang="en-US" dirty="0" err="1"/>
-              <a:t>λέον</a:t>
-            </a:r>
-            <a:r>
-              <a:rPr lang="en-US" dirty="0"/>
-              <a:t> επιβεβα</a:t>
-            </a:r>
-            <a:r>
-              <a:rPr lang="en-US" dirty="0" err="1"/>
-              <a:t>ίωση</a:t>
-            </a:r>
-            <a:endParaRPr lang="en-US" dirty="0"/>
-          </a:p>
-          <a:p>
-            <a:r>
-              <a:rPr lang="el-GR" dirty="0"/>
-              <a:t>Π</a:t>
-            </a:r>
-            <a:r>
-              <a:rPr lang="en-US" dirty="0" err="1"/>
-              <a:t>ροσθήκη</a:t>
-            </a:r>
-            <a:r>
-              <a:rPr lang="en-US" dirty="0"/>
-              <a:t> επιπ</a:t>
-            </a:r>
-            <a:r>
-              <a:rPr lang="en-US" dirty="0" err="1"/>
-              <a:t>λέον</a:t>
-            </a:r>
-            <a:r>
-              <a:rPr lang="en-US" dirty="0"/>
-              <a:t> π</a:t>
-            </a:r>
-            <a:r>
-              <a:rPr lang="en-US" dirty="0" err="1"/>
-              <a:t>ινάκων</a:t>
-            </a:r>
-            <a:r>
-              <a:rPr lang="en-US" dirty="0"/>
-              <a:t> </a:t>
-            </a:r>
-            <a:r>
-              <a:rPr lang="en-US" dirty="0" err="1"/>
-              <a:t>γι</a:t>
-            </a:r>
-            <a:r>
-              <a:rPr lang="en-US" dirty="0"/>
-              <a:t>α π</a:t>
-            </a:r>
-            <a:r>
-              <a:rPr lang="en-US" dirty="0" err="1"/>
-              <a:t>ροσθήκη</a:t>
-            </a:r>
-            <a:r>
-              <a:rPr lang="en-US" dirty="0"/>
-              <a:t> επιπ</a:t>
-            </a:r>
-            <a:r>
-              <a:rPr lang="en-US" dirty="0" err="1"/>
-              <a:t>λέον</a:t>
-            </a:r>
-            <a:r>
-              <a:rPr lang="en-US" dirty="0"/>
-              <a:t> </a:t>
-            </a:r>
-            <a:r>
-              <a:rPr lang="en-US" dirty="0" err="1"/>
-              <a:t>ερωτημάτων</a:t>
-            </a:r>
-            <a:endParaRPr lang="en-US" dirty="0"/>
-          </a:p>
-          <a:p>
-            <a:r>
-              <a:rPr lang="el-GR" dirty="0"/>
-              <a:t>Π</a:t>
-            </a:r>
-            <a:r>
-              <a:rPr lang="en-US" dirty="0" err="1"/>
-              <a:t>ροσθήκη</a:t>
-            </a:r>
-            <a:r>
-              <a:rPr lang="en-US" dirty="0"/>
-              <a:t>  PM1 </a:t>
-            </a:r>
-            <a:r>
-              <a:rPr lang="en-US" dirty="0" err="1"/>
-              <a:t>κριτηρίου</a:t>
-            </a:r>
-            <a:endParaRPr lang="en-US" dirty="0"/>
-          </a:p>
-          <a:p>
             <a:endParaRPr lang="el-GR" dirty="0"/>
           </a:p>
         </p:txBody>
@@ -4458,7 +9146,7 @@
     </p:spTree>
     <p:extLst>
       <p:ext uri="{BB962C8B-B14F-4D97-AF65-F5344CB8AC3E}">
-        <p14:creationId xmlns:p14="http://schemas.microsoft.com/office/powerpoint/2010/main" val="3992971401"/>
+        <p14:creationId xmlns:p14="http://schemas.microsoft.com/office/powerpoint/2010/main" val="3528903239"/>
       </p:ext>
     </p:extLst>
   </p:cSld>
@@ -4490,7 +9178,7 @@
           <p:cNvPr id="2" name="Τίτλος 1">
             <a:extLst>
               <a:ext uri="{FF2B5EF4-FFF2-40B4-BE49-F238E27FC236}">
-                <a16:creationId xmlns:a16="http://schemas.microsoft.com/office/drawing/2014/main" id="{7D80AF85-52A7-70CF-BDB5-E422D2BDAFDE}"/>
+                <a16:creationId xmlns:a16="http://schemas.microsoft.com/office/drawing/2014/main" id="{0EA6ABA1-B023-883E-3F0B-B9F44088CF30}"/>
               </a:ext>
             </a:extLst>
           </p:cNvPr>
@@ -4506,7 +9194,11 @@
           <a:bodyPr/>
           <a:lstStyle/>
           <a:p>
-            <a:endParaRPr lang="el-GR"/>
+            <a:r>
+              <a:rPr lang="en-US" dirty="0"/>
+              <a:t>Results </a:t>
+            </a:r>
+            <a:endParaRPr lang="el-GR" dirty="0"/>
           </a:p>
         </p:txBody>
       </p:sp>
@@ -4515,7 +9207,7 @@
           <p:cNvPr id="3" name="Θέση περιεχομένου 2">
             <a:extLst>
               <a:ext uri="{FF2B5EF4-FFF2-40B4-BE49-F238E27FC236}">
-                <a16:creationId xmlns:a16="http://schemas.microsoft.com/office/drawing/2014/main" id="{8516D692-2DD6-6F1D-6232-A44CB65190DA}"/>
+                <a16:creationId xmlns:a16="http://schemas.microsoft.com/office/drawing/2014/main" id="{B8173782-E763-14F6-DC33-03573EAFD0C6}"/>
               </a:ext>
             </a:extLst>
           </p:cNvPr>
@@ -4538,7 +9230,932 @@
     </p:spTree>
     <p:extLst>
       <p:ext uri="{BB962C8B-B14F-4D97-AF65-F5344CB8AC3E}">
-        <p14:creationId xmlns:p14="http://schemas.microsoft.com/office/powerpoint/2010/main" val="1640741622"/>
+        <p14:creationId xmlns:p14="http://schemas.microsoft.com/office/powerpoint/2010/main" val="2763385011"/>
+      </p:ext>
+    </p:extLst>
+  </p:cSld>
+  <p:clrMapOvr>
+    <a:masterClrMapping/>
+  </p:clrMapOvr>
+</p:sld>
+</file>
+
+<file path=ppt/slides/slide9.xml><?xml version="1.0" encoding="utf-8"?>
+<p:sld xmlns:a="http://schemas.openxmlformats.org/drawingml/2006/main" xmlns:r="http://schemas.openxmlformats.org/officeDocument/2006/relationships" xmlns:p="http://schemas.openxmlformats.org/presentationml/2006/main">
+  <p:cSld>
+    <p:bg>
+      <p:bgPr>
+        <a:solidFill>
+          <a:schemeClr val="bg1"/>
+        </a:solidFill>
+        <a:effectLst/>
+      </p:bgPr>
+    </p:bg>
+    <p:spTree>
+      <p:nvGrpSpPr>
+        <p:cNvPr id="1" name=""/>
+        <p:cNvGrpSpPr/>
+        <p:nvPr/>
+      </p:nvGrpSpPr>
+      <p:grpSpPr>
+        <a:xfrm>
+          <a:off x="0" y="0"/>
+          <a:ext cx="0" cy="0"/>
+          <a:chOff x="0" y="0"/>
+          <a:chExt cx="0" cy="0"/>
+        </a:xfrm>
+      </p:grpSpPr>
+      <p:sp useBgFill="1">
+        <p:nvSpPr>
+          <p:cNvPr id="8" name="Rectangle 7">
+            <a:extLst>
+              <a:ext uri="{FF2B5EF4-FFF2-40B4-BE49-F238E27FC236}">
+                <a16:creationId xmlns:a16="http://schemas.microsoft.com/office/drawing/2014/main" id="{100EDD19-6802-4EC3-95CE-CFFAB042CFD6}"/>
+              </a:ext>
+              <a:ext uri="{C183D7F6-B498-43B3-948B-1728B52AA6E4}">
+                <adec:decorative xmlns:adec="http://schemas.microsoft.com/office/drawing/2017/decorative" val="1"/>
+              </a:ext>
+            </a:extLst>
+          </p:cNvPr>
+          <p:cNvSpPr>
+            <a:spLocks noGrp="1" noRot="1" noChangeAspect="1" noMove="1" noResize="1" noEditPoints="1" noAdjustHandles="1" noChangeArrowheads="1" noChangeShapeType="1" noTextEdit="1"/>
+          </p:cNvSpPr>
+          <p:nvPr>
+            <p:extLst>
+              <p:ext uri="{386F3935-93C4-4BCD-93E2-E3B085C9AB24}">
+                <p16:designElem xmlns:p16="http://schemas.microsoft.com/office/powerpoint/2015/main" val="1"/>
+              </p:ext>
+            </p:extLst>
+          </p:nvPr>
+        </p:nvSpPr>
+        <p:spPr>
+          <a:xfrm>
+            <a:off x="0" y="0"/>
+            <a:ext cx="12188952" cy="6858000"/>
+          </a:xfrm>
+          <a:prstGeom prst="rect">
+            <a:avLst/>
+          </a:prstGeom>
+          <a:ln>
+            <a:noFill/>
+          </a:ln>
+        </p:spPr>
+        <p:style>
+          <a:lnRef idx="2">
+            <a:schemeClr val="accent1">
+              <a:shade val="50000"/>
+            </a:schemeClr>
+          </a:lnRef>
+          <a:fillRef idx="1">
+            <a:schemeClr val="accent1"/>
+          </a:fillRef>
+          <a:effectRef idx="0">
+            <a:schemeClr val="accent1"/>
+          </a:effectRef>
+          <a:fontRef idx="minor">
+            <a:schemeClr val="lt1"/>
+          </a:fontRef>
+        </p:style>
+        <p:txBody>
+          <a:bodyPr rtlCol="0" anchor="ctr"/>
+          <a:lstStyle/>
+          <a:p>
+            <a:pPr algn="ctr"/>
+            <a:endParaRPr lang="en-US"/>
+          </a:p>
+        </p:txBody>
+      </p:sp>
+      <p:sp>
+        <p:nvSpPr>
+          <p:cNvPr id="2" name="Τίτλος 1">
+            <a:extLst>
+              <a:ext uri="{FF2B5EF4-FFF2-40B4-BE49-F238E27FC236}">
+                <a16:creationId xmlns:a16="http://schemas.microsoft.com/office/drawing/2014/main" id="{A68516E9-873C-651F-A1EE-54FAD83891F9}"/>
+              </a:ext>
+            </a:extLst>
+          </p:cNvPr>
+          <p:cNvSpPr>
+            <a:spLocks noGrp="1"/>
+          </p:cNvSpPr>
+          <p:nvPr>
+            <p:ph type="title"/>
+          </p:nvPr>
+        </p:nvSpPr>
+        <p:spPr>
+          <a:xfrm>
+            <a:off x="838200" y="365125"/>
+            <a:ext cx="10515600" cy="1325563"/>
+          </a:xfrm>
+        </p:spPr>
+        <p:txBody>
+          <a:bodyPr>
+            <a:normAutofit/>
+          </a:bodyPr>
+          <a:lstStyle/>
+          <a:p>
+            <a:r>
+              <a:rPr lang="en-US" sz="5400"/>
+              <a:t>Conclusions - προεκτάσεις</a:t>
+            </a:r>
+            <a:endParaRPr lang="el-GR" sz="5400"/>
+          </a:p>
+        </p:txBody>
+      </p:sp>
+      <p:sp>
+        <p:nvSpPr>
+          <p:cNvPr id="10" name="sketch line">
+            <a:extLst>
+              <a:ext uri="{FF2B5EF4-FFF2-40B4-BE49-F238E27FC236}">
+                <a16:creationId xmlns:a16="http://schemas.microsoft.com/office/drawing/2014/main" id="{DB17E863-922E-4C26-BD64-E8FD41D28661}"/>
+              </a:ext>
+              <a:ext uri="{C183D7F6-B498-43B3-948B-1728B52AA6E4}">
+                <adec:decorative xmlns:adec="http://schemas.microsoft.com/office/drawing/2017/decorative" val="1"/>
+              </a:ext>
+            </a:extLst>
+          </p:cNvPr>
+          <p:cNvSpPr>
+            <a:spLocks noGrp="1" noRot="1" noChangeAspect="1" noMove="1" noResize="1" noEditPoints="1" noAdjustHandles="1" noChangeArrowheads="1" noChangeShapeType="1" noTextEdit="1"/>
+          </p:cNvSpPr>
+          <p:nvPr>
+            <p:extLst>
+              <p:ext uri="{386F3935-93C4-4BCD-93E2-E3B085C9AB24}">
+                <p16:designElem xmlns:p16="http://schemas.microsoft.com/office/powerpoint/2015/main" val="1"/>
+              </p:ext>
+            </p:extLst>
+          </p:nvPr>
+        </p:nvSpPr>
+        <p:spPr>
+          <a:xfrm>
+            <a:off x="669036" y="1677373"/>
+            <a:ext cx="10853928" cy="18288"/>
+          </a:xfrm>
+          <a:custGeom>
+            <a:avLst/>
+            <a:gdLst>
+              <a:gd name="connsiteX0" fmla="*/ 0 w 10853928"/>
+              <a:gd name="connsiteY0" fmla="*/ 0 h 18288"/>
+              <a:gd name="connsiteX1" fmla="*/ 461292 w 10853928"/>
+              <a:gd name="connsiteY1" fmla="*/ 0 h 18288"/>
+              <a:gd name="connsiteX2" fmla="*/ 1139662 w 10853928"/>
+              <a:gd name="connsiteY2" fmla="*/ 0 h 18288"/>
+              <a:gd name="connsiteX3" fmla="*/ 1926572 w 10853928"/>
+              <a:gd name="connsiteY3" fmla="*/ 0 h 18288"/>
+              <a:gd name="connsiteX4" fmla="*/ 2279325 w 10853928"/>
+              <a:gd name="connsiteY4" fmla="*/ 0 h 18288"/>
+              <a:gd name="connsiteX5" fmla="*/ 2632078 w 10853928"/>
+              <a:gd name="connsiteY5" fmla="*/ 0 h 18288"/>
+              <a:gd name="connsiteX6" fmla="*/ 3527527 w 10853928"/>
+              <a:gd name="connsiteY6" fmla="*/ 0 h 18288"/>
+              <a:gd name="connsiteX7" fmla="*/ 4205897 w 10853928"/>
+              <a:gd name="connsiteY7" fmla="*/ 0 h 18288"/>
+              <a:gd name="connsiteX8" fmla="*/ 4558650 w 10853928"/>
+              <a:gd name="connsiteY8" fmla="*/ 0 h 18288"/>
+              <a:gd name="connsiteX9" fmla="*/ 5237020 w 10853928"/>
+              <a:gd name="connsiteY9" fmla="*/ 0 h 18288"/>
+              <a:gd name="connsiteX10" fmla="*/ 6132469 w 10853928"/>
+              <a:gd name="connsiteY10" fmla="*/ 0 h 18288"/>
+              <a:gd name="connsiteX11" fmla="*/ 6702301 w 10853928"/>
+              <a:gd name="connsiteY11" fmla="*/ 0 h 18288"/>
+              <a:gd name="connsiteX12" fmla="*/ 7272132 w 10853928"/>
+              <a:gd name="connsiteY12" fmla="*/ 0 h 18288"/>
+              <a:gd name="connsiteX13" fmla="*/ 7950502 w 10853928"/>
+              <a:gd name="connsiteY13" fmla="*/ 0 h 18288"/>
+              <a:gd name="connsiteX14" fmla="*/ 8737412 w 10853928"/>
+              <a:gd name="connsiteY14" fmla="*/ 0 h 18288"/>
+              <a:gd name="connsiteX15" fmla="*/ 9524322 w 10853928"/>
+              <a:gd name="connsiteY15" fmla="*/ 0 h 18288"/>
+              <a:gd name="connsiteX16" fmla="*/ 10853928 w 10853928"/>
+              <a:gd name="connsiteY16" fmla="*/ 0 h 18288"/>
+              <a:gd name="connsiteX17" fmla="*/ 10853928 w 10853928"/>
+              <a:gd name="connsiteY17" fmla="*/ 18288 h 18288"/>
+              <a:gd name="connsiteX18" fmla="*/ 10392636 w 10853928"/>
+              <a:gd name="connsiteY18" fmla="*/ 18288 h 18288"/>
+              <a:gd name="connsiteX19" fmla="*/ 9497187 w 10853928"/>
+              <a:gd name="connsiteY19" fmla="*/ 18288 h 18288"/>
+              <a:gd name="connsiteX20" fmla="*/ 8818817 w 10853928"/>
+              <a:gd name="connsiteY20" fmla="*/ 18288 h 18288"/>
+              <a:gd name="connsiteX21" fmla="*/ 8466064 w 10853928"/>
+              <a:gd name="connsiteY21" fmla="*/ 18288 h 18288"/>
+              <a:gd name="connsiteX22" fmla="*/ 7787693 w 10853928"/>
+              <a:gd name="connsiteY22" fmla="*/ 18288 h 18288"/>
+              <a:gd name="connsiteX23" fmla="*/ 7217862 w 10853928"/>
+              <a:gd name="connsiteY23" fmla="*/ 18288 h 18288"/>
+              <a:gd name="connsiteX24" fmla="*/ 6648031 w 10853928"/>
+              <a:gd name="connsiteY24" fmla="*/ 18288 h 18288"/>
+              <a:gd name="connsiteX25" fmla="*/ 6078200 w 10853928"/>
+              <a:gd name="connsiteY25" fmla="*/ 18288 h 18288"/>
+              <a:gd name="connsiteX26" fmla="*/ 5508368 w 10853928"/>
+              <a:gd name="connsiteY26" fmla="*/ 18288 h 18288"/>
+              <a:gd name="connsiteX27" fmla="*/ 4721459 w 10853928"/>
+              <a:gd name="connsiteY27" fmla="*/ 18288 h 18288"/>
+              <a:gd name="connsiteX28" fmla="*/ 4043088 w 10853928"/>
+              <a:gd name="connsiteY28" fmla="*/ 18288 h 18288"/>
+              <a:gd name="connsiteX29" fmla="*/ 3690336 w 10853928"/>
+              <a:gd name="connsiteY29" fmla="*/ 18288 h 18288"/>
+              <a:gd name="connsiteX30" fmla="*/ 3120504 w 10853928"/>
+              <a:gd name="connsiteY30" fmla="*/ 18288 h 18288"/>
+              <a:gd name="connsiteX31" fmla="*/ 2333595 w 10853928"/>
+              <a:gd name="connsiteY31" fmla="*/ 18288 h 18288"/>
+              <a:gd name="connsiteX32" fmla="*/ 1872303 w 10853928"/>
+              <a:gd name="connsiteY32" fmla="*/ 18288 h 18288"/>
+              <a:gd name="connsiteX33" fmla="*/ 976854 w 10853928"/>
+              <a:gd name="connsiteY33" fmla="*/ 18288 h 18288"/>
+              <a:gd name="connsiteX34" fmla="*/ 0 w 10853928"/>
+              <a:gd name="connsiteY34" fmla="*/ 18288 h 18288"/>
+              <a:gd name="connsiteX35" fmla="*/ 0 w 10853928"/>
+              <a:gd name="connsiteY35" fmla="*/ 0 h 18288"/>
+            </a:gdLst>
+            <a:ahLst/>
+            <a:cxnLst>
+              <a:cxn ang="0">
+                <a:pos x="connsiteX0" y="connsiteY0"/>
+              </a:cxn>
+              <a:cxn ang="0">
+                <a:pos x="connsiteX1" y="connsiteY1"/>
+              </a:cxn>
+              <a:cxn ang="0">
+                <a:pos x="connsiteX2" y="connsiteY2"/>
+              </a:cxn>
+              <a:cxn ang="0">
+                <a:pos x="connsiteX3" y="connsiteY3"/>
+              </a:cxn>
+              <a:cxn ang="0">
+                <a:pos x="connsiteX4" y="connsiteY4"/>
+              </a:cxn>
+              <a:cxn ang="0">
+                <a:pos x="connsiteX5" y="connsiteY5"/>
+              </a:cxn>
+              <a:cxn ang="0">
+                <a:pos x="connsiteX6" y="connsiteY6"/>
+              </a:cxn>
+              <a:cxn ang="0">
+                <a:pos x="connsiteX7" y="connsiteY7"/>
+              </a:cxn>
+              <a:cxn ang="0">
+                <a:pos x="connsiteX8" y="connsiteY8"/>
+              </a:cxn>
+              <a:cxn ang="0">
+                <a:pos x="connsiteX9" y="connsiteY9"/>
+              </a:cxn>
+              <a:cxn ang="0">
+                <a:pos x="connsiteX10" y="connsiteY10"/>
+              </a:cxn>
+              <a:cxn ang="0">
+                <a:pos x="connsiteX11" y="connsiteY11"/>
+              </a:cxn>
+              <a:cxn ang="0">
+                <a:pos x="connsiteX12" y="connsiteY12"/>
+              </a:cxn>
+              <a:cxn ang="0">
+                <a:pos x="connsiteX13" y="connsiteY13"/>
+              </a:cxn>
+              <a:cxn ang="0">
+                <a:pos x="connsiteX14" y="connsiteY14"/>
+              </a:cxn>
+              <a:cxn ang="0">
+                <a:pos x="connsiteX15" y="connsiteY15"/>
+              </a:cxn>
+              <a:cxn ang="0">
+                <a:pos x="connsiteX16" y="connsiteY16"/>
+              </a:cxn>
+              <a:cxn ang="0">
+                <a:pos x="connsiteX17" y="connsiteY17"/>
+              </a:cxn>
+              <a:cxn ang="0">
+                <a:pos x="connsiteX18" y="connsiteY18"/>
+              </a:cxn>
+              <a:cxn ang="0">
+                <a:pos x="connsiteX19" y="connsiteY19"/>
+              </a:cxn>
+              <a:cxn ang="0">
+                <a:pos x="connsiteX20" y="connsiteY20"/>
+              </a:cxn>
+              <a:cxn ang="0">
+                <a:pos x="connsiteX21" y="connsiteY21"/>
+              </a:cxn>
+              <a:cxn ang="0">
+                <a:pos x="connsiteX22" y="connsiteY22"/>
+              </a:cxn>
+              <a:cxn ang="0">
+                <a:pos x="connsiteX23" y="connsiteY23"/>
+              </a:cxn>
+              <a:cxn ang="0">
+                <a:pos x="connsiteX24" y="connsiteY24"/>
+              </a:cxn>
+              <a:cxn ang="0">
+                <a:pos x="connsiteX25" y="connsiteY25"/>
+              </a:cxn>
+              <a:cxn ang="0">
+                <a:pos x="connsiteX26" y="connsiteY26"/>
+              </a:cxn>
+              <a:cxn ang="0">
+                <a:pos x="connsiteX27" y="connsiteY27"/>
+              </a:cxn>
+              <a:cxn ang="0">
+                <a:pos x="connsiteX28" y="connsiteY28"/>
+              </a:cxn>
+              <a:cxn ang="0">
+                <a:pos x="connsiteX29" y="connsiteY29"/>
+              </a:cxn>
+              <a:cxn ang="0">
+                <a:pos x="connsiteX30" y="connsiteY30"/>
+              </a:cxn>
+              <a:cxn ang="0">
+                <a:pos x="connsiteX31" y="connsiteY31"/>
+              </a:cxn>
+              <a:cxn ang="0">
+                <a:pos x="connsiteX32" y="connsiteY32"/>
+              </a:cxn>
+              <a:cxn ang="0">
+                <a:pos x="connsiteX33" y="connsiteY33"/>
+              </a:cxn>
+              <a:cxn ang="0">
+                <a:pos x="connsiteX34" y="connsiteY34"/>
+              </a:cxn>
+              <a:cxn ang="0">
+                <a:pos x="connsiteX35" y="connsiteY35"/>
+              </a:cxn>
+            </a:cxnLst>
+            <a:rect l="l" t="t" r="r" b="b"/>
+            <a:pathLst>
+              <a:path w="10853928" h="18288" fill="none" extrusionOk="0">
+                <a:moveTo>
+                  <a:pt x="0" y="0"/>
+                </a:moveTo>
+                <a:cubicBezTo>
+                  <a:pt x="146993" y="-19076"/>
+                  <a:pt x="347684" y="-4790"/>
+                  <a:pt x="461292" y="0"/>
+                </a:cubicBezTo>
+                <a:cubicBezTo>
+                  <a:pt x="574900" y="4790"/>
+                  <a:pt x="808367" y="19821"/>
+                  <a:pt x="1139662" y="0"/>
+                </a:cubicBezTo>
+                <a:cubicBezTo>
+                  <a:pt x="1470957" y="-19821"/>
+                  <a:pt x="1627405" y="5721"/>
+                  <a:pt x="1926572" y="0"/>
+                </a:cubicBezTo>
+                <a:cubicBezTo>
+                  <a:pt x="2225739" y="-5721"/>
+                  <a:pt x="2137730" y="-3235"/>
+                  <a:pt x="2279325" y="0"/>
+                </a:cubicBezTo>
+                <a:cubicBezTo>
+                  <a:pt x="2420920" y="3235"/>
+                  <a:pt x="2456518" y="9685"/>
+                  <a:pt x="2632078" y="0"/>
+                </a:cubicBezTo>
+                <a:cubicBezTo>
+                  <a:pt x="2807638" y="-9685"/>
+                  <a:pt x="3211516" y="-43007"/>
+                  <a:pt x="3527527" y="0"/>
+                </a:cubicBezTo>
+                <a:cubicBezTo>
+                  <a:pt x="3843538" y="43007"/>
+                  <a:pt x="4058833" y="22042"/>
+                  <a:pt x="4205897" y="0"/>
+                </a:cubicBezTo>
+                <a:cubicBezTo>
+                  <a:pt x="4352961" y="-22042"/>
+                  <a:pt x="4474805" y="-11846"/>
+                  <a:pt x="4558650" y="0"/>
+                </a:cubicBezTo>
+                <a:cubicBezTo>
+                  <a:pt x="4642495" y="11846"/>
+                  <a:pt x="5041928" y="-6069"/>
+                  <a:pt x="5237020" y="0"/>
+                </a:cubicBezTo>
+                <a:cubicBezTo>
+                  <a:pt x="5432112" y="6069"/>
+                  <a:pt x="5943266" y="-17479"/>
+                  <a:pt x="6132469" y="0"/>
+                </a:cubicBezTo>
+                <a:cubicBezTo>
+                  <a:pt x="6321672" y="17479"/>
+                  <a:pt x="6483872" y="26234"/>
+                  <a:pt x="6702301" y="0"/>
+                </a:cubicBezTo>
+                <a:cubicBezTo>
+                  <a:pt x="6920730" y="-26234"/>
+                  <a:pt x="6991194" y="-15156"/>
+                  <a:pt x="7272132" y="0"/>
+                </a:cubicBezTo>
+                <a:cubicBezTo>
+                  <a:pt x="7553070" y="15156"/>
+                  <a:pt x="7684444" y="-32961"/>
+                  <a:pt x="7950502" y="0"/>
+                </a:cubicBezTo>
+                <a:cubicBezTo>
+                  <a:pt x="8216560" y="32961"/>
+                  <a:pt x="8493290" y="-10491"/>
+                  <a:pt x="8737412" y="0"/>
+                </a:cubicBezTo>
+                <a:cubicBezTo>
+                  <a:pt x="8981534" y="10491"/>
+                  <a:pt x="9191586" y="-13899"/>
+                  <a:pt x="9524322" y="0"/>
+                </a:cubicBezTo>
+                <a:cubicBezTo>
+                  <a:pt x="9857058" y="13899"/>
+                  <a:pt x="10297509" y="7485"/>
+                  <a:pt x="10853928" y="0"/>
+                </a:cubicBezTo>
+                <a:cubicBezTo>
+                  <a:pt x="10854574" y="4451"/>
+                  <a:pt x="10854418" y="9226"/>
+                  <a:pt x="10853928" y="18288"/>
+                </a:cubicBezTo>
+                <a:cubicBezTo>
+                  <a:pt x="10691638" y="28522"/>
+                  <a:pt x="10574319" y="29578"/>
+                  <a:pt x="10392636" y="18288"/>
+                </a:cubicBezTo>
+                <a:cubicBezTo>
+                  <a:pt x="10210953" y="6998"/>
+                  <a:pt x="9836277" y="-16742"/>
+                  <a:pt x="9497187" y="18288"/>
+                </a:cubicBezTo>
+                <a:cubicBezTo>
+                  <a:pt x="9158097" y="53318"/>
+                  <a:pt x="9119479" y="30714"/>
+                  <a:pt x="8818817" y="18288"/>
+                </a:cubicBezTo>
+                <a:cubicBezTo>
+                  <a:pt x="8518155" y="5863"/>
+                  <a:pt x="8640037" y="6483"/>
+                  <a:pt x="8466064" y="18288"/>
+                </a:cubicBezTo>
+                <a:cubicBezTo>
+                  <a:pt x="8292091" y="30093"/>
+                  <a:pt x="7997656" y="18914"/>
+                  <a:pt x="7787693" y="18288"/>
+                </a:cubicBezTo>
+                <a:cubicBezTo>
+                  <a:pt x="7577730" y="17662"/>
+                  <a:pt x="7412468" y="21416"/>
+                  <a:pt x="7217862" y="18288"/>
+                </a:cubicBezTo>
+                <a:cubicBezTo>
+                  <a:pt x="7023256" y="15160"/>
+                  <a:pt x="6898018" y="14824"/>
+                  <a:pt x="6648031" y="18288"/>
+                </a:cubicBezTo>
+                <a:cubicBezTo>
+                  <a:pt x="6398044" y="21752"/>
+                  <a:pt x="6254402" y="38625"/>
+                  <a:pt x="6078200" y="18288"/>
+                </a:cubicBezTo>
+                <a:cubicBezTo>
+                  <a:pt x="5901998" y="-2049"/>
+                  <a:pt x="5622886" y="3213"/>
+                  <a:pt x="5508368" y="18288"/>
+                </a:cubicBezTo>
+                <a:cubicBezTo>
+                  <a:pt x="5393850" y="33363"/>
+                  <a:pt x="5036260" y="26830"/>
+                  <a:pt x="4721459" y="18288"/>
+                </a:cubicBezTo>
+                <a:cubicBezTo>
+                  <a:pt x="4406658" y="9746"/>
+                  <a:pt x="4239221" y="41551"/>
+                  <a:pt x="4043088" y="18288"/>
+                </a:cubicBezTo>
+                <a:cubicBezTo>
+                  <a:pt x="3846955" y="-4975"/>
+                  <a:pt x="3818802" y="34658"/>
+                  <a:pt x="3690336" y="18288"/>
+                </a:cubicBezTo>
+                <a:cubicBezTo>
+                  <a:pt x="3561870" y="1918"/>
+                  <a:pt x="3265491" y="42194"/>
+                  <a:pt x="3120504" y="18288"/>
+                </a:cubicBezTo>
+                <a:cubicBezTo>
+                  <a:pt x="2975517" y="-5618"/>
+                  <a:pt x="2720254" y="36673"/>
+                  <a:pt x="2333595" y="18288"/>
+                </a:cubicBezTo>
+                <a:cubicBezTo>
+                  <a:pt x="1946936" y="-97"/>
+                  <a:pt x="2097241" y="5776"/>
+                  <a:pt x="1872303" y="18288"/>
+                </a:cubicBezTo>
+                <a:cubicBezTo>
+                  <a:pt x="1647365" y="30800"/>
+                  <a:pt x="1282708" y="45380"/>
+                  <a:pt x="976854" y="18288"/>
+                </a:cubicBezTo>
+                <a:cubicBezTo>
+                  <a:pt x="671000" y="-8804"/>
+                  <a:pt x="408401" y="-12775"/>
+                  <a:pt x="0" y="18288"/>
+                </a:cubicBezTo>
+                <a:cubicBezTo>
+                  <a:pt x="-213" y="9468"/>
+                  <a:pt x="187" y="4459"/>
+                  <a:pt x="0" y="0"/>
+                </a:cubicBezTo>
+                <a:close/>
+              </a:path>
+              <a:path w="10853928" h="18288" stroke="0" extrusionOk="0">
+                <a:moveTo>
+                  <a:pt x="0" y="0"/>
+                </a:moveTo>
+                <a:cubicBezTo>
+                  <a:pt x="267322" y="15284"/>
+                  <a:pt x="415388" y="-21048"/>
+                  <a:pt x="569831" y="0"/>
+                </a:cubicBezTo>
+                <a:cubicBezTo>
+                  <a:pt x="724274" y="21048"/>
+                  <a:pt x="769333" y="-2353"/>
+                  <a:pt x="922584" y="0"/>
+                </a:cubicBezTo>
+                <a:cubicBezTo>
+                  <a:pt x="1075835" y="2353"/>
+                  <a:pt x="1399490" y="-145"/>
+                  <a:pt x="1818033" y="0"/>
+                </a:cubicBezTo>
+                <a:cubicBezTo>
+                  <a:pt x="2236576" y="145"/>
+                  <a:pt x="2145330" y="5482"/>
+                  <a:pt x="2387864" y="0"/>
+                </a:cubicBezTo>
+                <a:cubicBezTo>
+                  <a:pt x="2630398" y="-5482"/>
+                  <a:pt x="2793207" y="18487"/>
+                  <a:pt x="2957695" y="0"/>
+                </a:cubicBezTo>
+                <a:cubicBezTo>
+                  <a:pt x="3122183" y="-18487"/>
+                  <a:pt x="3579141" y="19003"/>
+                  <a:pt x="3853144" y="0"/>
+                </a:cubicBezTo>
+                <a:cubicBezTo>
+                  <a:pt x="4127147" y="-19003"/>
+                  <a:pt x="4209857" y="12211"/>
+                  <a:pt x="4314436" y="0"/>
+                </a:cubicBezTo>
+                <a:cubicBezTo>
+                  <a:pt x="4419015" y="-12211"/>
+                  <a:pt x="4762459" y="-17220"/>
+                  <a:pt x="5209885" y="0"/>
+                </a:cubicBezTo>
+                <a:cubicBezTo>
+                  <a:pt x="5657311" y="17220"/>
+                  <a:pt x="5692663" y="-3290"/>
+                  <a:pt x="6105335" y="0"/>
+                </a:cubicBezTo>
+                <a:cubicBezTo>
+                  <a:pt x="6518007" y="3290"/>
+                  <a:pt x="6455516" y="-5124"/>
+                  <a:pt x="6783705" y="0"/>
+                </a:cubicBezTo>
+                <a:cubicBezTo>
+                  <a:pt x="7111894" y="5124"/>
+                  <a:pt x="7441941" y="-17829"/>
+                  <a:pt x="7679154" y="0"/>
+                </a:cubicBezTo>
+                <a:cubicBezTo>
+                  <a:pt x="7916367" y="17829"/>
+                  <a:pt x="8102967" y="-24363"/>
+                  <a:pt x="8248985" y="0"/>
+                </a:cubicBezTo>
+                <a:cubicBezTo>
+                  <a:pt x="8395003" y="24363"/>
+                  <a:pt x="8552393" y="25505"/>
+                  <a:pt x="8818817" y="0"/>
+                </a:cubicBezTo>
+                <a:cubicBezTo>
+                  <a:pt x="9085241" y="-25505"/>
+                  <a:pt x="9411308" y="38000"/>
+                  <a:pt x="9605726" y="0"/>
+                </a:cubicBezTo>
+                <a:cubicBezTo>
+                  <a:pt x="9800144" y="-38000"/>
+                  <a:pt x="10006468" y="-25741"/>
+                  <a:pt x="10175558" y="0"/>
+                </a:cubicBezTo>
+                <a:cubicBezTo>
+                  <a:pt x="10344648" y="25741"/>
+                  <a:pt x="10696282" y="695"/>
+                  <a:pt x="10853928" y="0"/>
+                </a:cubicBezTo>
+                <a:cubicBezTo>
+                  <a:pt x="10853521" y="8690"/>
+                  <a:pt x="10853774" y="14141"/>
+                  <a:pt x="10853928" y="18288"/>
+                </a:cubicBezTo>
+                <a:cubicBezTo>
+                  <a:pt x="10608124" y="24255"/>
+                  <a:pt x="10343415" y="22307"/>
+                  <a:pt x="10067018" y="18288"/>
+                </a:cubicBezTo>
+                <a:cubicBezTo>
+                  <a:pt x="9790621" y="14270"/>
+                  <a:pt x="9843266" y="3564"/>
+                  <a:pt x="9714266" y="18288"/>
+                </a:cubicBezTo>
+                <a:cubicBezTo>
+                  <a:pt x="9585266" y="33012"/>
+                  <a:pt x="9379484" y="1875"/>
+                  <a:pt x="9252974" y="18288"/>
+                </a:cubicBezTo>
+                <a:cubicBezTo>
+                  <a:pt x="9126464" y="34701"/>
+                  <a:pt x="8580678" y="-4904"/>
+                  <a:pt x="8357525" y="18288"/>
+                </a:cubicBezTo>
+                <a:cubicBezTo>
+                  <a:pt x="8134372" y="41480"/>
+                  <a:pt x="7903199" y="26458"/>
+                  <a:pt x="7679154" y="18288"/>
+                </a:cubicBezTo>
+                <a:cubicBezTo>
+                  <a:pt x="7455109" y="10118"/>
+                  <a:pt x="7435944" y="27109"/>
+                  <a:pt x="7217862" y="18288"/>
+                </a:cubicBezTo>
+                <a:cubicBezTo>
+                  <a:pt x="6999780" y="9467"/>
+                  <a:pt x="6680409" y="18985"/>
+                  <a:pt x="6539492" y="18288"/>
+                </a:cubicBezTo>
+                <a:cubicBezTo>
+                  <a:pt x="6398575" y="17592"/>
+                  <a:pt x="6312077" y="33018"/>
+                  <a:pt x="6186739" y="18288"/>
+                </a:cubicBezTo>
+                <a:cubicBezTo>
+                  <a:pt x="6061401" y="3558"/>
+                  <a:pt x="5947033" y="12075"/>
+                  <a:pt x="5833986" y="18288"/>
+                </a:cubicBezTo>
+                <a:cubicBezTo>
+                  <a:pt x="5720939" y="24501"/>
+                  <a:pt x="5482226" y="8586"/>
+                  <a:pt x="5155616" y="18288"/>
+                </a:cubicBezTo>
+                <a:cubicBezTo>
+                  <a:pt x="4829006" y="27991"/>
+                  <a:pt x="4841274" y="29316"/>
+                  <a:pt x="4694324" y="18288"/>
+                </a:cubicBezTo>
+                <a:cubicBezTo>
+                  <a:pt x="4547374" y="7260"/>
+                  <a:pt x="4077675" y="7013"/>
+                  <a:pt x="3907414" y="18288"/>
+                </a:cubicBezTo>
+                <a:cubicBezTo>
+                  <a:pt x="3737153" y="29564"/>
+                  <a:pt x="3538393" y="21630"/>
+                  <a:pt x="3446122" y="18288"/>
+                </a:cubicBezTo>
+                <a:cubicBezTo>
+                  <a:pt x="3353851" y="14946"/>
+                  <a:pt x="2990320" y="-8091"/>
+                  <a:pt x="2659212" y="18288"/>
+                </a:cubicBezTo>
+                <a:cubicBezTo>
+                  <a:pt x="2328104" y="44667"/>
+                  <a:pt x="2427653" y="9607"/>
+                  <a:pt x="2306460" y="18288"/>
+                </a:cubicBezTo>
+                <a:cubicBezTo>
+                  <a:pt x="2185267" y="26969"/>
+                  <a:pt x="1719763" y="3717"/>
+                  <a:pt x="1519550" y="18288"/>
+                </a:cubicBezTo>
+                <a:cubicBezTo>
+                  <a:pt x="1319337" y="32860"/>
+                  <a:pt x="1167371" y="17040"/>
+                  <a:pt x="1058258" y="18288"/>
+                </a:cubicBezTo>
+                <a:cubicBezTo>
+                  <a:pt x="949145" y="19536"/>
+                  <a:pt x="780234" y="31447"/>
+                  <a:pt x="705505" y="18288"/>
+                </a:cubicBezTo>
+                <a:cubicBezTo>
+                  <a:pt x="630776" y="5129"/>
+                  <a:pt x="215796" y="30056"/>
+                  <a:pt x="0" y="18288"/>
+                </a:cubicBezTo>
+                <a:cubicBezTo>
+                  <a:pt x="-53" y="11301"/>
+                  <a:pt x="-649" y="7756"/>
+                  <a:pt x="0" y="0"/>
+                </a:cubicBezTo>
+                <a:close/>
+              </a:path>
+            </a:pathLst>
+          </a:custGeom>
+          <a:solidFill>
+            <a:schemeClr val="accent2"/>
+          </a:solidFill>
+          <a:ln w="41275" cap="rnd">
+            <a:solidFill>
+              <a:schemeClr val="accent2"/>
+            </a:solidFill>
+            <a:round/>
+            <a:extLst>
+              <a:ext uri="{C807C97D-BFC1-408E-A445-0C87EB9F89A2}">
+                <ask:lineSketchStyleProps xmlns="" xmlns:ask="http://schemas.microsoft.com/office/drawing/2018/sketchyshapes" sd="1219033472">
+                  <a:prstGeom prst="rect">
+                    <a:avLst/>
+                  </a:prstGeom>
+                  <ask:type>
+                    <ask:lineSketchFreehand/>
+                  </ask:type>
+                </ask:lineSketchStyleProps>
+              </a:ext>
+            </a:extLst>
+          </a:ln>
+        </p:spPr>
+        <p:style>
+          <a:lnRef idx="2">
+            <a:schemeClr val="accent1">
+              <a:shade val="50000"/>
+            </a:schemeClr>
+          </a:lnRef>
+          <a:fillRef idx="1">
+            <a:schemeClr val="accent1"/>
+          </a:fillRef>
+          <a:effectRef idx="0">
+            <a:schemeClr val="accent1"/>
+          </a:effectRef>
+          <a:fontRef idx="minor">
+            <a:schemeClr val="lt1"/>
+          </a:fontRef>
+        </p:style>
+        <p:txBody>
+          <a:bodyPr rtlCol="0" anchor="ctr"/>
+          <a:lstStyle/>
+          <a:p>
+            <a:pPr algn="ctr"/>
+            <a:endParaRPr lang="en-US"/>
+          </a:p>
+        </p:txBody>
+      </p:sp>
+      <p:sp>
+        <p:nvSpPr>
+          <p:cNvPr id="3" name="Θέση περιεχομένου 2">
+            <a:extLst>
+              <a:ext uri="{FF2B5EF4-FFF2-40B4-BE49-F238E27FC236}">
+                <a16:creationId xmlns:a16="http://schemas.microsoft.com/office/drawing/2014/main" id="{D61C9018-6DE6-0C8F-2275-3E0632616E9A}"/>
+              </a:ext>
+            </a:extLst>
+          </p:cNvPr>
+          <p:cNvSpPr>
+            <a:spLocks noGrp="1"/>
+          </p:cNvSpPr>
+          <p:nvPr>
+            <p:ph idx="1"/>
+          </p:nvPr>
+        </p:nvSpPr>
+        <p:spPr>
+          <a:xfrm>
+            <a:off x="838200" y="1929384"/>
+            <a:ext cx="10515600" cy="4251960"/>
+          </a:xfrm>
+        </p:spPr>
+        <p:txBody>
+          <a:bodyPr>
+            <a:normAutofit/>
+          </a:bodyPr>
+          <a:lstStyle/>
+          <a:p>
+            <a:r>
+              <a:rPr lang="en-US" sz="2200" dirty="0" err="1"/>
+              <a:t>Προέκτ</a:t>
+            </a:r>
+            <a:r>
+              <a:rPr lang="en-US" sz="2200" dirty="0"/>
+              <a:t>αση για περισσότερα γονίδια</a:t>
+            </a:r>
+          </a:p>
+          <a:p>
+            <a:r>
+              <a:rPr lang="el-GR" sz="2200" dirty="0"/>
+              <a:t>Σ</a:t>
+            </a:r>
+            <a:r>
+              <a:rPr lang="en-US" sz="2200" dirty="0" err="1"/>
+              <a:t>ύνδεση</a:t>
+            </a:r>
+            <a:r>
+              <a:rPr lang="en-US" sz="2200" dirty="0"/>
+              <a:t> </a:t>
+            </a:r>
+            <a:r>
+              <a:rPr lang="en-US" sz="2200" dirty="0" err="1"/>
+              <a:t>με</a:t>
+            </a:r>
+            <a:r>
+              <a:rPr lang="en-US" sz="2200" dirty="0"/>
+              <a:t> </a:t>
+            </a:r>
+            <a:r>
+              <a:rPr lang="en-US" sz="2200" dirty="0" err="1"/>
+              <a:t>άλλες</a:t>
+            </a:r>
+            <a:r>
+              <a:rPr lang="en-US" sz="2200" dirty="0"/>
+              <a:t> β</a:t>
+            </a:r>
+            <a:r>
+              <a:rPr lang="en-US" sz="2200" dirty="0" err="1"/>
+              <a:t>άσεις</a:t>
+            </a:r>
+            <a:r>
+              <a:rPr lang="en-US" sz="2200" dirty="0"/>
+              <a:t> </a:t>
+            </a:r>
+            <a:r>
+              <a:rPr lang="en-US" sz="2200" dirty="0" err="1"/>
+              <a:t>δεδομένων</a:t>
+            </a:r>
+            <a:r>
+              <a:rPr lang="en-US" sz="2200" dirty="0"/>
+              <a:t> </a:t>
+            </a:r>
+            <a:r>
+              <a:rPr lang="en-US" sz="2200" dirty="0" err="1"/>
+              <a:t>γι</a:t>
+            </a:r>
+            <a:r>
+              <a:rPr lang="en-US" sz="2200" dirty="0"/>
+              <a:t>α επιπλέον επιβεβαίωση</a:t>
+            </a:r>
+          </a:p>
+          <a:p>
+            <a:r>
+              <a:rPr lang="el-GR" sz="2200" dirty="0"/>
+              <a:t>Π</a:t>
+            </a:r>
+            <a:r>
+              <a:rPr lang="en-US" sz="2200" dirty="0" err="1"/>
+              <a:t>ροσθήκη</a:t>
+            </a:r>
+            <a:r>
+              <a:rPr lang="en-US" sz="2200" dirty="0"/>
+              <a:t> επιπ</a:t>
+            </a:r>
+            <a:r>
+              <a:rPr lang="en-US" sz="2200" dirty="0" err="1"/>
+              <a:t>λέον</a:t>
+            </a:r>
+            <a:r>
+              <a:rPr lang="en-US" sz="2200" dirty="0"/>
+              <a:t> π</a:t>
+            </a:r>
+            <a:r>
+              <a:rPr lang="en-US" sz="2200" dirty="0" err="1"/>
+              <a:t>ινάκων</a:t>
+            </a:r>
+            <a:r>
+              <a:rPr lang="en-US" sz="2200" dirty="0"/>
+              <a:t> </a:t>
+            </a:r>
+            <a:r>
+              <a:rPr lang="en-US" sz="2200" dirty="0" err="1"/>
+              <a:t>γι</a:t>
+            </a:r>
+            <a:r>
+              <a:rPr lang="en-US" sz="2200" dirty="0"/>
+              <a:t>α προσθήκη επιπλέον ερωτημάτων</a:t>
+            </a:r>
+          </a:p>
+          <a:p>
+            <a:r>
+              <a:rPr lang="el-GR" sz="2200" dirty="0"/>
+              <a:t>Π</a:t>
+            </a:r>
+            <a:r>
+              <a:rPr lang="en-US" sz="2200" dirty="0" err="1"/>
+              <a:t>ροσθήκη</a:t>
+            </a:r>
+            <a:r>
+              <a:rPr lang="en-US" sz="2200" dirty="0"/>
+              <a:t> PM1 </a:t>
+            </a:r>
+            <a:r>
+              <a:rPr lang="en-US" sz="2200" dirty="0" err="1"/>
+              <a:t>κριτηρίου</a:t>
+            </a:r>
+            <a:endParaRPr lang="en-US" sz="2200" dirty="0"/>
+          </a:p>
+          <a:p>
+            <a:endParaRPr lang="el-GR" sz="2200" dirty="0"/>
+          </a:p>
+        </p:txBody>
+      </p:sp>
+    </p:spTree>
+    <p:extLst>
+      <p:ext uri="{BB962C8B-B14F-4D97-AF65-F5344CB8AC3E}">
+        <p14:creationId xmlns:p14="http://schemas.microsoft.com/office/powerpoint/2010/main" val="3992971401"/>
       </p:ext>
     </p:extLst>
   </p:cSld>

--- a/genekor.pptx
+++ b/genekor.pptx
@@ -12,9 +12,13 @@
     <p:sldId id="258" r:id="rId6"/>
     <p:sldId id="259" r:id="rId7"/>
     <p:sldId id="260" r:id="rId8"/>
-    <p:sldId id="261" r:id="rId9"/>
-    <p:sldId id="262" r:id="rId10"/>
-    <p:sldId id="263" r:id="rId11"/>
+    <p:sldId id="266" r:id="rId9"/>
+    <p:sldId id="261" r:id="rId10"/>
+    <p:sldId id="267" r:id="rId11"/>
+    <p:sldId id="268" r:id="rId12"/>
+    <p:sldId id="269" r:id="rId13"/>
+    <p:sldId id="262" r:id="rId14"/>
+    <p:sldId id="263" r:id="rId15"/>
   </p:sldIdLst>
   <p:sldSz cx="12192000" cy="6858000"/>
   <p:notesSz cx="6858000" cy="9144000"/>
@@ -7061,7 +7065,7 @@
           <p:cNvPr id="2" name="Τίτλος 1">
             <a:extLst>
               <a:ext uri="{FF2B5EF4-FFF2-40B4-BE49-F238E27FC236}">
-                <a16:creationId xmlns:a16="http://schemas.microsoft.com/office/drawing/2014/main" id="{7D80AF85-52A7-70CF-BDB5-E422D2BDAFDE}"/>
+                <a16:creationId xmlns:a16="http://schemas.microsoft.com/office/drawing/2014/main" id="{6462B583-CA0E-49B9-9D1F-F038FE45247D}"/>
               </a:ext>
             </a:extLst>
           </p:cNvPr>
@@ -7086,7 +7090,7 @@
           <p:cNvPr id="3" name="Θέση περιεχομένου 2">
             <a:extLst>
               <a:ext uri="{FF2B5EF4-FFF2-40B4-BE49-F238E27FC236}">
-                <a16:creationId xmlns:a16="http://schemas.microsoft.com/office/drawing/2014/main" id="{8516D692-2DD6-6F1D-6232-A44CB65190DA}"/>
+                <a16:creationId xmlns:a16="http://schemas.microsoft.com/office/drawing/2014/main" id="{4BAE42B4-59AE-42DB-B942-3651177D3032}"/>
               </a:ext>
             </a:extLst>
           </p:cNvPr>
@@ -7106,10 +7110,70 @@
           </a:p>
         </p:txBody>
       </p:sp>
+      <p:pic>
+        <p:nvPicPr>
+          <p:cNvPr id="4" name="Εικόνα 3">
+            <a:extLst>
+              <a:ext uri="{FF2B5EF4-FFF2-40B4-BE49-F238E27FC236}">
+                <a16:creationId xmlns:a16="http://schemas.microsoft.com/office/drawing/2014/main" id="{A07D688B-E8FA-4EE9-BCAC-4416616C73F7}"/>
+              </a:ext>
+            </a:extLst>
+          </p:cNvPr>
+          <p:cNvPicPr>
+            <a:picLocks noChangeAspect="1"/>
+          </p:cNvPicPr>
+          <p:nvPr/>
+        </p:nvPicPr>
+        <p:blipFill>
+          <a:blip r:embed="rId2"/>
+          <a:stretch>
+            <a:fillRect/>
+          </a:stretch>
+        </p:blipFill>
+        <p:spPr>
+          <a:xfrm>
+            <a:off x="0" y="0"/>
+            <a:ext cx="12192000" cy="6858000"/>
+          </a:xfrm>
+          <a:prstGeom prst="rect">
+            <a:avLst/>
+          </a:prstGeom>
+        </p:spPr>
+      </p:pic>
+      <p:pic>
+        <p:nvPicPr>
+          <p:cNvPr id="5" name="Εικόνα 4">
+            <a:extLst>
+              <a:ext uri="{FF2B5EF4-FFF2-40B4-BE49-F238E27FC236}">
+                <a16:creationId xmlns:a16="http://schemas.microsoft.com/office/drawing/2014/main" id="{CC984C0F-DCC4-4445-92CF-13EF5CED3DDD}"/>
+              </a:ext>
+            </a:extLst>
+          </p:cNvPr>
+          <p:cNvPicPr>
+            <a:picLocks noChangeAspect="1"/>
+          </p:cNvPicPr>
+          <p:nvPr/>
+        </p:nvPicPr>
+        <p:blipFill>
+          <a:blip r:embed="rId3"/>
+          <a:stretch>
+            <a:fillRect/>
+          </a:stretch>
+        </p:blipFill>
+        <p:spPr>
+          <a:xfrm>
+            <a:off x="7176749" y="2055813"/>
+            <a:ext cx="3821943" cy="2017136"/>
+          </a:xfrm>
+          <a:prstGeom prst="rect">
+            <a:avLst/>
+          </a:prstGeom>
+        </p:spPr>
+      </p:pic>
     </p:spTree>
     <p:extLst>
       <p:ext uri="{BB962C8B-B14F-4D97-AF65-F5344CB8AC3E}">
-        <p14:creationId xmlns:p14="http://schemas.microsoft.com/office/powerpoint/2010/main" val="1640741622"/>
+        <p14:creationId xmlns:p14="http://schemas.microsoft.com/office/powerpoint/2010/main" val="3951411462"/>
       </p:ext>
     </p:extLst>
   </p:cSld>
@@ -7119,7 +7183,7 @@
 </p:sld>
 </file>
 
-<file path=ppt/slides/slide2.xml><?xml version="1.0" encoding="utf-8"?>
+<file path=ppt/slides/slide11.xml><?xml version="1.0" encoding="utf-8"?>
 <p:sld xmlns:a="http://schemas.openxmlformats.org/drawingml/2006/main" xmlns:r="http://schemas.openxmlformats.org/officeDocument/2006/relationships" xmlns:p="http://schemas.openxmlformats.org/presentationml/2006/main">
   <p:cSld>
     <p:spTree>
@@ -7141,7 +7205,7 @@
           <p:cNvPr id="2" name="Τίτλος 1">
             <a:extLst>
               <a:ext uri="{FF2B5EF4-FFF2-40B4-BE49-F238E27FC236}">
-                <a16:creationId xmlns:a16="http://schemas.microsoft.com/office/drawing/2014/main" id="{47AFD2C3-450F-DA8F-C4BD-1D0552B073A3}"/>
+                <a16:creationId xmlns:a16="http://schemas.microsoft.com/office/drawing/2014/main" id="{462C9371-5DEC-4BB8-893C-FDF5C784E79B}"/>
               </a:ext>
             </a:extLst>
           </p:cNvPr>
@@ -7157,11 +7221,7 @@
           <a:bodyPr/>
           <a:lstStyle/>
           <a:p>
-            <a:r>
-              <a:rPr lang="en-US" dirty="0"/>
-              <a:t>Introduction</a:t>
-            </a:r>
-            <a:endParaRPr lang="el-GR" dirty="0"/>
+            <a:endParaRPr lang="el-GR"/>
           </a:p>
         </p:txBody>
       </p:sp>
@@ -7170,7 +7230,7 @@
           <p:cNvPr id="3" name="Θέση περιεχομένου 2">
             <a:extLst>
               <a:ext uri="{FF2B5EF4-FFF2-40B4-BE49-F238E27FC236}">
-                <a16:creationId xmlns:a16="http://schemas.microsoft.com/office/drawing/2014/main" id="{6FCB55D8-A101-D04D-EF45-F1C148D21519}"/>
+                <a16:creationId xmlns:a16="http://schemas.microsoft.com/office/drawing/2014/main" id="{A8EDF3E6-F37F-419E-ACA4-8F5E12E52106}"/>
               </a:ext>
             </a:extLst>
           </p:cNvPr>
@@ -7181,176 +7241,79 @@
             <p:ph idx="1"/>
           </p:nvPr>
         </p:nvSpPr>
+        <p:spPr/>
+        <p:txBody>
+          <a:bodyPr/>
+          <a:lstStyle/>
+          <a:p>
+            <a:endParaRPr lang="el-GR"/>
+          </a:p>
+        </p:txBody>
+      </p:sp>
+      <p:pic>
+        <p:nvPicPr>
+          <p:cNvPr id="4" name="Εικόνα 3">
+            <a:extLst>
+              <a:ext uri="{FF2B5EF4-FFF2-40B4-BE49-F238E27FC236}">
+                <a16:creationId xmlns:a16="http://schemas.microsoft.com/office/drawing/2014/main" id="{D59D7CFB-A6D1-4931-A3F4-CDCF3BCDE92A}"/>
+              </a:ext>
+            </a:extLst>
+          </p:cNvPr>
+          <p:cNvPicPr>
+            <a:picLocks noChangeAspect="1"/>
+          </p:cNvPicPr>
+          <p:nvPr/>
+        </p:nvPicPr>
+        <p:blipFill>
+          <a:blip r:embed="rId2"/>
+          <a:stretch>
+            <a:fillRect/>
+          </a:stretch>
+        </p:blipFill>
         <p:spPr>
           <a:xfrm>
-            <a:off x="1018279" y="1690688"/>
-            <a:ext cx="10155441" cy="3871425"/>
-          </a:xfrm>
-        </p:spPr>
-        <p:txBody>
-          <a:bodyPr>
-            <a:normAutofit fontScale="77500" lnSpcReduction="20000"/>
-          </a:bodyPr>
-          <a:lstStyle/>
-          <a:p>
-            <a:pPr marL="0" indent="0">
-              <a:buNone/>
-            </a:pPr>
-            <a:r>
-              <a:rPr lang="en-US" dirty="0"/>
-              <a:t>The </a:t>
-            </a:r>
-            <a:r>
-              <a:rPr lang="en-US" b="1" dirty="0"/>
-              <a:t>ACMG 2015 </a:t>
-            </a:r>
-            <a:r>
-              <a:rPr lang="en-US" dirty="0"/>
-              <a:t>criteria refer to the standards and guidelines established by the American College of Medical Genetics and Genomics (ACMG) and the Association for Molecular Pathology (AMP) in 2015 for the interpretation of sequence variants.</a:t>
-            </a:r>
-          </a:p>
-          <a:p>
-            <a:pPr marL="0" indent="0">
-              <a:buNone/>
-            </a:pPr>
-            <a:r>
-              <a:rPr lang="en-US" dirty="0"/>
-              <a:t>These guidelines provide a structured framework to classify genetic variants based on evidence into 5 tiers: </a:t>
-            </a:r>
-          </a:p>
-          <a:p>
-            <a:pPr marL="514350" indent="-514350">
-              <a:buFont typeface="+mj-lt"/>
-              <a:buAutoNum type="arabicPeriod"/>
-            </a:pPr>
-            <a:r>
-              <a:rPr lang="en-US" dirty="0"/>
-              <a:t>Pathogenic, </a:t>
-            </a:r>
-          </a:p>
-          <a:p>
-            <a:pPr marL="514350" indent="-514350">
-              <a:buFont typeface="+mj-lt"/>
-              <a:buAutoNum type="arabicPeriod"/>
-            </a:pPr>
-            <a:r>
-              <a:rPr lang="en-US" dirty="0"/>
-              <a:t>Likely pathogenic, </a:t>
-            </a:r>
-          </a:p>
-          <a:p>
-            <a:pPr marL="514350" indent="-514350">
-              <a:buFont typeface="+mj-lt"/>
-              <a:buAutoNum type="arabicPeriod"/>
-            </a:pPr>
-            <a:r>
-              <a:rPr lang="en-US" dirty="0"/>
-              <a:t>Uncertain significance, </a:t>
-            </a:r>
-          </a:p>
-          <a:p>
-            <a:pPr marL="514350" indent="-514350">
-              <a:buFont typeface="+mj-lt"/>
-              <a:buAutoNum type="arabicPeriod"/>
-            </a:pPr>
-            <a:r>
-              <a:rPr lang="en-US" dirty="0"/>
-              <a:t>Likely benign and </a:t>
-            </a:r>
-          </a:p>
-          <a:p>
-            <a:pPr marL="514350" indent="-514350">
-              <a:buFont typeface="+mj-lt"/>
-              <a:buAutoNum type="arabicPeriod"/>
-            </a:pPr>
-            <a:r>
-              <a:rPr lang="en-US" dirty="0"/>
-              <a:t>Benign</a:t>
-            </a:r>
-          </a:p>
-          <a:p>
-            <a:pPr marL="0" indent="0">
-              <a:buNone/>
-            </a:pPr>
-            <a:r>
-              <a:rPr lang="en-US" dirty="0"/>
-              <a:t>16 pathogenic criteria and 12 benign criteria (28 criteria in total)</a:t>
-            </a:r>
-          </a:p>
-        </p:txBody>
-      </p:sp>
-      <p:sp>
-        <p:nvSpPr>
-          <p:cNvPr id="4" name="TextBox 3">
-            <a:extLst>
-              <a:ext uri="{FF2B5EF4-FFF2-40B4-BE49-F238E27FC236}">
-                <a16:creationId xmlns:a16="http://schemas.microsoft.com/office/drawing/2014/main" id="{A0C38745-35A3-4CFA-89D3-B3182A0A30E9}"/>
-              </a:ext>
-            </a:extLst>
-          </p:cNvPr>
-          <p:cNvSpPr txBox="1"/>
-          <p:nvPr/>
-        </p:nvSpPr>
-        <p:spPr>
-          <a:xfrm>
-            <a:off x="465481" y="6082748"/>
-            <a:ext cx="11261036" cy="600164"/>
+            <a:off x="0" y="15874"/>
+            <a:ext cx="12192000" cy="6842125"/>
           </a:xfrm>
           <a:prstGeom prst="rect">
             <a:avLst/>
           </a:prstGeom>
-          <a:noFill/>
         </p:spPr>
-        <p:txBody>
-          <a:bodyPr wrap="square" rtlCol="0">
-            <a:spAutoFit/>
-          </a:bodyPr>
-          <a:lstStyle/>
-          <a:p>
-            <a:r>
-              <a:rPr lang="en-US" sz="1100" dirty="0"/>
-              <a:t>Richards, S., Aziz, N., Bale, S., Bick, D., Das, S., </a:t>
-            </a:r>
-            <a:r>
-              <a:rPr lang="en-US" sz="1100" dirty="0" err="1"/>
-              <a:t>Gastier</a:t>
-            </a:r>
-            <a:r>
-              <a:rPr lang="en-US" sz="1100" dirty="0"/>
-              <a:t>-Foster, J., Grody, W. W., Hegde, M., Lyon, E., Spector, E., </a:t>
-            </a:r>
-            <a:r>
-              <a:rPr lang="en-US" sz="1100" dirty="0" err="1"/>
-              <a:t>Voelkerding</a:t>
-            </a:r>
-            <a:r>
-              <a:rPr lang="en-US" sz="1100" dirty="0"/>
-              <a:t>, K., Rehm, H. L., &amp; ACMG Laboratory Quality Assurance Committee (2015). Standards and guidelines for the interpretation of sequence variants: a joint consensus recommendation of the American College of Medical Genetics and Genomics and the Association for Molecular Pathology. </a:t>
-            </a:r>
-            <a:r>
-              <a:rPr lang="en-US" sz="1100" i="1" dirty="0"/>
-              <a:t>Genetics in medicine : official journal of the American College of Medical Genetics</a:t>
-            </a:r>
-            <a:r>
-              <a:rPr lang="en-US" sz="1100" dirty="0"/>
-              <a:t>, </a:t>
-            </a:r>
-            <a:r>
-              <a:rPr lang="en-US" sz="1100" i="1" dirty="0"/>
-              <a:t>17</a:t>
-            </a:r>
-            <a:r>
-              <a:rPr lang="en-US" sz="1100" dirty="0"/>
-              <a:t>(5), 405–424. https://doi.org/10.1038/gim.2015.30</a:t>
-            </a:r>
-            <a:endParaRPr lang="el-GR" sz="1100" dirty="0"/>
-          </a:p>
-        </p:txBody>
-      </p:sp>
+      </p:pic>
+      <p:pic>
+        <p:nvPicPr>
+          <p:cNvPr id="5" name="Εικόνα 4">
+            <a:extLst>
+              <a:ext uri="{FF2B5EF4-FFF2-40B4-BE49-F238E27FC236}">
+                <a16:creationId xmlns:a16="http://schemas.microsoft.com/office/drawing/2014/main" id="{21000A43-E37A-43E5-8C1A-FC3299864A03}"/>
+              </a:ext>
+            </a:extLst>
+          </p:cNvPr>
+          <p:cNvPicPr>
+            <a:picLocks noChangeAspect="1"/>
+          </p:cNvPicPr>
+          <p:nvPr/>
+        </p:nvPicPr>
+        <p:blipFill>
+          <a:blip r:embed="rId3"/>
+          <a:stretch>
+            <a:fillRect/>
+          </a:stretch>
+        </p:blipFill>
+        <p:spPr>
+          <a:xfrm>
+            <a:off x="7370770" y="1410815"/>
+            <a:ext cx="3150588" cy="2366055"/>
+          </a:xfrm>
+          <a:prstGeom prst="rect">
+            <a:avLst/>
+          </a:prstGeom>
+        </p:spPr>
+      </p:pic>
     </p:spTree>
     <p:extLst>
       <p:ext uri="{BB962C8B-B14F-4D97-AF65-F5344CB8AC3E}">
-        <p14:creationId xmlns:p14="http://schemas.microsoft.com/office/powerpoint/2010/main" val="804191389"/>
+        <p14:creationId xmlns:p14="http://schemas.microsoft.com/office/powerpoint/2010/main" val="907317947"/>
       </p:ext>
     </p:extLst>
   </p:cSld>
@@ -7360,7 +7323,7 @@
 </p:sld>
 </file>
 
-<file path=ppt/slides/slide3.xml><?xml version="1.0" encoding="utf-8"?>
+<file path=ppt/slides/slide12.xml><?xml version="1.0" encoding="utf-8"?>
 <p:sld xmlns:a="http://schemas.openxmlformats.org/drawingml/2006/main" xmlns:r="http://schemas.openxmlformats.org/officeDocument/2006/relationships" xmlns:p="http://schemas.openxmlformats.org/presentationml/2006/main">
   <p:cSld>
     <p:spTree>
@@ -7382,7 +7345,7 @@
           <p:cNvPr id="2" name="Τίτλος 1">
             <a:extLst>
               <a:ext uri="{FF2B5EF4-FFF2-40B4-BE49-F238E27FC236}">
-                <a16:creationId xmlns:a16="http://schemas.microsoft.com/office/drawing/2014/main" id="{6AA69930-D79B-43DA-BF6B-12AE9D6693D0}"/>
+                <a16:creationId xmlns:a16="http://schemas.microsoft.com/office/drawing/2014/main" id="{EBB3C40C-FD76-4756-97A1-5191CDB771B4}"/>
               </a:ext>
             </a:extLst>
           </p:cNvPr>
@@ -7398,11 +7361,7 @@
           <a:bodyPr/>
           <a:lstStyle/>
           <a:p>
-            <a:r>
-              <a:rPr lang="en-US" dirty="0"/>
-              <a:t>ACMG 2015 criteria used</a:t>
-            </a:r>
-            <a:endParaRPr lang="el-GR" dirty="0"/>
+            <a:endParaRPr lang="el-GR"/>
           </a:p>
         </p:txBody>
       </p:sp>
@@ -7411,1719 +7370,7 @@
           <p:cNvPr id="3" name="Θέση περιεχομένου 2">
             <a:extLst>
               <a:ext uri="{FF2B5EF4-FFF2-40B4-BE49-F238E27FC236}">
-                <a16:creationId xmlns:a16="http://schemas.microsoft.com/office/drawing/2014/main" id="{FD8D42E0-A65D-4314-ADA5-3F8B2C0F7894}"/>
-              </a:ext>
-            </a:extLst>
-          </p:cNvPr>
-          <p:cNvSpPr>
-            <a:spLocks noGrp="1"/>
-          </p:cNvSpPr>
-          <p:nvPr>
-            <p:ph idx="1"/>
-          </p:nvPr>
-        </p:nvSpPr>
-        <p:spPr/>
-        <p:txBody>
-          <a:bodyPr>
-            <a:normAutofit fontScale="92500" lnSpcReduction="20000"/>
-          </a:bodyPr>
-          <a:lstStyle/>
-          <a:p>
-            <a:pPr marL="0" indent="0">
-              <a:buNone/>
-            </a:pPr>
-            <a:r>
-              <a:rPr lang="en-US" b="1" dirty="0"/>
-              <a:t>PS1: </a:t>
-            </a:r>
-            <a:r>
-              <a:rPr lang="en-US" dirty="0"/>
-              <a:t>Same amino acid change as a previously established pathogenic variant regardless of nucleotide change</a:t>
-            </a:r>
-          </a:p>
-          <a:p>
-            <a:pPr marL="0" indent="0">
-              <a:buNone/>
-            </a:pPr>
-            <a:endParaRPr lang="en-US" dirty="0"/>
-          </a:p>
-          <a:p>
-            <a:pPr marL="0" indent="0">
-              <a:buNone/>
-            </a:pPr>
-            <a:r>
-              <a:rPr lang="en-US" b="1" dirty="0"/>
-              <a:t>PM5: </a:t>
-            </a:r>
-            <a:r>
-              <a:rPr lang="en-US" dirty="0"/>
-              <a:t>Novel missense change at an amino acid residue where a different missense change determined to be pathogenic has been seen before</a:t>
-            </a:r>
-          </a:p>
-          <a:p>
-            <a:pPr marL="0" indent="0">
-              <a:buNone/>
-            </a:pPr>
-            <a:endParaRPr lang="en-US" b="1" dirty="0"/>
-          </a:p>
-          <a:p>
-            <a:pPr marL="0" indent="0">
-              <a:buNone/>
-            </a:pPr>
-            <a:r>
-              <a:rPr lang="en-US" b="1" dirty="0"/>
-              <a:t>PP5: </a:t>
-            </a:r>
-            <a:r>
-              <a:rPr lang="en-US" dirty="0"/>
-              <a:t>Reputable source recently reports variant as pathogenic, but the evidence is not available to the laboratory to perform an independent evaluation</a:t>
-            </a:r>
-          </a:p>
-          <a:p>
-            <a:pPr marL="0" indent="0">
-              <a:buNone/>
-            </a:pPr>
-            <a:endParaRPr lang="en-US" b="1" dirty="0"/>
-          </a:p>
-          <a:p>
-            <a:pPr marL="0" indent="0">
-              <a:buNone/>
-            </a:pPr>
-            <a:r>
-              <a:rPr lang="en-US" b="1" dirty="0"/>
-              <a:t>BP6: </a:t>
-            </a:r>
-            <a:r>
-              <a:rPr lang="en-US" dirty="0"/>
-              <a:t>Reputable source recently reports variant as benign, but the evidence is not available to the laboratory to perform an independent evaluation </a:t>
-            </a:r>
-            <a:endParaRPr lang="en-US" b="1" dirty="0"/>
-          </a:p>
-          <a:p>
-            <a:endParaRPr lang="el-GR" dirty="0"/>
-          </a:p>
-        </p:txBody>
-      </p:sp>
-      <p:sp>
-        <p:nvSpPr>
-          <p:cNvPr id="4" name="TextBox 3">
-            <a:extLst>
-              <a:ext uri="{FF2B5EF4-FFF2-40B4-BE49-F238E27FC236}">
-                <a16:creationId xmlns:a16="http://schemas.microsoft.com/office/drawing/2014/main" id="{E22B3411-5870-4379-BBFE-EFBEF6A5D57E}"/>
-              </a:ext>
-            </a:extLst>
-          </p:cNvPr>
-          <p:cNvSpPr txBox="1"/>
-          <p:nvPr/>
-        </p:nvSpPr>
-        <p:spPr>
-          <a:xfrm>
-            <a:off x="465481" y="6082748"/>
-            <a:ext cx="11261036" cy="600164"/>
-          </a:xfrm>
-          <a:prstGeom prst="rect">
-            <a:avLst/>
-          </a:prstGeom>
-          <a:noFill/>
-        </p:spPr>
-        <p:txBody>
-          <a:bodyPr wrap="square" rtlCol="0">
-            <a:spAutoFit/>
-          </a:bodyPr>
-          <a:lstStyle/>
-          <a:p>
-            <a:r>
-              <a:rPr lang="en-US" sz="1100" dirty="0"/>
-              <a:t>Richards, S., Aziz, N., Bale, S., Bick, D., Das, S., </a:t>
-            </a:r>
-            <a:r>
-              <a:rPr lang="en-US" sz="1100" dirty="0" err="1"/>
-              <a:t>Gastier</a:t>
-            </a:r>
-            <a:r>
-              <a:rPr lang="en-US" sz="1100" dirty="0"/>
-              <a:t>-Foster, J., Grody, W. W., Hegde, M., Lyon, E., Spector, E., </a:t>
-            </a:r>
-            <a:r>
-              <a:rPr lang="en-US" sz="1100" dirty="0" err="1"/>
-              <a:t>Voelkerding</a:t>
-            </a:r>
-            <a:r>
-              <a:rPr lang="en-US" sz="1100" dirty="0"/>
-              <a:t>, K., Rehm, H. L., &amp; ACMG Laboratory Quality Assurance Committee (2015). Standards and guidelines for the interpretation of sequence variants: a joint consensus recommendation of the American College of Medical Genetics and Genomics and the Association for Molecular Pathology. </a:t>
-            </a:r>
-            <a:r>
-              <a:rPr lang="en-US" sz="1100" i="1" dirty="0"/>
-              <a:t>Genetics in medicine : official journal of the American College of Medical Genetics</a:t>
-            </a:r>
-            <a:r>
-              <a:rPr lang="en-US" sz="1100" dirty="0"/>
-              <a:t>, </a:t>
-            </a:r>
-            <a:r>
-              <a:rPr lang="en-US" sz="1100" i="1" dirty="0"/>
-              <a:t>17</a:t>
-            </a:r>
-            <a:r>
-              <a:rPr lang="en-US" sz="1100" dirty="0"/>
-              <a:t>(5), 405–424. https://doi.org/10.1038/gim.2015.30</a:t>
-            </a:r>
-            <a:endParaRPr lang="el-GR" sz="1100" dirty="0"/>
-          </a:p>
-        </p:txBody>
-      </p:sp>
-    </p:spTree>
-    <p:extLst>
-      <p:ext uri="{BB962C8B-B14F-4D97-AF65-F5344CB8AC3E}">
-        <p14:creationId xmlns:p14="http://schemas.microsoft.com/office/powerpoint/2010/main" val="3995837821"/>
-      </p:ext>
-    </p:extLst>
-  </p:cSld>
-  <p:clrMapOvr>
-    <a:masterClrMapping/>
-  </p:clrMapOvr>
-</p:sld>
-</file>
-
-<file path=ppt/slides/slide4.xml><?xml version="1.0" encoding="utf-8"?>
-<p:sld xmlns:a="http://schemas.openxmlformats.org/drawingml/2006/main" xmlns:r="http://schemas.openxmlformats.org/officeDocument/2006/relationships" xmlns:p="http://schemas.openxmlformats.org/presentationml/2006/main">
-  <p:cSld>
-    <p:bg>
-      <p:bgPr>
-        <a:solidFill>
-          <a:schemeClr val="bg1"/>
-        </a:solidFill>
-        <a:effectLst/>
-      </p:bgPr>
-    </p:bg>
-    <p:spTree>
-      <p:nvGrpSpPr>
-        <p:cNvPr id="1" name=""/>
-        <p:cNvGrpSpPr/>
-        <p:nvPr/>
-      </p:nvGrpSpPr>
-      <p:grpSpPr>
-        <a:xfrm>
-          <a:off x="0" y="0"/>
-          <a:ext cx="0" cy="0"/>
-          <a:chOff x="0" y="0"/>
-          <a:chExt cx="0" cy="0"/>
-        </a:xfrm>
-      </p:grpSpPr>
-      <p:sp useBgFill="1">
-        <p:nvSpPr>
-          <p:cNvPr id="8" name="Rectangle 7">
-            <a:extLst>
-              <a:ext uri="{FF2B5EF4-FFF2-40B4-BE49-F238E27FC236}">
-                <a16:creationId xmlns:a16="http://schemas.microsoft.com/office/drawing/2014/main" id="{907EF6B7-1338-4443-8C46-6A318D952DFD}"/>
-              </a:ext>
-              <a:ext uri="{C183D7F6-B498-43B3-948B-1728B52AA6E4}">
-                <adec:decorative xmlns:adec="http://schemas.microsoft.com/office/drawing/2017/decorative" val="1"/>
-              </a:ext>
-            </a:extLst>
-          </p:cNvPr>
-          <p:cNvSpPr>
-            <a:spLocks noGrp="1" noRot="1" noChangeAspect="1" noMove="1" noResize="1" noEditPoints="1" noAdjustHandles="1" noChangeArrowheads="1" noChangeShapeType="1" noTextEdit="1"/>
-          </p:cNvSpPr>
-          <p:nvPr>
-            <p:extLst>
-              <p:ext uri="{386F3935-93C4-4BCD-93E2-E3B085C9AB24}">
-                <p16:designElem xmlns:p16="http://schemas.microsoft.com/office/powerpoint/2015/main" val="1"/>
-              </p:ext>
-            </p:extLst>
-          </p:nvPr>
-        </p:nvSpPr>
-        <p:spPr>
-          <a:xfrm>
-            <a:off x="3048" y="0"/>
-            <a:ext cx="12188952" cy="6858000"/>
-          </a:xfrm>
-          <a:prstGeom prst="rect">
-            <a:avLst/>
-          </a:prstGeom>
-          <a:ln>
-            <a:noFill/>
-          </a:ln>
-        </p:spPr>
-        <p:style>
-          <a:lnRef idx="2">
-            <a:schemeClr val="accent1">
-              <a:shade val="50000"/>
-            </a:schemeClr>
-          </a:lnRef>
-          <a:fillRef idx="1">
-            <a:schemeClr val="accent1"/>
-          </a:fillRef>
-          <a:effectRef idx="0">
-            <a:schemeClr val="accent1"/>
-          </a:effectRef>
-          <a:fontRef idx="minor">
-            <a:schemeClr val="lt1"/>
-          </a:fontRef>
-        </p:style>
-        <p:txBody>
-          <a:bodyPr rtlCol="0" anchor="ctr"/>
-          <a:lstStyle/>
-          <a:p>
-            <a:pPr algn="ctr"/>
-            <a:endParaRPr lang="en-US"/>
-          </a:p>
-        </p:txBody>
-      </p:sp>
-      <p:sp>
-        <p:nvSpPr>
-          <p:cNvPr id="10" name="Freeform: Shape 9">
-            <a:extLst>
-              <a:ext uri="{FF2B5EF4-FFF2-40B4-BE49-F238E27FC236}">
-                <a16:creationId xmlns:a16="http://schemas.microsoft.com/office/drawing/2014/main" id="{DAAE4CDD-124C-4DCF-9584-B6033B545DD5}"/>
-              </a:ext>
-              <a:ext uri="{C183D7F6-B498-43B3-948B-1728B52AA6E4}">
-                <adec:decorative xmlns:adec="http://schemas.microsoft.com/office/drawing/2017/decorative" val="1"/>
-              </a:ext>
-            </a:extLst>
-          </p:cNvPr>
-          <p:cNvSpPr>
-            <a:spLocks noGrp="1" noRot="1" noChangeAspect="1" noMove="1" noResize="1" noEditPoints="1" noAdjustHandles="1" noChangeArrowheads="1" noChangeShapeType="1" noTextEdit="1"/>
-          </p:cNvSpPr>
-          <p:nvPr>
-            <p:extLst>
-              <p:ext uri="{386F3935-93C4-4BCD-93E2-E3B085C9AB24}">
-                <p16:designElem xmlns:p16="http://schemas.microsoft.com/office/powerpoint/2015/main" val="1"/>
-              </p:ext>
-            </p:extLst>
-          </p:nvPr>
-        </p:nvSpPr>
-        <p:spPr>
-          <a:xfrm>
-            <a:off x="1" y="0"/>
-            <a:ext cx="4167271" cy="6858000"/>
-          </a:xfrm>
-          <a:custGeom>
-            <a:avLst/>
-            <a:gdLst>
-              <a:gd name="connsiteX0" fmla="*/ 0 w 4167271"/>
-              <a:gd name="connsiteY0" fmla="*/ 0 h 6858000"/>
-              <a:gd name="connsiteX1" fmla="*/ 2259550 w 4167271"/>
-              <a:gd name="connsiteY1" fmla="*/ 0 h 6858000"/>
-              <a:gd name="connsiteX2" fmla="*/ 2387803 w 4167271"/>
-              <a:gd name="connsiteY2" fmla="*/ 82222 h 6858000"/>
-              <a:gd name="connsiteX3" fmla="*/ 4167271 w 4167271"/>
-              <a:gd name="connsiteY3" fmla="*/ 3429000 h 6858000"/>
-              <a:gd name="connsiteX4" fmla="*/ 2387803 w 4167271"/>
-              <a:gd name="connsiteY4" fmla="*/ 6775779 h 6858000"/>
-              <a:gd name="connsiteX5" fmla="*/ 2259550 w 4167271"/>
-              <a:gd name="connsiteY5" fmla="*/ 6858000 h 6858000"/>
-              <a:gd name="connsiteX6" fmla="*/ 0 w 4167271"/>
-              <a:gd name="connsiteY6" fmla="*/ 6858000 h 6858000"/>
-            </a:gdLst>
-            <a:ahLst/>
-            <a:cxnLst>
-              <a:cxn ang="0">
-                <a:pos x="connsiteX0" y="connsiteY0"/>
-              </a:cxn>
-              <a:cxn ang="0">
-                <a:pos x="connsiteX1" y="connsiteY1"/>
-              </a:cxn>
-              <a:cxn ang="0">
-                <a:pos x="connsiteX2" y="connsiteY2"/>
-              </a:cxn>
-              <a:cxn ang="0">
-                <a:pos x="connsiteX3" y="connsiteY3"/>
-              </a:cxn>
-              <a:cxn ang="0">
-                <a:pos x="connsiteX4" y="connsiteY4"/>
-              </a:cxn>
-              <a:cxn ang="0">
-                <a:pos x="connsiteX5" y="connsiteY5"/>
-              </a:cxn>
-              <a:cxn ang="0">
-                <a:pos x="connsiteX6" y="connsiteY6"/>
-              </a:cxn>
-            </a:cxnLst>
-            <a:rect l="l" t="t" r="r" b="b"/>
-            <a:pathLst>
-              <a:path w="4167271" h="6858000">
-                <a:moveTo>
-                  <a:pt x="0" y="0"/>
-                </a:moveTo>
-                <a:lnTo>
-                  <a:pt x="2259550" y="0"/>
-                </a:lnTo>
-                <a:lnTo>
-                  <a:pt x="2387803" y="82222"/>
-                </a:lnTo>
-                <a:cubicBezTo>
-                  <a:pt x="3461407" y="807534"/>
-                  <a:pt x="4167271" y="2035835"/>
-                  <a:pt x="4167271" y="3429000"/>
-                </a:cubicBezTo>
-                <a:cubicBezTo>
-                  <a:pt x="4167271" y="4822165"/>
-                  <a:pt x="3461407" y="6050467"/>
-                  <a:pt x="2387803" y="6775779"/>
-                </a:cubicBezTo>
-                <a:lnTo>
-                  <a:pt x="2259550" y="6858000"/>
-                </a:lnTo>
-                <a:lnTo>
-                  <a:pt x="0" y="6858000"/>
-                </a:lnTo>
-                <a:close/>
-              </a:path>
-            </a:pathLst>
-          </a:custGeom>
-          <a:solidFill>
-            <a:schemeClr val="accent2"/>
-          </a:solidFill>
-          <a:ln>
-            <a:noFill/>
-          </a:ln>
-        </p:spPr>
-        <p:style>
-          <a:lnRef idx="2">
-            <a:schemeClr val="accent1">
-              <a:shade val="50000"/>
-            </a:schemeClr>
-          </a:lnRef>
-          <a:fillRef idx="1">
-            <a:schemeClr val="accent1"/>
-          </a:fillRef>
-          <a:effectRef idx="0">
-            <a:schemeClr val="accent1"/>
-          </a:effectRef>
-          <a:fontRef idx="minor">
-            <a:schemeClr val="lt1"/>
-          </a:fontRef>
-        </p:style>
-        <p:txBody>
-          <a:bodyPr rtlCol="0" anchor="ctr"/>
-          <a:lstStyle/>
-          <a:p>
-            <a:pPr algn="ctr"/>
-            <a:endParaRPr lang="en-US"/>
-          </a:p>
-        </p:txBody>
-      </p:sp>
-      <p:sp>
-        <p:nvSpPr>
-          <p:cNvPr id="2" name="Τίτλος 1">
-            <a:extLst>
-              <a:ext uri="{FF2B5EF4-FFF2-40B4-BE49-F238E27FC236}">
-                <a16:creationId xmlns:a16="http://schemas.microsoft.com/office/drawing/2014/main" id="{20FF709E-19B0-46D4-BDD7-2082CF0CBBA9}"/>
-              </a:ext>
-            </a:extLst>
-          </p:cNvPr>
-          <p:cNvSpPr>
-            <a:spLocks noGrp="1"/>
-          </p:cNvSpPr>
-          <p:nvPr>
-            <p:ph type="title"/>
-          </p:nvPr>
-        </p:nvSpPr>
-        <p:spPr>
-          <a:xfrm>
-            <a:off x="686834" y="1153572"/>
-            <a:ext cx="3200400" cy="4461163"/>
-          </a:xfrm>
-        </p:spPr>
-        <p:txBody>
-          <a:bodyPr>
-            <a:normAutofit/>
-          </a:bodyPr>
-          <a:lstStyle/>
-          <a:p>
-            <a:r>
-              <a:rPr lang="en-US" dirty="0">
-                <a:solidFill>
-                  <a:srgbClr val="FFFFFF"/>
-                </a:solidFill>
-              </a:rPr>
-              <a:t>Purpose</a:t>
-            </a:r>
-            <a:endParaRPr lang="el-GR" dirty="0">
-              <a:solidFill>
-                <a:srgbClr val="FFFFFF"/>
-              </a:solidFill>
-            </a:endParaRPr>
-          </a:p>
-        </p:txBody>
-      </p:sp>
-      <p:sp>
-        <p:nvSpPr>
-          <p:cNvPr id="12" name="Arc 11">
-            <a:extLst>
-              <a:ext uri="{FF2B5EF4-FFF2-40B4-BE49-F238E27FC236}">
-                <a16:creationId xmlns:a16="http://schemas.microsoft.com/office/drawing/2014/main" id="{081E4A58-353D-44AE-B2FC-2A74E2E400F7}"/>
-              </a:ext>
-              <a:ext uri="{C183D7F6-B498-43B3-948B-1728B52AA6E4}">
-                <adec:decorative xmlns:adec="http://schemas.microsoft.com/office/drawing/2017/decorative" val="1"/>
-              </a:ext>
-            </a:extLst>
-          </p:cNvPr>
-          <p:cNvSpPr>
-            <a:spLocks noGrp="1" noRot="1" noChangeAspect="1" noMove="1" noResize="1" noEditPoints="1" noAdjustHandles="1" noChangeArrowheads="1" noChangeShapeType="1" noTextEdit="1"/>
-          </p:cNvSpPr>
-          <p:nvPr>
-            <p:extLst>
-              <p:ext uri="{386F3935-93C4-4BCD-93E2-E3B085C9AB24}">
-                <p16:designElem xmlns:p16="http://schemas.microsoft.com/office/powerpoint/2015/main" val="1"/>
-              </p:ext>
-            </p:extLst>
-          </p:nvPr>
-        </p:nvSpPr>
-        <p:spPr>
-          <a:xfrm flipV="1">
-            <a:off x="7550402" y="2455479"/>
-            <a:ext cx="4083433" cy="4083433"/>
-          </a:xfrm>
-          <a:prstGeom prst="arc">
-            <a:avLst/>
-          </a:prstGeom>
-          <a:ln w="127000" cap="rnd">
-            <a:solidFill>
-              <a:schemeClr val="accent4"/>
-            </a:solidFill>
-            <a:prstDash val="dash"/>
-          </a:ln>
-        </p:spPr>
-        <p:style>
-          <a:lnRef idx="1">
-            <a:schemeClr val="accent1"/>
-          </a:lnRef>
-          <a:fillRef idx="0">
-            <a:schemeClr val="accent1"/>
-          </a:fillRef>
-          <a:effectRef idx="0">
-            <a:schemeClr val="accent1"/>
-          </a:effectRef>
-          <a:fontRef idx="minor">
-            <a:schemeClr val="tx1"/>
-          </a:fontRef>
-        </p:style>
-        <p:txBody>
-          <a:bodyPr rtlCol="0" anchor="ctr"/>
-          <a:lstStyle/>
-          <a:p>
-            <a:pPr algn="ctr"/>
-            <a:endParaRPr lang="en-US" dirty="0"/>
-          </a:p>
-        </p:txBody>
-      </p:sp>
-      <p:sp>
-        <p:nvSpPr>
-          <p:cNvPr id="3" name="Θέση περιεχομένου 2">
-            <a:extLst>
-              <a:ext uri="{FF2B5EF4-FFF2-40B4-BE49-F238E27FC236}">
-                <a16:creationId xmlns:a16="http://schemas.microsoft.com/office/drawing/2014/main" id="{C4CF523F-B070-4E4B-B428-06D2792A1209}"/>
-              </a:ext>
-            </a:extLst>
-          </p:cNvPr>
-          <p:cNvSpPr>
-            <a:spLocks noGrp="1"/>
-          </p:cNvSpPr>
-          <p:nvPr>
-            <p:ph idx="1"/>
-          </p:nvPr>
-        </p:nvSpPr>
-        <p:spPr>
-          <a:xfrm>
-            <a:off x="4364666" y="29116"/>
-            <a:ext cx="6906491" cy="5585619"/>
-          </a:xfrm>
-        </p:spPr>
-        <p:txBody>
-          <a:bodyPr anchor="ctr">
-            <a:normAutofit/>
-          </a:bodyPr>
-          <a:lstStyle/>
-          <a:p>
-            <a:pPr marL="0" indent="0">
-              <a:buNone/>
-            </a:pPr>
-            <a:r>
-              <a:rPr lang="en-US" sz="2000" dirty="0"/>
-              <a:t>The script:</a:t>
-            </a:r>
-          </a:p>
-          <a:p>
-            <a:pPr marL="514350" indent="-514350">
-              <a:buAutoNum type="arabicPeriod"/>
-            </a:pPr>
-            <a:r>
-              <a:rPr lang="en-US" sz="2000" dirty="0"/>
-              <a:t>Downloads the </a:t>
-            </a:r>
-            <a:r>
-              <a:rPr lang="en-US" sz="2000" dirty="0" err="1"/>
-              <a:t>ClinVar</a:t>
-            </a:r>
-            <a:r>
-              <a:rPr lang="en-US" sz="2000" dirty="0"/>
-              <a:t> </a:t>
-            </a:r>
-            <a:r>
-              <a:rPr lang="en-US" sz="2000" i="1" dirty="0"/>
-              <a:t>variant_summary.txt </a:t>
-            </a:r>
-            <a:r>
-              <a:rPr lang="en-US" sz="2000" dirty="0"/>
-              <a:t>file from NCBI</a:t>
-            </a:r>
-          </a:p>
-          <a:p>
-            <a:pPr marL="514350" indent="-514350">
-              <a:buAutoNum type="arabicPeriod"/>
-            </a:pPr>
-            <a:r>
-              <a:rPr lang="en-US" sz="2000" dirty="0"/>
-              <a:t>Filters it for TP53 variants (GRCh38)</a:t>
-            </a:r>
-          </a:p>
-          <a:p>
-            <a:pPr marL="514350" indent="-514350">
-              <a:buAutoNum type="arabicPeriod"/>
-            </a:pPr>
-            <a:r>
-              <a:rPr lang="en-US" sz="2000" dirty="0"/>
-              <a:t>Process it to extract relevant genomic/protein change information</a:t>
-            </a:r>
-          </a:p>
-          <a:p>
-            <a:pPr marL="514350" indent="-514350">
-              <a:buAutoNum type="arabicPeriod"/>
-            </a:pPr>
-            <a:r>
-              <a:rPr lang="en-US" sz="2000" dirty="0"/>
-              <a:t>Applies ACMG classification support rules (PS1, PM5, PP5 and BP6)</a:t>
-            </a:r>
-          </a:p>
-          <a:p>
-            <a:pPr marL="514350" indent="-514350">
-              <a:buAutoNum type="arabicPeriod"/>
-            </a:pPr>
-            <a:r>
-              <a:rPr lang="en-US" sz="2000" dirty="0"/>
-              <a:t>Stores the results into a PostgreSQL database (</a:t>
-            </a:r>
-            <a:r>
-              <a:rPr lang="en-US" sz="2000" dirty="0" err="1"/>
-              <a:t>clinvar_db</a:t>
-            </a:r>
-            <a:r>
-              <a:rPr lang="en-US" sz="2000" dirty="0"/>
-              <a:t>)</a:t>
-            </a:r>
-          </a:p>
-          <a:p>
-            <a:pPr marL="514350" indent="-514350">
-              <a:buFont typeface="+mj-lt"/>
-              <a:buAutoNum type="arabicPeriod"/>
-            </a:pPr>
-            <a:endParaRPr lang="en-US" dirty="0"/>
-          </a:p>
-          <a:p>
-            <a:endParaRPr lang="el-GR" dirty="0"/>
-          </a:p>
-        </p:txBody>
-      </p:sp>
-      <p:sp>
-        <p:nvSpPr>
-          <p:cNvPr id="4" name="TextBox 3">
-            <a:extLst>
-              <a:ext uri="{FF2B5EF4-FFF2-40B4-BE49-F238E27FC236}">
-                <a16:creationId xmlns:a16="http://schemas.microsoft.com/office/drawing/2014/main" id="{B5A92A14-A3AD-4E4A-8F5E-4DC46AE98332}"/>
-              </a:ext>
-            </a:extLst>
-          </p:cNvPr>
-          <p:cNvSpPr txBox="1"/>
-          <p:nvPr/>
-        </p:nvSpPr>
-        <p:spPr>
-          <a:xfrm>
-            <a:off x="4396777" y="4014278"/>
-            <a:ext cx="7071774" cy="2246769"/>
-          </a:xfrm>
-          <a:prstGeom prst="rect">
-            <a:avLst/>
-          </a:prstGeom>
-          <a:noFill/>
-        </p:spPr>
-        <p:txBody>
-          <a:bodyPr wrap="square" rtlCol="0">
-            <a:spAutoFit/>
-          </a:bodyPr>
-          <a:lstStyle/>
-          <a:p>
-            <a:r>
-              <a:rPr lang="en-US" sz="2800" dirty="0"/>
-              <a:t>This script automatically retrieves TP53 </a:t>
-            </a:r>
-            <a:r>
-              <a:rPr lang="en-US" sz="2800" dirty="0" err="1"/>
-              <a:t>ClinVar</a:t>
-            </a:r>
-            <a:r>
-              <a:rPr lang="en-US" sz="2800" dirty="0"/>
-              <a:t> data, processes and classifies variants with ACMG support criteria and loads the results into a structured PostgreSQL database for downstream analysis.</a:t>
-            </a:r>
-            <a:endParaRPr lang="el-GR" sz="2800" dirty="0"/>
-          </a:p>
-        </p:txBody>
-      </p:sp>
-    </p:spTree>
-    <p:extLst>
-      <p:ext uri="{BB962C8B-B14F-4D97-AF65-F5344CB8AC3E}">
-        <p14:creationId xmlns:p14="http://schemas.microsoft.com/office/powerpoint/2010/main" val="2122724413"/>
-      </p:ext>
-    </p:extLst>
-  </p:cSld>
-  <p:clrMapOvr>
-    <a:masterClrMapping/>
-  </p:clrMapOvr>
-</p:sld>
-</file>
-
-<file path=ppt/slides/slide5.xml><?xml version="1.0" encoding="utf-8"?>
-<p:sld xmlns:a="http://schemas.openxmlformats.org/drawingml/2006/main" xmlns:r="http://schemas.openxmlformats.org/officeDocument/2006/relationships" xmlns:p="http://schemas.openxmlformats.org/presentationml/2006/main">
-  <p:cSld>
-    <p:bg>
-      <p:bgPr>
-        <a:solidFill>
-          <a:schemeClr val="bg1"/>
-        </a:solidFill>
-        <a:effectLst/>
-      </p:bgPr>
-    </p:bg>
-    <p:spTree>
-      <p:nvGrpSpPr>
-        <p:cNvPr id="1" name=""/>
-        <p:cNvGrpSpPr/>
-        <p:nvPr/>
-      </p:nvGrpSpPr>
-      <p:grpSpPr>
-        <a:xfrm>
-          <a:off x="0" y="0"/>
-          <a:ext cx="0" cy="0"/>
-          <a:chOff x="0" y="0"/>
-          <a:chExt cx="0" cy="0"/>
-        </a:xfrm>
-      </p:grpSpPr>
-      <p:sp useBgFill="1">
-        <p:nvSpPr>
-          <p:cNvPr id="16" name="Rectangle 9">
-            <a:extLst>
-              <a:ext uri="{FF2B5EF4-FFF2-40B4-BE49-F238E27FC236}">
-                <a16:creationId xmlns:a16="http://schemas.microsoft.com/office/drawing/2014/main" id="{743AA782-23D1-4521-8CAD-47662984AA08}"/>
-              </a:ext>
-              <a:ext uri="{C183D7F6-B498-43B3-948B-1728B52AA6E4}">
-                <adec:decorative xmlns:adec="http://schemas.microsoft.com/office/drawing/2017/decorative" val="1"/>
-              </a:ext>
-            </a:extLst>
-          </p:cNvPr>
-          <p:cNvSpPr>
-            <a:spLocks noGrp="1" noRot="1" noChangeAspect="1" noMove="1" noResize="1" noEditPoints="1" noAdjustHandles="1" noChangeArrowheads="1" noChangeShapeType="1" noTextEdit="1"/>
-          </p:cNvSpPr>
-          <p:nvPr>
-            <p:extLst>
-              <p:ext uri="{386F3935-93C4-4BCD-93E2-E3B085C9AB24}">
-                <p16:designElem xmlns:p16="http://schemas.microsoft.com/office/powerpoint/2015/main" val="1"/>
-              </p:ext>
-            </p:extLst>
-          </p:nvPr>
-        </p:nvSpPr>
-        <p:spPr>
-          <a:xfrm>
-            <a:off x="0" y="0"/>
-            <a:ext cx="12192000" cy="6858000"/>
-          </a:xfrm>
-          <a:prstGeom prst="rect">
-            <a:avLst/>
-          </a:prstGeom>
-          <a:ln>
-            <a:noFill/>
-          </a:ln>
-        </p:spPr>
-        <p:style>
-          <a:lnRef idx="2">
-            <a:schemeClr val="accent1">
-              <a:shade val="50000"/>
-            </a:schemeClr>
-          </a:lnRef>
-          <a:fillRef idx="1">
-            <a:schemeClr val="accent1"/>
-          </a:fillRef>
-          <a:effectRef idx="0">
-            <a:schemeClr val="accent1"/>
-          </a:effectRef>
-          <a:fontRef idx="minor">
-            <a:schemeClr val="lt1"/>
-          </a:fontRef>
-        </p:style>
-        <p:txBody>
-          <a:bodyPr rtlCol="0" anchor="ctr"/>
-          <a:lstStyle/>
-          <a:p>
-            <a:pPr algn="ctr"/>
-            <a:endParaRPr lang="en-US"/>
-          </a:p>
-        </p:txBody>
-      </p:sp>
-      <p:sp>
-        <p:nvSpPr>
-          <p:cNvPr id="2" name="Τίτλος 1">
-            <a:extLst>
-              <a:ext uri="{FF2B5EF4-FFF2-40B4-BE49-F238E27FC236}">
-                <a16:creationId xmlns:a16="http://schemas.microsoft.com/office/drawing/2014/main" id="{18A531E6-83EC-839F-FFF0-C694C2590D59}"/>
-              </a:ext>
-            </a:extLst>
-          </p:cNvPr>
-          <p:cNvSpPr>
-            <a:spLocks noGrp="1"/>
-          </p:cNvSpPr>
-          <p:nvPr>
-            <p:ph type="title"/>
-          </p:nvPr>
-        </p:nvSpPr>
-        <p:spPr>
-          <a:xfrm>
-            <a:off x="630936" y="640080"/>
-            <a:ext cx="4818888" cy="1481328"/>
-          </a:xfrm>
-        </p:spPr>
-        <p:txBody>
-          <a:bodyPr anchor="b">
-            <a:normAutofit/>
-          </a:bodyPr>
-          <a:lstStyle/>
-          <a:p>
-            <a:r>
-              <a:rPr lang="en-US" sz="5400"/>
-              <a:t>Workflow</a:t>
-            </a:r>
-            <a:endParaRPr lang="el-GR" sz="5400"/>
-          </a:p>
-        </p:txBody>
-      </p:sp>
-      <p:sp>
-        <p:nvSpPr>
-          <p:cNvPr id="17" name="sketch line">
-            <a:extLst>
-              <a:ext uri="{FF2B5EF4-FFF2-40B4-BE49-F238E27FC236}">
-                <a16:creationId xmlns:a16="http://schemas.microsoft.com/office/drawing/2014/main" id="{650D18FE-0824-4A46-B22C-A86B52E5780A}"/>
-              </a:ext>
-              <a:ext uri="{C183D7F6-B498-43B3-948B-1728B52AA6E4}">
-                <adec:decorative xmlns:adec="http://schemas.microsoft.com/office/drawing/2017/decorative" val="1"/>
-              </a:ext>
-            </a:extLst>
-          </p:cNvPr>
-          <p:cNvSpPr>
-            <a:spLocks noGrp="1" noRot="1" noChangeAspect="1" noMove="1" noResize="1" noEditPoints="1" noAdjustHandles="1" noChangeArrowheads="1" noChangeShapeType="1" noTextEdit="1"/>
-          </p:cNvSpPr>
-          <p:nvPr>
-            <p:extLst>
-              <p:ext uri="{386F3935-93C4-4BCD-93E2-E3B085C9AB24}">
-                <p16:designElem xmlns:p16="http://schemas.microsoft.com/office/powerpoint/2015/main" val="1"/>
-              </p:ext>
-            </p:extLst>
-          </p:nvPr>
-        </p:nvSpPr>
-        <p:spPr>
-          <a:xfrm>
-            <a:off x="643278" y="2372868"/>
-            <a:ext cx="3255095" cy="18288"/>
-          </a:xfrm>
-          <a:custGeom>
-            <a:avLst/>
-            <a:gdLst>
-              <a:gd name="connsiteX0" fmla="*/ 0 w 3255095"/>
-              <a:gd name="connsiteY0" fmla="*/ 0 h 18288"/>
-              <a:gd name="connsiteX1" fmla="*/ 618468 w 3255095"/>
-              <a:gd name="connsiteY1" fmla="*/ 0 h 18288"/>
-              <a:gd name="connsiteX2" fmla="*/ 1269487 w 3255095"/>
-              <a:gd name="connsiteY2" fmla="*/ 0 h 18288"/>
-              <a:gd name="connsiteX3" fmla="*/ 1953057 w 3255095"/>
-              <a:gd name="connsiteY3" fmla="*/ 0 h 18288"/>
-              <a:gd name="connsiteX4" fmla="*/ 2636627 w 3255095"/>
-              <a:gd name="connsiteY4" fmla="*/ 0 h 18288"/>
-              <a:gd name="connsiteX5" fmla="*/ 3255095 w 3255095"/>
-              <a:gd name="connsiteY5" fmla="*/ 0 h 18288"/>
-              <a:gd name="connsiteX6" fmla="*/ 3255095 w 3255095"/>
-              <a:gd name="connsiteY6" fmla="*/ 18288 h 18288"/>
-              <a:gd name="connsiteX7" fmla="*/ 2538974 w 3255095"/>
-              <a:gd name="connsiteY7" fmla="*/ 18288 h 18288"/>
-              <a:gd name="connsiteX8" fmla="*/ 1822853 w 3255095"/>
-              <a:gd name="connsiteY8" fmla="*/ 18288 h 18288"/>
-              <a:gd name="connsiteX9" fmla="*/ 1171834 w 3255095"/>
-              <a:gd name="connsiteY9" fmla="*/ 18288 h 18288"/>
-              <a:gd name="connsiteX10" fmla="*/ 0 w 3255095"/>
-              <a:gd name="connsiteY10" fmla="*/ 18288 h 18288"/>
-              <a:gd name="connsiteX11" fmla="*/ 0 w 3255095"/>
-              <a:gd name="connsiteY11" fmla="*/ 0 h 18288"/>
-            </a:gdLst>
-            <a:ahLst/>
-            <a:cxnLst>
-              <a:cxn ang="0">
-                <a:pos x="connsiteX0" y="connsiteY0"/>
-              </a:cxn>
-              <a:cxn ang="0">
-                <a:pos x="connsiteX1" y="connsiteY1"/>
-              </a:cxn>
-              <a:cxn ang="0">
-                <a:pos x="connsiteX2" y="connsiteY2"/>
-              </a:cxn>
-              <a:cxn ang="0">
-                <a:pos x="connsiteX3" y="connsiteY3"/>
-              </a:cxn>
-              <a:cxn ang="0">
-                <a:pos x="connsiteX4" y="connsiteY4"/>
-              </a:cxn>
-              <a:cxn ang="0">
-                <a:pos x="connsiteX5" y="connsiteY5"/>
-              </a:cxn>
-              <a:cxn ang="0">
-                <a:pos x="connsiteX6" y="connsiteY6"/>
-              </a:cxn>
-              <a:cxn ang="0">
-                <a:pos x="connsiteX7" y="connsiteY7"/>
-              </a:cxn>
-              <a:cxn ang="0">
-                <a:pos x="connsiteX8" y="connsiteY8"/>
-              </a:cxn>
-              <a:cxn ang="0">
-                <a:pos x="connsiteX9" y="connsiteY9"/>
-              </a:cxn>
-              <a:cxn ang="0">
-                <a:pos x="connsiteX10" y="connsiteY10"/>
-              </a:cxn>
-              <a:cxn ang="0">
-                <a:pos x="connsiteX11" y="connsiteY11"/>
-              </a:cxn>
-            </a:cxnLst>
-            <a:rect l="l" t="t" r="r" b="b"/>
-            <a:pathLst>
-              <a:path w="3255095" h="18288" fill="none" extrusionOk="0">
-                <a:moveTo>
-                  <a:pt x="0" y="0"/>
-                </a:moveTo>
-                <a:cubicBezTo>
-                  <a:pt x="240201" y="-22123"/>
-                  <a:pt x="462021" y="-19623"/>
-                  <a:pt x="618468" y="0"/>
-                </a:cubicBezTo>
-                <a:cubicBezTo>
-                  <a:pt x="774915" y="19623"/>
-                  <a:pt x="974734" y="2035"/>
-                  <a:pt x="1269487" y="0"/>
-                </a:cubicBezTo>
-                <a:cubicBezTo>
-                  <a:pt x="1564240" y="-2035"/>
-                  <a:pt x="1733579" y="10639"/>
-                  <a:pt x="1953057" y="0"/>
-                </a:cubicBezTo>
-                <a:cubicBezTo>
-                  <a:pt x="2172535" y="-10639"/>
-                  <a:pt x="2453962" y="14018"/>
-                  <a:pt x="2636627" y="0"/>
-                </a:cubicBezTo>
-                <a:cubicBezTo>
-                  <a:pt x="2819292" y="-14018"/>
-                  <a:pt x="3121375" y="5399"/>
-                  <a:pt x="3255095" y="0"/>
-                </a:cubicBezTo>
-                <a:cubicBezTo>
-                  <a:pt x="3254386" y="8157"/>
-                  <a:pt x="3254682" y="12125"/>
-                  <a:pt x="3255095" y="18288"/>
-                </a:cubicBezTo>
-                <a:cubicBezTo>
-                  <a:pt x="3088545" y="23203"/>
-                  <a:pt x="2687475" y="7419"/>
-                  <a:pt x="2538974" y="18288"/>
-                </a:cubicBezTo>
-                <a:cubicBezTo>
-                  <a:pt x="2390473" y="29157"/>
-                  <a:pt x="2137381" y="-8959"/>
-                  <a:pt x="1822853" y="18288"/>
-                </a:cubicBezTo>
-                <a:cubicBezTo>
-                  <a:pt x="1508325" y="45535"/>
-                  <a:pt x="1466437" y="20385"/>
-                  <a:pt x="1171834" y="18288"/>
-                </a:cubicBezTo>
-                <a:cubicBezTo>
-                  <a:pt x="877231" y="16191"/>
-                  <a:pt x="561097" y="37643"/>
-                  <a:pt x="0" y="18288"/>
-                </a:cubicBezTo>
-                <a:cubicBezTo>
-                  <a:pt x="-46" y="12483"/>
-                  <a:pt x="-203" y="6491"/>
-                  <a:pt x="0" y="0"/>
-                </a:cubicBezTo>
-                <a:close/>
-              </a:path>
-              <a:path w="3255095" h="18288" stroke="0" extrusionOk="0">
-                <a:moveTo>
-                  <a:pt x="0" y="0"/>
-                </a:moveTo>
-                <a:cubicBezTo>
-                  <a:pt x="291965" y="19429"/>
-                  <a:pt x="363155" y="8568"/>
-                  <a:pt x="618468" y="0"/>
-                </a:cubicBezTo>
-                <a:cubicBezTo>
-                  <a:pt x="873781" y="-8568"/>
-                  <a:pt x="904459" y="-19505"/>
-                  <a:pt x="1171834" y="0"/>
-                </a:cubicBezTo>
-                <a:cubicBezTo>
-                  <a:pt x="1439209" y="19505"/>
-                  <a:pt x="1744369" y="9790"/>
-                  <a:pt x="1887955" y="0"/>
-                </a:cubicBezTo>
-                <a:cubicBezTo>
-                  <a:pt x="2031541" y="-9790"/>
-                  <a:pt x="2346378" y="21240"/>
-                  <a:pt x="2506423" y="0"/>
-                </a:cubicBezTo>
-                <a:cubicBezTo>
-                  <a:pt x="2666468" y="-21240"/>
-                  <a:pt x="2990257" y="30414"/>
-                  <a:pt x="3255095" y="0"/>
-                </a:cubicBezTo>
-                <a:cubicBezTo>
-                  <a:pt x="3254831" y="4493"/>
-                  <a:pt x="3255479" y="9472"/>
-                  <a:pt x="3255095" y="18288"/>
-                </a:cubicBezTo>
-                <a:cubicBezTo>
-                  <a:pt x="3120743" y="16690"/>
-                  <a:pt x="2759628" y="42462"/>
-                  <a:pt x="2604076" y="18288"/>
-                </a:cubicBezTo>
-                <a:cubicBezTo>
-                  <a:pt x="2448524" y="-5886"/>
-                  <a:pt x="2184336" y="19599"/>
-                  <a:pt x="1887955" y="18288"/>
-                </a:cubicBezTo>
-                <a:cubicBezTo>
-                  <a:pt x="1591574" y="16977"/>
-                  <a:pt x="1548845" y="6870"/>
-                  <a:pt x="1334589" y="18288"/>
-                </a:cubicBezTo>
-                <a:cubicBezTo>
-                  <a:pt x="1120333" y="29706"/>
-                  <a:pt x="996014" y="9662"/>
-                  <a:pt x="683570" y="18288"/>
-                </a:cubicBezTo>
-                <a:cubicBezTo>
-                  <a:pt x="371126" y="26914"/>
-                  <a:pt x="198687" y="16167"/>
-                  <a:pt x="0" y="18288"/>
-                </a:cubicBezTo>
-                <a:cubicBezTo>
-                  <a:pt x="843" y="9577"/>
-                  <a:pt x="371" y="6900"/>
-                  <a:pt x="0" y="0"/>
-                </a:cubicBezTo>
-                <a:close/>
-              </a:path>
-            </a:pathLst>
-          </a:custGeom>
-          <a:solidFill>
-            <a:schemeClr val="accent2"/>
-          </a:solidFill>
-          <a:ln w="38100" cap="rnd">
-            <a:solidFill>
-              <a:schemeClr val="accent2"/>
-            </a:solidFill>
-            <a:round/>
-            <a:extLst>
-              <a:ext uri="{C807C97D-BFC1-408E-A445-0C87EB9F89A2}">
-                <ask:lineSketchStyleProps xmlns="" xmlns:ask="http://schemas.microsoft.com/office/drawing/2018/sketchyshapes" sd="1219033472">
-                  <a:prstGeom prst="rect">
-                    <a:avLst/>
-                  </a:prstGeom>
-                  <ask:type>
-                    <ask:lineSketchFreehand/>
-                  </ask:type>
-                </ask:lineSketchStyleProps>
-              </a:ext>
-            </a:extLst>
-          </a:ln>
-        </p:spPr>
-        <p:style>
-          <a:lnRef idx="2">
-            <a:schemeClr val="accent1">
-              <a:shade val="50000"/>
-            </a:schemeClr>
-          </a:lnRef>
-          <a:fillRef idx="1">
-            <a:schemeClr val="accent1"/>
-          </a:fillRef>
-          <a:effectRef idx="0">
-            <a:schemeClr val="accent1"/>
-          </a:effectRef>
-          <a:fontRef idx="minor">
-            <a:schemeClr val="lt1"/>
-          </a:fontRef>
-        </p:style>
-        <p:txBody>
-          <a:bodyPr rtlCol="0" anchor="ctr"/>
-          <a:lstStyle/>
-          <a:p>
-            <a:pPr algn="ctr"/>
-            <a:endParaRPr lang="en-US"/>
-          </a:p>
-        </p:txBody>
-      </p:sp>
-      <p:sp>
-        <p:nvSpPr>
-          <p:cNvPr id="3" name="Θέση περιεχομένου 2">
-            <a:extLst>
-              <a:ext uri="{FF2B5EF4-FFF2-40B4-BE49-F238E27FC236}">
-                <a16:creationId xmlns:a16="http://schemas.microsoft.com/office/drawing/2014/main" id="{D44B5B9D-F575-C25E-3DA3-93854290EC53}"/>
-              </a:ext>
-            </a:extLst>
-          </p:cNvPr>
-          <p:cNvSpPr>
-            <a:spLocks noGrp="1"/>
-          </p:cNvSpPr>
-          <p:nvPr>
-            <p:ph idx="1"/>
-          </p:nvPr>
-        </p:nvSpPr>
-        <p:spPr>
-          <a:xfrm>
-            <a:off x="630936" y="2660904"/>
-            <a:ext cx="4818888" cy="3547872"/>
-          </a:xfrm>
-        </p:spPr>
-        <p:txBody>
-          <a:bodyPr anchor="t">
-            <a:normAutofit/>
-          </a:bodyPr>
-          <a:lstStyle/>
-          <a:p>
-            <a:pPr marL="0" indent="0">
-              <a:buNone/>
-            </a:pPr>
-            <a:endParaRPr lang="en-US" sz="2200"/>
-          </a:p>
-          <a:p>
-            <a:pPr marL="0" indent="0">
-              <a:buNone/>
-            </a:pPr>
-            <a:endParaRPr lang="el-GR" sz="2200"/>
-          </a:p>
-        </p:txBody>
-      </p:sp>
-      <p:pic>
-        <p:nvPicPr>
-          <p:cNvPr id="5" name="Εικόνα 4">
-            <a:extLst>
-              <a:ext uri="{FF2B5EF4-FFF2-40B4-BE49-F238E27FC236}">
-                <a16:creationId xmlns:a16="http://schemas.microsoft.com/office/drawing/2014/main" id="{E712CD9C-073F-404B-B0C0-FAF0F27FA88F}"/>
-              </a:ext>
-            </a:extLst>
-          </p:cNvPr>
-          <p:cNvPicPr>
-            <a:picLocks noChangeAspect="1"/>
-          </p:cNvPicPr>
-          <p:nvPr/>
-        </p:nvPicPr>
-        <p:blipFill rotWithShape="1">
-          <a:blip r:embed="rId2">
-            <a:extLst>
-              <a:ext uri="{28A0092B-C50C-407E-A947-70E740481C1C}">
-                <a14:useLocalDpi xmlns:a14="http://schemas.microsoft.com/office/drawing/2010/main" val="0"/>
-              </a:ext>
-            </a:extLst>
-          </a:blip>
-          <a:srcRect b="8261"/>
-          <a:stretch/>
-        </p:blipFill>
-        <p:spPr>
-          <a:xfrm>
-            <a:off x="6966928" y="640080"/>
-            <a:ext cx="3723208" cy="5577840"/>
-          </a:xfrm>
-          <a:prstGeom prst="rect">
-            <a:avLst/>
-          </a:prstGeom>
-        </p:spPr>
-      </p:pic>
-      <p:sp>
-        <p:nvSpPr>
-          <p:cNvPr id="6" name="TextBox 5">
-            <a:extLst>
-              <a:ext uri="{FF2B5EF4-FFF2-40B4-BE49-F238E27FC236}">
-                <a16:creationId xmlns:a16="http://schemas.microsoft.com/office/drawing/2014/main" id="{12EF097D-9B80-4B47-800A-5EAFEA4B1C64}"/>
-              </a:ext>
-            </a:extLst>
-          </p:cNvPr>
-          <p:cNvSpPr txBox="1"/>
-          <p:nvPr/>
-        </p:nvSpPr>
-        <p:spPr>
-          <a:xfrm>
-            <a:off x="735496" y="2971800"/>
-            <a:ext cx="3866321" cy="2862322"/>
-          </a:xfrm>
-          <a:prstGeom prst="rect">
-            <a:avLst/>
-          </a:prstGeom>
-          <a:noFill/>
-        </p:spPr>
-        <p:txBody>
-          <a:bodyPr wrap="square" rtlCol="0">
-            <a:spAutoFit/>
-          </a:bodyPr>
-          <a:lstStyle/>
-          <a:p>
-            <a:r>
-              <a:rPr lang="en-US" dirty="0"/>
-              <a:t>Step-by-step database workflow:</a:t>
-            </a:r>
-          </a:p>
-          <a:p>
-            <a:pPr marL="342900" indent="-342900">
-              <a:buAutoNum type="arabicPeriod"/>
-            </a:pPr>
-            <a:r>
-              <a:rPr lang="en-US" dirty="0"/>
-              <a:t>Database Setup</a:t>
-            </a:r>
-          </a:p>
-          <a:p>
-            <a:pPr marL="342900" indent="-342900">
-              <a:buAutoNum type="arabicPeriod"/>
-            </a:pPr>
-            <a:r>
-              <a:rPr lang="en-US" dirty="0"/>
-              <a:t>Data Download &amp; Filtering</a:t>
-            </a:r>
-          </a:p>
-          <a:p>
-            <a:pPr marL="342900" indent="-342900">
-              <a:buAutoNum type="arabicPeriod"/>
-            </a:pPr>
-            <a:r>
-              <a:rPr lang="en-US" dirty="0"/>
-              <a:t>Data Cleaning &amp; Parsing</a:t>
-            </a:r>
-          </a:p>
-          <a:p>
-            <a:pPr marL="342900" indent="-342900">
-              <a:buAutoNum type="arabicPeriod"/>
-            </a:pPr>
-            <a:r>
-              <a:rPr lang="en-US" dirty="0"/>
-              <a:t>Clinical Significance Simplification</a:t>
-            </a:r>
-          </a:p>
-          <a:p>
-            <a:pPr marL="342900" indent="-342900">
-              <a:buAutoNum type="arabicPeriod"/>
-            </a:pPr>
-            <a:r>
-              <a:rPr lang="en-US" dirty="0"/>
-              <a:t>Variant Consequences</a:t>
-            </a:r>
-          </a:p>
-          <a:p>
-            <a:pPr marL="342900" indent="-342900">
-              <a:buAutoNum type="arabicPeriod"/>
-            </a:pPr>
-            <a:r>
-              <a:rPr lang="en-US" dirty="0"/>
-              <a:t>ACMG Support Criteria</a:t>
-            </a:r>
-          </a:p>
-          <a:p>
-            <a:pPr marL="342900" indent="-342900">
-              <a:buAutoNum type="arabicPeriod"/>
-            </a:pPr>
-            <a:r>
-              <a:rPr lang="en-US" dirty="0"/>
-              <a:t>Filtering for Reliable Variants</a:t>
-            </a:r>
-          </a:p>
-          <a:p>
-            <a:pPr marL="342900" indent="-342900">
-              <a:buAutoNum type="arabicPeriod"/>
-            </a:pPr>
-            <a:r>
-              <a:rPr lang="en-US" dirty="0"/>
-              <a:t>Database Insertion</a:t>
-            </a:r>
-          </a:p>
-          <a:p>
-            <a:pPr marL="342900" indent="-342900">
-              <a:buAutoNum type="arabicPeriod"/>
-            </a:pPr>
-            <a:r>
-              <a:rPr lang="en-US" dirty="0"/>
-              <a:t>Clean up</a:t>
-            </a:r>
-            <a:endParaRPr lang="el-GR" dirty="0"/>
-          </a:p>
-        </p:txBody>
-      </p:sp>
-      <p:sp>
-        <p:nvSpPr>
-          <p:cNvPr id="7" name="Rectangle 1">
-            <a:extLst>
-              <a:ext uri="{FF2B5EF4-FFF2-40B4-BE49-F238E27FC236}">
-                <a16:creationId xmlns:a16="http://schemas.microsoft.com/office/drawing/2014/main" id="{C8ABB8B8-FA36-49A6-9090-C6866D4A89F5}"/>
-              </a:ext>
-            </a:extLst>
-          </p:cNvPr>
-          <p:cNvSpPr>
-            <a:spLocks noChangeArrowheads="1"/>
-          </p:cNvSpPr>
-          <p:nvPr/>
-        </p:nvSpPr>
-        <p:spPr bwMode="auto">
-          <a:xfrm>
-            <a:off x="0" y="-94569"/>
-            <a:ext cx="184731" cy="646331"/>
-          </a:xfrm>
-          <a:prstGeom prst="rect">
-            <a:avLst/>
-          </a:prstGeom>
-          <a:noFill/>
-          <a:ln>
-            <a:noFill/>
-          </a:ln>
-          <a:effectLst/>
-          <a:extLst>
-            <a:ext uri="{909E8E84-426E-40DD-AFC4-6F175D3DCCD1}">
-              <a14:hiddenFill xmlns:a14="http://schemas.microsoft.com/office/drawing/2010/main">
-                <a:solidFill>
-                  <a:schemeClr val="accent1"/>
-                </a:solidFill>
-              </a14:hiddenFill>
-            </a:ext>
-            <a:ext uri="{91240B29-F687-4F45-9708-019B960494DF}">
-              <a14:hiddenLine xmlns:a14="http://schemas.microsoft.com/office/drawing/2010/main" w="9525">
-                <a:solidFill>
-                  <a:schemeClr val="tx1"/>
-                </a:solidFill>
-                <a:miter lim="800000"/>
-                <a:headEnd/>
-                <a:tailEnd/>
-              </a14:hiddenLine>
-            </a:ext>
-            <a:ext uri="{AF507438-7753-43E0-B8FC-AC1667EBCBE1}">
-              <a14:hiddenEffects xmlns:a14="http://schemas.microsoft.com/office/drawing/2010/main">
-                <a:effectLst>
-                  <a:outerShdw dist="35921" dir="2700000" algn="ctr" rotWithShape="0">
-                    <a:schemeClr val="bg2"/>
-                  </a:outerShdw>
-                </a:effectLst>
-              </a14:hiddenEffects>
-            </a:ext>
-          </a:extLst>
-        </p:spPr>
-        <p:txBody>
-          <a:bodyPr vert="horz" wrap="none" lIns="91440" tIns="45720" rIns="91440" bIns="45720" numCol="1" anchor="ctr" anchorCtr="0" compatLnSpc="1">
-            <a:prstTxWarp prst="textNoShape">
-              <a:avLst/>
-            </a:prstTxWarp>
-            <a:spAutoFit/>
-          </a:bodyPr>
-          <a:lstStyle/>
-          <a:p>
-            <a:pPr marL="0" marR="0" lvl="0" indent="0" algn="l" defTabSz="914400" rtl="0" eaLnBrk="0" fontAlgn="base" latinLnBrk="0" hangingPunct="0">
-              <a:lnSpc>
-                <a:spcPct val="100000"/>
-              </a:lnSpc>
-              <a:spcBef>
-                <a:spcPct val="0"/>
-              </a:spcBef>
-              <a:spcAft>
-                <a:spcPct val="0"/>
-              </a:spcAft>
-              <a:buClrTx/>
-              <a:buSzTx/>
-              <a:buFontTx/>
-              <a:buNone/>
-              <a:tabLst/>
-            </a:pPr>
-            <a:endParaRPr kumimoji="0" lang="el-GR" altLang="el-GR" sz="1800" b="0" i="0" u="none" strike="noStrike" cap="none" normalizeH="0" baseline="0" dirty="0">
-              <a:ln>
-                <a:noFill/>
-              </a:ln>
-              <a:solidFill>
-                <a:schemeClr val="tx1"/>
-              </a:solidFill>
-              <a:effectLst/>
-              <a:latin typeface="Arial" panose="020B0604020202020204" pitchFamily="34" charset="0"/>
-            </a:endParaRPr>
-          </a:p>
-          <a:p>
-            <a:pPr marL="0" marR="0" lvl="0" indent="0" algn="l" defTabSz="914400" rtl="0" eaLnBrk="0" fontAlgn="base" latinLnBrk="0" hangingPunct="0">
-              <a:lnSpc>
-                <a:spcPct val="100000"/>
-              </a:lnSpc>
-              <a:spcBef>
-                <a:spcPct val="0"/>
-              </a:spcBef>
-              <a:spcAft>
-                <a:spcPct val="0"/>
-              </a:spcAft>
-              <a:buClrTx/>
-              <a:buSzTx/>
-              <a:buFontTx/>
-              <a:buNone/>
-              <a:tabLst/>
-            </a:pPr>
-            <a:endParaRPr kumimoji="0" lang="el-GR" altLang="el-GR" sz="1800" b="0" i="0" u="none" strike="noStrike" cap="none" normalizeH="0" baseline="0" dirty="0">
-              <a:ln>
-                <a:noFill/>
-              </a:ln>
-              <a:solidFill>
-                <a:schemeClr val="tx1"/>
-              </a:solidFill>
-              <a:effectLst/>
-              <a:latin typeface="Arial" panose="020B0604020202020204" pitchFamily="34" charset="0"/>
-            </a:endParaRPr>
-          </a:p>
-        </p:txBody>
-      </p:sp>
-      <p:sp>
-        <p:nvSpPr>
-          <p:cNvPr id="8" name="TextBox 7">
-            <a:extLst>
-              <a:ext uri="{FF2B5EF4-FFF2-40B4-BE49-F238E27FC236}">
-                <a16:creationId xmlns:a16="http://schemas.microsoft.com/office/drawing/2014/main" id="{8BD24DE0-E9AF-43D0-A0C1-20F7382792B9}"/>
-              </a:ext>
-            </a:extLst>
-          </p:cNvPr>
-          <p:cNvSpPr txBox="1"/>
-          <p:nvPr/>
-        </p:nvSpPr>
-        <p:spPr>
-          <a:xfrm>
-            <a:off x="4969565" y="3190461"/>
-            <a:ext cx="3548814" cy="646331"/>
-          </a:xfrm>
-          <a:prstGeom prst="rect">
-            <a:avLst/>
-          </a:prstGeom>
-          <a:noFill/>
-        </p:spPr>
-        <p:txBody>
-          <a:bodyPr wrap="square" rtlCol="0">
-            <a:spAutoFit/>
-          </a:bodyPr>
-          <a:lstStyle/>
-          <a:p>
-            <a:r>
-              <a:rPr lang="en-US" dirty="0"/>
-              <a:t>Step-by-step </a:t>
-            </a:r>
-            <a:r>
-              <a:rPr lang="en-US" dirty="0" err="1"/>
-              <a:t>FastAPI</a:t>
-            </a:r>
-            <a:r>
-              <a:rPr lang="en-US" dirty="0"/>
-              <a:t> workflow:</a:t>
-            </a:r>
-          </a:p>
-          <a:p>
-            <a:endParaRPr lang="el-GR" dirty="0"/>
-          </a:p>
-        </p:txBody>
-      </p:sp>
-    </p:spTree>
-    <p:extLst>
-      <p:ext uri="{BB962C8B-B14F-4D97-AF65-F5344CB8AC3E}">
-        <p14:creationId xmlns:p14="http://schemas.microsoft.com/office/powerpoint/2010/main" val="1865081885"/>
-      </p:ext>
-    </p:extLst>
-  </p:cSld>
-  <p:clrMapOvr>
-    <a:masterClrMapping/>
-  </p:clrMapOvr>
-</p:sld>
-</file>
-
-<file path=ppt/slides/slide6.xml><?xml version="1.0" encoding="utf-8"?>
-<p:sld xmlns:a="http://schemas.openxmlformats.org/drawingml/2006/main" xmlns:r="http://schemas.openxmlformats.org/officeDocument/2006/relationships" xmlns:p="http://schemas.openxmlformats.org/presentationml/2006/main">
-  <p:cSld>
-    <p:bg>
-      <p:bgPr>
-        <a:solidFill>
-          <a:schemeClr val="bg1"/>
-        </a:solidFill>
-        <a:effectLst/>
-      </p:bgPr>
-    </p:bg>
-    <p:spTree>
-      <p:nvGrpSpPr>
-        <p:cNvPr id="1" name=""/>
-        <p:cNvGrpSpPr/>
-        <p:nvPr/>
-      </p:nvGrpSpPr>
-      <p:grpSpPr>
-        <a:xfrm>
-          <a:off x="0" y="0"/>
-          <a:ext cx="0" cy="0"/>
-          <a:chOff x="0" y="0"/>
-          <a:chExt cx="0" cy="0"/>
-        </a:xfrm>
-      </p:grpSpPr>
-      <p:pic>
-        <p:nvPicPr>
-          <p:cNvPr id="6" name="Picture 5">
-            <a:extLst>
-              <a:ext uri="{FF2B5EF4-FFF2-40B4-BE49-F238E27FC236}">
-                <a16:creationId xmlns:a16="http://schemas.microsoft.com/office/drawing/2014/main" id="{CE5BC792-C980-BE53-D147-CACA00946750}"/>
-              </a:ext>
-            </a:extLst>
-          </p:cNvPr>
-          <p:cNvPicPr>
-            <a:picLocks noChangeAspect="1"/>
-          </p:cNvPicPr>
-          <p:nvPr/>
-        </p:nvPicPr>
-        <p:blipFill>
-          <a:blip r:embed="rId2">
-            <a:duotone>
-              <a:schemeClr val="bg2">
-                <a:shade val="45000"/>
-                <a:satMod val="135000"/>
-              </a:schemeClr>
-              <a:prstClr val="white"/>
-            </a:duotone>
-          </a:blip>
-          <a:srcRect t="15730"/>
-          <a:stretch>
-            <a:fillRect/>
-          </a:stretch>
-        </p:blipFill>
-        <p:spPr>
-          <a:xfrm>
-            <a:off x="20" y="10"/>
-            <a:ext cx="12191980" cy="6857990"/>
-          </a:xfrm>
-          <a:prstGeom prst="rect">
-            <a:avLst/>
-          </a:prstGeom>
-        </p:spPr>
-      </p:pic>
-      <p:sp>
-        <p:nvSpPr>
-          <p:cNvPr id="10" name="Rectangle 9">
-            <a:extLst>
-              <a:ext uri="{FF2B5EF4-FFF2-40B4-BE49-F238E27FC236}">
-                <a16:creationId xmlns:a16="http://schemas.microsoft.com/office/drawing/2014/main" id="{B50AB553-2A96-4A92-96F2-93548E096954}"/>
-              </a:ext>
-              <a:ext uri="{C183D7F6-B498-43B3-948B-1728B52AA6E4}">
-                <adec:decorative xmlns:adec="http://schemas.microsoft.com/office/drawing/2017/decorative" val="1"/>
-              </a:ext>
-            </a:extLst>
-          </p:cNvPr>
-          <p:cNvSpPr>
-            <a:spLocks noGrp="1" noRot="1" noChangeAspect="1" noMove="1" noResize="1" noEditPoints="1" noAdjustHandles="1" noChangeArrowheads="1" noChangeShapeType="1" noTextEdit="1"/>
-          </p:cNvSpPr>
-          <p:nvPr>
-            <p:extLst>
-              <p:ext uri="{386F3935-93C4-4BCD-93E2-E3B085C9AB24}">
-                <p16:designElem xmlns:p16="http://schemas.microsoft.com/office/powerpoint/2015/main" val="1"/>
-              </p:ext>
-            </p:extLst>
-          </p:nvPr>
-        </p:nvSpPr>
-        <p:spPr>
-          <a:xfrm>
-            <a:off x="0" y="0"/>
-            <a:ext cx="12192000" cy="6858000"/>
-          </a:xfrm>
-          <a:prstGeom prst="rect">
-            <a:avLst/>
-          </a:prstGeom>
-          <a:gradFill>
-            <a:gsLst>
-              <a:gs pos="10000">
-                <a:schemeClr val="bg2">
-                  <a:alpha val="68000"/>
-                </a:schemeClr>
-              </a:gs>
-              <a:gs pos="85000">
-                <a:schemeClr val="bg2">
-                  <a:alpha val="97000"/>
-                </a:schemeClr>
-              </a:gs>
-            </a:gsLst>
-            <a:path path="circle">
-              <a:fillToRect l="50000" t="50000" r="50000" b="50000"/>
-            </a:path>
-          </a:gradFill>
-          <a:ln>
-            <a:noFill/>
-          </a:ln>
-        </p:spPr>
-        <p:style>
-          <a:lnRef idx="2">
-            <a:schemeClr val="accent1">
-              <a:shade val="50000"/>
-            </a:schemeClr>
-          </a:lnRef>
-          <a:fillRef idx="1">
-            <a:schemeClr val="accent1"/>
-          </a:fillRef>
-          <a:effectRef idx="0">
-            <a:schemeClr val="accent1"/>
-          </a:effectRef>
-          <a:fontRef idx="minor">
-            <a:schemeClr val="lt1"/>
-          </a:fontRef>
-        </p:style>
-        <p:txBody>
-          <a:bodyPr rtlCol="0" anchor="ctr"/>
-          <a:lstStyle/>
-          <a:p>
-            <a:pPr algn="ctr"/>
-            <a:endParaRPr lang="en-US"/>
-          </a:p>
-        </p:txBody>
-      </p:sp>
-      <p:sp>
-        <p:nvSpPr>
-          <p:cNvPr id="2" name="Τίτλος 1">
-            <a:extLst>
-              <a:ext uri="{FF2B5EF4-FFF2-40B4-BE49-F238E27FC236}">
-                <a16:creationId xmlns:a16="http://schemas.microsoft.com/office/drawing/2014/main" id="{D8429758-6ABF-C4A0-B1A2-268A5FCE3FFE}"/>
-              </a:ext>
-            </a:extLst>
-          </p:cNvPr>
-          <p:cNvSpPr>
-            <a:spLocks noGrp="1"/>
-          </p:cNvSpPr>
-          <p:nvPr>
-            <p:ph type="title"/>
-          </p:nvPr>
-        </p:nvSpPr>
-        <p:spPr>
-          <a:xfrm>
-            <a:off x="838200" y="365125"/>
-            <a:ext cx="10515600" cy="1325563"/>
-          </a:xfrm>
-        </p:spPr>
-        <p:txBody>
-          <a:bodyPr>
-            <a:normAutofit/>
-          </a:bodyPr>
-          <a:lstStyle/>
-          <a:p>
-            <a:r>
-              <a:rPr lang="en-US" dirty="0"/>
-              <a:t>Python libraries</a:t>
-            </a:r>
-            <a:endParaRPr lang="el-GR" dirty="0"/>
-          </a:p>
-        </p:txBody>
-      </p:sp>
-      <p:graphicFrame>
-        <p:nvGraphicFramePr>
-          <p:cNvPr id="5" name="Θέση περιεχομένου 2">
-            <a:extLst>
-              <a:ext uri="{FF2B5EF4-FFF2-40B4-BE49-F238E27FC236}">
-                <a16:creationId xmlns:a16="http://schemas.microsoft.com/office/drawing/2014/main" id="{71D55880-0296-51BB-3336-159A51A90E54}"/>
-              </a:ext>
-            </a:extLst>
-          </p:cNvPr>
-          <p:cNvGraphicFramePr>
-            <a:graphicFrameLocks noGrp="1"/>
-          </p:cNvGraphicFramePr>
-          <p:nvPr>
-            <p:ph idx="1"/>
-            <p:extLst>
-              <p:ext uri="{D42A27DB-BD31-4B8C-83A1-F6EECF244321}">
-                <p14:modId xmlns:p14="http://schemas.microsoft.com/office/powerpoint/2010/main" val="1870262946"/>
-              </p:ext>
-            </p:extLst>
-          </p:nvPr>
-        </p:nvGraphicFramePr>
-        <p:xfrm>
-          <a:off x="838200" y="1825625"/>
-          <a:ext cx="10515600" cy="4351338"/>
-        </p:xfrm>
-        <a:graphic>
-          <a:graphicData uri="http://schemas.openxmlformats.org/drawingml/2006/diagram">
-            <dgm:relIds xmlns:dgm="http://schemas.openxmlformats.org/drawingml/2006/diagram" xmlns:r="http://schemas.openxmlformats.org/officeDocument/2006/relationships" r:dm="rId3" r:lo="rId4" r:qs="rId5" r:cs="rId6"/>
-          </a:graphicData>
-        </a:graphic>
-      </p:graphicFrame>
-    </p:spTree>
-    <p:extLst>
-      <p:ext uri="{BB962C8B-B14F-4D97-AF65-F5344CB8AC3E}">
-        <p14:creationId xmlns:p14="http://schemas.microsoft.com/office/powerpoint/2010/main" val="2348534585"/>
-      </p:ext>
-    </p:extLst>
-  </p:cSld>
-  <p:clrMapOvr>
-    <a:masterClrMapping/>
-  </p:clrMapOvr>
-</p:sld>
-</file>
-
-<file path=ppt/slides/slide7.xml><?xml version="1.0" encoding="utf-8"?>
-<p:sld xmlns:a="http://schemas.openxmlformats.org/drawingml/2006/main" xmlns:r="http://schemas.openxmlformats.org/officeDocument/2006/relationships" xmlns:p="http://schemas.openxmlformats.org/presentationml/2006/main">
-  <p:cSld>
-    <p:spTree>
-      <p:nvGrpSpPr>
-        <p:cNvPr id="1" name=""/>
-        <p:cNvGrpSpPr/>
-        <p:nvPr/>
-      </p:nvGrpSpPr>
-      <p:grpSpPr>
-        <a:xfrm>
-          <a:off x="0" y="0"/>
-          <a:ext cx="0" cy="0"/>
-          <a:chOff x="0" y="0"/>
-          <a:chExt cx="0" cy="0"/>
-        </a:xfrm>
-      </p:grpSpPr>
-      <p:sp>
-        <p:nvSpPr>
-          <p:cNvPr id="2" name="Τίτλος 1">
-            <a:extLst>
-              <a:ext uri="{FF2B5EF4-FFF2-40B4-BE49-F238E27FC236}">
-                <a16:creationId xmlns:a16="http://schemas.microsoft.com/office/drawing/2014/main" id="{FAE1F138-FDE6-AEE9-EE99-AE014B3E398A}"/>
-              </a:ext>
-            </a:extLst>
-          </p:cNvPr>
-          <p:cNvSpPr>
-            <a:spLocks noGrp="1"/>
-          </p:cNvSpPr>
-          <p:nvPr>
-            <p:ph type="title"/>
-          </p:nvPr>
-        </p:nvSpPr>
-        <p:spPr/>
-        <p:txBody>
-          <a:bodyPr/>
-          <a:lstStyle/>
-          <a:p>
-            <a:r>
-              <a:rPr lang="en-US" dirty="0"/>
-              <a:t>Script</a:t>
-            </a:r>
-            <a:endParaRPr lang="el-GR" dirty="0"/>
-          </a:p>
-        </p:txBody>
-      </p:sp>
-      <p:sp>
-        <p:nvSpPr>
-          <p:cNvPr id="3" name="Θέση περιεχομένου 2">
-            <a:extLst>
-              <a:ext uri="{FF2B5EF4-FFF2-40B4-BE49-F238E27FC236}">
-                <a16:creationId xmlns:a16="http://schemas.microsoft.com/office/drawing/2014/main" id="{22C79F25-2089-F105-521E-36D9DFB3D9F4}"/>
+                <a16:creationId xmlns:a16="http://schemas.microsoft.com/office/drawing/2014/main" id="{891D9EAA-00DD-4F09-B7D2-1D7526CE0BD1}"/>
               </a:ext>
             </a:extLst>
           </p:cNvPr>
@@ -9139,14 +7386,74 @@
           <a:bodyPr/>
           <a:lstStyle/>
           <a:p>
-            <a:endParaRPr lang="el-GR" dirty="0"/>
+            <a:endParaRPr lang="el-GR"/>
           </a:p>
         </p:txBody>
       </p:sp>
+      <p:pic>
+        <p:nvPicPr>
+          <p:cNvPr id="4" name="Εικόνα 3">
+            <a:extLst>
+              <a:ext uri="{FF2B5EF4-FFF2-40B4-BE49-F238E27FC236}">
+                <a16:creationId xmlns:a16="http://schemas.microsoft.com/office/drawing/2014/main" id="{20D8B8AE-2B39-4F45-B045-58C4D6699EB6}"/>
+              </a:ext>
+            </a:extLst>
+          </p:cNvPr>
+          <p:cNvPicPr>
+            <a:picLocks noChangeAspect="1"/>
+          </p:cNvPicPr>
+          <p:nvPr/>
+        </p:nvPicPr>
+        <p:blipFill>
+          <a:blip r:embed="rId2"/>
+          <a:stretch>
+            <a:fillRect/>
+          </a:stretch>
+        </p:blipFill>
+        <p:spPr>
+          <a:xfrm>
+            <a:off x="0" y="0"/>
+            <a:ext cx="12192000" cy="6858000"/>
+          </a:xfrm>
+          <a:prstGeom prst="rect">
+            <a:avLst/>
+          </a:prstGeom>
+        </p:spPr>
+      </p:pic>
+      <p:pic>
+        <p:nvPicPr>
+          <p:cNvPr id="5" name="Εικόνα 4">
+            <a:extLst>
+              <a:ext uri="{FF2B5EF4-FFF2-40B4-BE49-F238E27FC236}">
+                <a16:creationId xmlns:a16="http://schemas.microsoft.com/office/drawing/2014/main" id="{D4FC1A04-74B1-40EA-A7B9-512C0C4A809E}"/>
+              </a:ext>
+            </a:extLst>
+          </p:cNvPr>
+          <p:cNvPicPr>
+            <a:picLocks noChangeAspect="1"/>
+          </p:cNvPicPr>
+          <p:nvPr/>
+        </p:nvPicPr>
+        <p:blipFill>
+          <a:blip r:embed="rId3"/>
+          <a:stretch>
+            <a:fillRect/>
+          </a:stretch>
+        </p:blipFill>
+        <p:spPr>
+          <a:xfrm>
+            <a:off x="5158154" y="0"/>
+            <a:ext cx="7033846" cy="6858000"/>
+          </a:xfrm>
+          <a:prstGeom prst="rect">
+            <a:avLst/>
+          </a:prstGeom>
+        </p:spPr>
+      </p:pic>
     </p:spTree>
     <p:extLst>
       <p:ext uri="{BB962C8B-B14F-4D97-AF65-F5344CB8AC3E}">
-        <p14:creationId xmlns:p14="http://schemas.microsoft.com/office/powerpoint/2010/main" val="3528903239"/>
+        <p14:creationId xmlns:p14="http://schemas.microsoft.com/office/powerpoint/2010/main" val="293326083"/>
       </p:ext>
     </p:extLst>
   </p:cSld>
@@ -9156,91 +7463,7 @@
 </p:sld>
 </file>
 
-<file path=ppt/slides/slide8.xml><?xml version="1.0" encoding="utf-8"?>
-<p:sld xmlns:a="http://schemas.openxmlformats.org/drawingml/2006/main" xmlns:r="http://schemas.openxmlformats.org/officeDocument/2006/relationships" xmlns:p="http://schemas.openxmlformats.org/presentationml/2006/main">
-  <p:cSld>
-    <p:spTree>
-      <p:nvGrpSpPr>
-        <p:cNvPr id="1" name=""/>
-        <p:cNvGrpSpPr/>
-        <p:nvPr/>
-      </p:nvGrpSpPr>
-      <p:grpSpPr>
-        <a:xfrm>
-          <a:off x="0" y="0"/>
-          <a:ext cx="0" cy="0"/>
-          <a:chOff x="0" y="0"/>
-          <a:chExt cx="0" cy="0"/>
-        </a:xfrm>
-      </p:grpSpPr>
-      <p:sp>
-        <p:nvSpPr>
-          <p:cNvPr id="2" name="Τίτλος 1">
-            <a:extLst>
-              <a:ext uri="{FF2B5EF4-FFF2-40B4-BE49-F238E27FC236}">
-                <a16:creationId xmlns:a16="http://schemas.microsoft.com/office/drawing/2014/main" id="{0EA6ABA1-B023-883E-3F0B-B9F44088CF30}"/>
-              </a:ext>
-            </a:extLst>
-          </p:cNvPr>
-          <p:cNvSpPr>
-            <a:spLocks noGrp="1"/>
-          </p:cNvSpPr>
-          <p:nvPr>
-            <p:ph type="title"/>
-          </p:nvPr>
-        </p:nvSpPr>
-        <p:spPr/>
-        <p:txBody>
-          <a:bodyPr/>
-          <a:lstStyle/>
-          <a:p>
-            <a:r>
-              <a:rPr lang="en-US" dirty="0"/>
-              <a:t>Results </a:t>
-            </a:r>
-            <a:endParaRPr lang="el-GR" dirty="0"/>
-          </a:p>
-        </p:txBody>
-      </p:sp>
-      <p:sp>
-        <p:nvSpPr>
-          <p:cNvPr id="3" name="Θέση περιεχομένου 2">
-            <a:extLst>
-              <a:ext uri="{FF2B5EF4-FFF2-40B4-BE49-F238E27FC236}">
-                <a16:creationId xmlns:a16="http://schemas.microsoft.com/office/drawing/2014/main" id="{B8173782-E763-14F6-DC33-03573EAFD0C6}"/>
-              </a:ext>
-            </a:extLst>
-          </p:cNvPr>
-          <p:cNvSpPr>
-            <a:spLocks noGrp="1"/>
-          </p:cNvSpPr>
-          <p:nvPr>
-            <p:ph idx="1"/>
-          </p:nvPr>
-        </p:nvSpPr>
-        <p:spPr/>
-        <p:txBody>
-          <a:bodyPr/>
-          <a:lstStyle/>
-          <a:p>
-            <a:endParaRPr lang="el-GR"/>
-          </a:p>
-        </p:txBody>
-      </p:sp>
-    </p:spTree>
-    <p:extLst>
-      <p:ext uri="{BB962C8B-B14F-4D97-AF65-F5344CB8AC3E}">
-        <p14:creationId xmlns:p14="http://schemas.microsoft.com/office/powerpoint/2010/main" val="2763385011"/>
-      </p:ext>
-    </p:extLst>
-  </p:cSld>
-  <p:clrMapOvr>
-    <a:masterClrMapping/>
-  </p:clrMapOvr>
-</p:sld>
-</file>
-
-<file path=ppt/slides/slide9.xml><?xml version="1.0" encoding="utf-8"?>
+<file path=ppt/slides/slide13.xml><?xml version="1.0" encoding="utf-8"?>
 <p:sld xmlns:a="http://schemas.openxmlformats.org/drawingml/2006/main" xmlns:r="http://schemas.openxmlformats.org/officeDocument/2006/relationships" xmlns:p="http://schemas.openxmlformats.org/presentationml/2006/main">
   <p:cSld>
     <p:bg>
@@ -10165,6 +8388,2499 @@
 </p:sld>
 </file>
 
+<file path=ppt/slides/slide14.xml><?xml version="1.0" encoding="utf-8"?>
+<p:sld xmlns:a="http://schemas.openxmlformats.org/drawingml/2006/main" xmlns:r="http://schemas.openxmlformats.org/officeDocument/2006/relationships" xmlns:p="http://schemas.openxmlformats.org/presentationml/2006/main">
+  <p:cSld>
+    <p:spTree>
+      <p:nvGrpSpPr>
+        <p:cNvPr id="1" name=""/>
+        <p:cNvGrpSpPr/>
+        <p:nvPr/>
+      </p:nvGrpSpPr>
+      <p:grpSpPr>
+        <a:xfrm>
+          <a:off x="0" y="0"/>
+          <a:ext cx="0" cy="0"/>
+          <a:chOff x="0" y="0"/>
+          <a:chExt cx="0" cy="0"/>
+        </a:xfrm>
+      </p:grpSpPr>
+      <p:sp>
+        <p:nvSpPr>
+          <p:cNvPr id="2" name="Τίτλος 1">
+            <a:extLst>
+              <a:ext uri="{FF2B5EF4-FFF2-40B4-BE49-F238E27FC236}">
+                <a16:creationId xmlns:a16="http://schemas.microsoft.com/office/drawing/2014/main" id="{7D80AF85-52A7-70CF-BDB5-E422D2BDAFDE}"/>
+              </a:ext>
+            </a:extLst>
+          </p:cNvPr>
+          <p:cNvSpPr>
+            <a:spLocks noGrp="1"/>
+          </p:cNvSpPr>
+          <p:nvPr>
+            <p:ph type="title"/>
+          </p:nvPr>
+        </p:nvSpPr>
+        <p:spPr/>
+        <p:txBody>
+          <a:bodyPr/>
+          <a:lstStyle/>
+          <a:p>
+            <a:endParaRPr lang="el-GR"/>
+          </a:p>
+        </p:txBody>
+      </p:sp>
+      <p:sp>
+        <p:nvSpPr>
+          <p:cNvPr id="3" name="Θέση περιεχομένου 2">
+            <a:extLst>
+              <a:ext uri="{FF2B5EF4-FFF2-40B4-BE49-F238E27FC236}">
+                <a16:creationId xmlns:a16="http://schemas.microsoft.com/office/drawing/2014/main" id="{8516D692-2DD6-6F1D-6232-A44CB65190DA}"/>
+              </a:ext>
+            </a:extLst>
+          </p:cNvPr>
+          <p:cNvSpPr>
+            <a:spLocks noGrp="1"/>
+          </p:cNvSpPr>
+          <p:nvPr>
+            <p:ph idx="1"/>
+          </p:nvPr>
+        </p:nvSpPr>
+        <p:spPr/>
+        <p:txBody>
+          <a:bodyPr/>
+          <a:lstStyle/>
+          <a:p>
+            <a:endParaRPr lang="el-GR"/>
+          </a:p>
+        </p:txBody>
+      </p:sp>
+    </p:spTree>
+    <p:extLst>
+      <p:ext uri="{BB962C8B-B14F-4D97-AF65-F5344CB8AC3E}">
+        <p14:creationId xmlns:p14="http://schemas.microsoft.com/office/powerpoint/2010/main" val="1640741622"/>
+      </p:ext>
+    </p:extLst>
+  </p:cSld>
+  <p:clrMapOvr>
+    <a:masterClrMapping/>
+  </p:clrMapOvr>
+</p:sld>
+</file>
+
+<file path=ppt/slides/slide2.xml><?xml version="1.0" encoding="utf-8"?>
+<p:sld xmlns:a="http://schemas.openxmlformats.org/drawingml/2006/main" xmlns:r="http://schemas.openxmlformats.org/officeDocument/2006/relationships" xmlns:p="http://schemas.openxmlformats.org/presentationml/2006/main">
+  <p:cSld>
+    <p:spTree>
+      <p:nvGrpSpPr>
+        <p:cNvPr id="1" name=""/>
+        <p:cNvGrpSpPr/>
+        <p:nvPr/>
+      </p:nvGrpSpPr>
+      <p:grpSpPr>
+        <a:xfrm>
+          <a:off x="0" y="0"/>
+          <a:ext cx="0" cy="0"/>
+          <a:chOff x="0" y="0"/>
+          <a:chExt cx="0" cy="0"/>
+        </a:xfrm>
+      </p:grpSpPr>
+      <p:sp>
+        <p:nvSpPr>
+          <p:cNvPr id="2" name="Τίτλος 1">
+            <a:extLst>
+              <a:ext uri="{FF2B5EF4-FFF2-40B4-BE49-F238E27FC236}">
+                <a16:creationId xmlns:a16="http://schemas.microsoft.com/office/drawing/2014/main" id="{47AFD2C3-450F-DA8F-C4BD-1D0552B073A3}"/>
+              </a:ext>
+            </a:extLst>
+          </p:cNvPr>
+          <p:cNvSpPr>
+            <a:spLocks noGrp="1"/>
+          </p:cNvSpPr>
+          <p:nvPr>
+            <p:ph type="title"/>
+          </p:nvPr>
+        </p:nvSpPr>
+        <p:spPr/>
+        <p:txBody>
+          <a:bodyPr/>
+          <a:lstStyle/>
+          <a:p>
+            <a:r>
+              <a:rPr lang="en-US" dirty="0"/>
+              <a:t>Introduction</a:t>
+            </a:r>
+            <a:endParaRPr lang="el-GR" dirty="0"/>
+          </a:p>
+        </p:txBody>
+      </p:sp>
+      <p:sp>
+        <p:nvSpPr>
+          <p:cNvPr id="3" name="Θέση περιεχομένου 2">
+            <a:extLst>
+              <a:ext uri="{FF2B5EF4-FFF2-40B4-BE49-F238E27FC236}">
+                <a16:creationId xmlns:a16="http://schemas.microsoft.com/office/drawing/2014/main" id="{6FCB55D8-A101-D04D-EF45-F1C148D21519}"/>
+              </a:ext>
+            </a:extLst>
+          </p:cNvPr>
+          <p:cNvSpPr>
+            <a:spLocks noGrp="1"/>
+          </p:cNvSpPr>
+          <p:nvPr>
+            <p:ph idx="1"/>
+          </p:nvPr>
+        </p:nvSpPr>
+        <p:spPr>
+          <a:xfrm>
+            <a:off x="1018279" y="1690688"/>
+            <a:ext cx="10155441" cy="3871425"/>
+          </a:xfrm>
+        </p:spPr>
+        <p:txBody>
+          <a:bodyPr>
+            <a:normAutofit fontScale="77500" lnSpcReduction="20000"/>
+          </a:bodyPr>
+          <a:lstStyle/>
+          <a:p>
+            <a:pPr marL="0" indent="0">
+              <a:buNone/>
+            </a:pPr>
+            <a:r>
+              <a:rPr lang="en-US" dirty="0"/>
+              <a:t>The </a:t>
+            </a:r>
+            <a:r>
+              <a:rPr lang="en-US" b="1" dirty="0"/>
+              <a:t>ACMG 2015 </a:t>
+            </a:r>
+            <a:r>
+              <a:rPr lang="en-US" dirty="0"/>
+              <a:t>criteria refer to the standards and guidelines established by the American College of Medical Genetics and Genomics (ACMG) and the Association for Molecular Pathology (AMP) in 2015 for the interpretation of sequence variants.</a:t>
+            </a:r>
+          </a:p>
+          <a:p>
+            <a:pPr marL="0" indent="0">
+              <a:buNone/>
+            </a:pPr>
+            <a:r>
+              <a:rPr lang="en-US" dirty="0"/>
+              <a:t>These guidelines provide a structured framework to classify genetic variants based on evidence into 5 tiers: </a:t>
+            </a:r>
+          </a:p>
+          <a:p>
+            <a:pPr marL="514350" indent="-514350">
+              <a:buFont typeface="+mj-lt"/>
+              <a:buAutoNum type="arabicPeriod"/>
+            </a:pPr>
+            <a:r>
+              <a:rPr lang="en-US" dirty="0"/>
+              <a:t>Pathogenic, </a:t>
+            </a:r>
+          </a:p>
+          <a:p>
+            <a:pPr marL="514350" indent="-514350">
+              <a:buFont typeface="+mj-lt"/>
+              <a:buAutoNum type="arabicPeriod"/>
+            </a:pPr>
+            <a:r>
+              <a:rPr lang="en-US" dirty="0"/>
+              <a:t>Likely pathogenic, </a:t>
+            </a:r>
+          </a:p>
+          <a:p>
+            <a:pPr marL="514350" indent="-514350">
+              <a:buFont typeface="+mj-lt"/>
+              <a:buAutoNum type="arabicPeriod"/>
+            </a:pPr>
+            <a:r>
+              <a:rPr lang="en-US" dirty="0"/>
+              <a:t>Uncertain significance, </a:t>
+            </a:r>
+          </a:p>
+          <a:p>
+            <a:pPr marL="514350" indent="-514350">
+              <a:buFont typeface="+mj-lt"/>
+              <a:buAutoNum type="arabicPeriod"/>
+            </a:pPr>
+            <a:r>
+              <a:rPr lang="en-US" dirty="0"/>
+              <a:t>Likely benign and </a:t>
+            </a:r>
+          </a:p>
+          <a:p>
+            <a:pPr marL="514350" indent="-514350">
+              <a:buFont typeface="+mj-lt"/>
+              <a:buAutoNum type="arabicPeriod"/>
+            </a:pPr>
+            <a:r>
+              <a:rPr lang="en-US" dirty="0"/>
+              <a:t>Benign</a:t>
+            </a:r>
+          </a:p>
+          <a:p>
+            <a:pPr marL="0" indent="0">
+              <a:buNone/>
+            </a:pPr>
+            <a:r>
+              <a:rPr lang="en-US" dirty="0"/>
+              <a:t>16 pathogenic criteria and 12 benign criteria (28 criteria in total)</a:t>
+            </a:r>
+          </a:p>
+        </p:txBody>
+      </p:sp>
+      <p:sp>
+        <p:nvSpPr>
+          <p:cNvPr id="4" name="TextBox 3">
+            <a:extLst>
+              <a:ext uri="{FF2B5EF4-FFF2-40B4-BE49-F238E27FC236}">
+                <a16:creationId xmlns:a16="http://schemas.microsoft.com/office/drawing/2014/main" id="{A0C38745-35A3-4CFA-89D3-B3182A0A30E9}"/>
+              </a:ext>
+            </a:extLst>
+          </p:cNvPr>
+          <p:cNvSpPr txBox="1"/>
+          <p:nvPr/>
+        </p:nvSpPr>
+        <p:spPr>
+          <a:xfrm>
+            <a:off x="465481" y="6082748"/>
+            <a:ext cx="11261036" cy="600164"/>
+          </a:xfrm>
+          <a:prstGeom prst="rect">
+            <a:avLst/>
+          </a:prstGeom>
+          <a:noFill/>
+        </p:spPr>
+        <p:txBody>
+          <a:bodyPr wrap="square" rtlCol="0">
+            <a:spAutoFit/>
+          </a:bodyPr>
+          <a:lstStyle/>
+          <a:p>
+            <a:r>
+              <a:rPr lang="en-US" sz="1100" dirty="0"/>
+              <a:t>Richards, S., Aziz, N., Bale, S., Bick, D., Das, S., </a:t>
+            </a:r>
+            <a:r>
+              <a:rPr lang="en-US" sz="1100" dirty="0" err="1"/>
+              <a:t>Gastier</a:t>
+            </a:r>
+            <a:r>
+              <a:rPr lang="en-US" sz="1100" dirty="0"/>
+              <a:t>-Foster, J., Grody, W. W., Hegde, M., Lyon, E., Spector, E., </a:t>
+            </a:r>
+            <a:r>
+              <a:rPr lang="en-US" sz="1100" dirty="0" err="1"/>
+              <a:t>Voelkerding</a:t>
+            </a:r>
+            <a:r>
+              <a:rPr lang="en-US" sz="1100" dirty="0"/>
+              <a:t>, K., Rehm, H. L., &amp; ACMG Laboratory Quality Assurance Committee (2015). Standards and guidelines for the interpretation of sequence variants: a joint consensus recommendation of the American College of Medical Genetics and Genomics and the Association for Molecular Pathology. </a:t>
+            </a:r>
+            <a:r>
+              <a:rPr lang="en-US" sz="1100" i="1" dirty="0"/>
+              <a:t>Genetics in medicine : official journal of the American College of Medical Genetics</a:t>
+            </a:r>
+            <a:r>
+              <a:rPr lang="en-US" sz="1100" dirty="0"/>
+              <a:t>, </a:t>
+            </a:r>
+            <a:r>
+              <a:rPr lang="en-US" sz="1100" i="1" dirty="0"/>
+              <a:t>17</a:t>
+            </a:r>
+            <a:r>
+              <a:rPr lang="en-US" sz="1100" dirty="0"/>
+              <a:t>(5), 405–424. https://doi.org/10.1038/gim.2015.30</a:t>
+            </a:r>
+            <a:endParaRPr lang="el-GR" sz="1100" dirty="0"/>
+          </a:p>
+        </p:txBody>
+      </p:sp>
+    </p:spTree>
+    <p:extLst>
+      <p:ext uri="{BB962C8B-B14F-4D97-AF65-F5344CB8AC3E}">
+        <p14:creationId xmlns:p14="http://schemas.microsoft.com/office/powerpoint/2010/main" val="804191389"/>
+      </p:ext>
+    </p:extLst>
+  </p:cSld>
+  <p:clrMapOvr>
+    <a:masterClrMapping/>
+  </p:clrMapOvr>
+</p:sld>
+</file>
+
+<file path=ppt/slides/slide3.xml><?xml version="1.0" encoding="utf-8"?>
+<p:sld xmlns:a="http://schemas.openxmlformats.org/drawingml/2006/main" xmlns:r="http://schemas.openxmlformats.org/officeDocument/2006/relationships" xmlns:p="http://schemas.openxmlformats.org/presentationml/2006/main">
+  <p:cSld>
+    <p:spTree>
+      <p:nvGrpSpPr>
+        <p:cNvPr id="1" name=""/>
+        <p:cNvGrpSpPr/>
+        <p:nvPr/>
+      </p:nvGrpSpPr>
+      <p:grpSpPr>
+        <a:xfrm>
+          <a:off x="0" y="0"/>
+          <a:ext cx="0" cy="0"/>
+          <a:chOff x="0" y="0"/>
+          <a:chExt cx="0" cy="0"/>
+        </a:xfrm>
+      </p:grpSpPr>
+      <p:sp>
+        <p:nvSpPr>
+          <p:cNvPr id="2" name="Τίτλος 1">
+            <a:extLst>
+              <a:ext uri="{FF2B5EF4-FFF2-40B4-BE49-F238E27FC236}">
+                <a16:creationId xmlns:a16="http://schemas.microsoft.com/office/drawing/2014/main" id="{6AA69930-D79B-43DA-BF6B-12AE9D6693D0}"/>
+              </a:ext>
+            </a:extLst>
+          </p:cNvPr>
+          <p:cNvSpPr>
+            <a:spLocks noGrp="1"/>
+          </p:cNvSpPr>
+          <p:nvPr>
+            <p:ph type="title"/>
+          </p:nvPr>
+        </p:nvSpPr>
+        <p:spPr/>
+        <p:txBody>
+          <a:bodyPr/>
+          <a:lstStyle/>
+          <a:p>
+            <a:r>
+              <a:rPr lang="en-US" dirty="0"/>
+              <a:t>ACMG 2015 criteria used</a:t>
+            </a:r>
+            <a:endParaRPr lang="el-GR" dirty="0"/>
+          </a:p>
+        </p:txBody>
+      </p:sp>
+      <p:sp>
+        <p:nvSpPr>
+          <p:cNvPr id="3" name="Θέση περιεχομένου 2">
+            <a:extLst>
+              <a:ext uri="{FF2B5EF4-FFF2-40B4-BE49-F238E27FC236}">
+                <a16:creationId xmlns:a16="http://schemas.microsoft.com/office/drawing/2014/main" id="{FD8D42E0-A65D-4314-ADA5-3F8B2C0F7894}"/>
+              </a:ext>
+            </a:extLst>
+          </p:cNvPr>
+          <p:cNvSpPr>
+            <a:spLocks noGrp="1"/>
+          </p:cNvSpPr>
+          <p:nvPr>
+            <p:ph idx="1"/>
+          </p:nvPr>
+        </p:nvSpPr>
+        <p:spPr/>
+        <p:txBody>
+          <a:bodyPr>
+            <a:normAutofit fontScale="92500" lnSpcReduction="20000"/>
+          </a:bodyPr>
+          <a:lstStyle/>
+          <a:p>
+            <a:pPr marL="0" indent="0">
+              <a:buNone/>
+            </a:pPr>
+            <a:r>
+              <a:rPr lang="en-US" b="1" dirty="0"/>
+              <a:t>PS1: </a:t>
+            </a:r>
+            <a:r>
+              <a:rPr lang="en-US" dirty="0"/>
+              <a:t>Same amino acid change as a previously established pathogenic variant regardless of nucleotide change</a:t>
+            </a:r>
+          </a:p>
+          <a:p>
+            <a:pPr marL="0" indent="0">
+              <a:buNone/>
+            </a:pPr>
+            <a:endParaRPr lang="en-US" dirty="0"/>
+          </a:p>
+          <a:p>
+            <a:pPr marL="0" indent="0">
+              <a:buNone/>
+            </a:pPr>
+            <a:r>
+              <a:rPr lang="en-US" b="1" dirty="0"/>
+              <a:t>PM5: </a:t>
+            </a:r>
+            <a:r>
+              <a:rPr lang="en-US" dirty="0"/>
+              <a:t>Novel missense change at an amino acid residue where a different missense change determined to be pathogenic has been seen before</a:t>
+            </a:r>
+          </a:p>
+          <a:p>
+            <a:pPr marL="0" indent="0">
+              <a:buNone/>
+            </a:pPr>
+            <a:endParaRPr lang="en-US" b="1" dirty="0"/>
+          </a:p>
+          <a:p>
+            <a:pPr marL="0" indent="0">
+              <a:buNone/>
+            </a:pPr>
+            <a:r>
+              <a:rPr lang="en-US" b="1" dirty="0"/>
+              <a:t>PP5: </a:t>
+            </a:r>
+            <a:r>
+              <a:rPr lang="en-US" dirty="0"/>
+              <a:t>Reputable source recently reports variant as pathogenic, but the evidence is not available to the laboratory to perform an independent evaluation</a:t>
+            </a:r>
+          </a:p>
+          <a:p>
+            <a:pPr marL="0" indent="0">
+              <a:buNone/>
+            </a:pPr>
+            <a:endParaRPr lang="en-US" b="1" dirty="0"/>
+          </a:p>
+          <a:p>
+            <a:pPr marL="0" indent="0">
+              <a:buNone/>
+            </a:pPr>
+            <a:r>
+              <a:rPr lang="en-US" b="1" dirty="0"/>
+              <a:t>BP6: </a:t>
+            </a:r>
+            <a:r>
+              <a:rPr lang="en-US" dirty="0"/>
+              <a:t>Reputable source recently reports variant as benign, but the evidence is not available to the laboratory to perform an independent evaluation </a:t>
+            </a:r>
+            <a:endParaRPr lang="en-US" b="1" dirty="0"/>
+          </a:p>
+          <a:p>
+            <a:endParaRPr lang="el-GR" dirty="0"/>
+          </a:p>
+        </p:txBody>
+      </p:sp>
+      <p:sp>
+        <p:nvSpPr>
+          <p:cNvPr id="4" name="TextBox 3">
+            <a:extLst>
+              <a:ext uri="{FF2B5EF4-FFF2-40B4-BE49-F238E27FC236}">
+                <a16:creationId xmlns:a16="http://schemas.microsoft.com/office/drawing/2014/main" id="{E22B3411-5870-4379-BBFE-EFBEF6A5D57E}"/>
+              </a:ext>
+            </a:extLst>
+          </p:cNvPr>
+          <p:cNvSpPr txBox="1"/>
+          <p:nvPr/>
+        </p:nvSpPr>
+        <p:spPr>
+          <a:xfrm>
+            <a:off x="465481" y="6082748"/>
+            <a:ext cx="11261036" cy="600164"/>
+          </a:xfrm>
+          <a:prstGeom prst="rect">
+            <a:avLst/>
+          </a:prstGeom>
+          <a:noFill/>
+        </p:spPr>
+        <p:txBody>
+          <a:bodyPr wrap="square" rtlCol="0">
+            <a:spAutoFit/>
+          </a:bodyPr>
+          <a:lstStyle/>
+          <a:p>
+            <a:r>
+              <a:rPr lang="en-US" sz="1100" dirty="0"/>
+              <a:t>Richards, S., Aziz, N., Bale, S., Bick, D., Das, S., </a:t>
+            </a:r>
+            <a:r>
+              <a:rPr lang="en-US" sz="1100" dirty="0" err="1"/>
+              <a:t>Gastier</a:t>
+            </a:r>
+            <a:r>
+              <a:rPr lang="en-US" sz="1100" dirty="0"/>
+              <a:t>-Foster, J., Grody, W. W., Hegde, M., Lyon, E., Spector, E., </a:t>
+            </a:r>
+            <a:r>
+              <a:rPr lang="en-US" sz="1100" dirty="0" err="1"/>
+              <a:t>Voelkerding</a:t>
+            </a:r>
+            <a:r>
+              <a:rPr lang="en-US" sz="1100" dirty="0"/>
+              <a:t>, K., Rehm, H. L., &amp; ACMG Laboratory Quality Assurance Committee (2015). Standards and guidelines for the interpretation of sequence variants: a joint consensus recommendation of the American College of Medical Genetics and Genomics and the Association for Molecular Pathology. </a:t>
+            </a:r>
+            <a:r>
+              <a:rPr lang="en-US" sz="1100" i="1" dirty="0"/>
+              <a:t>Genetics in medicine : official journal of the American College of Medical Genetics</a:t>
+            </a:r>
+            <a:r>
+              <a:rPr lang="en-US" sz="1100" dirty="0"/>
+              <a:t>, </a:t>
+            </a:r>
+            <a:r>
+              <a:rPr lang="en-US" sz="1100" i="1" dirty="0"/>
+              <a:t>17</a:t>
+            </a:r>
+            <a:r>
+              <a:rPr lang="en-US" sz="1100" dirty="0"/>
+              <a:t>(5), 405–424. https://doi.org/10.1038/gim.2015.30</a:t>
+            </a:r>
+            <a:endParaRPr lang="el-GR" sz="1100" dirty="0"/>
+          </a:p>
+        </p:txBody>
+      </p:sp>
+    </p:spTree>
+    <p:extLst>
+      <p:ext uri="{BB962C8B-B14F-4D97-AF65-F5344CB8AC3E}">
+        <p14:creationId xmlns:p14="http://schemas.microsoft.com/office/powerpoint/2010/main" val="3995837821"/>
+      </p:ext>
+    </p:extLst>
+  </p:cSld>
+  <p:clrMapOvr>
+    <a:masterClrMapping/>
+  </p:clrMapOvr>
+</p:sld>
+</file>
+
+<file path=ppt/slides/slide4.xml><?xml version="1.0" encoding="utf-8"?>
+<p:sld xmlns:a="http://schemas.openxmlformats.org/drawingml/2006/main" xmlns:r="http://schemas.openxmlformats.org/officeDocument/2006/relationships" xmlns:p="http://schemas.openxmlformats.org/presentationml/2006/main">
+  <p:cSld>
+    <p:bg>
+      <p:bgPr>
+        <a:solidFill>
+          <a:schemeClr val="bg1"/>
+        </a:solidFill>
+        <a:effectLst/>
+      </p:bgPr>
+    </p:bg>
+    <p:spTree>
+      <p:nvGrpSpPr>
+        <p:cNvPr id="1" name=""/>
+        <p:cNvGrpSpPr/>
+        <p:nvPr/>
+      </p:nvGrpSpPr>
+      <p:grpSpPr>
+        <a:xfrm>
+          <a:off x="0" y="0"/>
+          <a:ext cx="0" cy="0"/>
+          <a:chOff x="0" y="0"/>
+          <a:chExt cx="0" cy="0"/>
+        </a:xfrm>
+      </p:grpSpPr>
+      <p:sp useBgFill="1">
+        <p:nvSpPr>
+          <p:cNvPr id="8" name="Rectangle 7">
+            <a:extLst>
+              <a:ext uri="{FF2B5EF4-FFF2-40B4-BE49-F238E27FC236}">
+                <a16:creationId xmlns:a16="http://schemas.microsoft.com/office/drawing/2014/main" id="{907EF6B7-1338-4443-8C46-6A318D952DFD}"/>
+              </a:ext>
+              <a:ext uri="{C183D7F6-B498-43B3-948B-1728B52AA6E4}">
+                <adec:decorative xmlns:adec="http://schemas.microsoft.com/office/drawing/2017/decorative" val="1"/>
+              </a:ext>
+            </a:extLst>
+          </p:cNvPr>
+          <p:cNvSpPr>
+            <a:spLocks noGrp="1" noRot="1" noChangeAspect="1" noMove="1" noResize="1" noEditPoints="1" noAdjustHandles="1" noChangeArrowheads="1" noChangeShapeType="1" noTextEdit="1"/>
+          </p:cNvSpPr>
+          <p:nvPr>
+            <p:extLst>
+              <p:ext uri="{386F3935-93C4-4BCD-93E2-E3B085C9AB24}">
+                <p16:designElem xmlns:p16="http://schemas.microsoft.com/office/powerpoint/2015/main" val="1"/>
+              </p:ext>
+            </p:extLst>
+          </p:nvPr>
+        </p:nvSpPr>
+        <p:spPr>
+          <a:xfrm>
+            <a:off x="3048" y="0"/>
+            <a:ext cx="12188952" cy="6858000"/>
+          </a:xfrm>
+          <a:prstGeom prst="rect">
+            <a:avLst/>
+          </a:prstGeom>
+          <a:ln>
+            <a:noFill/>
+          </a:ln>
+        </p:spPr>
+        <p:style>
+          <a:lnRef idx="2">
+            <a:schemeClr val="accent1">
+              <a:shade val="50000"/>
+            </a:schemeClr>
+          </a:lnRef>
+          <a:fillRef idx="1">
+            <a:schemeClr val="accent1"/>
+          </a:fillRef>
+          <a:effectRef idx="0">
+            <a:schemeClr val="accent1"/>
+          </a:effectRef>
+          <a:fontRef idx="minor">
+            <a:schemeClr val="lt1"/>
+          </a:fontRef>
+        </p:style>
+        <p:txBody>
+          <a:bodyPr rtlCol="0" anchor="ctr"/>
+          <a:lstStyle/>
+          <a:p>
+            <a:pPr algn="ctr"/>
+            <a:endParaRPr lang="en-US"/>
+          </a:p>
+        </p:txBody>
+      </p:sp>
+      <p:sp>
+        <p:nvSpPr>
+          <p:cNvPr id="10" name="Freeform: Shape 9">
+            <a:extLst>
+              <a:ext uri="{FF2B5EF4-FFF2-40B4-BE49-F238E27FC236}">
+                <a16:creationId xmlns:a16="http://schemas.microsoft.com/office/drawing/2014/main" id="{DAAE4CDD-124C-4DCF-9584-B6033B545DD5}"/>
+              </a:ext>
+              <a:ext uri="{C183D7F6-B498-43B3-948B-1728B52AA6E4}">
+                <adec:decorative xmlns:adec="http://schemas.microsoft.com/office/drawing/2017/decorative" val="1"/>
+              </a:ext>
+            </a:extLst>
+          </p:cNvPr>
+          <p:cNvSpPr>
+            <a:spLocks noGrp="1" noRot="1" noChangeAspect="1" noMove="1" noResize="1" noEditPoints="1" noAdjustHandles="1" noChangeArrowheads="1" noChangeShapeType="1" noTextEdit="1"/>
+          </p:cNvSpPr>
+          <p:nvPr>
+            <p:extLst>
+              <p:ext uri="{386F3935-93C4-4BCD-93E2-E3B085C9AB24}">
+                <p16:designElem xmlns:p16="http://schemas.microsoft.com/office/powerpoint/2015/main" val="1"/>
+              </p:ext>
+            </p:extLst>
+          </p:nvPr>
+        </p:nvSpPr>
+        <p:spPr>
+          <a:xfrm>
+            <a:off x="1" y="0"/>
+            <a:ext cx="4167271" cy="6858000"/>
+          </a:xfrm>
+          <a:custGeom>
+            <a:avLst/>
+            <a:gdLst>
+              <a:gd name="connsiteX0" fmla="*/ 0 w 4167271"/>
+              <a:gd name="connsiteY0" fmla="*/ 0 h 6858000"/>
+              <a:gd name="connsiteX1" fmla="*/ 2259550 w 4167271"/>
+              <a:gd name="connsiteY1" fmla="*/ 0 h 6858000"/>
+              <a:gd name="connsiteX2" fmla="*/ 2387803 w 4167271"/>
+              <a:gd name="connsiteY2" fmla="*/ 82222 h 6858000"/>
+              <a:gd name="connsiteX3" fmla="*/ 4167271 w 4167271"/>
+              <a:gd name="connsiteY3" fmla="*/ 3429000 h 6858000"/>
+              <a:gd name="connsiteX4" fmla="*/ 2387803 w 4167271"/>
+              <a:gd name="connsiteY4" fmla="*/ 6775779 h 6858000"/>
+              <a:gd name="connsiteX5" fmla="*/ 2259550 w 4167271"/>
+              <a:gd name="connsiteY5" fmla="*/ 6858000 h 6858000"/>
+              <a:gd name="connsiteX6" fmla="*/ 0 w 4167271"/>
+              <a:gd name="connsiteY6" fmla="*/ 6858000 h 6858000"/>
+            </a:gdLst>
+            <a:ahLst/>
+            <a:cxnLst>
+              <a:cxn ang="0">
+                <a:pos x="connsiteX0" y="connsiteY0"/>
+              </a:cxn>
+              <a:cxn ang="0">
+                <a:pos x="connsiteX1" y="connsiteY1"/>
+              </a:cxn>
+              <a:cxn ang="0">
+                <a:pos x="connsiteX2" y="connsiteY2"/>
+              </a:cxn>
+              <a:cxn ang="0">
+                <a:pos x="connsiteX3" y="connsiteY3"/>
+              </a:cxn>
+              <a:cxn ang="0">
+                <a:pos x="connsiteX4" y="connsiteY4"/>
+              </a:cxn>
+              <a:cxn ang="0">
+                <a:pos x="connsiteX5" y="connsiteY5"/>
+              </a:cxn>
+              <a:cxn ang="0">
+                <a:pos x="connsiteX6" y="connsiteY6"/>
+              </a:cxn>
+            </a:cxnLst>
+            <a:rect l="l" t="t" r="r" b="b"/>
+            <a:pathLst>
+              <a:path w="4167271" h="6858000">
+                <a:moveTo>
+                  <a:pt x="0" y="0"/>
+                </a:moveTo>
+                <a:lnTo>
+                  <a:pt x="2259550" y="0"/>
+                </a:lnTo>
+                <a:lnTo>
+                  <a:pt x="2387803" y="82222"/>
+                </a:lnTo>
+                <a:cubicBezTo>
+                  <a:pt x="3461407" y="807534"/>
+                  <a:pt x="4167271" y="2035835"/>
+                  <a:pt x="4167271" y="3429000"/>
+                </a:cubicBezTo>
+                <a:cubicBezTo>
+                  <a:pt x="4167271" y="4822165"/>
+                  <a:pt x="3461407" y="6050467"/>
+                  <a:pt x="2387803" y="6775779"/>
+                </a:cubicBezTo>
+                <a:lnTo>
+                  <a:pt x="2259550" y="6858000"/>
+                </a:lnTo>
+                <a:lnTo>
+                  <a:pt x="0" y="6858000"/>
+                </a:lnTo>
+                <a:close/>
+              </a:path>
+            </a:pathLst>
+          </a:custGeom>
+          <a:solidFill>
+            <a:schemeClr val="accent2"/>
+          </a:solidFill>
+          <a:ln>
+            <a:noFill/>
+          </a:ln>
+        </p:spPr>
+        <p:style>
+          <a:lnRef idx="2">
+            <a:schemeClr val="accent1">
+              <a:shade val="50000"/>
+            </a:schemeClr>
+          </a:lnRef>
+          <a:fillRef idx="1">
+            <a:schemeClr val="accent1"/>
+          </a:fillRef>
+          <a:effectRef idx="0">
+            <a:schemeClr val="accent1"/>
+          </a:effectRef>
+          <a:fontRef idx="minor">
+            <a:schemeClr val="lt1"/>
+          </a:fontRef>
+        </p:style>
+        <p:txBody>
+          <a:bodyPr rtlCol="0" anchor="ctr"/>
+          <a:lstStyle/>
+          <a:p>
+            <a:pPr algn="ctr"/>
+            <a:endParaRPr lang="en-US"/>
+          </a:p>
+        </p:txBody>
+      </p:sp>
+      <p:sp>
+        <p:nvSpPr>
+          <p:cNvPr id="2" name="Τίτλος 1">
+            <a:extLst>
+              <a:ext uri="{FF2B5EF4-FFF2-40B4-BE49-F238E27FC236}">
+                <a16:creationId xmlns:a16="http://schemas.microsoft.com/office/drawing/2014/main" id="{20FF709E-19B0-46D4-BDD7-2082CF0CBBA9}"/>
+              </a:ext>
+            </a:extLst>
+          </p:cNvPr>
+          <p:cNvSpPr>
+            <a:spLocks noGrp="1"/>
+          </p:cNvSpPr>
+          <p:nvPr>
+            <p:ph type="title"/>
+          </p:nvPr>
+        </p:nvSpPr>
+        <p:spPr>
+          <a:xfrm>
+            <a:off x="686834" y="1153572"/>
+            <a:ext cx="3200400" cy="4461163"/>
+          </a:xfrm>
+        </p:spPr>
+        <p:txBody>
+          <a:bodyPr>
+            <a:normAutofit/>
+          </a:bodyPr>
+          <a:lstStyle/>
+          <a:p>
+            <a:r>
+              <a:rPr lang="en-US" dirty="0">
+                <a:solidFill>
+                  <a:srgbClr val="FFFFFF"/>
+                </a:solidFill>
+              </a:rPr>
+              <a:t>Purpose</a:t>
+            </a:r>
+            <a:endParaRPr lang="el-GR" dirty="0">
+              <a:solidFill>
+                <a:srgbClr val="FFFFFF"/>
+              </a:solidFill>
+            </a:endParaRPr>
+          </a:p>
+        </p:txBody>
+      </p:sp>
+      <p:sp>
+        <p:nvSpPr>
+          <p:cNvPr id="12" name="Arc 11">
+            <a:extLst>
+              <a:ext uri="{FF2B5EF4-FFF2-40B4-BE49-F238E27FC236}">
+                <a16:creationId xmlns:a16="http://schemas.microsoft.com/office/drawing/2014/main" id="{081E4A58-353D-44AE-B2FC-2A74E2E400F7}"/>
+              </a:ext>
+              <a:ext uri="{C183D7F6-B498-43B3-948B-1728B52AA6E4}">
+                <adec:decorative xmlns:adec="http://schemas.microsoft.com/office/drawing/2017/decorative" val="1"/>
+              </a:ext>
+            </a:extLst>
+          </p:cNvPr>
+          <p:cNvSpPr>
+            <a:spLocks noGrp="1" noRot="1" noChangeAspect="1" noMove="1" noResize="1" noEditPoints="1" noAdjustHandles="1" noChangeArrowheads="1" noChangeShapeType="1" noTextEdit="1"/>
+          </p:cNvSpPr>
+          <p:nvPr>
+            <p:extLst>
+              <p:ext uri="{386F3935-93C4-4BCD-93E2-E3B085C9AB24}">
+                <p16:designElem xmlns:p16="http://schemas.microsoft.com/office/powerpoint/2015/main" val="1"/>
+              </p:ext>
+            </p:extLst>
+          </p:nvPr>
+        </p:nvSpPr>
+        <p:spPr>
+          <a:xfrm flipV="1">
+            <a:off x="7550402" y="2455479"/>
+            <a:ext cx="4083433" cy="4083433"/>
+          </a:xfrm>
+          <a:prstGeom prst="arc">
+            <a:avLst/>
+          </a:prstGeom>
+          <a:ln w="127000" cap="rnd">
+            <a:solidFill>
+              <a:schemeClr val="accent4"/>
+            </a:solidFill>
+            <a:prstDash val="dash"/>
+          </a:ln>
+        </p:spPr>
+        <p:style>
+          <a:lnRef idx="1">
+            <a:schemeClr val="accent1"/>
+          </a:lnRef>
+          <a:fillRef idx="0">
+            <a:schemeClr val="accent1"/>
+          </a:fillRef>
+          <a:effectRef idx="0">
+            <a:schemeClr val="accent1"/>
+          </a:effectRef>
+          <a:fontRef idx="minor">
+            <a:schemeClr val="tx1"/>
+          </a:fontRef>
+        </p:style>
+        <p:txBody>
+          <a:bodyPr rtlCol="0" anchor="ctr"/>
+          <a:lstStyle/>
+          <a:p>
+            <a:pPr algn="ctr"/>
+            <a:endParaRPr lang="en-US" dirty="0"/>
+          </a:p>
+        </p:txBody>
+      </p:sp>
+      <p:sp>
+        <p:nvSpPr>
+          <p:cNvPr id="3" name="Θέση περιεχομένου 2">
+            <a:extLst>
+              <a:ext uri="{FF2B5EF4-FFF2-40B4-BE49-F238E27FC236}">
+                <a16:creationId xmlns:a16="http://schemas.microsoft.com/office/drawing/2014/main" id="{C4CF523F-B070-4E4B-B428-06D2792A1209}"/>
+              </a:ext>
+            </a:extLst>
+          </p:cNvPr>
+          <p:cNvSpPr>
+            <a:spLocks noGrp="1"/>
+          </p:cNvSpPr>
+          <p:nvPr>
+            <p:ph idx="1"/>
+          </p:nvPr>
+        </p:nvSpPr>
+        <p:spPr>
+          <a:xfrm>
+            <a:off x="4364666" y="29116"/>
+            <a:ext cx="6906491" cy="5585619"/>
+          </a:xfrm>
+        </p:spPr>
+        <p:txBody>
+          <a:bodyPr anchor="ctr">
+            <a:normAutofit/>
+          </a:bodyPr>
+          <a:lstStyle/>
+          <a:p>
+            <a:pPr marL="0" indent="0">
+              <a:buNone/>
+            </a:pPr>
+            <a:r>
+              <a:rPr lang="en-US" sz="2000" dirty="0"/>
+              <a:t>The script:</a:t>
+            </a:r>
+          </a:p>
+          <a:p>
+            <a:pPr marL="514350" indent="-514350">
+              <a:buAutoNum type="arabicPeriod"/>
+            </a:pPr>
+            <a:r>
+              <a:rPr lang="en-US" sz="2000" dirty="0"/>
+              <a:t>Downloads the </a:t>
+            </a:r>
+            <a:r>
+              <a:rPr lang="en-US" sz="2000" dirty="0" err="1"/>
+              <a:t>ClinVar</a:t>
+            </a:r>
+            <a:r>
+              <a:rPr lang="en-US" sz="2000" dirty="0"/>
+              <a:t> </a:t>
+            </a:r>
+            <a:r>
+              <a:rPr lang="en-US" sz="2000" i="1" dirty="0"/>
+              <a:t>variant_summary.txt </a:t>
+            </a:r>
+            <a:r>
+              <a:rPr lang="en-US" sz="2000" dirty="0"/>
+              <a:t>file from NCBI</a:t>
+            </a:r>
+          </a:p>
+          <a:p>
+            <a:pPr marL="514350" indent="-514350">
+              <a:buAutoNum type="arabicPeriod"/>
+            </a:pPr>
+            <a:r>
+              <a:rPr lang="en-US" sz="2000" dirty="0"/>
+              <a:t>Filters it for TP53 variants (GRCh38)</a:t>
+            </a:r>
+          </a:p>
+          <a:p>
+            <a:pPr marL="514350" indent="-514350">
+              <a:buAutoNum type="arabicPeriod"/>
+            </a:pPr>
+            <a:r>
+              <a:rPr lang="en-US" sz="2000" dirty="0"/>
+              <a:t>Process it to extract relevant genomic/protein change information</a:t>
+            </a:r>
+          </a:p>
+          <a:p>
+            <a:pPr marL="514350" indent="-514350">
+              <a:buAutoNum type="arabicPeriod"/>
+            </a:pPr>
+            <a:r>
+              <a:rPr lang="en-US" sz="2000" dirty="0"/>
+              <a:t>Applies ACMG classification support rules (PS1, PM5, PP5 and BP6)</a:t>
+            </a:r>
+          </a:p>
+          <a:p>
+            <a:pPr marL="514350" indent="-514350">
+              <a:buAutoNum type="arabicPeriod"/>
+            </a:pPr>
+            <a:r>
+              <a:rPr lang="en-US" sz="2000" dirty="0"/>
+              <a:t>Stores the results into a PostgreSQL database (</a:t>
+            </a:r>
+            <a:r>
+              <a:rPr lang="en-US" sz="2000" dirty="0" err="1"/>
+              <a:t>clinvar_db</a:t>
+            </a:r>
+            <a:r>
+              <a:rPr lang="en-US" sz="2000" dirty="0"/>
+              <a:t>)</a:t>
+            </a:r>
+          </a:p>
+          <a:p>
+            <a:pPr marL="514350" indent="-514350">
+              <a:buFont typeface="+mj-lt"/>
+              <a:buAutoNum type="arabicPeriod"/>
+            </a:pPr>
+            <a:endParaRPr lang="en-US" dirty="0"/>
+          </a:p>
+          <a:p>
+            <a:endParaRPr lang="el-GR" dirty="0"/>
+          </a:p>
+        </p:txBody>
+      </p:sp>
+      <p:sp>
+        <p:nvSpPr>
+          <p:cNvPr id="4" name="TextBox 3">
+            <a:extLst>
+              <a:ext uri="{FF2B5EF4-FFF2-40B4-BE49-F238E27FC236}">
+                <a16:creationId xmlns:a16="http://schemas.microsoft.com/office/drawing/2014/main" id="{B5A92A14-A3AD-4E4A-8F5E-4DC46AE98332}"/>
+              </a:ext>
+            </a:extLst>
+          </p:cNvPr>
+          <p:cNvSpPr txBox="1"/>
+          <p:nvPr/>
+        </p:nvSpPr>
+        <p:spPr>
+          <a:xfrm>
+            <a:off x="4396777" y="4014278"/>
+            <a:ext cx="7071774" cy="2246769"/>
+          </a:xfrm>
+          <a:prstGeom prst="rect">
+            <a:avLst/>
+          </a:prstGeom>
+          <a:noFill/>
+        </p:spPr>
+        <p:txBody>
+          <a:bodyPr wrap="square" rtlCol="0">
+            <a:spAutoFit/>
+          </a:bodyPr>
+          <a:lstStyle/>
+          <a:p>
+            <a:r>
+              <a:rPr lang="en-US" sz="2800" dirty="0"/>
+              <a:t>This script automatically retrieves TP53 </a:t>
+            </a:r>
+            <a:r>
+              <a:rPr lang="en-US" sz="2800" dirty="0" err="1"/>
+              <a:t>ClinVar</a:t>
+            </a:r>
+            <a:r>
+              <a:rPr lang="en-US" sz="2800" dirty="0"/>
+              <a:t> data, processes and classifies variants with ACMG support criteria and loads the results into a structured PostgreSQL database for downstream analysis.</a:t>
+            </a:r>
+            <a:endParaRPr lang="el-GR" sz="2800" dirty="0"/>
+          </a:p>
+        </p:txBody>
+      </p:sp>
+    </p:spTree>
+    <p:extLst>
+      <p:ext uri="{BB962C8B-B14F-4D97-AF65-F5344CB8AC3E}">
+        <p14:creationId xmlns:p14="http://schemas.microsoft.com/office/powerpoint/2010/main" val="2122724413"/>
+      </p:ext>
+    </p:extLst>
+  </p:cSld>
+  <p:clrMapOvr>
+    <a:masterClrMapping/>
+  </p:clrMapOvr>
+</p:sld>
+</file>
+
+<file path=ppt/slides/slide5.xml><?xml version="1.0" encoding="utf-8"?>
+<p:sld xmlns:a="http://schemas.openxmlformats.org/drawingml/2006/main" xmlns:r="http://schemas.openxmlformats.org/officeDocument/2006/relationships" xmlns:p="http://schemas.openxmlformats.org/presentationml/2006/main">
+  <p:cSld>
+    <p:bg>
+      <p:bgPr>
+        <a:solidFill>
+          <a:schemeClr val="bg1"/>
+        </a:solidFill>
+        <a:effectLst/>
+      </p:bgPr>
+    </p:bg>
+    <p:spTree>
+      <p:nvGrpSpPr>
+        <p:cNvPr id="1" name=""/>
+        <p:cNvGrpSpPr/>
+        <p:nvPr/>
+      </p:nvGrpSpPr>
+      <p:grpSpPr>
+        <a:xfrm>
+          <a:off x="0" y="0"/>
+          <a:ext cx="0" cy="0"/>
+          <a:chOff x="0" y="0"/>
+          <a:chExt cx="0" cy="0"/>
+        </a:xfrm>
+      </p:grpSpPr>
+      <p:sp useBgFill="1">
+        <p:nvSpPr>
+          <p:cNvPr id="16" name="Rectangle 9">
+            <a:extLst>
+              <a:ext uri="{FF2B5EF4-FFF2-40B4-BE49-F238E27FC236}">
+                <a16:creationId xmlns:a16="http://schemas.microsoft.com/office/drawing/2014/main" id="{743AA782-23D1-4521-8CAD-47662984AA08}"/>
+              </a:ext>
+              <a:ext uri="{C183D7F6-B498-43B3-948B-1728B52AA6E4}">
+                <adec:decorative xmlns:adec="http://schemas.microsoft.com/office/drawing/2017/decorative" val="1"/>
+              </a:ext>
+            </a:extLst>
+          </p:cNvPr>
+          <p:cNvSpPr>
+            <a:spLocks noGrp="1" noRot="1" noChangeAspect="1" noMove="1" noResize="1" noEditPoints="1" noAdjustHandles="1" noChangeArrowheads="1" noChangeShapeType="1" noTextEdit="1"/>
+          </p:cNvSpPr>
+          <p:nvPr>
+            <p:extLst>
+              <p:ext uri="{386F3935-93C4-4BCD-93E2-E3B085C9AB24}">
+                <p16:designElem xmlns:p16="http://schemas.microsoft.com/office/powerpoint/2015/main" val="1"/>
+              </p:ext>
+            </p:extLst>
+          </p:nvPr>
+        </p:nvSpPr>
+        <p:spPr>
+          <a:xfrm>
+            <a:off x="0" y="0"/>
+            <a:ext cx="12192000" cy="6858000"/>
+          </a:xfrm>
+          <a:prstGeom prst="rect">
+            <a:avLst/>
+          </a:prstGeom>
+          <a:ln>
+            <a:noFill/>
+          </a:ln>
+        </p:spPr>
+        <p:style>
+          <a:lnRef idx="2">
+            <a:schemeClr val="accent1">
+              <a:shade val="50000"/>
+            </a:schemeClr>
+          </a:lnRef>
+          <a:fillRef idx="1">
+            <a:schemeClr val="accent1"/>
+          </a:fillRef>
+          <a:effectRef idx="0">
+            <a:schemeClr val="accent1"/>
+          </a:effectRef>
+          <a:fontRef idx="minor">
+            <a:schemeClr val="lt1"/>
+          </a:fontRef>
+        </p:style>
+        <p:txBody>
+          <a:bodyPr rtlCol="0" anchor="ctr"/>
+          <a:lstStyle/>
+          <a:p>
+            <a:pPr algn="ctr"/>
+            <a:endParaRPr lang="en-US"/>
+          </a:p>
+        </p:txBody>
+      </p:sp>
+      <p:sp>
+        <p:nvSpPr>
+          <p:cNvPr id="2" name="Τίτλος 1">
+            <a:extLst>
+              <a:ext uri="{FF2B5EF4-FFF2-40B4-BE49-F238E27FC236}">
+                <a16:creationId xmlns:a16="http://schemas.microsoft.com/office/drawing/2014/main" id="{18A531E6-83EC-839F-FFF0-C694C2590D59}"/>
+              </a:ext>
+            </a:extLst>
+          </p:cNvPr>
+          <p:cNvSpPr>
+            <a:spLocks noGrp="1"/>
+          </p:cNvSpPr>
+          <p:nvPr>
+            <p:ph type="title"/>
+          </p:nvPr>
+        </p:nvSpPr>
+        <p:spPr>
+          <a:xfrm>
+            <a:off x="630936" y="640080"/>
+            <a:ext cx="4818888" cy="1481328"/>
+          </a:xfrm>
+        </p:spPr>
+        <p:txBody>
+          <a:bodyPr anchor="b">
+            <a:normAutofit/>
+          </a:bodyPr>
+          <a:lstStyle/>
+          <a:p>
+            <a:r>
+              <a:rPr lang="en-US" sz="5400"/>
+              <a:t>Workflow</a:t>
+            </a:r>
+            <a:endParaRPr lang="el-GR" sz="5400"/>
+          </a:p>
+        </p:txBody>
+      </p:sp>
+      <p:sp>
+        <p:nvSpPr>
+          <p:cNvPr id="17" name="sketch line">
+            <a:extLst>
+              <a:ext uri="{FF2B5EF4-FFF2-40B4-BE49-F238E27FC236}">
+                <a16:creationId xmlns:a16="http://schemas.microsoft.com/office/drawing/2014/main" id="{650D18FE-0824-4A46-B22C-A86B52E5780A}"/>
+              </a:ext>
+              <a:ext uri="{C183D7F6-B498-43B3-948B-1728B52AA6E4}">
+                <adec:decorative xmlns:adec="http://schemas.microsoft.com/office/drawing/2017/decorative" val="1"/>
+              </a:ext>
+            </a:extLst>
+          </p:cNvPr>
+          <p:cNvSpPr>
+            <a:spLocks noGrp="1" noRot="1" noChangeAspect="1" noMove="1" noResize="1" noEditPoints="1" noAdjustHandles="1" noChangeArrowheads="1" noChangeShapeType="1" noTextEdit="1"/>
+          </p:cNvSpPr>
+          <p:nvPr>
+            <p:extLst>
+              <p:ext uri="{386F3935-93C4-4BCD-93E2-E3B085C9AB24}">
+                <p16:designElem xmlns:p16="http://schemas.microsoft.com/office/powerpoint/2015/main" val="1"/>
+              </p:ext>
+            </p:extLst>
+          </p:nvPr>
+        </p:nvSpPr>
+        <p:spPr>
+          <a:xfrm>
+            <a:off x="643278" y="2372868"/>
+            <a:ext cx="3255095" cy="18288"/>
+          </a:xfrm>
+          <a:custGeom>
+            <a:avLst/>
+            <a:gdLst>
+              <a:gd name="connsiteX0" fmla="*/ 0 w 3255095"/>
+              <a:gd name="connsiteY0" fmla="*/ 0 h 18288"/>
+              <a:gd name="connsiteX1" fmla="*/ 618468 w 3255095"/>
+              <a:gd name="connsiteY1" fmla="*/ 0 h 18288"/>
+              <a:gd name="connsiteX2" fmla="*/ 1269487 w 3255095"/>
+              <a:gd name="connsiteY2" fmla="*/ 0 h 18288"/>
+              <a:gd name="connsiteX3" fmla="*/ 1953057 w 3255095"/>
+              <a:gd name="connsiteY3" fmla="*/ 0 h 18288"/>
+              <a:gd name="connsiteX4" fmla="*/ 2636627 w 3255095"/>
+              <a:gd name="connsiteY4" fmla="*/ 0 h 18288"/>
+              <a:gd name="connsiteX5" fmla="*/ 3255095 w 3255095"/>
+              <a:gd name="connsiteY5" fmla="*/ 0 h 18288"/>
+              <a:gd name="connsiteX6" fmla="*/ 3255095 w 3255095"/>
+              <a:gd name="connsiteY6" fmla="*/ 18288 h 18288"/>
+              <a:gd name="connsiteX7" fmla="*/ 2538974 w 3255095"/>
+              <a:gd name="connsiteY7" fmla="*/ 18288 h 18288"/>
+              <a:gd name="connsiteX8" fmla="*/ 1822853 w 3255095"/>
+              <a:gd name="connsiteY8" fmla="*/ 18288 h 18288"/>
+              <a:gd name="connsiteX9" fmla="*/ 1171834 w 3255095"/>
+              <a:gd name="connsiteY9" fmla="*/ 18288 h 18288"/>
+              <a:gd name="connsiteX10" fmla="*/ 0 w 3255095"/>
+              <a:gd name="connsiteY10" fmla="*/ 18288 h 18288"/>
+              <a:gd name="connsiteX11" fmla="*/ 0 w 3255095"/>
+              <a:gd name="connsiteY11" fmla="*/ 0 h 18288"/>
+            </a:gdLst>
+            <a:ahLst/>
+            <a:cxnLst>
+              <a:cxn ang="0">
+                <a:pos x="connsiteX0" y="connsiteY0"/>
+              </a:cxn>
+              <a:cxn ang="0">
+                <a:pos x="connsiteX1" y="connsiteY1"/>
+              </a:cxn>
+              <a:cxn ang="0">
+                <a:pos x="connsiteX2" y="connsiteY2"/>
+              </a:cxn>
+              <a:cxn ang="0">
+                <a:pos x="connsiteX3" y="connsiteY3"/>
+              </a:cxn>
+              <a:cxn ang="0">
+                <a:pos x="connsiteX4" y="connsiteY4"/>
+              </a:cxn>
+              <a:cxn ang="0">
+                <a:pos x="connsiteX5" y="connsiteY5"/>
+              </a:cxn>
+              <a:cxn ang="0">
+                <a:pos x="connsiteX6" y="connsiteY6"/>
+              </a:cxn>
+              <a:cxn ang="0">
+                <a:pos x="connsiteX7" y="connsiteY7"/>
+              </a:cxn>
+              <a:cxn ang="0">
+                <a:pos x="connsiteX8" y="connsiteY8"/>
+              </a:cxn>
+              <a:cxn ang="0">
+                <a:pos x="connsiteX9" y="connsiteY9"/>
+              </a:cxn>
+              <a:cxn ang="0">
+                <a:pos x="connsiteX10" y="connsiteY10"/>
+              </a:cxn>
+              <a:cxn ang="0">
+                <a:pos x="connsiteX11" y="connsiteY11"/>
+              </a:cxn>
+            </a:cxnLst>
+            <a:rect l="l" t="t" r="r" b="b"/>
+            <a:pathLst>
+              <a:path w="3255095" h="18288" fill="none" extrusionOk="0">
+                <a:moveTo>
+                  <a:pt x="0" y="0"/>
+                </a:moveTo>
+                <a:cubicBezTo>
+                  <a:pt x="240201" y="-22123"/>
+                  <a:pt x="462021" y="-19623"/>
+                  <a:pt x="618468" y="0"/>
+                </a:cubicBezTo>
+                <a:cubicBezTo>
+                  <a:pt x="774915" y="19623"/>
+                  <a:pt x="974734" y="2035"/>
+                  <a:pt x="1269487" y="0"/>
+                </a:cubicBezTo>
+                <a:cubicBezTo>
+                  <a:pt x="1564240" y="-2035"/>
+                  <a:pt x="1733579" y="10639"/>
+                  <a:pt x="1953057" y="0"/>
+                </a:cubicBezTo>
+                <a:cubicBezTo>
+                  <a:pt x="2172535" y="-10639"/>
+                  <a:pt x="2453962" y="14018"/>
+                  <a:pt x="2636627" y="0"/>
+                </a:cubicBezTo>
+                <a:cubicBezTo>
+                  <a:pt x="2819292" y="-14018"/>
+                  <a:pt x="3121375" y="5399"/>
+                  <a:pt x="3255095" y="0"/>
+                </a:cubicBezTo>
+                <a:cubicBezTo>
+                  <a:pt x="3254386" y="8157"/>
+                  <a:pt x="3254682" y="12125"/>
+                  <a:pt x="3255095" y="18288"/>
+                </a:cubicBezTo>
+                <a:cubicBezTo>
+                  <a:pt x="3088545" y="23203"/>
+                  <a:pt x="2687475" y="7419"/>
+                  <a:pt x="2538974" y="18288"/>
+                </a:cubicBezTo>
+                <a:cubicBezTo>
+                  <a:pt x="2390473" y="29157"/>
+                  <a:pt x="2137381" y="-8959"/>
+                  <a:pt x="1822853" y="18288"/>
+                </a:cubicBezTo>
+                <a:cubicBezTo>
+                  <a:pt x="1508325" y="45535"/>
+                  <a:pt x="1466437" y="20385"/>
+                  <a:pt x="1171834" y="18288"/>
+                </a:cubicBezTo>
+                <a:cubicBezTo>
+                  <a:pt x="877231" y="16191"/>
+                  <a:pt x="561097" y="37643"/>
+                  <a:pt x="0" y="18288"/>
+                </a:cubicBezTo>
+                <a:cubicBezTo>
+                  <a:pt x="-46" y="12483"/>
+                  <a:pt x="-203" y="6491"/>
+                  <a:pt x="0" y="0"/>
+                </a:cubicBezTo>
+                <a:close/>
+              </a:path>
+              <a:path w="3255095" h="18288" stroke="0" extrusionOk="0">
+                <a:moveTo>
+                  <a:pt x="0" y="0"/>
+                </a:moveTo>
+                <a:cubicBezTo>
+                  <a:pt x="291965" y="19429"/>
+                  <a:pt x="363155" y="8568"/>
+                  <a:pt x="618468" y="0"/>
+                </a:cubicBezTo>
+                <a:cubicBezTo>
+                  <a:pt x="873781" y="-8568"/>
+                  <a:pt x="904459" y="-19505"/>
+                  <a:pt x="1171834" y="0"/>
+                </a:cubicBezTo>
+                <a:cubicBezTo>
+                  <a:pt x="1439209" y="19505"/>
+                  <a:pt x="1744369" y="9790"/>
+                  <a:pt x="1887955" y="0"/>
+                </a:cubicBezTo>
+                <a:cubicBezTo>
+                  <a:pt x="2031541" y="-9790"/>
+                  <a:pt x="2346378" y="21240"/>
+                  <a:pt x="2506423" y="0"/>
+                </a:cubicBezTo>
+                <a:cubicBezTo>
+                  <a:pt x="2666468" y="-21240"/>
+                  <a:pt x="2990257" y="30414"/>
+                  <a:pt x="3255095" y="0"/>
+                </a:cubicBezTo>
+                <a:cubicBezTo>
+                  <a:pt x="3254831" y="4493"/>
+                  <a:pt x="3255479" y="9472"/>
+                  <a:pt x="3255095" y="18288"/>
+                </a:cubicBezTo>
+                <a:cubicBezTo>
+                  <a:pt x="3120743" y="16690"/>
+                  <a:pt x="2759628" y="42462"/>
+                  <a:pt x="2604076" y="18288"/>
+                </a:cubicBezTo>
+                <a:cubicBezTo>
+                  <a:pt x="2448524" y="-5886"/>
+                  <a:pt x="2184336" y="19599"/>
+                  <a:pt x="1887955" y="18288"/>
+                </a:cubicBezTo>
+                <a:cubicBezTo>
+                  <a:pt x="1591574" y="16977"/>
+                  <a:pt x="1548845" y="6870"/>
+                  <a:pt x="1334589" y="18288"/>
+                </a:cubicBezTo>
+                <a:cubicBezTo>
+                  <a:pt x="1120333" y="29706"/>
+                  <a:pt x="996014" y="9662"/>
+                  <a:pt x="683570" y="18288"/>
+                </a:cubicBezTo>
+                <a:cubicBezTo>
+                  <a:pt x="371126" y="26914"/>
+                  <a:pt x="198687" y="16167"/>
+                  <a:pt x="0" y="18288"/>
+                </a:cubicBezTo>
+                <a:cubicBezTo>
+                  <a:pt x="843" y="9577"/>
+                  <a:pt x="371" y="6900"/>
+                  <a:pt x="0" y="0"/>
+                </a:cubicBezTo>
+                <a:close/>
+              </a:path>
+            </a:pathLst>
+          </a:custGeom>
+          <a:solidFill>
+            <a:schemeClr val="accent2"/>
+          </a:solidFill>
+          <a:ln w="38100" cap="rnd">
+            <a:solidFill>
+              <a:schemeClr val="accent2"/>
+            </a:solidFill>
+            <a:round/>
+            <a:extLst>
+              <a:ext uri="{C807C97D-BFC1-408E-A445-0C87EB9F89A2}">
+                <ask:lineSketchStyleProps xmlns="" xmlns:ask="http://schemas.microsoft.com/office/drawing/2018/sketchyshapes" sd="1219033472">
+                  <a:prstGeom prst="rect">
+                    <a:avLst/>
+                  </a:prstGeom>
+                  <ask:type>
+                    <ask:lineSketchFreehand/>
+                  </ask:type>
+                </ask:lineSketchStyleProps>
+              </a:ext>
+            </a:extLst>
+          </a:ln>
+        </p:spPr>
+        <p:style>
+          <a:lnRef idx="2">
+            <a:schemeClr val="accent1">
+              <a:shade val="50000"/>
+            </a:schemeClr>
+          </a:lnRef>
+          <a:fillRef idx="1">
+            <a:schemeClr val="accent1"/>
+          </a:fillRef>
+          <a:effectRef idx="0">
+            <a:schemeClr val="accent1"/>
+          </a:effectRef>
+          <a:fontRef idx="minor">
+            <a:schemeClr val="lt1"/>
+          </a:fontRef>
+        </p:style>
+        <p:txBody>
+          <a:bodyPr rtlCol="0" anchor="ctr"/>
+          <a:lstStyle/>
+          <a:p>
+            <a:pPr algn="ctr"/>
+            <a:endParaRPr lang="en-US"/>
+          </a:p>
+        </p:txBody>
+      </p:sp>
+      <p:sp>
+        <p:nvSpPr>
+          <p:cNvPr id="3" name="Θέση περιεχομένου 2">
+            <a:extLst>
+              <a:ext uri="{FF2B5EF4-FFF2-40B4-BE49-F238E27FC236}">
+                <a16:creationId xmlns:a16="http://schemas.microsoft.com/office/drawing/2014/main" id="{D44B5B9D-F575-C25E-3DA3-93854290EC53}"/>
+              </a:ext>
+            </a:extLst>
+          </p:cNvPr>
+          <p:cNvSpPr>
+            <a:spLocks noGrp="1"/>
+          </p:cNvSpPr>
+          <p:nvPr>
+            <p:ph idx="1"/>
+          </p:nvPr>
+        </p:nvSpPr>
+        <p:spPr>
+          <a:xfrm>
+            <a:off x="630936" y="2660904"/>
+            <a:ext cx="4818888" cy="3547872"/>
+          </a:xfrm>
+        </p:spPr>
+        <p:txBody>
+          <a:bodyPr anchor="t">
+            <a:normAutofit/>
+          </a:bodyPr>
+          <a:lstStyle/>
+          <a:p>
+            <a:pPr marL="0" indent="0">
+              <a:buNone/>
+            </a:pPr>
+            <a:endParaRPr lang="en-US" sz="2200"/>
+          </a:p>
+          <a:p>
+            <a:pPr marL="0" indent="0">
+              <a:buNone/>
+            </a:pPr>
+            <a:endParaRPr lang="el-GR" sz="2200"/>
+          </a:p>
+        </p:txBody>
+      </p:sp>
+      <p:pic>
+        <p:nvPicPr>
+          <p:cNvPr id="5" name="Εικόνα 4">
+            <a:extLst>
+              <a:ext uri="{FF2B5EF4-FFF2-40B4-BE49-F238E27FC236}">
+                <a16:creationId xmlns:a16="http://schemas.microsoft.com/office/drawing/2014/main" id="{E712CD9C-073F-404B-B0C0-FAF0F27FA88F}"/>
+              </a:ext>
+            </a:extLst>
+          </p:cNvPr>
+          <p:cNvPicPr>
+            <a:picLocks noChangeAspect="1"/>
+          </p:cNvPicPr>
+          <p:nvPr/>
+        </p:nvPicPr>
+        <p:blipFill rotWithShape="1">
+          <a:blip r:embed="rId2">
+            <a:extLst>
+              <a:ext uri="{28A0092B-C50C-407E-A947-70E740481C1C}">
+                <a14:useLocalDpi xmlns:a14="http://schemas.microsoft.com/office/drawing/2010/main" val="0"/>
+              </a:ext>
+            </a:extLst>
+          </a:blip>
+          <a:srcRect b="8261"/>
+          <a:stretch/>
+        </p:blipFill>
+        <p:spPr>
+          <a:xfrm>
+            <a:off x="6966928" y="640080"/>
+            <a:ext cx="3723208" cy="5577840"/>
+          </a:xfrm>
+          <a:prstGeom prst="rect">
+            <a:avLst/>
+          </a:prstGeom>
+        </p:spPr>
+      </p:pic>
+      <p:sp>
+        <p:nvSpPr>
+          <p:cNvPr id="6" name="TextBox 5">
+            <a:extLst>
+              <a:ext uri="{FF2B5EF4-FFF2-40B4-BE49-F238E27FC236}">
+                <a16:creationId xmlns:a16="http://schemas.microsoft.com/office/drawing/2014/main" id="{12EF097D-9B80-4B47-800A-5EAFEA4B1C64}"/>
+              </a:ext>
+            </a:extLst>
+          </p:cNvPr>
+          <p:cNvSpPr txBox="1"/>
+          <p:nvPr/>
+        </p:nvSpPr>
+        <p:spPr>
+          <a:xfrm>
+            <a:off x="735496" y="2971800"/>
+            <a:ext cx="3866321" cy="2862322"/>
+          </a:xfrm>
+          <a:prstGeom prst="rect">
+            <a:avLst/>
+          </a:prstGeom>
+          <a:noFill/>
+        </p:spPr>
+        <p:txBody>
+          <a:bodyPr wrap="square" rtlCol="0">
+            <a:spAutoFit/>
+          </a:bodyPr>
+          <a:lstStyle/>
+          <a:p>
+            <a:r>
+              <a:rPr lang="en-US" dirty="0"/>
+              <a:t>Step-by-step database workflow:</a:t>
+            </a:r>
+          </a:p>
+          <a:p>
+            <a:pPr marL="342900" indent="-342900">
+              <a:buAutoNum type="arabicPeriod"/>
+            </a:pPr>
+            <a:r>
+              <a:rPr lang="en-US" dirty="0"/>
+              <a:t>Database Setup</a:t>
+            </a:r>
+          </a:p>
+          <a:p>
+            <a:pPr marL="342900" indent="-342900">
+              <a:buAutoNum type="arabicPeriod"/>
+            </a:pPr>
+            <a:r>
+              <a:rPr lang="en-US" dirty="0"/>
+              <a:t>Data Download &amp; Filtering</a:t>
+            </a:r>
+          </a:p>
+          <a:p>
+            <a:pPr marL="342900" indent="-342900">
+              <a:buAutoNum type="arabicPeriod"/>
+            </a:pPr>
+            <a:r>
+              <a:rPr lang="en-US" dirty="0"/>
+              <a:t>Data Cleaning &amp; Parsing</a:t>
+            </a:r>
+          </a:p>
+          <a:p>
+            <a:pPr marL="342900" indent="-342900">
+              <a:buAutoNum type="arabicPeriod"/>
+            </a:pPr>
+            <a:r>
+              <a:rPr lang="en-US" dirty="0"/>
+              <a:t>Clinical Significance Simplification</a:t>
+            </a:r>
+          </a:p>
+          <a:p>
+            <a:pPr marL="342900" indent="-342900">
+              <a:buAutoNum type="arabicPeriod"/>
+            </a:pPr>
+            <a:r>
+              <a:rPr lang="en-US" dirty="0"/>
+              <a:t>Variant Consequences</a:t>
+            </a:r>
+          </a:p>
+          <a:p>
+            <a:pPr marL="342900" indent="-342900">
+              <a:buAutoNum type="arabicPeriod"/>
+            </a:pPr>
+            <a:r>
+              <a:rPr lang="en-US" dirty="0"/>
+              <a:t>ACMG Support Criteria</a:t>
+            </a:r>
+          </a:p>
+          <a:p>
+            <a:pPr marL="342900" indent="-342900">
+              <a:buAutoNum type="arabicPeriod"/>
+            </a:pPr>
+            <a:r>
+              <a:rPr lang="en-US" dirty="0"/>
+              <a:t>Filtering for Reliable Variants</a:t>
+            </a:r>
+          </a:p>
+          <a:p>
+            <a:pPr marL="342900" indent="-342900">
+              <a:buAutoNum type="arabicPeriod"/>
+            </a:pPr>
+            <a:r>
+              <a:rPr lang="en-US" dirty="0"/>
+              <a:t>Database Insertion</a:t>
+            </a:r>
+          </a:p>
+          <a:p>
+            <a:pPr marL="342900" indent="-342900">
+              <a:buAutoNum type="arabicPeriod"/>
+            </a:pPr>
+            <a:r>
+              <a:rPr lang="en-US" dirty="0"/>
+              <a:t>Clean up</a:t>
+            </a:r>
+            <a:endParaRPr lang="el-GR" dirty="0"/>
+          </a:p>
+        </p:txBody>
+      </p:sp>
+      <p:sp>
+        <p:nvSpPr>
+          <p:cNvPr id="7" name="Rectangle 1">
+            <a:extLst>
+              <a:ext uri="{FF2B5EF4-FFF2-40B4-BE49-F238E27FC236}">
+                <a16:creationId xmlns:a16="http://schemas.microsoft.com/office/drawing/2014/main" id="{C8ABB8B8-FA36-49A6-9090-C6866D4A89F5}"/>
+              </a:ext>
+            </a:extLst>
+          </p:cNvPr>
+          <p:cNvSpPr>
+            <a:spLocks noChangeArrowheads="1"/>
+          </p:cNvSpPr>
+          <p:nvPr/>
+        </p:nvSpPr>
+        <p:spPr bwMode="auto">
+          <a:xfrm>
+            <a:off x="0" y="-94569"/>
+            <a:ext cx="184731" cy="646331"/>
+          </a:xfrm>
+          <a:prstGeom prst="rect">
+            <a:avLst/>
+          </a:prstGeom>
+          <a:noFill/>
+          <a:ln>
+            <a:noFill/>
+          </a:ln>
+          <a:effectLst/>
+          <a:extLst>
+            <a:ext uri="{909E8E84-426E-40DD-AFC4-6F175D3DCCD1}">
+              <a14:hiddenFill xmlns:a14="http://schemas.microsoft.com/office/drawing/2010/main">
+                <a:solidFill>
+                  <a:schemeClr val="accent1"/>
+                </a:solidFill>
+              </a14:hiddenFill>
+            </a:ext>
+            <a:ext uri="{91240B29-F687-4F45-9708-019B960494DF}">
+              <a14:hiddenLine xmlns:a14="http://schemas.microsoft.com/office/drawing/2010/main" w="9525">
+                <a:solidFill>
+                  <a:schemeClr val="tx1"/>
+                </a:solidFill>
+                <a:miter lim="800000"/>
+                <a:headEnd/>
+                <a:tailEnd/>
+              </a14:hiddenLine>
+            </a:ext>
+            <a:ext uri="{AF507438-7753-43E0-B8FC-AC1667EBCBE1}">
+              <a14:hiddenEffects xmlns:a14="http://schemas.microsoft.com/office/drawing/2010/main">
+                <a:effectLst>
+                  <a:outerShdw dist="35921" dir="2700000" algn="ctr" rotWithShape="0">
+                    <a:schemeClr val="bg2"/>
+                  </a:outerShdw>
+                </a:effectLst>
+              </a14:hiddenEffects>
+            </a:ext>
+          </a:extLst>
+        </p:spPr>
+        <p:txBody>
+          <a:bodyPr vert="horz" wrap="none" lIns="91440" tIns="45720" rIns="91440" bIns="45720" numCol="1" anchor="ctr" anchorCtr="0" compatLnSpc="1">
+            <a:prstTxWarp prst="textNoShape">
+              <a:avLst/>
+            </a:prstTxWarp>
+            <a:spAutoFit/>
+          </a:bodyPr>
+          <a:lstStyle/>
+          <a:p>
+            <a:pPr marL="0" marR="0" lvl="0" indent="0" algn="l" defTabSz="914400" rtl="0" eaLnBrk="0" fontAlgn="base" latinLnBrk="0" hangingPunct="0">
+              <a:lnSpc>
+                <a:spcPct val="100000"/>
+              </a:lnSpc>
+              <a:spcBef>
+                <a:spcPct val="0"/>
+              </a:spcBef>
+              <a:spcAft>
+                <a:spcPct val="0"/>
+              </a:spcAft>
+              <a:buClrTx/>
+              <a:buSzTx/>
+              <a:buFontTx/>
+              <a:buNone/>
+              <a:tabLst/>
+            </a:pPr>
+            <a:endParaRPr kumimoji="0" lang="el-GR" altLang="el-GR" sz="1800" b="0" i="0" u="none" strike="noStrike" cap="none" normalizeH="0" baseline="0" dirty="0">
+              <a:ln>
+                <a:noFill/>
+              </a:ln>
+              <a:solidFill>
+                <a:schemeClr val="tx1"/>
+              </a:solidFill>
+              <a:effectLst/>
+              <a:latin typeface="Arial" panose="020B0604020202020204" pitchFamily="34" charset="0"/>
+            </a:endParaRPr>
+          </a:p>
+          <a:p>
+            <a:pPr marL="0" marR="0" lvl="0" indent="0" algn="l" defTabSz="914400" rtl="0" eaLnBrk="0" fontAlgn="base" latinLnBrk="0" hangingPunct="0">
+              <a:lnSpc>
+                <a:spcPct val="100000"/>
+              </a:lnSpc>
+              <a:spcBef>
+                <a:spcPct val="0"/>
+              </a:spcBef>
+              <a:spcAft>
+                <a:spcPct val="0"/>
+              </a:spcAft>
+              <a:buClrTx/>
+              <a:buSzTx/>
+              <a:buFontTx/>
+              <a:buNone/>
+              <a:tabLst/>
+            </a:pPr>
+            <a:endParaRPr kumimoji="0" lang="el-GR" altLang="el-GR" sz="1800" b="0" i="0" u="none" strike="noStrike" cap="none" normalizeH="0" baseline="0" dirty="0">
+              <a:ln>
+                <a:noFill/>
+              </a:ln>
+              <a:solidFill>
+                <a:schemeClr val="tx1"/>
+              </a:solidFill>
+              <a:effectLst/>
+              <a:latin typeface="Arial" panose="020B0604020202020204" pitchFamily="34" charset="0"/>
+            </a:endParaRPr>
+          </a:p>
+        </p:txBody>
+      </p:sp>
+    </p:spTree>
+    <p:extLst>
+      <p:ext uri="{BB962C8B-B14F-4D97-AF65-F5344CB8AC3E}">
+        <p14:creationId xmlns:p14="http://schemas.microsoft.com/office/powerpoint/2010/main" val="1865081885"/>
+      </p:ext>
+    </p:extLst>
+  </p:cSld>
+  <p:clrMapOvr>
+    <a:masterClrMapping/>
+  </p:clrMapOvr>
+</p:sld>
+</file>
+
+<file path=ppt/slides/slide6.xml><?xml version="1.0" encoding="utf-8"?>
+<p:sld xmlns:a="http://schemas.openxmlformats.org/drawingml/2006/main" xmlns:r="http://schemas.openxmlformats.org/officeDocument/2006/relationships" xmlns:p="http://schemas.openxmlformats.org/presentationml/2006/main">
+  <p:cSld>
+    <p:bg>
+      <p:bgPr>
+        <a:solidFill>
+          <a:schemeClr val="bg1"/>
+        </a:solidFill>
+        <a:effectLst/>
+      </p:bgPr>
+    </p:bg>
+    <p:spTree>
+      <p:nvGrpSpPr>
+        <p:cNvPr id="1" name=""/>
+        <p:cNvGrpSpPr/>
+        <p:nvPr/>
+      </p:nvGrpSpPr>
+      <p:grpSpPr>
+        <a:xfrm>
+          <a:off x="0" y="0"/>
+          <a:ext cx="0" cy="0"/>
+          <a:chOff x="0" y="0"/>
+          <a:chExt cx="0" cy="0"/>
+        </a:xfrm>
+      </p:grpSpPr>
+      <p:pic>
+        <p:nvPicPr>
+          <p:cNvPr id="6" name="Picture 5">
+            <a:extLst>
+              <a:ext uri="{FF2B5EF4-FFF2-40B4-BE49-F238E27FC236}">
+                <a16:creationId xmlns:a16="http://schemas.microsoft.com/office/drawing/2014/main" id="{CE5BC792-C980-BE53-D147-CACA00946750}"/>
+              </a:ext>
+            </a:extLst>
+          </p:cNvPr>
+          <p:cNvPicPr>
+            <a:picLocks noChangeAspect="1"/>
+          </p:cNvPicPr>
+          <p:nvPr/>
+        </p:nvPicPr>
+        <p:blipFill>
+          <a:blip r:embed="rId2">
+            <a:duotone>
+              <a:schemeClr val="bg2">
+                <a:shade val="45000"/>
+                <a:satMod val="135000"/>
+              </a:schemeClr>
+              <a:prstClr val="white"/>
+            </a:duotone>
+          </a:blip>
+          <a:srcRect t="15730"/>
+          <a:stretch>
+            <a:fillRect/>
+          </a:stretch>
+        </p:blipFill>
+        <p:spPr>
+          <a:xfrm>
+            <a:off x="20" y="10"/>
+            <a:ext cx="12191980" cy="6857990"/>
+          </a:xfrm>
+          <a:prstGeom prst="rect">
+            <a:avLst/>
+          </a:prstGeom>
+        </p:spPr>
+      </p:pic>
+      <p:sp>
+        <p:nvSpPr>
+          <p:cNvPr id="10" name="Rectangle 9">
+            <a:extLst>
+              <a:ext uri="{FF2B5EF4-FFF2-40B4-BE49-F238E27FC236}">
+                <a16:creationId xmlns:a16="http://schemas.microsoft.com/office/drawing/2014/main" id="{B50AB553-2A96-4A92-96F2-93548E096954}"/>
+              </a:ext>
+              <a:ext uri="{C183D7F6-B498-43B3-948B-1728B52AA6E4}">
+                <adec:decorative xmlns:adec="http://schemas.microsoft.com/office/drawing/2017/decorative" val="1"/>
+              </a:ext>
+            </a:extLst>
+          </p:cNvPr>
+          <p:cNvSpPr>
+            <a:spLocks noGrp="1" noRot="1" noChangeAspect="1" noMove="1" noResize="1" noEditPoints="1" noAdjustHandles="1" noChangeArrowheads="1" noChangeShapeType="1" noTextEdit="1"/>
+          </p:cNvSpPr>
+          <p:nvPr>
+            <p:extLst>
+              <p:ext uri="{386F3935-93C4-4BCD-93E2-E3B085C9AB24}">
+                <p16:designElem xmlns:p16="http://schemas.microsoft.com/office/powerpoint/2015/main" val="1"/>
+              </p:ext>
+            </p:extLst>
+          </p:nvPr>
+        </p:nvSpPr>
+        <p:spPr>
+          <a:xfrm>
+            <a:off x="0" y="0"/>
+            <a:ext cx="12192000" cy="6858000"/>
+          </a:xfrm>
+          <a:prstGeom prst="rect">
+            <a:avLst/>
+          </a:prstGeom>
+          <a:gradFill>
+            <a:gsLst>
+              <a:gs pos="10000">
+                <a:schemeClr val="bg2">
+                  <a:alpha val="68000"/>
+                </a:schemeClr>
+              </a:gs>
+              <a:gs pos="85000">
+                <a:schemeClr val="bg2">
+                  <a:alpha val="97000"/>
+                </a:schemeClr>
+              </a:gs>
+            </a:gsLst>
+            <a:path path="circle">
+              <a:fillToRect l="50000" t="50000" r="50000" b="50000"/>
+            </a:path>
+          </a:gradFill>
+          <a:ln>
+            <a:noFill/>
+          </a:ln>
+        </p:spPr>
+        <p:style>
+          <a:lnRef idx="2">
+            <a:schemeClr val="accent1">
+              <a:shade val="50000"/>
+            </a:schemeClr>
+          </a:lnRef>
+          <a:fillRef idx="1">
+            <a:schemeClr val="accent1"/>
+          </a:fillRef>
+          <a:effectRef idx="0">
+            <a:schemeClr val="accent1"/>
+          </a:effectRef>
+          <a:fontRef idx="minor">
+            <a:schemeClr val="lt1"/>
+          </a:fontRef>
+        </p:style>
+        <p:txBody>
+          <a:bodyPr rtlCol="0" anchor="ctr"/>
+          <a:lstStyle/>
+          <a:p>
+            <a:pPr algn="ctr"/>
+            <a:endParaRPr lang="en-US"/>
+          </a:p>
+        </p:txBody>
+      </p:sp>
+      <p:sp>
+        <p:nvSpPr>
+          <p:cNvPr id="2" name="Τίτλος 1">
+            <a:extLst>
+              <a:ext uri="{FF2B5EF4-FFF2-40B4-BE49-F238E27FC236}">
+                <a16:creationId xmlns:a16="http://schemas.microsoft.com/office/drawing/2014/main" id="{D8429758-6ABF-C4A0-B1A2-268A5FCE3FFE}"/>
+              </a:ext>
+            </a:extLst>
+          </p:cNvPr>
+          <p:cNvSpPr>
+            <a:spLocks noGrp="1"/>
+          </p:cNvSpPr>
+          <p:nvPr>
+            <p:ph type="title"/>
+          </p:nvPr>
+        </p:nvSpPr>
+        <p:spPr>
+          <a:xfrm>
+            <a:off x="838200" y="365125"/>
+            <a:ext cx="10515600" cy="1325563"/>
+          </a:xfrm>
+        </p:spPr>
+        <p:txBody>
+          <a:bodyPr>
+            <a:normAutofit/>
+          </a:bodyPr>
+          <a:lstStyle/>
+          <a:p>
+            <a:r>
+              <a:rPr lang="en-US" dirty="0"/>
+              <a:t>Python libraries</a:t>
+            </a:r>
+            <a:endParaRPr lang="el-GR" dirty="0"/>
+          </a:p>
+        </p:txBody>
+      </p:sp>
+      <p:graphicFrame>
+        <p:nvGraphicFramePr>
+          <p:cNvPr id="5" name="Θέση περιεχομένου 2">
+            <a:extLst>
+              <a:ext uri="{FF2B5EF4-FFF2-40B4-BE49-F238E27FC236}">
+                <a16:creationId xmlns:a16="http://schemas.microsoft.com/office/drawing/2014/main" id="{71D55880-0296-51BB-3336-159A51A90E54}"/>
+              </a:ext>
+            </a:extLst>
+          </p:cNvPr>
+          <p:cNvGraphicFramePr>
+            <a:graphicFrameLocks noGrp="1"/>
+          </p:cNvGraphicFramePr>
+          <p:nvPr>
+            <p:ph idx="1"/>
+            <p:extLst>
+              <p:ext uri="{D42A27DB-BD31-4B8C-83A1-F6EECF244321}">
+                <p14:modId xmlns:p14="http://schemas.microsoft.com/office/powerpoint/2010/main" val="1870262946"/>
+              </p:ext>
+            </p:extLst>
+          </p:nvPr>
+        </p:nvGraphicFramePr>
+        <p:xfrm>
+          <a:off x="838200" y="1825625"/>
+          <a:ext cx="10515600" cy="4351338"/>
+        </p:xfrm>
+        <a:graphic>
+          <a:graphicData uri="http://schemas.openxmlformats.org/drawingml/2006/diagram">
+            <dgm:relIds xmlns:dgm="http://schemas.openxmlformats.org/drawingml/2006/diagram" xmlns:r="http://schemas.openxmlformats.org/officeDocument/2006/relationships" r:dm="rId3" r:lo="rId4" r:qs="rId5" r:cs="rId6"/>
+          </a:graphicData>
+        </a:graphic>
+      </p:graphicFrame>
+    </p:spTree>
+    <p:extLst>
+      <p:ext uri="{BB962C8B-B14F-4D97-AF65-F5344CB8AC3E}">
+        <p14:creationId xmlns:p14="http://schemas.microsoft.com/office/powerpoint/2010/main" val="2348534585"/>
+      </p:ext>
+    </p:extLst>
+  </p:cSld>
+  <p:clrMapOvr>
+    <a:masterClrMapping/>
+  </p:clrMapOvr>
+</p:sld>
+</file>
+
+<file path=ppt/slides/slide7.xml><?xml version="1.0" encoding="utf-8"?>
+<p:sld xmlns:a="http://schemas.openxmlformats.org/drawingml/2006/main" xmlns:r="http://schemas.openxmlformats.org/officeDocument/2006/relationships" xmlns:p="http://schemas.openxmlformats.org/presentationml/2006/main">
+  <p:cSld>
+    <p:spTree>
+      <p:nvGrpSpPr>
+        <p:cNvPr id="1" name=""/>
+        <p:cNvGrpSpPr/>
+        <p:nvPr/>
+      </p:nvGrpSpPr>
+      <p:grpSpPr>
+        <a:xfrm>
+          <a:off x="0" y="0"/>
+          <a:ext cx="0" cy="0"/>
+          <a:chOff x="0" y="0"/>
+          <a:chExt cx="0" cy="0"/>
+        </a:xfrm>
+      </p:grpSpPr>
+      <p:sp>
+        <p:nvSpPr>
+          <p:cNvPr id="2" name="Τίτλος 1">
+            <a:extLst>
+              <a:ext uri="{FF2B5EF4-FFF2-40B4-BE49-F238E27FC236}">
+                <a16:creationId xmlns:a16="http://schemas.microsoft.com/office/drawing/2014/main" id="{FAE1F138-FDE6-AEE9-EE99-AE014B3E398A}"/>
+              </a:ext>
+            </a:extLst>
+          </p:cNvPr>
+          <p:cNvSpPr>
+            <a:spLocks noGrp="1"/>
+          </p:cNvSpPr>
+          <p:nvPr>
+            <p:ph type="title"/>
+          </p:nvPr>
+        </p:nvSpPr>
+        <p:spPr/>
+        <p:txBody>
+          <a:bodyPr/>
+          <a:lstStyle/>
+          <a:p>
+            <a:r>
+              <a:rPr lang="en-US" dirty="0"/>
+              <a:t>API Purpose</a:t>
+            </a:r>
+            <a:endParaRPr lang="el-GR" dirty="0"/>
+          </a:p>
+        </p:txBody>
+      </p:sp>
+      <p:sp>
+        <p:nvSpPr>
+          <p:cNvPr id="3" name="Θέση περιεχομένου 2">
+            <a:extLst>
+              <a:ext uri="{FF2B5EF4-FFF2-40B4-BE49-F238E27FC236}">
+                <a16:creationId xmlns:a16="http://schemas.microsoft.com/office/drawing/2014/main" id="{22C79F25-2089-F105-521E-36D9DFB3D9F4}"/>
+              </a:ext>
+            </a:extLst>
+          </p:cNvPr>
+          <p:cNvSpPr>
+            <a:spLocks noGrp="1"/>
+          </p:cNvSpPr>
+          <p:nvPr>
+            <p:ph idx="1"/>
+          </p:nvPr>
+        </p:nvSpPr>
+        <p:spPr/>
+        <p:txBody>
+          <a:bodyPr/>
+          <a:lstStyle/>
+          <a:p>
+            <a:pPr marL="0" indent="0">
+              <a:buNone/>
+            </a:pPr>
+            <a:r>
+              <a:rPr lang="en-US" dirty="0"/>
+              <a:t>This </a:t>
+            </a:r>
+            <a:r>
+              <a:rPr lang="en-US" dirty="0" err="1"/>
+              <a:t>FastAPI</a:t>
+            </a:r>
+            <a:r>
+              <a:rPr lang="en-US" dirty="0"/>
+              <a:t> app provides an API interface to query and analyze </a:t>
+            </a:r>
+            <a:r>
+              <a:rPr lang="en-US" dirty="0" err="1"/>
+              <a:t>ClinVar</a:t>
+            </a:r>
+            <a:r>
+              <a:rPr lang="en-US" dirty="0"/>
+              <a:t> variant data stored in your PostgreSQL </a:t>
+            </a:r>
+            <a:r>
+              <a:rPr lang="en-US" dirty="0" err="1"/>
+              <a:t>gene_variants</a:t>
+            </a:r>
+            <a:r>
+              <a:rPr lang="en-US" dirty="0"/>
+              <a:t> table.</a:t>
+            </a:r>
+          </a:p>
+          <a:p>
+            <a:pPr marL="0" indent="0">
+              <a:buNone/>
+            </a:pPr>
+            <a:r>
+              <a:rPr lang="en-US" dirty="0"/>
+              <a:t>It allows users to:</a:t>
+            </a:r>
+          </a:p>
+          <a:p>
+            <a:r>
+              <a:rPr lang="en-US" dirty="0"/>
+              <a:t>Check API health</a:t>
+            </a:r>
+          </a:p>
+          <a:p>
+            <a:r>
+              <a:rPr lang="en-US" dirty="0"/>
+              <a:t>Retrieve specific variant details by gene and HGVS notation</a:t>
+            </a:r>
+          </a:p>
+          <a:p>
+            <a:r>
+              <a:rPr lang="en-US" dirty="0"/>
+              <a:t>Perform ACMG rule classification (PS1, PM5, PP5, BP6) on database variants</a:t>
+            </a:r>
+          </a:p>
+          <a:p>
+            <a:r>
+              <a:rPr lang="en-US" dirty="0"/>
+              <a:t>Search for variants by protein position or consequence type</a:t>
+            </a:r>
+          </a:p>
+          <a:p>
+            <a:r>
+              <a:rPr lang="en-US" dirty="0"/>
+              <a:t>Aggregate and summarize variant classifications</a:t>
+            </a:r>
+            <a:endParaRPr lang="el-GR" dirty="0"/>
+          </a:p>
+        </p:txBody>
+      </p:sp>
+    </p:spTree>
+    <p:extLst>
+      <p:ext uri="{BB962C8B-B14F-4D97-AF65-F5344CB8AC3E}">
+        <p14:creationId xmlns:p14="http://schemas.microsoft.com/office/powerpoint/2010/main" val="3528903239"/>
+      </p:ext>
+    </p:extLst>
+  </p:cSld>
+  <p:clrMapOvr>
+    <a:masterClrMapping/>
+  </p:clrMapOvr>
+</p:sld>
+</file>
+
+<file path=ppt/slides/slide8.xml><?xml version="1.0" encoding="utf-8"?>
+<p:sld xmlns:a="http://schemas.openxmlformats.org/drawingml/2006/main" xmlns:r="http://schemas.openxmlformats.org/officeDocument/2006/relationships" xmlns:p="http://schemas.openxmlformats.org/presentationml/2006/main">
+  <p:cSld>
+    <p:spTree>
+      <p:nvGrpSpPr>
+        <p:cNvPr id="1" name=""/>
+        <p:cNvGrpSpPr/>
+        <p:nvPr/>
+      </p:nvGrpSpPr>
+      <p:grpSpPr>
+        <a:xfrm>
+          <a:off x="0" y="0"/>
+          <a:ext cx="0" cy="0"/>
+          <a:chOff x="0" y="0"/>
+          <a:chExt cx="0" cy="0"/>
+        </a:xfrm>
+      </p:grpSpPr>
+      <p:sp>
+        <p:nvSpPr>
+          <p:cNvPr id="2" name="Τίτλος 1">
+            <a:extLst>
+              <a:ext uri="{FF2B5EF4-FFF2-40B4-BE49-F238E27FC236}">
+                <a16:creationId xmlns:a16="http://schemas.microsoft.com/office/drawing/2014/main" id="{1281E049-0AAA-4349-8CDB-8F6C5CAC7E22}"/>
+              </a:ext>
+            </a:extLst>
+          </p:cNvPr>
+          <p:cNvSpPr>
+            <a:spLocks noGrp="1"/>
+          </p:cNvSpPr>
+          <p:nvPr>
+            <p:ph type="title"/>
+          </p:nvPr>
+        </p:nvSpPr>
+        <p:spPr/>
+        <p:txBody>
+          <a:bodyPr/>
+          <a:lstStyle/>
+          <a:p>
+            <a:r>
+              <a:rPr lang="en-US" dirty="0"/>
+              <a:t>API Queries</a:t>
+            </a:r>
+            <a:endParaRPr lang="el-GR" dirty="0"/>
+          </a:p>
+        </p:txBody>
+      </p:sp>
+      <p:sp>
+        <p:nvSpPr>
+          <p:cNvPr id="4" name="Θέση περιεχομένου 3">
+            <a:extLst>
+              <a:ext uri="{FF2B5EF4-FFF2-40B4-BE49-F238E27FC236}">
+                <a16:creationId xmlns:a16="http://schemas.microsoft.com/office/drawing/2014/main" id="{979F7B5F-E27F-4BA7-B806-123327D2138C}"/>
+              </a:ext>
+            </a:extLst>
+          </p:cNvPr>
+          <p:cNvSpPr txBox="1">
+            <a:spLocks noGrp="1"/>
+          </p:cNvSpPr>
+          <p:nvPr>
+            <p:ph idx="1"/>
+          </p:nvPr>
+        </p:nvSpPr>
+        <p:spPr>
+          <a:xfrm>
+            <a:off x="838200" y="1825625"/>
+            <a:ext cx="10515600" cy="3060325"/>
+          </a:xfrm>
+          <a:prstGeom prst="rect">
+            <a:avLst/>
+          </a:prstGeom>
+          <a:noFill/>
+        </p:spPr>
+        <p:txBody>
+          <a:bodyPr wrap="square" rtlCol="0">
+            <a:spAutoFit/>
+          </a:bodyPr>
+          <a:lstStyle/>
+          <a:p>
+            <a:pPr marL="0" indent="0">
+              <a:buNone/>
+            </a:pPr>
+            <a:r>
+              <a:rPr lang="en-US" dirty="0"/>
+              <a:t>1. Health check</a:t>
+            </a:r>
+          </a:p>
+          <a:p>
+            <a:pPr marL="0" indent="0">
+              <a:buNone/>
+            </a:pPr>
+            <a:r>
+              <a:rPr lang="en-US" dirty="0"/>
+              <a:t>2. Variant Lookup by Gene + HGVS</a:t>
+            </a:r>
+          </a:p>
+          <a:p>
+            <a:pPr marL="0" indent="0">
+              <a:buNone/>
+            </a:pPr>
+            <a:r>
+              <a:rPr lang="en-US" dirty="0"/>
+              <a:t>3. Apply ACMG Rules to All Variants</a:t>
+            </a:r>
+          </a:p>
+          <a:p>
+            <a:pPr marL="0" indent="0">
+              <a:buNone/>
+            </a:pPr>
+            <a:r>
+              <a:rPr lang="en-US" dirty="0"/>
+              <a:t>4. Search Variants by Protein Position</a:t>
+            </a:r>
+          </a:p>
+          <a:p>
+            <a:pPr marL="0" indent="0">
+              <a:buNone/>
+            </a:pPr>
+            <a:r>
+              <a:rPr lang="en-US" dirty="0"/>
+              <a:t>5. Search Variants by Molecular Consequence</a:t>
+            </a:r>
+          </a:p>
+          <a:p>
+            <a:pPr marL="0" indent="0">
+              <a:buNone/>
+            </a:pPr>
+            <a:r>
+              <a:rPr lang="en-US" dirty="0"/>
+              <a:t>6. Summarizes Classification Counts</a:t>
+            </a:r>
+            <a:endParaRPr lang="el-GR" dirty="0"/>
+          </a:p>
+        </p:txBody>
+      </p:sp>
+    </p:spTree>
+    <p:extLst>
+      <p:ext uri="{BB962C8B-B14F-4D97-AF65-F5344CB8AC3E}">
+        <p14:creationId xmlns:p14="http://schemas.microsoft.com/office/powerpoint/2010/main" val="3422704475"/>
+      </p:ext>
+    </p:extLst>
+  </p:cSld>
+  <p:clrMapOvr>
+    <a:masterClrMapping/>
+  </p:clrMapOvr>
+</p:sld>
+</file>
+
+<file path=ppt/slides/slide9.xml><?xml version="1.0" encoding="utf-8"?>
+<p:sld xmlns:a="http://schemas.openxmlformats.org/drawingml/2006/main" xmlns:r="http://schemas.openxmlformats.org/officeDocument/2006/relationships" xmlns:p="http://schemas.openxmlformats.org/presentationml/2006/main">
+  <p:cSld>
+    <p:spTree>
+      <p:nvGrpSpPr>
+        <p:cNvPr id="1" name=""/>
+        <p:cNvGrpSpPr/>
+        <p:nvPr/>
+      </p:nvGrpSpPr>
+      <p:grpSpPr>
+        <a:xfrm>
+          <a:off x="0" y="0"/>
+          <a:ext cx="0" cy="0"/>
+          <a:chOff x="0" y="0"/>
+          <a:chExt cx="0" cy="0"/>
+        </a:xfrm>
+      </p:grpSpPr>
+      <p:sp>
+        <p:nvSpPr>
+          <p:cNvPr id="2" name="Τίτλος 1">
+            <a:extLst>
+              <a:ext uri="{FF2B5EF4-FFF2-40B4-BE49-F238E27FC236}">
+                <a16:creationId xmlns:a16="http://schemas.microsoft.com/office/drawing/2014/main" id="{0EA6ABA1-B023-883E-3F0B-B9F44088CF30}"/>
+              </a:ext>
+            </a:extLst>
+          </p:cNvPr>
+          <p:cNvSpPr>
+            <a:spLocks noGrp="1"/>
+          </p:cNvSpPr>
+          <p:nvPr>
+            <p:ph type="title"/>
+          </p:nvPr>
+        </p:nvSpPr>
+        <p:spPr/>
+        <p:txBody>
+          <a:bodyPr/>
+          <a:lstStyle/>
+          <a:p>
+            <a:r>
+              <a:rPr lang="en-US" dirty="0"/>
+              <a:t>Results </a:t>
+            </a:r>
+            <a:endParaRPr lang="el-GR" dirty="0"/>
+          </a:p>
+        </p:txBody>
+      </p:sp>
+      <p:sp>
+        <p:nvSpPr>
+          <p:cNvPr id="3" name="Θέση περιεχομένου 2">
+            <a:extLst>
+              <a:ext uri="{FF2B5EF4-FFF2-40B4-BE49-F238E27FC236}">
+                <a16:creationId xmlns:a16="http://schemas.microsoft.com/office/drawing/2014/main" id="{B8173782-E763-14F6-DC33-03573EAFD0C6}"/>
+              </a:ext>
+            </a:extLst>
+          </p:cNvPr>
+          <p:cNvSpPr>
+            <a:spLocks noGrp="1"/>
+          </p:cNvSpPr>
+          <p:nvPr>
+            <p:ph idx="1"/>
+          </p:nvPr>
+        </p:nvSpPr>
+        <p:spPr/>
+        <p:txBody>
+          <a:bodyPr/>
+          <a:lstStyle/>
+          <a:p>
+            <a:endParaRPr lang="el-GR"/>
+          </a:p>
+        </p:txBody>
+      </p:sp>
+      <p:sp>
+        <p:nvSpPr>
+          <p:cNvPr id="4" name="Ορθογώνιο 3">
+            <a:extLst>
+              <a:ext uri="{FF2B5EF4-FFF2-40B4-BE49-F238E27FC236}">
+                <a16:creationId xmlns:a16="http://schemas.microsoft.com/office/drawing/2014/main" id="{069AD3AF-96F5-4D20-BD7A-CD2AE4308040}"/>
+              </a:ext>
+            </a:extLst>
+          </p:cNvPr>
+          <p:cNvSpPr/>
+          <p:nvPr/>
+        </p:nvSpPr>
+        <p:spPr>
+          <a:xfrm>
+            <a:off x="3048000" y="2967335"/>
+            <a:ext cx="6096000" cy="369332"/>
+          </a:xfrm>
+          <a:prstGeom prst="rect">
+            <a:avLst/>
+          </a:prstGeom>
+        </p:spPr>
+        <p:txBody>
+          <a:bodyPr>
+            <a:spAutoFit/>
+          </a:bodyPr>
+          <a:lstStyle/>
+          <a:p>
+            <a:endParaRPr lang="el-GR" dirty="0"/>
+          </a:p>
+        </p:txBody>
+      </p:sp>
+      <p:pic>
+        <p:nvPicPr>
+          <p:cNvPr id="5" name="Εικόνα 4">
+            <a:extLst>
+              <a:ext uri="{FF2B5EF4-FFF2-40B4-BE49-F238E27FC236}">
+                <a16:creationId xmlns:a16="http://schemas.microsoft.com/office/drawing/2014/main" id="{43D86B76-5F94-4EF3-990B-3F767B7C2610}"/>
+              </a:ext>
+            </a:extLst>
+          </p:cNvPr>
+          <p:cNvPicPr>
+            <a:picLocks noChangeAspect="1"/>
+          </p:cNvPicPr>
+          <p:nvPr/>
+        </p:nvPicPr>
+        <p:blipFill>
+          <a:blip r:embed="rId2"/>
+          <a:stretch>
+            <a:fillRect/>
+          </a:stretch>
+        </p:blipFill>
+        <p:spPr>
+          <a:xfrm>
+            <a:off x="0" y="0"/>
+            <a:ext cx="12192000" cy="6858000"/>
+          </a:xfrm>
+          <a:prstGeom prst="rect">
+            <a:avLst/>
+          </a:prstGeom>
+        </p:spPr>
+      </p:pic>
+      <p:pic>
+        <p:nvPicPr>
+          <p:cNvPr id="6" name="Εικόνα 5">
+            <a:extLst>
+              <a:ext uri="{FF2B5EF4-FFF2-40B4-BE49-F238E27FC236}">
+                <a16:creationId xmlns:a16="http://schemas.microsoft.com/office/drawing/2014/main" id="{BE52A760-12E9-48DF-BBA0-AACC97E7895B}"/>
+              </a:ext>
+            </a:extLst>
+          </p:cNvPr>
+          <p:cNvPicPr>
+            <a:picLocks noChangeAspect="1"/>
+          </p:cNvPicPr>
+          <p:nvPr/>
+        </p:nvPicPr>
+        <p:blipFill>
+          <a:blip r:embed="rId3"/>
+          <a:stretch>
+            <a:fillRect/>
+          </a:stretch>
+        </p:blipFill>
+        <p:spPr>
+          <a:xfrm>
+            <a:off x="712115" y="5461192"/>
+            <a:ext cx="11479885" cy="641434"/>
+          </a:xfrm>
+          <a:prstGeom prst="rect">
+            <a:avLst/>
+          </a:prstGeom>
+        </p:spPr>
+      </p:pic>
+      <p:pic>
+        <p:nvPicPr>
+          <p:cNvPr id="7" name="Εικόνα 6">
+            <a:extLst>
+              <a:ext uri="{FF2B5EF4-FFF2-40B4-BE49-F238E27FC236}">
+                <a16:creationId xmlns:a16="http://schemas.microsoft.com/office/drawing/2014/main" id="{AF3711EC-DBA5-484A-8CE0-887A1C017959}"/>
+              </a:ext>
+            </a:extLst>
+          </p:cNvPr>
+          <p:cNvPicPr>
+            <a:picLocks noChangeAspect="1"/>
+          </p:cNvPicPr>
+          <p:nvPr/>
+        </p:nvPicPr>
+        <p:blipFill>
+          <a:blip r:embed="rId4"/>
+          <a:stretch>
+            <a:fillRect/>
+          </a:stretch>
+        </p:blipFill>
+        <p:spPr>
+          <a:xfrm>
+            <a:off x="2888785" y="6171917"/>
+            <a:ext cx="2528182" cy="575977"/>
+          </a:xfrm>
+          <a:prstGeom prst="rect">
+            <a:avLst/>
+          </a:prstGeom>
+        </p:spPr>
+      </p:pic>
+    </p:spTree>
+    <p:extLst>
+      <p:ext uri="{BB962C8B-B14F-4D97-AF65-F5344CB8AC3E}">
+        <p14:creationId xmlns:p14="http://schemas.microsoft.com/office/powerpoint/2010/main" val="2763385011"/>
+      </p:ext>
+    </p:extLst>
+  </p:cSld>
+  <p:clrMapOvr>
+    <a:masterClrMapping/>
+  </p:clrMapOvr>
+</p:sld>
+</file>
+
 <file path=ppt/theme/theme1.xml><?xml version="1.0" encoding="utf-8"?>
 <a:theme xmlns:a="http://schemas.openxmlformats.org/drawingml/2006/main" name="Θέμα του Office">
   <a:themeElements>

--- a/genekor.pptx
+++ b/genekor.pptx
@@ -23,6 +23,7 @@
     <p:sldId id="269" r:id="rId17"/>
     <p:sldId id="262" r:id="rId18"/>
     <p:sldId id="263" r:id="rId19"/>
+    <p:sldId id="275" r:id="rId20"/>
   </p:sldIdLst>
   <p:sldSz cx="12192000" cy="6858000"/>
   <p:notesSz cx="6858000" cy="9144000"/>
@@ -4430,7 +4431,7 @@
 <dgm:dataModel xmlns:dgm="http://schemas.openxmlformats.org/drawingml/2006/diagram" xmlns:a="http://schemas.openxmlformats.org/drawingml/2006/main">
   <dgm:ptLst>
     <dgm:pt modelId="{9D422B6D-111E-4E27-9636-433C99344472}" type="doc">
-      <dgm:prSet loTypeId="urn:microsoft.com/office/officeart/2005/8/layout/default" loCatId="list" qsTypeId="urn:microsoft.com/office/officeart/2005/8/quickstyle/simple4" qsCatId="simple" csTypeId="urn:microsoft.com/office/officeart/2005/8/colors/colorful1" csCatId="colorful"/>
+      <dgm:prSet loTypeId="urn:microsoft.com/office/officeart/2005/8/layout/default" loCatId="list" qsTypeId="urn:microsoft.com/office/officeart/2005/8/quickstyle/simple4" qsCatId="simple" csTypeId="urn:microsoft.com/office/officeart/2005/8/colors/colorful1" csCatId="colorful" phldr="1"/>
       <dgm:spPr/>
       <dgm:t>
         <a:bodyPr/>
@@ -4448,8 +4449,8 @@
         <a:lstStyle/>
         <a:p>
           <a:r>
-            <a:rPr lang="en-US"/>
-            <a:t>Psycopg2</a:t>
+            <a:rPr lang="en-US" dirty="0"/>
+            <a:t>psycopg2</a:t>
           </a:r>
         </a:p>
       </dgm:t>
@@ -4484,8 +4485,8 @@
         <a:lstStyle/>
         <a:p>
           <a:r>
-            <a:rPr lang="en-US"/>
-            <a:t>Pandas</a:t>
+            <a:rPr lang="en-US" dirty="0"/>
+            <a:t>pandas</a:t>
           </a:r>
         </a:p>
       </dgm:t>
@@ -4520,9 +4521,10 @@
         <a:lstStyle/>
         <a:p>
           <a:r>
-            <a:rPr lang="en-US"/>
-            <a:t>url lib</a:t>
+            <a:rPr lang="en-US" dirty="0" err="1"/>
+            <a:t>urllib</a:t>
           </a:r>
+          <a:endParaRPr lang="en-US" dirty="0"/>
         </a:p>
       </dgm:t>
     </dgm:pt>
@@ -4556,8 +4558,8 @@
         <a:lstStyle/>
         <a:p>
           <a:r>
-            <a:rPr lang="en-US"/>
-            <a:t>Re</a:t>
+            <a:rPr lang="en-US" dirty="0"/>
+            <a:t>re</a:t>
           </a:r>
         </a:p>
       </dgm:t>
@@ -4592,8 +4594,8 @@
         <a:lstStyle/>
         <a:p>
           <a:r>
-            <a:rPr lang="en-US"/>
-            <a:t>Traceback</a:t>
+            <a:rPr lang="en-US" dirty="0"/>
+            <a:t>traceback</a:t>
           </a:r>
         </a:p>
       </dgm:t>
@@ -4628,9 +4630,10 @@
         <a:lstStyle/>
         <a:p>
           <a:r>
-            <a:rPr lang="en-US"/>
-            <a:t>Os</a:t>
+            <a:rPr lang="en-US" dirty="0" err="1"/>
+            <a:t>os</a:t>
           </a:r>
+          <a:endParaRPr lang="en-US" dirty="0"/>
         </a:p>
       </dgm:t>
     </dgm:pt>
@@ -4664,8 +4667,8 @@
         <a:lstStyle/>
         <a:p>
           <a:r>
-            <a:rPr lang="en-US"/>
-            <a:t>Typing</a:t>
+            <a:rPr lang="en-US" dirty="0"/>
+            <a:t>typing</a:t>
           </a:r>
         </a:p>
       </dgm:t>
@@ -4700,8 +4703,8 @@
         <a:lstStyle/>
         <a:p>
           <a:r>
-            <a:rPr lang="en-US"/>
-            <a:t>Subprocess</a:t>
+            <a:rPr lang="en-US" dirty="0"/>
+            <a:t>subprocess</a:t>
           </a:r>
         </a:p>
       </dgm:t>
@@ -9137,12 +9140,12 @@
         </a:fontRef>
       </dsp:style>
       <dsp:txBody>
-        <a:bodyPr spcFirstLastPara="0" vert="horz" wrap="square" lIns="121920" tIns="121920" rIns="121920" bIns="121920" numCol="1" spcCol="1270" anchor="ctr" anchorCtr="0">
+        <a:bodyPr spcFirstLastPara="0" vert="horz" wrap="square" lIns="125730" tIns="125730" rIns="125730" bIns="125730" numCol="1" spcCol="1270" anchor="ctr" anchorCtr="0">
           <a:noAutofit/>
         </a:bodyPr>
         <a:lstStyle/>
         <a:p>
-          <a:pPr marL="0" lvl="0" indent="0" algn="ctr" defTabSz="1422400">
+          <a:pPr marL="0" lvl="0" indent="0" algn="ctr" defTabSz="1466850">
             <a:lnSpc>
               <a:spcPct val="90000"/>
             </a:lnSpc>
@@ -9155,8 +9158,8 @@
             <a:buNone/>
           </a:pPr>
           <a:r>
-            <a:rPr lang="en-US" sz="3200" kern="1200"/>
-            <a:t>Psycopg2</a:t>
+            <a:rPr lang="en-US" sz="3300" kern="1200" dirty="0"/>
+            <a:t>psycopg2</a:t>
           </a:r>
         </a:p>
       </dsp:txBody>
@@ -9236,12 +9239,12 @@
         </a:fontRef>
       </dsp:style>
       <dsp:txBody>
-        <a:bodyPr spcFirstLastPara="0" vert="horz" wrap="square" lIns="121920" tIns="121920" rIns="121920" bIns="121920" numCol="1" spcCol="1270" anchor="ctr" anchorCtr="0">
+        <a:bodyPr spcFirstLastPara="0" vert="horz" wrap="square" lIns="125730" tIns="125730" rIns="125730" bIns="125730" numCol="1" spcCol="1270" anchor="ctr" anchorCtr="0">
           <a:noAutofit/>
         </a:bodyPr>
         <a:lstStyle/>
         <a:p>
-          <a:pPr marL="0" lvl="0" indent="0" algn="ctr" defTabSz="1422400">
+          <a:pPr marL="0" lvl="0" indent="0" algn="ctr" defTabSz="1466850">
             <a:lnSpc>
               <a:spcPct val="90000"/>
             </a:lnSpc>
@@ -9254,8 +9257,8 @@
             <a:buNone/>
           </a:pPr>
           <a:r>
-            <a:rPr lang="en-US" sz="3200" kern="1200"/>
-            <a:t>Pandas</a:t>
+            <a:rPr lang="en-US" sz="3300" kern="1200" dirty="0"/>
+            <a:t>pandas</a:t>
           </a:r>
         </a:p>
       </dsp:txBody>
@@ -9335,12 +9338,12 @@
         </a:fontRef>
       </dsp:style>
       <dsp:txBody>
-        <a:bodyPr spcFirstLastPara="0" vert="horz" wrap="square" lIns="121920" tIns="121920" rIns="121920" bIns="121920" numCol="1" spcCol="1270" anchor="ctr" anchorCtr="0">
+        <a:bodyPr spcFirstLastPara="0" vert="horz" wrap="square" lIns="125730" tIns="125730" rIns="125730" bIns="125730" numCol="1" spcCol="1270" anchor="ctr" anchorCtr="0">
           <a:noAutofit/>
         </a:bodyPr>
         <a:lstStyle/>
         <a:p>
-          <a:pPr marL="0" lvl="0" indent="0" algn="ctr" defTabSz="1422400">
+          <a:pPr marL="0" lvl="0" indent="0" algn="ctr" defTabSz="1466850">
             <a:lnSpc>
               <a:spcPct val="90000"/>
             </a:lnSpc>
@@ -9353,9 +9356,10 @@
             <a:buNone/>
           </a:pPr>
           <a:r>
-            <a:rPr lang="en-US" sz="3200" kern="1200"/>
-            <a:t>url lib</a:t>
+            <a:rPr lang="en-US" sz="3300" kern="1200" dirty="0" err="1"/>
+            <a:t>urllib</a:t>
           </a:r>
+          <a:endParaRPr lang="en-US" sz="3300" kern="1200" dirty="0"/>
         </a:p>
       </dsp:txBody>
       <dsp:txXfrm>
@@ -9434,12 +9438,12 @@
         </a:fontRef>
       </dsp:style>
       <dsp:txBody>
-        <a:bodyPr spcFirstLastPara="0" vert="horz" wrap="square" lIns="121920" tIns="121920" rIns="121920" bIns="121920" numCol="1" spcCol="1270" anchor="ctr" anchorCtr="0">
+        <a:bodyPr spcFirstLastPara="0" vert="horz" wrap="square" lIns="125730" tIns="125730" rIns="125730" bIns="125730" numCol="1" spcCol="1270" anchor="ctr" anchorCtr="0">
           <a:noAutofit/>
         </a:bodyPr>
         <a:lstStyle/>
         <a:p>
-          <a:pPr marL="0" lvl="0" indent="0" algn="ctr" defTabSz="1422400">
+          <a:pPr marL="0" lvl="0" indent="0" algn="ctr" defTabSz="1466850">
             <a:lnSpc>
               <a:spcPct val="90000"/>
             </a:lnSpc>
@@ -9452,8 +9456,8 @@
             <a:buNone/>
           </a:pPr>
           <a:r>
-            <a:rPr lang="en-US" sz="3200" kern="1200"/>
-            <a:t>Re</a:t>
+            <a:rPr lang="en-US" sz="3300" kern="1200" dirty="0"/>
+            <a:t>re</a:t>
           </a:r>
         </a:p>
       </dsp:txBody>
@@ -9533,12 +9537,12 @@
         </a:fontRef>
       </dsp:style>
       <dsp:txBody>
-        <a:bodyPr spcFirstLastPara="0" vert="horz" wrap="square" lIns="121920" tIns="121920" rIns="121920" bIns="121920" numCol="1" spcCol="1270" anchor="ctr" anchorCtr="0">
+        <a:bodyPr spcFirstLastPara="0" vert="horz" wrap="square" lIns="125730" tIns="125730" rIns="125730" bIns="125730" numCol="1" spcCol="1270" anchor="ctr" anchorCtr="0">
           <a:noAutofit/>
         </a:bodyPr>
         <a:lstStyle/>
         <a:p>
-          <a:pPr marL="0" lvl="0" indent="0" algn="ctr" defTabSz="1422400">
+          <a:pPr marL="0" lvl="0" indent="0" algn="ctr" defTabSz="1466850">
             <a:lnSpc>
               <a:spcPct val="90000"/>
             </a:lnSpc>
@@ -9551,8 +9555,8 @@
             <a:buNone/>
           </a:pPr>
           <a:r>
-            <a:rPr lang="en-US" sz="3200" kern="1200"/>
-            <a:t>Traceback</a:t>
+            <a:rPr lang="en-US" sz="3300" kern="1200" dirty="0"/>
+            <a:t>traceback</a:t>
           </a:r>
         </a:p>
       </dsp:txBody>
@@ -9632,12 +9636,12 @@
         </a:fontRef>
       </dsp:style>
       <dsp:txBody>
-        <a:bodyPr spcFirstLastPara="0" vert="horz" wrap="square" lIns="121920" tIns="121920" rIns="121920" bIns="121920" numCol="1" spcCol="1270" anchor="ctr" anchorCtr="0">
+        <a:bodyPr spcFirstLastPara="0" vert="horz" wrap="square" lIns="125730" tIns="125730" rIns="125730" bIns="125730" numCol="1" spcCol="1270" anchor="ctr" anchorCtr="0">
           <a:noAutofit/>
         </a:bodyPr>
         <a:lstStyle/>
         <a:p>
-          <a:pPr marL="0" lvl="0" indent="0" algn="ctr" defTabSz="1422400">
+          <a:pPr marL="0" lvl="0" indent="0" algn="ctr" defTabSz="1466850">
             <a:lnSpc>
               <a:spcPct val="90000"/>
             </a:lnSpc>
@@ -9650,9 +9654,10 @@
             <a:buNone/>
           </a:pPr>
           <a:r>
-            <a:rPr lang="en-US" sz="3200" kern="1200"/>
-            <a:t>Os</a:t>
+            <a:rPr lang="en-US" sz="3300" kern="1200" dirty="0" err="1"/>
+            <a:t>os</a:t>
           </a:r>
+          <a:endParaRPr lang="en-US" sz="3300" kern="1200" dirty="0"/>
         </a:p>
       </dsp:txBody>
       <dsp:txXfrm>
@@ -9731,12 +9736,12 @@
         </a:fontRef>
       </dsp:style>
       <dsp:txBody>
-        <a:bodyPr spcFirstLastPara="0" vert="horz" wrap="square" lIns="121920" tIns="121920" rIns="121920" bIns="121920" numCol="1" spcCol="1270" anchor="ctr" anchorCtr="0">
+        <a:bodyPr spcFirstLastPara="0" vert="horz" wrap="square" lIns="125730" tIns="125730" rIns="125730" bIns="125730" numCol="1" spcCol="1270" anchor="ctr" anchorCtr="0">
           <a:noAutofit/>
         </a:bodyPr>
         <a:lstStyle/>
         <a:p>
-          <a:pPr marL="0" lvl="0" indent="0" algn="ctr" defTabSz="1422400">
+          <a:pPr marL="0" lvl="0" indent="0" algn="ctr" defTabSz="1466850">
             <a:lnSpc>
               <a:spcPct val="90000"/>
             </a:lnSpc>
@@ -9749,8 +9754,8 @@
             <a:buNone/>
           </a:pPr>
           <a:r>
-            <a:rPr lang="en-US" sz="3200" kern="1200"/>
-            <a:t>Typing</a:t>
+            <a:rPr lang="en-US" sz="3300" kern="1200" dirty="0"/>
+            <a:t>typing</a:t>
           </a:r>
         </a:p>
       </dsp:txBody>
@@ -9830,12 +9835,12 @@
         </a:fontRef>
       </dsp:style>
       <dsp:txBody>
-        <a:bodyPr spcFirstLastPara="0" vert="horz" wrap="square" lIns="121920" tIns="121920" rIns="121920" bIns="121920" numCol="1" spcCol="1270" anchor="ctr" anchorCtr="0">
+        <a:bodyPr spcFirstLastPara="0" vert="horz" wrap="square" lIns="125730" tIns="125730" rIns="125730" bIns="125730" numCol="1" spcCol="1270" anchor="ctr" anchorCtr="0">
           <a:noAutofit/>
         </a:bodyPr>
         <a:lstStyle/>
         <a:p>
-          <a:pPr marL="0" lvl="0" indent="0" algn="ctr" defTabSz="1422400">
+          <a:pPr marL="0" lvl="0" indent="0" algn="ctr" defTabSz="1466850">
             <a:lnSpc>
               <a:spcPct val="90000"/>
             </a:lnSpc>
@@ -9848,8 +9853,8 @@
             <a:buNone/>
           </a:pPr>
           <a:r>
-            <a:rPr lang="en-US" sz="3200" kern="1200"/>
-            <a:t>Subprocess</a:t>
+            <a:rPr lang="en-US" sz="3300" kern="1200" dirty="0"/>
+            <a:t>subprocess</a:t>
           </a:r>
         </a:p>
       </dsp:txBody>
@@ -9929,12 +9934,12 @@
         </a:fontRef>
       </dsp:style>
       <dsp:txBody>
-        <a:bodyPr spcFirstLastPara="0" vert="horz" wrap="square" lIns="121920" tIns="121920" rIns="121920" bIns="121920" numCol="1" spcCol="1270" anchor="ctr" anchorCtr="0">
+        <a:bodyPr spcFirstLastPara="0" vert="horz" wrap="square" lIns="125730" tIns="125730" rIns="125730" bIns="125730" numCol="1" spcCol="1270" anchor="ctr" anchorCtr="0">
           <a:noAutofit/>
         </a:bodyPr>
         <a:lstStyle/>
         <a:p>
-          <a:pPr marL="0" lvl="0" indent="0" algn="ctr" defTabSz="1422400">
+          <a:pPr marL="0" lvl="0" indent="0" algn="ctr" defTabSz="1466850">
             <a:lnSpc>
               <a:spcPct val="90000"/>
             </a:lnSpc>
@@ -9947,7 +9952,7 @@
             <a:buNone/>
           </a:pPr>
           <a:r>
-            <a:rPr lang="en-US" sz="3200" kern="1200"/>
+            <a:rPr lang="en-US" sz="3300" kern="1200"/>
             <a:t>collections</a:t>
           </a:r>
         </a:p>
@@ -28387,6 +28392,1085 @@
 </p:sld>
 </file>
 
+<file path=ppt/slides/slide19.xml><?xml version="1.0" encoding="utf-8"?>
+<p:sld xmlns:a="http://schemas.openxmlformats.org/drawingml/2006/main" xmlns:r="http://schemas.openxmlformats.org/officeDocument/2006/relationships" xmlns:p="http://schemas.openxmlformats.org/presentationml/2006/main">
+  <p:cSld>
+    <p:bg>
+      <p:bgPr>
+        <a:solidFill>
+          <a:schemeClr val="bg1"/>
+        </a:solidFill>
+        <a:effectLst/>
+      </p:bgPr>
+    </p:bg>
+    <p:spTree>
+      <p:nvGrpSpPr>
+        <p:cNvPr id="1" name=""/>
+        <p:cNvGrpSpPr/>
+        <p:nvPr/>
+      </p:nvGrpSpPr>
+      <p:grpSpPr>
+        <a:xfrm>
+          <a:off x="0" y="0"/>
+          <a:ext cx="0" cy="0"/>
+          <a:chOff x="0" y="0"/>
+          <a:chExt cx="0" cy="0"/>
+        </a:xfrm>
+      </p:grpSpPr>
+      <p:sp useBgFill="1">
+        <p:nvSpPr>
+          <p:cNvPr id="8" name="Rectangle 7">
+            <a:extLst>
+              <a:ext uri="{FF2B5EF4-FFF2-40B4-BE49-F238E27FC236}">
+                <a16:creationId xmlns:a16="http://schemas.microsoft.com/office/drawing/2014/main" id="{100EDD19-6802-4EC3-95CE-CFFAB042CFD6}"/>
+              </a:ext>
+              <a:ext uri="{C183D7F6-B498-43B3-948B-1728B52AA6E4}">
+                <adec:decorative xmlns:adec="http://schemas.microsoft.com/office/drawing/2017/decorative" val="1"/>
+              </a:ext>
+            </a:extLst>
+          </p:cNvPr>
+          <p:cNvSpPr>
+            <a:spLocks noGrp="1" noRot="1" noChangeAspect="1" noMove="1" noResize="1" noEditPoints="1" noAdjustHandles="1" noChangeArrowheads="1" noChangeShapeType="1" noTextEdit="1"/>
+          </p:cNvSpPr>
+          <p:nvPr>
+            <p:extLst>
+              <p:ext uri="{386F3935-93C4-4BCD-93E2-E3B085C9AB24}">
+                <p16:designElem xmlns:p16="http://schemas.microsoft.com/office/powerpoint/2015/main" val="1"/>
+              </p:ext>
+            </p:extLst>
+          </p:nvPr>
+        </p:nvSpPr>
+        <p:spPr>
+          <a:xfrm>
+            <a:off x="0" y="0"/>
+            <a:ext cx="12188952" cy="6858000"/>
+          </a:xfrm>
+          <a:prstGeom prst="rect">
+            <a:avLst/>
+          </a:prstGeom>
+          <a:ln>
+            <a:noFill/>
+          </a:ln>
+        </p:spPr>
+        <p:style>
+          <a:lnRef idx="2">
+            <a:schemeClr val="accent1">
+              <a:shade val="50000"/>
+            </a:schemeClr>
+          </a:lnRef>
+          <a:fillRef idx="1">
+            <a:schemeClr val="accent1"/>
+          </a:fillRef>
+          <a:effectRef idx="0">
+            <a:schemeClr val="accent1"/>
+          </a:effectRef>
+          <a:fontRef idx="minor">
+            <a:schemeClr val="lt1"/>
+          </a:fontRef>
+        </p:style>
+        <p:txBody>
+          <a:bodyPr rtlCol="0" anchor="ctr"/>
+          <a:lstStyle/>
+          <a:p>
+            <a:pPr algn="ctr"/>
+            <a:endParaRPr lang="en-US"/>
+          </a:p>
+        </p:txBody>
+      </p:sp>
+      <p:sp>
+        <p:nvSpPr>
+          <p:cNvPr id="2" name="Τίτλος 1">
+            <a:extLst>
+              <a:ext uri="{FF2B5EF4-FFF2-40B4-BE49-F238E27FC236}">
+                <a16:creationId xmlns:a16="http://schemas.microsoft.com/office/drawing/2014/main" id="{37113B39-DE9E-4867-86E1-34E29B835F02}"/>
+              </a:ext>
+            </a:extLst>
+          </p:cNvPr>
+          <p:cNvSpPr>
+            <a:spLocks noGrp="1"/>
+          </p:cNvSpPr>
+          <p:nvPr>
+            <p:ph type="title"/>
+          </p:nvPr>
+        </p:nvSpPr>
+        <p:spPr>
+          <a:xfrm>
+            <a:off x="838200" y="365125"/>
+            <a:ext cx="10515600" cy="1325563"/>
+          </a:xfrm>
+        </p:spPr>
+        <p:txBody>
+          <a:bodyPr>
+            <a:normAutofit/>
+          </a:bodyPr>
+          <a:lstStyle/>
+          <a:p>
+            <a:r>
+              <a:rPr lang="en-US" sz="5400"/>
+              <a:t>REFERENCES</a:t>
+            </a:r>
+            <a:endParaRPr lang="el-GR" sz="5400"/>
+          </a:p>
+        </p:txBody>
+      </p:sp>
+      <p:sp>
+        <p:nvSpPr>
+          <p:cNvPr id="10" name="sketch line">
+            <a:extLst>
+              <a:ext uri="{FF2B5EF4-FFF2-40B4-BE49-F238E27FC236}">
+                <a16:creationId xmlns:a16="http://schemas.microsoft.com/office/drawing/2014/main" id="{DB17E863-922E-4C26-BD64-E8FD41D28661}"/>
+              </a:ext>
+              <a:ext uri="{C183D7F6-B498-43B3-948B-1728B52AA6E4}">
+                <adec:decorative xmlns:adec="http://schemas.microsoft.com/office/drawing/2017/decorative" val="1"/>
+              </a:ext>
+            </a:extLst>
+          </p:cNvPr>
+          <p:cNvSpPr>
+            <a:spLocks noGrp="1" noRot="1" noChangeAspect="1" noMove="1" noResize="1" noEditPoints="1" noAdjustHandles="1" noChangeArrowheads="1" noChangeShapeType="1" noTextEdit="1"/>
+          </p:cNvSpPr>
+          <p:nvPr>
+            <p:extLst>
+              <p:ext uri="{386F3935-93C4-4BCD-93E2-E3B085C9AB24}">
+                <p16:designElem xmlns:p16="http://schemas.microsoft.com/office/powerpoint/2015/main" val="1"/>
+              </p:ext>
+            </p:extLst>
+          </p:nvPr>
+        </p:nvSpPr>
+        <p:spPr>
+          <a:xfrm>
+            <a:off x="669036" y="1677373"/>
+            <a:ext cx="10853928" cy="18288"/>
+          </a:xfrm>
+          <a:custGeom>
+            <a:avLst/>
+            <a:gdLst>
+              <a:gd name="connsiteX0" fmla="*/ 0 w 10853928"/>
+              <a:gd name="connsiteY0" fmla="*/ 0 h 18288"/>
+              <a:gd name="connsiteX1" fmla="*/ 461292 w 10853928"/>
+              <a:gd name="connsiteY1" fmla="*/ 0 h 18288"/>
+              <a:gd name="connsiteX2" fmla="*/ 1139662 w 10853928"/>
+              <a:gd name="connsiteY2" fmla="*/ 0 h 18288"/>
+              <a:gd name="connsiteX3" fmla="*/ 1926572 w 10853928"/>
+              <a:gd name="connsiteY3" fmla="*/ 0 h 18288"/>
+              <a:gd name="connsiteX4" fmla="*/ 2279325 w 10853928"/>
+              <a:gd name="connsiteY4" fmla="*/ 0 h 18288"/>
+              <a:gd name="connsiteX5" fmla="*/ 2632078 w 10853928"/>
+              <a:gd name="connsiteY5" fmla="*/ 0 h 18288"/>
+              <a:gd name="connsiteX6" fmla="*/ 3527527 w 10853928"/>
+              <a:gd name="connsiteY6" fmla="*/ 0 h 18288"/>
+              <a:gd name="connsiteX7" fmla="*/ 4205897 w 10853928"/>
+              <a:gd name="connsiteY7" fmla="*/ 0 h 18288"/>
+              <a:gd name="connsiteX8" fmla="*/ 4558650 w 10853928"/>
+              <a:gd name="connsiteY8" fmla="*/ 0 h 18288"/>
+              <a:gd name="connsiteX9" fmla="*/ 5237020 w 10853928"/>
+              <a:gd name="connsiteY9" fmla="*/ 0 h 18288"/>
+              <a:gd name="connsiteX10" fmla="*/ 6132469 w 10853928"/>
+              <a:gd name="connsiteY10" fmla="*/ 0 h 18288"/>
+              <a:gd name="connsiteX11" fmla="*/ 6702301 w 10853928"/>
+              <a:gd name="connsiteY11" fmla="*/ 0 h 18288"/>
+              <a:gd name="connsiteX12" fmla="*/ 7272132 w 10853928"/>
+              <a:gd name="connsiteY12" fmla="*/ 0 h 18288"/>
+              <a:gd name="connsiteX13" fmla="*/ 7950502 w 10853928"/>
+              <a:gd name="connsiteY13" fmla="*/ 0 h 18288"/>
+              <a:gd name="connsiteX14" fmla="*/ 8737412 w 10853928"/>
+              <a:gd name="connsiteY14" fmla="*/ 0 h 18288"/>
+              <a:gd name="connsiteX15" fmla="*/ 9524322 w 10853928"/>
+              <a:gd name="connsiteY15" fmla="*/ 0 h 18288"/>
+              <a:gd name="connsiteX16" fmla="*/ 10853928 w 10853928"/>
+              <a:gd name="connsiteY16" fmla="*/ 0 h 18288"/>
+              <a:gd name="connsiteX17" fmla="*/ 10853928 w 10853928"/>
+              <a:gd name="connsiteY17" fmla="*/ 18288 h 18288"/>
+              <a:gd name="connsiteX18" fmla="*/ 10392636 w 10853928"/>
+              <a:gd name="connsiteY18" fmla="*/ 18288 h 18288"/>
+              <a:gd name="connsiteX19" fmla="*/ 9497187 w 10853928"/>
+              <a:gd name="connsiteY19" fmla="*/ 18288 h 18288"/>
+              <a:gd name="connsiteX20" fmla="*/ 8818817 w 10853928"/>
+              <a:gd name="connsiteY20" fmla="*/ 18288 h 18288"/>
+              <a:gd name="connsiteX21" fmla="*/ 8466064 w 10853928"/>
+              <a:gd name="connsiteY21" fmla="*/ 18288 h 18288"/>
+              <a:gd name="connsiteX22" fmla="*/ 7787693 w 10853928"/>
+              <a:gd name="connsiteY22" fmla="*/ 18288 h 18288"/>
+              <a:gd name="connsiteX23" fmla="*/ 7217862 w 10853928"/>
+              <a:gd name="connsiteY23" fmla="*/ 18288 h 18288"/>
+              <a:gd name="connsiteX24" fmla="*/ 6648031 w 10853928"/>
+              <a:gd name="connsiteY24" fmla="*/ 18288 h 18288"/>
+              <a:gd name="connsiteX25" fmla="*/ 6078200 w 10853928"/>
+              <a:gd name="connsiteY25" fmla="*/ 18288 h 18288"/>
+              <a:gd name="connsiteX26" fmla="*/ 5508368 w 10853928"/>
+              <a:gd name="connsiteY26" fmla="*/ 18288 h 18288"/>
+              <a:gd name="connsiteX27" fmla="*/ 4721459 w 10853928"/>
+              <a:gd name="connsiteY27" fmla="*/ 18288 h 18288"/>
+              <a:gd name="connsiteX28" fmla="*/ 4043088 w 10853928"/>
+              <a:gd name="connsiteY28" fmla="*/ 18288 h 18288"/>
+              <a:gd name="connsiteX29" fmla="*/ 3690336 w 10853928"/>
+              <a:gd name="connsiteY29" fmla="*/ 18288 h 18288"/>
+              <a:gd name="connsiteX30" fmla="*/ 3120504 w 10853928"/>
+              <a:gd name="connsiteY30" fmla="*/ 18288 h 18288"/>
+              <a:gd name="connsiteX31" fmla="*/ 2333595 w 10853928"/>
+              <a:gd name="connsiteY31" fmla="*/ 18288 h 18288"/>
+              <a:gd name="connsiteX32" fmla="*/ 1872303 w 10853928"/>
+              <a:gd name="connsiteY32" fmla="*/ 18288 h 18288"/>
+              <a:gd name="connsiteX33" fmla="*/ 976854 w 10853928"/>
+              <a:gd name="connsiteY33" fmla="*/ 18288 h 18288"/>
+              <a:gd name="connsiteX34" fmla="*/ 0 w 10853928"/>
+              <a:gd name="connsiteY34" fmla="*/ 18288 h 18288"/>
+              <a:gd name="connsiteX35" fmla="*/ 0 w 10853928"/>
+              <a:gd name="connsiteY35" fmla="*/ 0 h 18288"/>
+            </a:gdLst>
+            <a:ahLst/>
+            <a:cxnLst>
+              <a:cxn ang="0">
+                <a:pos x="connsiteX0" y="connsiteY0"/>
+              </a:cxn>
+              <a:cxn ang="0">
+                <a:pos x="connsiteX1" y="connsiteY1"/>
+              </a:cxn>
+              <a:cxn ang="0">
+                <a:pos x="connsiteX2" y="connsiteY2"/>
+              </a:cxn>
+              <a:cxn ang="0">
+                <a:pos x="connsiteX3" y="connsiteY3"/>
+              </a:cxn>
+              <a:cxn ang="0">
+                <a:pos x="connsiteX4" y="connsiteY4"/>
+              </a:cxn>
+              <a:cxn ang="0">
+                <a:pos x="connsiteX5" y="connsiteY5"/>
+              </a:cxn>
+              <a:cxn ang="0">
+                <a:pos x="connsiteX6" y="connsiteY6"/>
+              </a:cxn>
+              <a:cxn ang="0">
+                <a:pos x="connsiteX7" y="connsiteY7"/>
+              </a:cxn>
+              <a:cxn ang="0">
+                <a:pos x="connsiteX8" y="connsiteY8"/>
+              </a:cxn>
+              <a:cxn ang="0">
+                <a:pos x="connsiteX9" y="connsiteY9"/>
+              </a:cxn>
+              <a:cxn ang="0">
+                <a:pos x="connsiteX10" y="connsiteY10"/>
+              </a:cxn>
+              <a:cxn ang="0">
+                <a:pos x="connsiteX11" y="connsiteY11"/>
+              </a:cxn>
+              <a:cxn ang="0">
+                <a:pos x="connsiteX12" y="connsiteY12"/>
+              </a:cxn>
+              <a:cxn ang="0">
+                <a:pos x="connsiteX13" y="connsiteY13"/>
+              </a:cxn>
+              <a:cxn ang="0">
+                <a:pos x="connsiteX14" y="connsiteY14"/>
+              </a:cxn>
+              <a:cxn ang="0">
+                <a:pos x="connsiteX15" y="connsiteY15"/>
+              </a:cxn>
+              <a:cxn ang="0">
+                <a:pos x="connsiteX16" y="connsiteY16"/>
+              </a:cxn>
+              <a:cxn ang="0">
+                <a:pos x="connsiteX17" y="connsiteY17"/>
+              </a:cxn>
+              <a:cxn ang="0">
+                <a:pos x="connsiteX18" y="connsiteY18"/>
+              </a:cxn>
+              <a:cxn ang="0">
+                <a:pos x="connsiteX19" y="connsiteY19"/>
+              </a:cxn>
+              <a:cxn ang="0">
+                <a:pos x="connsiteX20" y="connsiteY20"/>
+              </a:cxn>
+              <a:cxn ang="0">
+                <a:pos x="connsiteX21" y="connsiteY21"/>
+              </a:cxn>
+              <a:cxn ang="0">
+                <a:pos x="connsiteX22" y="connsiteY22"/>
+              </a:cxn>
+              <a:cxn ang="0">
+                <a:pos x="connsiteX23" y="connsiteY23"/>
+              </a:cxn>
+              <a:cxn ang="0">
+                <a:pos x="connsiteX24" y="connsiteY24"/>
+              </a:cxn>
+              <a:cxn ang="0">
+                <a:pos x="connsiteX25" y="connsiteY25"/>
+              </a:cxn>
+              <a:cxn ang="0">
+                <a:pos x="connsiteX26" y="connsiteY26"/>
+              </a:cxn>
+              <a:cxn ang="0">
+                <a:pos x="connsiteX27" y="connsiteY27"/>
+              </a:cxn>
+              <a:cxn ang="0">
+                <a:pos x="connsiteX28" y="connsiteY28"/>
+              </a:cxn>
+              <a:cxn ang="0">
+                <a:pos x="connsiteX29" y="connsiteY29"/>
+              </a:cxn>
+              <a:cxn ang="0">
+                <a:pos x="connsiteX30" y="connsiteY30"/>
+              </a:cxn>
+              <a:cxn ang="0">
+                <a:pos x="connsiteX31" y="connsiteY31"/>
+              </a:cxn>
+              <a:cxn ang="0">
+                <a:pos x="connsiteX32" y="connsiteY32"/>
+              </a:cxn>
+              <a:cxn ang="0">
+                <a:pos x="connsiteX33" y="connsiteY33"/>
+              </a:cxn>
+              <a:cxn ang="0">
+                <a:pos x="connsiteX34" y="connsiteY34"/>
+              </a:cxn>
+              <a:cxn ang="0">
+                <a:pos x="connsiteX35" y="connsiteY35"/>
+              </a:cxn>
+            </a:cxnLst>
+            <a:rect l="l" t="t" r="r" b="b"/>
+            <a:pathLst>
+              <a:path w="10853928" h="18288" fill="none" extrusionOk="0">
+                <a:moveTo>
+                  <a:pt x="0" y="0"/>
+                </a:moveTo>
+                <a:cubicBezTo>
+                  <a:pt x="146993" y="-19076"/>
+                  <a:pt x="347684" y="-4790"/>
+                  <a:pt x="461292" y="0"/>
+                </a:cubicBezTo>
+                <a:cubicBezTo>
+                  <a:pt x="574900" y="4790"/>
+                  <a:pt x="808367" y="19821"/>
+                  <a:pt x="1139662" y="0"/>
+                </a:cubicBezTo>
+                <a:cubicBezTo>
+                  <a:pt x="1470957" y="-19821"/>
+                  <a:pt x="1627405" y="5721"/>
+                  <a:pt x="1926572" y="0"/>
+                </a:cubicBezTo>
+                <a:cubicBezTo>
+                  <a:pt x="2225739" y="-5721"/>
+                  <a:pt x="2137730" y="-3235"/>
+                  <a:pt x="2279325" y="0"/>
+                </a:cubicBezTo>
+                <a:cubicBezTo>
+                  <a:pt x="2420920" y="3235"/>
+                  <a:pt x="2456518" y="9685"/>
+                  <a:pt x="2632078" y="0"/>
+                </a:cubicBezTo>
+                <a:cubicBezTo>
+                  <a:pt x="2807638" y="-9685"/>
+                  <a:pt x="3211516" y="-43007"/>
+                  <a:pt x="3527527" y="0"/>
+                </a:cubicBezTo>
+                <a:cubicBezTo>
+                  <a:pt x="3843538" y="43007"/>
+                  <a:pt x="4058833" y="22042"/>
+                  <a:pt x="4205897" y="0"/>
+                </a:cubicBezTo>
+                <a:cubicBezTo>
+                  <a:pt x="4352961" y="-22042"/>
+                  <a:pt x="4474805" y="-11846"/>
+                  <a:pt x="4558650" y="0"/>
+                </a:cubicBezTo>
+                <a:cubicBezTo>
+                  <a:pt x="4642495" y="11846"/>
+                  <a:pt x="5041928" y="-6069"/>
+                  <a:pt x="5237020" y="0"/>
+                </a:cubicBezTo>
+                <a:cubicBezTo>
+                  <a:pt x="5432112" y="6069"/>
+                  <a:pt x="5943266" y="-17479"/>
+                  <a:pt x="6132469" y="0"/>
+                </a:cubicBezTo>
+                <a:cubicBezTo>
+                  <a:pt x="6321672" y="17479"/>
+                  <a:pt x="6483872" y="26234"/>
+                  <a:pt x="6702301" y="0"/>
+                </a:cubicBezTo>
+                <a:cubicBezTo>
+                  <a:pt x="6920730" y="-26234"/>
+                  <a:pt x="6991194" y="-15156"/>
+                  <a:pt x="7272132" y="0"/>
+                </a:cubicBezTo>
+                <a:cubicBezTo>
+                  <a:pt x="7553070" y="15156"/>
+                  <a:pt x="7684444" y="-32961"/>
+                  <a:pt x="7950502" y="0"/>
+                </a:cubicBezTo>
+                <a:cubicBezTo>
+                  <a:pt x="8216560" y="32961"/>
+                  <a:pt x="8493290" y="-10491"/>
+                  <a:pt x="8737412" y="0"/>
+                </a:cubicBezTo>
+                <a:cubicBezTo>
+                  <a:pt x="8981534" y="10491"/>
+                  <a:pt x="9191586" y="-13899"/>
+                  <a:pt x="9524322" y="0"/>
+                </a:cubicBezTo>
+                <a:cubicBezTo>
+                  <a:pt x="9857058" y="13899"/>
+                  <a:pt x="10297509" y="7485"/>
+                  <a:pt x="10853928" y="0"/>
+                </a:cubicBezTo>
+                <a:cubicBezTo>
+                  <a:pt x="10854574" y="4451"/>
+                  <a:pt x="10854418" y="9226"/>
+                  <a:pt x="10853928" y="18288"/>
+                </a:cubicBezTo>
+                <a:cubicBezTo>
+                  <a:pt x="10691638" y="28522"/>
+                  <a:pt x="10574319" y="29578"/>
+                  <a:pt x="10392636" y="18288"/>
+                </a:cubicBezTo>
+                <a:cubicBezTo>
+                  <a:pt x="10210953" y="6998"/>
+                  <a:pt x="9836277" y="-16742"/>
+                  <a:pt x="9497187" y="18288"/>
+                </a:cubicBezTo>
+                <a:cubicBezTo>
+                  <a:pt x="9158097" y="53318"/>
+                  <a:pt x="9119479" y="30714"/>
+                  <a:pt x="8818817" y="18288"/>
+                </a:cubicBezTo>
+                <a:cubicBezTo>
+                  <a:pt x="8518155" y="5863"/>
+                  <a:pt x="8640037" y="6483"/>
+                  <a:pt x="8466064" y="18288"/>
+                </a:cubicBezTo>
+                <a:cubicBezTo>
+                  <a:pt x="8292091" y="30093"/>
+                  <a:pt x="7997656" y="18914"/>
+                  <a:pt x="7787693" y="18288"/>
+                </a:cubicBezTo>
+                <a:cubicBezTo>
+                  <a:pt x="7577730" y="17662"/>
+                  <a:pt x="7412468" y="21416"/>
+                  <a:pt x="7217862" y="18288"/>
+                </a:cubicBezTo>
+                <a:cubicBezTo>
+                  <a:pt x="7023256" y="15160"/>
+                  <a:pt x="6898018" y="14824"/>
+                  <a:pt x="6648031" y="18288"/>
+                </a:cubicBezTo>
+                <a:cubicBezTo>
+                  <a:pt x="6398044" y="21752"/>
+                  <a:pt x="6254402" y="38625"/>
+                  <a:pt x="6078200" y="18288"/>
+                </a:cubicBezTo>
+                <a:cubicBezTo>
+                  <a:pt x="5901998" y="-2049"/>
+                  <a:pt x="5622886" y="3213"/>
+                  <a:pt x="5508368" y="18288"/>
+                </a:cubicBezTo>
+                <a:cubicBezTo>
+                  <a:pt x="5393850" y="33363"/>
+                  <a:pt x="5036260" y="26830"/>
+                  <a:pt x="4721459" y="18288"/>
+                </a:cubicBezTo>
+                <a:cubicBezTo>
+                  <a:pt x="4406658" y="9746"/>
+                  <a:pt x="4239221" y="41551"/>
+                  <a:pt x="4043088" y="18288"/>
+                </a:cubicBezTo>
+                <a:cubicBezTo>
+                  <a:pt x="3846955" y="-4975"/>
+                  <a:pt x="3818802" y="34658"/>
+                  <a:pt x="3690336" y="18288"/>
+                </a:cubicBezTo>
+                <a:cubicBezTo>
+                  <a:pt x="3561870" y="1918"/>
+                  <a:pt x="3265491" y="42194"/>
+                  <a:pt x="3120504" y="18288"/>
+                </a:cubicBezTo>
+                <a:cubicBezTo>
+                  <a:pt x="2975517" y="-5618"/>
+                  <a:pt x="2720254" y="36673"/>
+                  <a:pt x="2333595" y="18288"/>
+                </a:cubicBezTo>
+                <a:cubicBezTo>
+                  <a:pt x="1946936" y="-97"/>
+                  <a:pt x="2097241" y="5776"/>
+                  <a:pt x="1872303" y="18288"/>
+                </a:cubicBezTo>
+                <a:cubicBezTo>
+                  <a:pt x="1647365" y="30800"/>
+                  <a:pt x="1282708" y="45380"/>
+                  <a:pt x="976854" y="18288"/>
+                </a:cubicBezTo>
+                <a:cubicBezTo>
+                  <a:pt x="671000" y="-8804"/>
+                  <a:pt x="408401" y="-12775"/>
+                  <a:pt x="0" y="18288"/>
+                </a:cubicBezTo>
+                <a:cubicBezTo>
+                  <a:pt x="-213" y="9468"/>
+                  <a:pt x="187" y="4459"/>
+                  <a:pt x="0" y="0"/>
+                </a:cubicBezTo>
+                <a:close/>
+              </a:path>
+              <a:path w="10853928" h="18288" stroke="0" extrusionOk="0">
+                <a:moveTo>
+                  <a:pt x="0" y="0"/>
+                </a:moveTo>
+                <a:cubicBezTo>
+                  <a:pt x="267322" y="15284"/>
+                  <a:pt x="415388" y="-21048"/>
+                  <a:pt x="569831" y="0"/>
+                </a:cubicBezTo>
+                <a:cubicBezTo>
+                  <a:pt x="724274" y="21048"/>
+                  <a:pt x="769333" y="-2353"/>
+                  <a:pt x="922584" y="0"/>
+                </a:cubicBezTo>
+                <a:cubicBezTo>
+                  <a:pt x="1075835" y="2353"/>
+                  <a:pt x="1399490" y="-145"/>
+                  <a:pt x="1818033" y="0"/>
+                </a:cubicBezTo>
+                <a:cubicBezTo>
+                  <a:pt x="2236576" y="145"/>
+                  <a:pt x="2145330" y="5482"/>
+                  <a:pt x="2387864" y="0"/>
+                </a:cubicBezTo>
+                <a:cubicBezTo>
+                  <a:pt x="2630398" y="-5482"/>
+                  <a:pt x="2793207" y="18487"/>
+                  <a:pt x="2957695" y="0"/>
+                </a:cubicBezTo>
+                <a:cubicBezTo>
+                  <a:pt x="3122183" y="-18487"/>
+                  <a:pt x="3579141" y="19003"/>
+                  <a:pt x="3853144" y="0"/>
+                </a:cubicBezTo>
+                <a:cubicBezTo>
+                  <a:pt x="4127147" y="-19003"/>
+                  <a:pt x="4209857" y="12211"/>
+                  <a:pt x="4314436" y="0"/>
+                </a:cubicBezTo>
+                <a:cubicBezTo>
+                  <a:pt x="4419015" y="-12211"/>
+                  <a:pt x="4762459" y="-17220"/>
+                  <a:pt x="5209885" y="0"/>
+                </a:cubicBezTo>
+                <a:cubicBezTo>
+                  <a:pt x="5657311" y="17220"/>
+                  <a:pt x="5692663" y="-3290"/>
+                  <a:pt x="6105335" y="0"/>
+                </a:cubicBezTo>
+                <a:cubicBezTo>
+                  <a:pt x="6518007" y="3290"/>
+                  <a:pt x="6455516" y="-5124"/>
+                  <a:pt x="6783705" y="0"/>
+                </a:cubicBezTo>
+                <a:cubicBezTo>
+                  <a:pt x="7111894" y="5124"/>
+                  <a:pt x="7441941" y="-17829"/>
+                  <a:pt x="7679154" y="0"/>
+                </a:cubicBezTo>
+                <a:cubicBezTo>
+                  <a:pt x="7916367" y="17829"/>
+                  <a:pt x="8102967" y="-24363"/>
+                  <a:pt x="8248985" y="0"/>
+                </a:cubicBezTo>
+                <a:cubicBezTo>
+                  <a:pt x="8395003" y="24363"/>
+                  <a:pt x="8552393" y="25505"/>
+                  <a:pt x="8818817" y="0"/>
+                </a:cubicBezTo>
+                <a:cubicBezTo>
+                  <a:pt x="9085241" y="-25505"/>
+                  <a:pt x="9411308" y="38000"/>
+                  <a:pt x="9605726" y="0"/>
+                </a:cubicBezTo>
+                <a:cubicBezTo>
+                  <a:pt x="9800144" y="-38000"/>
+                  <a:pt x="10006468" y="-25741"/>
+                  <a:pt x="10175558" y="0"/>
+                </a:cubicBezTo>
+                <a:cubicBezTo>
+                  <a:pt x="10344648" y="25741"/>
+                  <a:pt x="10696282" y="695"/>
+                  <a:pt x="10853928" y="0"/>
+                </a:cubicBezTo>
+                <a:cubicBezTo>
+                  <a:pt x="10853521" y="8690"/>
+                  <a:pt x="10853774" y="14141"/>
+                  <a:pt x="10853928" y="18288"/>
+                </a:cubicBezTo>
+                <a:cubicBezTo>
+                  <a:pt x="10608124" y="24255"/>
+                  <a:pt x="10343415" y="22307"/>
+                  <a:pt x="10067018" y="18288"/>
+                </a:cubicBezTo>
+                <a:cubicBezTo>
+                  <a:pt x="9790621" y="14270"/>
+                  <a:pt x="9843266" y="3564"/>
+                  <a:pt x="9714266" y="18288"/>
+                </a:cubicBezTo>
+                <a:cubicBezTo>
+                  <a:pt x="9585266" y="33012"/>
+                  <a:pt x="9379484" y="1875"/>
+                  <a:pt x="9252974" y="18288"/>
+                </a:cubicBezTo>
+                <a:cubicBezTo>
+                  <a:pt x="9126464" y="34701"/>
+                  <a:pt x="8580678" y="-4904"/>
+                  <a:pt x="8357525" y="18288"/>
+                </a:cubicBezTo>
+                <a:cubicBezTo>
+                  <a:pt x="8134372" y="41480"/>
+                  <a:pt x="7903199" y="26458"/>
+                  <a:pt x="7679154" y="18288"/>
+                </a:cubicBezTo>
+                <a:cubicBezTo>
+                  <a:pt x="7455109" y="10118"/>
+                  <a:pt x="7435944" y="27109"/>
+                  <a:pt x="7217862" y="18288"/>
+                </a:cubicBezTo>
+                <a:cubicBezTo>
+                  <a:pt x="6999780" y="9467"/>
+                  <a:pt x="6680409" y="18985"/>
+                  <a:pt x="6539492" y="18288"/>
+                </a:cubicBezTo>
+                <a:cubicBezTo>
+                  <a:pt x="6398575" y="17592"/>
+                  <a:pt x="6312077" y="33018"/>
+                  <a:pt x="6186739" y="18288"/>
+                </a:cubicBezTo>
+                <a:cubicBezTo>
+                  <a:pt x="6061401" y="3558"/>
+                  <a:pt x="5947033" y="12075"/>
+                  <a:pt x="5833986" y="18288"/>
+                </a:cubicBezTo>
+                <a:cubicBezTo>
+                  <a:pt x="5720939" y="24501"/>
+                  <a:pt x="5482226" y="8586"/>
+                  <a:pt x="5155616" y="18288"/>
+                </a:cubicBezTo>
+                <a:cubicBezTo>
+                  <a:pt x="4829006" y="27991"/>
+                  <a:pt x="4841274" y="29316"/>
+                  <a:pt x="4694324" y="18288"/>
+                </a:cubicBezTo>
+                <a:cubicBezTo>
+                  <a:pt x="4547374" y="7260"/>
+                  <a:pt x="4077675" y="7013"/>
+                  <a:pt x="3907414" y="18288"/>
+                </a:cubicBezTo>
+                <a:cubicBezTo>
+                  <a:pt x="3737153" y="29564"/>
+                  <a:pt x="3538393" y="21630"/>
+                  <a:pt x="3446122" y="18288"/>
+                </a:cubicBezTo>
+                <a:cubicBezTo>
+                  <a:pt x="3353851" y="14946"/>
+                  <a:pt x="2990320" y="-8091"/>
+                  <a:pt x="2659212" y="18288"/>
+                </a:cubicBezTo>
+                <a:cubicBezTo>
+                  <a:pt x="2328104" y="44667"/>
+                  <a:pt x="2427653" y="9607"/>
+                  <a:pt x="2306460" y="18288"/>
+                </a:cubicBezTo>
+                <a:cubicBezTo>
+                  <a:pt x="2185267" y="26969"/>
+                  <a:pt x="1719763" y="3717"/>
+                  <a:pt x="1519550" y="18288"/>
+                </a:cubicBezTo>
+                <a:cubicBezTo>
+                  <a:pt x="1319337" y="32860"/>
+                  <a:pt x="1167371" y="17040"/>
+                  <a:pt x="1058258" y="18288"/>
+                </a:cubicBezTo>
+                <a:cubicBezTo>
+                  <a:pt x="949145" y="19536"/>
+                  <a:pt x="780234" y="31447"/>
+                  <a:pt x="705505" y="18288"/>
+                </a:cubicBezTo>
+                <a:cubicBezTo>
+                  <a:pt x="630776" y="5129"/>
+                  <a:pt x="215796" y="30056"/>
+                  <a:pt x="0" y="18288"/>
+                </a:cubicBezTo>
+                <a:cubicBezTo>
+                  <a:pt x="-53" y="11301"/>
+                  <a:pt x="-649" y="7756"/>
+                  <a:pt x="0" y="0"/>
+                </a:cubicBezTo>
+                <a:close/>
+              </a:path>
+            </a:pathLst>
+          </a:custGeom>
+          <a:solidFill>
+            <a:schemeClr val="accent2"/>
+          </a:solidFill>
+          <a:ln w="41275" cap="rnd">
+            <a:solidFill>
+              <a:schemeClr val="accent2"/>
+            </a:solidFill>
+            <a:round/>
+            <a:extLst>
+              <a:ext uri="{C807C97D-BFC1-408E-A445-0C87EB9F89A2}">
+                <ask:lineSketchStyleProps xmlns="" xmlns:ask="http://schemas.microsoft.com/office/drawing/2018/sketchyshapes" sd="1219033472">
+                  <a:prstGeom prst="rect">
+                    <a:avLst/>
+                  </a:prstGeom>
+                  <ask:type>
+                    <ask:lineSketchFreehand/>
+                  </ask:type>
+                </ask:lineSketchStyleProps>
+              </a:ext>
+            </a:extLst>
+          </a:ln>
+        </p:spPr>
+        <p:style>
+          <a:lnRef idx="2">
+            <a:schemeClr val="accent1">
+              <a:shade val="50000"/>
+            </a:schemeClr>
+          </a:lnRef>
+          <a:fillRef idx="1">
+            <a:schemeClr val="accent1"/>
+          </a:fillRef>
+          <a:effectRef idx="0">
+            <a:schemeClr val="accent1"/>
+          </a:effectRef>
+          <a:fontRef idx="minor">
+            <a:schemeClr val="lt1"/>
+          </a:fontRef>
+        </p:style>
+        <p:txBody>
+          <a:bodyPr rtlCol="0" anchor="ctr"/>
+          <a:lstStyle/>
+          <a:p>
+            <a:pPr algn="ctr"/>
+            <a:endParaRPr lang="en-US"/>
+          </a:p>
+        </p:txBody>
+      </p:sp>
+      <p:sp>
+        <p:nvSpPr>
+          <p:cNvPr id="3" name="Θέση περιεχομένου 2">
+            <a:extLst>
+              <a:ext uri="{FF2B5EF4-FFF2-40B4-BE49-F238E27FC236}">
+                <a16:creationId xmlns:a16="http://schemas.microsoft.com/office/drawing/2014/main" id="{72FEB2E8-D346-4768-94F9-835B617C35DD}"/>
+              </a:ext>
+            </a:extLst>
+          </p:cNvPr>
+          <p:cNvSpPr>
+            <a:spLocks noGrp="1"/>
+          </p:cNvSpPr>
+          <p:nvPr>
+            <p:ph idx="1"/>
+          </p:nvPr>
+        </p:nvSpPr>
+        <p:spPr>
+          <a:xfrm>
+            <a:off x="838200" y="2055813"/>
+            <a:ext cx="10515600" cy="4437062"/>
+          </a:xfrm>
+        </p:spPr>
+        <p:txBody>
+          <a:bodyPr>
+            <a:normAutofit fontScale="55000" lnSpcReduction="20000"/>
+          </a:bodyPr>
+          <a:lstStyle/>
+          <a:p>
+            <a:pPr marL="0" indent="0">
+              <a:buNone/>
+            </a:pPr>
+            <a:r>
+              <a:rPr lang="en-US" sz="2600" dirty="0"/>
+              <a:t>Richards, S., Aziz, N., Bale, S., Bick, D., Das, S., </a:t>
+            </a:r>
+            <a:r>
+              <a:rPr lang="en-US" sz="2600" dirty="0" err="1"/>
+              <a:t>Gastier</a:t>
+            </a:r>
+            <a:r>
+              <a:rPr lang="en-US" sz="2600" dirty="0"/>
+              <a:t>-Foster, J., Grody, W. W., Hegde, M., Lyon, E., Spector, E., </a:t>
+            </a:r>
+            <a:r>
+              <a:rPr lang="en-US" sz="2600" dirty="0" err="1"/>
+              <a:t>Voelkerding</a:t>
+            </a:r>
+            <a:r>
+              <a:rPr lang="en-US" sz="2600" dirty="0"/>
+              <a:t>, K., Rehm, H. L., &amp; ACMG Laboratory Quality Assurance Committee (2015). Standards and guidelines for the interpretation of sequence variants: a joint consensus recommendation of the American College of Medical Genetics and Genomics and the Association for Molecular Pathology. </a:t>
+            </a:r>
+            <a:r>
+              <a:rPr lang="en-US" sz="2600" i="1" dirty="0"/>
+              <a:t>Genetics in medicine : official journal of the American College of Medical Genetics</a:t>
+            </a:r>
+            <a:r>
+              <a:rPr lang="en-US" sz="2600" dirty="0"/>
+              <a:t>, </a:t>
+            </a:r>
+            <a:r>
+              <a:rPr lang="en-US" sz="2600" i="1" dirty="0"/>
+              <a:t>17</a:t>
+            </a:r>
+            <a:r>
+              <a:rPr lang="en-US" sz="2600" dirty="0"/>
+              <a:t>(5), 405–424. </a:t>
+            </a:r>
+            <a:r>
+              <a:rPr lang="en-US" sz="2600" dirty="0">
+                <a:hlinkClick r:id="rId2"/>
+              </a:rPr>
+              <a:t>https://doi.org/10.1038/gim.2015.30</a:t>
+            </a:r>
+            <a:endParaRPr lang="en-US" sz="2600" dirty="0"/>
+          </a:p>
+          <a:p>
+            <a:pPr marL="0" indent="0">
+              <a:buNone/>
+            </a:pPr>
+            <a:endParaRPr lang="en-US" sz="2600" dirty="0"/>
+          </a:p>
+          <a:p>
+            <a:pPr marL="0" indent="0">
+              <a:buNone/>
+            </a:pPr>
+            <a:r>
+              <a:rPr lang="en-US" sz="2600" dirty="0" err="1"/>
+              <a:t>Tornesello</a:t>
+            </a:r>
+            <a:r>
+              <a:rPr lang="en-US" sz="2600" dirty="0"/>
+              <a:t> M. L. (2025). TP53 mutations in cancer: Molecular features and therapeutic opportunities (Review). </a:t>
+            </a:r>
+            <a:r>
+              <a:rPr lang="en-US" sz="2600" i="1" dirty="0"/>
+              <a:t>International journal of molecular medicine</a:t>
+            </a:r>
+            <a:r>
+              <a:rPr lang="en-US" sz="2600" dirty="0"/>
+              <a:t>, </a:t>
+            </a:r>
+            <a:r>
+              <a:rPr lang="en-US" sz="2600" i="1" dirty="0"/>
+              <a:t>55</a:t>
+            </a:r>
+            <a:r>
+              <a:rPr lang="en-US" sz="2600" dirty="0"/>
+              <a:t>(1), 7. </a:t>
+            </a:r>
+            <a:r>
+              <a:rPr lang="en-US" sz="2600" dirty="0">
+                <a:hlinkClick r:id="rId3"/>
+              </a:rPr>
+              <a:t>https://doi.org/10.3892/ijmm.2024.5448</a:t>
+            </a:r>
+            <a:endParaRPr lang="en-US" sz="2600" dirty="0"/>
+          </a:p>
+          <a:p>
+            <a:pPr marL="0" indent="0">
+              <a:buNone/>
+            </a:pPr>
+            <a:endParaRPr lang="en-US" sz="2600" dirty="0"/>
+          </a:p>
+          <a:p>
+            <a:pPr marL="0" indent="0">
+              <a:buNone/>
+            </a:pPr>
+            <a:r>
+              <a:rPr lang="en-US" sz="2600" dirty="0" err="1"/>
+              <a:t>Marei</a:t>
+            </a:r>
+            <a:r>
+              <a:rPr lang="en-US" sz="2600" dirty="0"/>
+              <a:t>, H.E., </a:t>
+            </a:r>
+            <a:r>
+              <a:rPr lang="en-US" sz="2600" dirty="0" err="1"/>
+              <a:t>Althani</a:t>
+            </a:r>
+            <a:r>
+              <a:rPr lang="en-US" sz="2600" dirty="0"/>
+              <a:t>, A., Afifi, N. </a:t>
+            </a:r>
+            <a:r>
+              <a:rPr lang="en-US" sz="2600" i="1" dirty="0"/>
+              <a:t>et al.</a:t>
+            </a:r>
+            <a:r>
+              <a:rPr lang="en-US" sz="2600" dirty="0"/>
+              <a:t> p53 signaling in cancer progression and therapy. </a:t>
+            </a:r>
+            <a:r>
+              <a:rPr lang="en-US" sz="2600" i="1" dirty="0"/>
+              <a:t>Cancer Cell Int</a:t>
+            </a:r>
+            <a:r>
+              <a:rPr lang="en-US" sz="2600" dirty="0"/>
+              <a:t> </a:t>
+            </a:r>
+            <a:r>
+              <a:rPr lang="en-US" sz="2600" b="1" dirty="0"/>
+              <a:t>21</a:t>
+            </a:r>
+            <a:r>
+              <a:rPr lang="en-US" sz="2600" dirty="0"/>
+              <a:t>, 703 (2021). </a:t>
+            </a:r>
+            <a:r>
+              <a:rPr lang="en-US" sz="2600" dirty="0">
+                <a:hlinkClick r:id="rId4"/>
+              </a:rPr>
+              <a:t>https://doi.org/10.1186/s12935-021-02396-8</a:t>
+            </a:r>
+            <a:endParaRPr lang="en-US" sz="2600" dirty="0"/>
+          </a:p>
+          <a:p>
+            <a:pPr marL="0" indent="0">
+              <a:buNone/>
+            </a:pPr>
+            <a:endParaRPr lang="en-US" sz="2600" dirty="0"/>
+          </a:p>
+          <a:p>
+            <a:pPr marL="0" indent="0">
+              <a:buNone/>
+            </a:pPr>
+            <a:r>
+              <a:rPr lang="en-US" sz="2600" dirty="0"/>
+              <a:t>Chen, X., Zhang, T., </a:t>
+            </a:r>
+            <a:r>
+              <a:rPr lang="en-US" sz="2600" dirty="0" err="1"/>
+              <a:t>Su</a:t>
+            </a:r>
+            <a:r>
+              <a:rPr lang="en-US" sz="2600" dirty="0"/>
+              <a:t>, W. </a:t>
+            </a:r>
+            <a:r>
+              <a:rPr lang="en-US" sz="2600" i="1" dirty="0"/>
+              <a:t>et al.</a:t>
+            </a:r>
+            <a:r>
+              <a:rPr lang="en-US" sz="2600" dirty="0"/>
+              <a:t> Mutant p53 in cancer: from molecular mechanism to therapeutic modulation. </a:t>
+            </a:r>
+            <a:r>
+              <a:rPr lang="en-US" sz="2600" i="1" dirty="0"/>
+              <a:t>Cell Death Dis</a:t>
+            </a:r>
+            <a:r>
+              <a:rPr lang="en-US" sz="2600" dirty="0"/>
+              <a:t> </a:t>
+            </a:r>
+            <a:r>
+              <a:rPr lang="en-US" sz="2600" b="1" dirty="0"/>
+              <a:t>13</a:t>
+            </a:r>
+            <a:r>
+              <a:rPr lang="en-US" sz="2600" dirty="0"/>
+              <a:t>, 974 (2022). </a:t>
+            </a:r>
+            <a:r>
+              <a:rPr lang="en-US" sz="2600" dirty="0">
+                <a:hlinkClick r:id="rId5"/>
+              </a:rPr>
+              <a:t>https://doi.org/10.1038/s41419-022-05408-1</a:t>
+            </a:r>
+            <a:endParaRPr lang="en-US" sz="2600" dirty="0"/>
+          </a:p>
+          <a:p>
+            <a:pPr marL="0" indent="0">
+              <a:buNone/>
+            </a:pPr>
+            <a:endParaRPr lang="en-US" sz="2600" dirty="0"/>
+          </a:p>
+          <a:p>
+            <a:pPr marL="0" indent="0">
+              <a:buNone/>
+            </a:pPr>
+            <a:r>
+              <a:rPr lang="en-US" sz="2600" dirty="0"/>
+              <a:t>Li, Marilyn M. et al. Standards and Guidelines for the Interpretation and Reporting of Sequence Variants in Cancer. The Journal of Molecular Diagnostics, Volume 19, Issue 1, 4 – 23</a:t>
+            </a:r>
+          </a:p>
+          <a:p>
+            <a:pPr marL="0" indent="0">
+              <a:buNone/>
+            </a:pPr>
+            <a:endParaRPr lang="en-US" sz="2600" dirty="0"/>
+          </a:p>
+          <a:p>
+            <a:pPr marL="0" indent="0">
+              <a:buNone/>
+            </a:pPr>
+            <a:r>
+              <a:rPr lang="en-US" sz="2600" dirty="0"/>
+              <a:t>Cortés-</a:t>
+            </a:r>
+            <a:r>
+              <a:rPr lang="en-US" sz="2600" dirty="0" err="1"/>
+              <a:t>Ciriano</a:t>
+            </a:r>
+            <a:r>
+              <a:rPr lang="en-US" sz="2600" dirty="0"/>
+              <a:t>, I., </a:t>
+            </a:r>
+            <a:r>
+              <a:rPr lang="en-US" sz="2600" dirty="0" err="1"/>
+              <a:t>Gulhan</a:t>
+            </a:r>
+            <a:r>
+              <a:rPr lang="en-US" sz="2600" dirty="0"/>
+              <a:t>, D.C., Lee, J.JK. </a:t>
+            </a:r>
+            <a:r>
+              <a:rPr lang="en-US" sz="2600" i="1" dirty="0"/>
+              <a:t>et al.</a:t>
+            </a:r>
+            <a:r>
+              <a:rPr lang="en-US" sz="2600" dirty="0"/>
+              <a:t> Computational analysis of cancer genome sequencing data. </a:t>
+            </a:r>
+            <a:r>
+              <a:rPr lang="en-US" sz="2600" i="1" dirty="0"/>
+              <a:t>Nat Rev Genet</a:t>
+            </a:r>
+            <a:r>
+              <a:rPr lang="en-US" sz="2600" dirty="0"/>
+              <a:t> </a:t>
+            </a:r>
+            <a:r>
+              <a:rPr lang="en-US" sz="2600" b="1" dirty="0"/>
+              <a:t>23</a:t>
+            </a:r>
+            <a:r>
+              <a:rPr lang="en-US" sz="2600" dirty="0"/>
+              <a:t>, 298–314 (2022). https://doi.org/10.1038/s41576-021-00431-y</a:t>
+            </a:r>
+          </a:p>
+          <a:p>
+            <a:pPr marL="0" indent="0">
+              <a:buNone/>
+            </a:pPr>
+            <a:endParaRPr lang="el-GR" sz="1900" dirty="0"/>
+          </a:p>
+        </p:txBody>
+      </p:sp>
+    </p:spTree>
+    <p:extLst>
+      <p:ext uri="{BB962C8B-B14F-4D97-AF65-F5344CB8AC3E}">
+        <p14:creationId xmlns:p14="http://schemas.microsoft.com/office/powerpoint/2010/main" val="3969342375"/>
+      </p:ext>
+    </p:extLst>
+  </p:cSld>
+  <p:clrMapOvr>
+    <a:masterClrMapping/>
+  </p:clrMapOvr>
+</p:sld>
+</file>
+
 <file path=ppt/slides/slide2.xml><?xml version="1.0" encoding="utf-8"?>
 <p:sld xmlns:a="http://schemas.openxmlformats.org/drawingml/2006/main" xmlns:r="http://schemas.openxmlformats.org/officeDocument/2006/relationships" xmlns:p="http://schemas.openxmlformats.org/presentationml/2006/main">
   <p:cSld>
@@ -31261,7 +32345,7 @@
             <p:ph idx="1"/>
             <p:extLst>
               <p:ext uri="{D42A27DB-BD31-4B8C-83A1-F6EECF244321}">
-                <p14:modId xmlns:p14="http://schemas.microsoft.com/office/powerpoint/2010/main" val="1870262946"/>
+                <p14:modId xmlns:p14="http://schemas.microsoft.com/office/powerpoint/2010/main" val="866962989"/>
               </p:ext>
             </p:extLst>
           </p:nvPr>
